--- a/docs/Topic Modeling.pptx
+++ b/docs/Topic Modeling.pptx
@@ -11,6 +11,7 @@
     <p:sldId id="259" r:id="rId5"/>
     <p:sldId id="260" r:id="rId6"/>
     <p:sldId id="261" r:id="rId7"/>
+    <p:sldId id="262" r:id="rId8"/>
   </p:sldIdLst>
   <p:sldSz cx="12192000" cy="6858000"/>
   <p:notesSz cx="6858000" cy="9144000"/>
@@ -264,7 +265,7 @@
           <a:p>
             <a:fld id="{DABF2AC0-A3DD-4772-A5E6-2AFED81AC8F7}" type="datetimeFigureOut">
               <a:rPr lang="zh-CN" altLang="en-US" smtClean="0"/>
-              <a:t>2022/3/6</a:t>
+              <a:t>2022/3/7</a:t>
             </a:fld>
             <a:endParaRPr lang="zh-CN" altLang="en-US"/>
           </a:p>
@@ -462,7 +463,7 @@
           <a:p>
             <a:fld id="{DABF2AC0-A3DD-4772-A5E6-2AFED81AC8F7}" type="datetimeFigureOut">
               <a:rPr lang="zh-CN" altLang="en-US" smtClean="0"/>
-              <a:t>2022/3/6</a:t>
+              <a:t>2022/3/7</a:t>
             </a:fld>
             <a:endParaRPr lang="zh-CN" altLang="en-US"/>
           </a:p>
@@ -670,7 +671,7 @@
           <a:p>
             <a:fld id="{DABF2AC0-A3DD-4772-A5E6-2AFED81AC8F7}" type="datetimeFigureOut">
               <a:rPr lang="zh-CN" altLang="en-US" smtClean="0"/>
-              <a:t>2022/3/6</a:t>
+              <a:t>2022/3/7</a:t>
             </a:fld>
             <a:endParaRPr lang="zh-CN" altLang="en-US"/>
           </a:p>
@@ -868,7 +869,7 @@
           <a:p>
             <a:fld id="{DABF2AC0-A3DD-4772-A5E6-2AFED81AC8F7}" type="datetimeFigureOut">
               <a:rPr lang="zh-CN" altLang="en-US" smtClean="0"/>
-              <a:t>2022/3/6</a:t>
+              <a:t>2022/3/7</a:t>
             </a:fld>
             <a:endParaRPr lang="zh-CN" altLang="en-US"/>
           </a:p>
@@ -1143,7 +1144,7 @@
           <a:p>
             <a:fld id="{DABF2AC0-A3DD-4772-A5E6-2AFED81AC8F7}" type="datetimeFigureOut">
               <a:rPr lang="zh-CN" altLang="en-US" smtClean="0"/>
-              <a:t>2022/3/6</a:t>
+              <a:t>2022/3/7</a:t>
             </a:fld>
             <a:endParaRPr lang="zh-CN" altLang="en-US"/>
           </a:p>
@@ -1408,7 +1409,7 @@
           <a:p>
             <a:fld id="{DABF2AC0-A3DD-4772-A5E6-2AFED81AC8F7}" type="datetimeFigureOut">
               <a:rPr lang="zh-CN" altLang="en-US" smtClean="0"/>
-              <a:t>2022/3/6</a:t>
+              <a:t>2022/3/7</a:t>
             </a:fld>
             <a:endParaRPr lang="zh-CN" altLang="en-US"/>
           </a:p>
@@ -1820,7 +1821,7 @@
           <a:p>
             <a:fld id="{DABF2AC0-A3DD-4772-A5E6-2AFED81AC8F7}" type="datetimeFigureOut">
               <a:rPr lang="zh-CN" altLang="en-US" smtClean="0"/>
-              <a:t>2022/3/6</a:t>
+              <a:t>2022/3/7</a:t>
             </a:fld>
             <a:endParaRPr lang="zh-CN" altLang="en-US"/>
           </a:p>
@@ -1961,7 +1962,7 @@
           <a:p>
             <a:fld id="{DABF2AC0-A3DD-4772-A5E6-2AFED81AC8F7}" type="datetimeFigureOut">
               <a:rPr lang="zh-CN" altLang="en-US" smtClean="0"/>
-              <a:t>2022/3/6</a:t>
+              <a:t>2022/3/7</a:t>
             </a:fld>
             <a:endParaRPr lang="zh-CN" altLang="en-US"/>
           </a:p>
@@ -2074,7 +2075,7 @@
           <a:p>
             <a:fld id="{DABF2AC0-A3DD-4772-A5E6-2AFED81AC8F7}" type="datetimeFigureOut">
               <a:rPr lang="zh-CN" altLang="en-US" smtClean="0"/>
-              <a:t>2022/3/6</a:t>
+              <a:t>2022/3/7</a:t>
             </a:fld>
             <a:endParaRPr lang="zh-CN" altLang="en-US"/>
           </a:p>
@@ -2385,7 +2386,7 @@
           <a:p>
             <a:fld id="{DABF2AC0-A3DD-4772-A5E6-2AFED81AC8F7}" type="datetimeFigureOut">
               <a:rPr lang="zh-CN" altLang="en-US" smtClean="0"/>
-              <a:t>2022/3/6</a:t>
+              <a:t>2022/3/7</a:t>
             </a:fld>
             <a:endParaRPr lang="zh-CN" altLang="en-US"/>
           </a:p>
@@ -2673,7 +2674,7 @@
           <a:p>
             <a:fld id="{DABF2AC0-A3DD-4772-A5E6-2AFED81AC8F7}" type="datetimeFigureOut">
               <a:rPr lang="zh-CN" altLang="en-US" smtClean="0"/>
-              <a:t>2022/3/6</a:t>
+              <a:t>2022/3/7</a:t>
             </a:fld>
             <a:endParaRPr lang="zh-CN" altLang="en-US"/>
           </a:p>
@@ -2914,7 +2915,7 @@
           <a:p>
             <a:fld id="{DABF2AC0-A3DD-4772-A5E6-2AFED81AC8F7}" type="datetimeFigureOut">
               <a:rPr lang="zh-CN" altLang="en-US" smtClean="0"/>
-              <a:t>2022/3/6</a:t>
+              <a:t>2022/3/7</a:t>
             </a:fld>
             <a:endParaRPr lang="zh-CN" altLang="en-US"/>
           </a:p>
@@ -3697,7 +3698,7 @@
                               <a:rPr lang="en-US" altLang="zh-CN" b="0" i="1" smtClean="0">
                                 <a:latin typeface="Cambria Math" panose="02040503050406030204" pitchFamily="18" charset="0"/>
                               </a:rPr>
-                              <m:t>𝑁</m:t>
+                              <m:t>𝑀</m:t>
                             </m:r>
                           </m:sub>
                         </m:sSub>
@@ -3798,7 +3799,7 @@
                               <a:rPr lang="en-US" altLang="zh-CN" b="0" i="1" smtClean="0">
                                 <a:latin typeface="Cambria Math" panose="02040503050406030204" pitchFamily="18" charset="0"/>
                               </a:rPr>
-                              <m:t>𝑀</m:t>
+                              <m:t>𝑁</m:t>
                             </m:r>
                           </m:sub>
                         </m:sSub>
@@ -3816,7 +3817,7 @@
                       <a:rPr lang="en-US" altLang="zh-CN" b="0" i="1" smtClean="0">
                         <a:latin typeface="Cambria Math" panose="02040503050406030204" pitchFamily="18" charset="0"/>
                       </a:rPr>
-                      <m:t>𝑝</m:t>
+                      <m:t>𝑃</m:t>
                     </m:r>
                     <m:d>
                       <m:dPr>
@@ -3851,23 +3852,18 @@
                 </a14:m>
                 <a:r>
                   <a:rPr lang="en-US" altLang="zh-CN" dirty="0"/>
-                  <a:t>, which </a:t>
-                </a:r>
-                <a:r>
-                  <a:rPr lang="en-US" altLang="zh-CN"/>
-                  <a:t>can simply be </a:t>
-                </a:r>
-                <a:r>
-                  <a:rPr lang="en-US" altLang="zh-CN" dirty="0"/>
-                  <a:t>the co-occurrence matrix </a:t>
+                  <a:t>, which can simply be the co-occurrence matrix </a:t>
                 </a:r>
                 <a14:m>
                   <m:oMath xmlns:m="http://schemas.openxmlformats.org/officeDocument/2006/math">
                     <m:r>
-                      <a:rPr lang="en-US" altLang="zh-CN" b="0" i="1" smtClean="0">
-                        <a:latin typeface="Cambria Math" panose="02040503050406030204" pitchFamily="18" charset="0"/>
-                      </a:rPr>
-                      <m:t>𝑀</m:t>
+                      <m:rPr>
+                        <m:sty m:val="p"/>
+                      </m:rPr>
+                      <a:rPr lang="en-US" altLang="zh-CN" b="0" i="0" smtClean="0">
+                        <a:latin typeface="Cambria Math" panose="02040503050406030204" pitchFamily="18" charset="0"/>
+                      </a:rPr>
+                      <m:t>A</m:t>
                     </m:r>
                     <m:r>
                       <a:rPr lang="en-US" altLang="zh-CN" b="0" i="1" smtClean="0">
@@ -4092,7 +4088,7 @@
               <a:lstStyle/>
               <a:p>
                 <a:r>
-                  <a:rPr lang="zh-CN" altLang="en-US">
+                  <a:rPr lang="en-US">
                     <a:noFill/>
                   </a:rPr>
                   <a:t> </a:t>
@@ -4643,7 +4639,7 @@
                 <a:pPr lvl="1"/>
                 <a:r>
                   <a:rPr lang="en-US" altLang="zh-CN" dirty="0"/>
-                  <a:t>It assumes a Gaussian distribution of the terms in the documents, which is </a:t>
+                  <a:t>From the statistical point of view, it assumes a Gaussian distribution of the terms in the documents, which is </a:t>
                 </a:r>
                 <a:r>
                   <a:rPr lang="en-US" altLang="zh-CN" dirty="0" err="1"/>
@@ -4691,7 +4687,7 @@
               <a:lstStyle/>
               <a:p>
                 <a:r>
-                  <a:rPr lang="zh-CN" altLang="en-US">
+                  <a:rPr lang="en-US">
                     <a:noFill/>
                   </a:rPr>
                   <a:t> </a:t>
@@ -4866,7 +4862,7 @@
                       <a:rPr lang="en-US" altLang="zh-CN" b="0" i="1" smtClean="0">
                         <a:latin typeface="Cambria Math" panose="02040503050406030204" pitchFamily="18" charset="0"/>
                       </a:rPr>
-                      <m:t>𝑝</m:t>
+                      <m:t>𝑃</m:t>
                     </m:r>
                     <m:d>
                       <m:dPr>
@@ -4921,7 +4917,7 @@
                       <a:rPr lang="en-US" altLang="zh-CN" b="0" i="1" smtClean="0">
                         <a:latin typeface="Cambria Math" panose="02040503050406030204" pitchFamily="18" charset="0"/>
                       </a:rPr>
-                      <m:t>𝑝</m:t>
+                      <m:t>𝑃</m:t>
                     </m:r>
                     <m:r>
                       <a:rPr lang="en-US" altLang="zh-CN" b="0" i="1" smtClean="0">
@@ -4965,7 +4961,7 @@
                       <a:rPr lang="en-US" altLang="zh-CN" b="0" i="1" smtClean="0">
                         <a:latin typeface="Cambria Math" panose="02040503050406030204" pitchFamily="18" charset="0"/>
                       </a:rPr>
-                      <m:t>𝑁</m:t>
+                      <m:t>𝑀</m:t>
                     </m:r>
                     <m:r>
                       <a:rPr lang="en-US" altLang="zh-CN" b="0" i="1" smtClean="0">
@@ -5024,7 +5020,7 @@
                       <a:rPr lang="en-US" altLang="zh-CN" b="0" i="1" smtClean="0">
                         <a:latin typeface="Cambria Math" panose="02040503050406030204" pitchFamily="18" charset="0"/>
                       </a:rPr>
-                      <m:t>𝑝</m:t>
+                      <m:t>𝑃</m:t>
                     </m:r>
                     <m:r>
                       <a:rPr lang="en-US" altLang="zh-CN" b="0" i="1" smtClean="0">
@@ -5068,7 +5064,7 @@
                       <a:rPr lang="en-US" altLang="zh-CN" b="0" i="1" smtClean="0">
                         <a:latin typeface="Cambria Math" panose="02040503050406030204" pitchFamily="18" charset="0"/>
                       </a:rPr>
-                      <m:t>𝑀</m:t>
+                      <m:t>𝑁</m:t>
                     </m:r>
                     <m:r>
                       <a:rPr lang="en-US" altLang="zh-CN" b="0" i="1" smtClean="0">
@@ -5201,7 +5197,7 @@
               <a:lstStyle/>
               <a:p>
                 <a:r>
-                  <a:rPr lang="zh-CN" altLang="en-US">
+                  <a:rPr lang="en-US">
                     <a:noFill/>
                   </a:rPr>
                   <a:t> </a:t>
@@ -5213,10 +5209,10 @@
       </mc:AlternateContent>
       <p:pic>
         <p:nvPicPr>
-          <p:cNvPr id="7" name="图片 6">
-            <a:extLst>
-              <a:ext uri="{FF2B5EF4-FFF2-40B4-BE49-F238E27FC236}">
-                <a16:creationId xmlns:a16="http://schemas.microsoft.com/office/drawing/2014/main" id="{5FEA1435-6AE3-47D6-9AE5-DC65D1961386}"/>
+          <p:cNvPr id="11" name="图片 10">
+            <a:extLst>
+              <a:ext uri="{FF2B5EF4-FFF2-40B4-BE49-F238E27FC236}">
+                <a16:creationId xmlns:a16="http://schemas.microsoft.com/office/drawing/2014/main" id="{CEE2725A-A66D-491B-B6F5-4BB7B5CEAB8A}"/>
               </a:ext>
             </a:extLst>
           </p:cNvPr>
@@ -5227,36 +5223,6 @@
         </p:nvPicPr>
         <p:blipFill>
           <a:blip r:embed="rId3"/>
-          <a:stretch>
-            <a:fillRect/>
-          </a:stretch>
-        </p:blipFill>
-        <p:spPr>
-          <a:xfrm>
-            <a:off x="2969423" y="0"/>
-            <a:ext cx="7767160" cy="1915936"/>
-          </a:xfrm>
-          <a:prstGeom prst="rect">
-            <a:avLst/>
-          </a:prstGeom>
-        </p:spPr>
-      </p:pic>
-      <p:pic>
-        <p:nvPicPr>
-          <p:cNvPr id="11" name="图片 10">
-            <a:extLst>
-              <a:ext uri="{FF2B5EF4-FFF2-40B4-BE49-F238E27FC236}">
-                <a16:creationId xmlns:a16="http://schemas.microsoft.com/office/drawing/2014/main" id="{CEE2725A-A66D-491B-B6F5-4BB7B5CEAB8A}"/>
-              </a:ext>
-            </a:extLst>
-          </p:cNvPr>
-          <p:cNvPicPr>
-            <a:picLocks noChangeAspect="1"/>
-          </p:cNvPicPr>
-          <p:nvPr/>
-        </p:nvPicPr>
-        <p:blipFill>
-          <a:blip r:embed="rId4"/>
           <a:stretch>
             <a:fillRect/>
           </a:stretch>
@@ -5286,7 +5252,7 @@
           <p:nvPr/>
         </p:nvPicPr>
         <p:blipFill>
-          <a:blip r:embed="rId5"/>
+          <a:blip r:embed="rId4"/>
           <a:stretch>
             <a:fillRect/>
           </a:stretch>
@@ -5295,6 +5261,36 @@
           <a:xfrm>
             <a:off x="4204253" y="4001294"/>
             <a:ext cx="3783494" cy="648599"/>
+          </a:xfrm>
+          <a:prstGeom prst="rect">
+            <a:avLst/>
+          </a:prstGeom>
+        </p:spPr>
+      </p:pic>
+      <p:pic>
+        <p:nvPicPr>
+          <p:cNvPr id="5" name="Picture 4">
+            <a:extLst>
+              <a:ext uri="{FF2B5EF4-FFF2-40B4-BE49-F238E27FC236}">
+                <a16:creationId xmlns:a16="http://schemas.microsoft.com/office/drawing/2014/main" id="{703F428D-8B0C-49EC-BF12-AC2F98F58AC6}"/>
+              </a:ext>
+            </a:extLst>
+          </p:cNvPr>
+          <p:cNvPicPr>
+            <a:picLocks noChangeAspect="1"/>
+          </p:cNvPicPr>
+          <p:nvPr/>
+        </p:nvPicPr>
+        <p:blipFill>
+          <a:blip r:embed="rId5"/>
+          <a:stretch>
+            <a:fillRect/>
+          </a:stretch>
+        </p:blipFill>
+        <p:spPr>
+          <a:xfrm>
+            <a:off x="3922402" y="37666"/>
+            <a:ext cx="4347194" cy="1787959"/>
           </a:xfrm>
           <a:prstGeom prst="rect">
             <a:avLst/>
@@ -5378,9 +5374,16 @@
                 <p:ph idx="1"/>
               </p:nvPr>
             </p:nvSpPr>
-            <p:spPr/>
+            <p:spPr>
+              <a:xfrm>
+                <a:off x="838200" y="1825623"/>
+                <a:ext cx="10515600" cy="4667251"/>
+              </a:xfrm>
+            </p:spPr>
             <p:txBody>
-              <a:bodyPr/>
+              <a:bodyPr>
+                <a:normAutofit lnSpcReduction="10000"/>
+              </a:bodyPr>
               <a:lstStyle/>
               <a:p>
                 <a:r>
@@ -5393,7 +5396,7 @@
                       <a:rPr lang="en-US" altLang="zh-CN" b="0" i="1" smtClean="0">
                         <a:latin typeface="Cambria Math" panose="02040503050406030204" pitchFamily="18" charset="0"/>
                       </a:rPr>
-                      <m:t>𝑝</m:t>
+                      <m:t>𝑃</m:t>
                     </m:r>
                     <m:d>
                       <m:dPr>
@@ -5436,7 +5439,7 @@
                       <a:rPr lang="en-US" altLang="zh-CN" b="0" i="1" smtClean="0">
                         <a:latin typeface="Cambria Math" panose="02040503050406030204" pitchFamily="18" charset="0"/>
                       </a:rPr>
-                      <m:t>𝑝</m:t>
+                      <m:t>𝑃</m:t>
                     </m:r>
                     <m:r>
                       <a:rPr lang="en-US" altLang="zh-CN" b="0" i="1" smtClean="0">
@@ -5476,7 +5479,7 @@
                 </a:r>
                 <a:r>
                   <a:rPr lang="en-US" altLang="zh-CN" dirty="0"/>
-                  <a:t>in PLSA are modeled as multinomial distribution, and is optimized by maximizing likelihood, which tends to have low sparsity. This limits the inference efficiency and cannot well generalize to new documents.</a:t>
+                  <a:t>in PLSA are modeled as multinomial distribution over the training set, which limits its inference ability for unseen documents; and PLSA is optimized by maximizing likelihood, which tends to have low sparsity. </a:t>
                 </a:r>
               </a:p>
               <a:p>
@@ -5528,7 +5531,7 @@
                       <a:rPr lang="en-US" altLang="zh-CN" i="1">
                         <a:latin typeface="Cambria Math" panose="02040503050406030204" pitchFamily="18" charset="0"/>
                       </a:rPr>
-                      <m:t>𝑝</m:t>
+                      <m:t>𝑃</m:t>
                     </m:r>
                     <m:d>
                       <m:dPr>
@@ -5568,10 +5571,10 @@
                 <a14:m>
                   <m:oMath xmlns:m="http://schemas.openxmlformats.org/officeDocument/2006/math">
                     <m:r>
-                      <a:rPr lang="en-US" altLang="zh-CN" i="1">
-                        <a:latin typeface="Cambria Math" panose="02040503050406030204" pitchFamily="18" charset="0"/>
-                      </a:rPr>
-                      <m:t>𝑝</m:t>
+                      <a:rPr lang="en-US" altLang="zh-CN" b="0" i="1" smtClean="0">
+                        <a:latin typeface="Cambria Math" panose="02040503050406030204" pitchFamily="18" charset="0"/>
+                      </a:rPr>
+                      <m:t>𝑃</m:t>
                     </m:r>
                     <m:r>
                       <a:rPr lang="en-US" altLang="zh-CN" i="1">
@@ -5611,9 +5614,171 @@
                 </a:r>
                 <a:r>
                   <a:rPr lang="en-US" altLang="zh-CN" dirty="0"/>
-                  <a:t>respectively.</a:t>
-                </a:r>
-                <a:endParaRPr lang="en-US" altLang="zh-CN" i="1" dirty="0"/>
+                  <a:t>respectively: a larger parameter pushes the topic distribution to the corner of the </a:t>
+                </a:r>
+                <a14:m>
+                  <m:oMath xmlns:m="http://schemas.openxmlformats.org/officeDocument/2006/math">
+                    <m:r>
+                      <a:rPr lang="en-US" altLang="zh-CN" b="0" i="1" smtClean="0">
+                        <a:latin typeface="Cambria Math" panose="02040503050406030204" pitchFamily="18" charset="0"/>
+                      </a:rPr>
+                      <m:t>𝑀</m:t>
+                    </m:r>
+                    <m:r>
+                      <a:rPr lang="en-US" altLang="zh-CN" b="0" i="1" smtClean="0">
+                        <a:latin typeface="Cambria Math" panose="02040503050406030204" pitchFamily="18" charset="0"/>
+                      </a:rPr>
+                      <m:t>−1</m:t>
+                    </m:r>
+                  </m:oMath>
+                </a14:m>
+                <a:r>
+                  <a:rPr lang="en-US" altLang="zh-CN" dirty="0"/>
+                  <a:t>/</a:t>
+                </a:r>
+                <a14:m>
+                  <m:oMath xmlns:m="http://schemas.openxmlformats.org/officeDocument/2006/math">
+                    <m:r>
+                      <a:rPr lang="en-US" altLang="zh-CN" b="0" i="1" dirty="0" smtClean="0">
+                        <a:latin typeface="Cambria Math" panose="02040503050406030204" pitchFamily="18" charset="0"/>
+                      </a:rPr>
+                      <m:t>𝑁</m:t>
+                    </m:r>
+                    <m:r>
+                      <a:rPr lang="en-US" altLang="zh-CN" b="0" i="1" dirty="0" smtClean="0">
+                        <a:latin typeface="Cambria Math" panose="02040503050406030204" pitchFamily="18" charset="0"/>
+                      </a:rPr>
+                      <m:t>−1</m:t>
+                    </m:r>
+                  </m:oMath>
+                </a14:m>
+                <a:r>
+                  <a:rPr lang="en-US" altLang="zh-CN" dirty="0"/>
+                  <a:t> simplex.</a:t>
+                </a:r>
+              </a:p>
+              <a:p>
+                <a:r>
+                  <a:rPr lang="en-US" altLang="zh-CN" dirty="0"/>
+                  <a:t>Use variational inference to estimate the posterior:</a:t>
+                </a:r>
+              </a:p>
+              <a:p>
+                <a:pPr marL="0" indent="0">
+                  <a:buNone/>
+                </a:pPr>
+                <a14:m>
+                  <m:oMathPara xmlns:m="http://schemas.openxmlformats.org/officeDocument/2006/math">
+                    <m:oMathParaPr>
+                      <m:jc m:val="centerGroup"/>
+                    </m:oMathParaPr>
+                    <m:oMath xmlns:m="http://schemas.openxmlformats.org/officeDocument/2006/math">
+                      <m:r>
+                        <a:rPr lang="en-US" altLang="zh-CN" b="0" i="1" smtClean="0">
+                          <a:latin typeface="Cambria Math" panose="02040503050406030204" pitchFamily="18" charset="0"/>
+                        </a:rPr>
+                        <m:t>𝑃</m:t>
+                      </m:r>
+                      <m:d>
+                        <m:dPr>
+                          <m:ctrlPr>
+                            <a:rPr lang="en-US" altLang="zh-CN" b="0" i="1" smtClean="0">
+                              <a:latin typeface="Cambria Math" panose="02040503050406030204" pitchFamily="18" charset="0"/>
+                            </a:rPr>
+                          </m:ctrlPr>
+                        </m:dPr>
+                        <m:e>
+                          <m:r>
+                            <a:rPr lang="en-US" altLang="zh-CN" b="0" i="1" smtClean="0">
+                              <a:latin typeface="Cambria Math" panose="02040503050406030204" pitchFamily="18" charset="0"/>
+                            </a:rPr>
+                            <m:t>𝜃</m:t>
+                          </m:r>
+                          <m:r>
+                            <a:rPr lang="en-US" altLang="zh-CN" b="0" i="1" smtClean="0">
+                              <a:latin typeface="Cambria Math" panose="02040503050406030204" pitchFamily="18" charset="0"/>
+                            </a:rPr>
+                            <m:t>,</m:t>
+                          </m:r>
+                          <m:r>
+                            <a:rPr lang="en-US" altLang="zh-CN" b="0" i="1" smtClean="0">
+                              <a:latin typeface="Cambria Math" panose="02040503050406030204" pitchFamily="18" charset="0"/>
+                            </a:rPr>
+                            <m:t>𝑍</m:t>
+                          </m:r>
+                          <m:r>
+                            <a:rPr lang="en-US" altLang="zh-CN" b="0" i="1" smtClean="0">
+                              <a:latin typeface="Cambria Math" panose="02040503050406030204" pitchFamily="18" charset="0"/>
+                            </a:rPr>
+                            <m:t>,</m:t>
+                          </m:r>
+                          <m:r>
+                            <m:rPr>
+                              <m:sty m:val="p"/>
+                            </m:rPr>
+                            <a:rPr lang="en-US" altLang="zh-CN">
+                              <a:latin typeface="Cambria Math" panose="02040503050406030204" pitchFamily="18" charset="0"/>
+                              <a:ea typeface="Cambria Math" panose="02040503050406030204" pitchFamily="18" charset="0"/>
+                            </a:rPr>
+                            <m:t>φ</m:t>
+                          </m:r>
+                          <m:r>
+                            <a:rPr lang="en-US" altLang="zh-CN" b="0" i="1" smtClean="0">
+                              <a:latin typeface="Cambria Math" panose="02040503050406030204" pitchFamily="18" charset="0"/>
+                              <a:ea typeface="Cambria Math" panose="02040503050406030204" pitchFamily="18" charset="0"/>
+                            </a:rPr>
+                            <m:t>|</m:t>
+                          </m:r>
+                          <m:r>
+                            <a:rPr lang="en-US" altLang="zh-CN" b="0" i="1" smtClean="0">
+                              <a:latin typeface="Cambria Math" panose="02040503050406030204" pitchFamily="18" charset="0"/>
+                              <a:ea typeface="Cambria Math" panose="02040503050406030204" pitchFamily="18" charset="0"/>
+                            </a:rPr>
+                            <m:t>𝐷</m:t>
+                          </m:r>
+                          <m:r>
+                            <a:rPr lang="en-US" altLang="zh-CN" b="0" i="1" smtClean="0">
+                              <a:latin typeface="Cambria Math" panose="02040503050406030204" pitchFamily="18" charset="0"/>
+                              <a:ea typeface="Cambria Math" panose="02040503050406030204" pitchFamily="18" charset="0"/>
+                            </a:rPr>
+                            <m:t>,</m:t>
+                          </m:r>
+                          <m:r>
+                            <a:rPr lang="en-US" altLang="zh-CN" b="0" i="1" smtClean="0">
+                              <a:latin typeface="Cambria Math" panose="02040503050406030204" pitchFamily="18" charset="0"/>
+                              <a:ea typeface="Cambria Math" panose="02040503050406030204" pitchFamily="18" charset="0"/>
+                            </a:rPr>
+                            <m:t>𝛼</m:t>
+                          </m:r>
+                          <m:r>
+                            <a:rPr lang="en-US" altLang="zh-CN" b="0" i="1" smtClean="0">
+                              <a:latin typeface="Cambria Math" panose="02040503050406030204" pitchFamily="18" charset="0"/>
+                              <a:ea typeface="Cambria Math" panose="02040503050406030204" pitchFamily="18" charset="0"/>
+                            </a:rPr>
+                            <m:t>,</m:t>
+                          </m:r>
+                          <m:r>
+                            <a:rPr lang="en-US" altLang="zh-CN" b="0" i="1" smtClean="0">
+                              <a:latin typeface="Cambria Math" panose="02040503050406030204" pitchFamily="18" charset="0"/>
+                              <a:ea typeface="Cambria Math" panose="02040503050406030204" pitchFamily="18" charset="0"/>
+                            </a:rPr>
+                            <m:t>𝛽</m:t>
+                          </m:r>
+                        </m:e>
+                      </m:d>
+                    </m:oMath>
+                  </m:oMathPara>
+                </a14:m>
+                <a:endParaRPr lang="en-US" altLang="zh-CN" dirty="0"/>
+              </a:p>
+              <a:p>
+                <a:pPr marL="0" indent="0">
+                  <a:buNone/>
+                </a:pPr>
+                <a:r>
+                  <a:rPr lang="en-US" altLang="zh-CN" dirty="0"/>
+                  <a:t> </a:t>
+                </a:r>
               </a:p>
             </p:txBody>
           </p:sp>
@@ -5636,10 +5801,14 @@
               </p:nvPr>
             </p:nvSpPr>
             <p:spPr>
+              <a:xfrm>
+                <a:off x="838200" y="1825623"/>
+                <a:ext cx="10515600" cy="4667251"/>
+              </a:xfrm>
               <a:blipFill>
                 <a:blip r:embed="rId2"/>
                 <a:stretch>
-                  <a:fillRect l="-1043" t="-2381" r="-1043"/>
+                  <a:fillRect l="-1043" t="-3003" r="-1797"/>
                 </a:stretch>
               </a:blipFill>
             </p:spPr>
@@ -5648,7 +5817,7 @@
               <a:lstStyle/>
               <a:p>
                 <a:r>
-                  <a:rPr lang="zh-CN" altLang="en-US">
+                  <a:rPr lang="en-US">
                     <a:noFill/>
                   </a:rPr>
                   <a:t> </a:t>
@@ -5658,10 +5827,120 @@
           </p:sp>
         </mc:Fallback>
       </mc:AlternateContent>
+      <p:pic>
+        <p:nvPicPr>
+          <p:cNvPr id="7" name="Picture 6">
+            <a:extLst>
+              <a:ext uri="{FF2B5EF4-FFF2-40B4-BE49-F238E27FC236}">
+                <a16:creationId xmlns:a16="http://schemas.microsoft.com/office/drawing/2014/main" id="{3673590C-177D-40B5-9C51-DB0621C3C37E}"/>
+              </a:ext>
+            </a:extLst>
+          </p:cNvPr>
+          <p:cNvPicPr>
+            <a:picLocks noChangeAspect="1"/>
+          </p:cNvPicPr>
+          <p:nvPr/>
+        </p:nvPicPr>
+        <p:blipFill>
+          <a:blip r:embed="rId3"/>
+          <a:stretch>
+            <a:fillRect/>
+          </a:stretch>
+        </p:blipFill>
+        <p:spPr>
+          <a:xfrm>
+            <a:off x="4463923" y="0"/>
+            <a:ext cx="3264153" cy="1605646"/>
+          </a:xfrm>
+          <a:prstGeom prst="rect">
+            <a:avLst/>
+          </a:prstGeom>
+        </p:spPr>
+      </p:pic>
     </p:spTree>
     <p:extLst>
       <p:ext uri="{BB962C8B-B14F-4D97-AF65-F5344CB8AC3E}">
         <p14:creationId xmlns:p14="http://schemas.microsoft.com/office/powerpoint/2010/main" val="2251014631"/>
+      </p:ext>
+    </p:extLst>
+  </p:cSld>
+  <p:clrMapOvr>
+    <a:masterClrMapping/>
+  </p:clrMapOvr>
+</p:sld>
+</file>
+
+<file path=ppt/slides/slide7.xml><?xml version="1.0" encoding="utf-8"?>
+<p:sld xmlns:a="http://schemas.openxmlformats.org/drawingml/2006/main" xmlns:r="http://schemas.openxmlformats.org/officeDocument/2006/relationships" xmlns:p="http://schemas.openxmlformats.org/presentationml/2006/main">
+  <p:cSld>
+    <p:spTree>
+      <p:nvGrpSpPr>
+        <p:cNvPr id="1" name=""/>
+        <p:cNvGrpSpPr/>
+        <p:nvPr/>
+      </p:nvGrpSpPr>
+      <p:grpSpPr>
+        <a:xfrm>
+          <a:off x="0" y="0"/>
+          <a:ext cx="0" cy="0"/>
+          <a:chOff x="0" y="0"/>
+          <a:chExt cx="0" cy="0"/>
+        </a:xfrm>
+      </p:grpSpPr>
+      <p:sp>
+        <p:nvSpPr>
+          <p:cNvPr id="2" name="Title 1">
+            <a:extLst>
+              <a:ext uri="{FF2B5EF4-FFF2-40B4-BE49-F238E27FC236}">
+                <a16:creationId xmlns:a16="http://schemas.microsoft.com/office/drawing/2014/main" id="{2EC8B385-CDAF-4B6D-B2E1-C04C40BCC85D}"/>
+              </a:ext>
+            </a:extLst>
+          </p:cNvPr>
+          <p:cNvSpPr>
+            <a:spLocks noGrp="1"/>
+          </p:cNvSpPr>
+          <p:nvPr>
+            <p:ph type="title"/>
+          </p:nvPr>
+        </p:nvSpPr>
+        <p:spPr/>
+        <p:txBody>
+          <a:bodyPr/>
+          <a:lstStyle/>
+          <a:p>
+            <a:endParaRPr lang="en-US"/>
+          </a:p>
+        </p:txBody>
+      </p:sp>
+      <p:sp>
+        <p:nvSpPr>
+          <p:cNvPr id="3" name="Content Placeholder 2">
+            <a:extLst>
+              <a:ext uri="{FF2B5EF4-FFF2-40B4-BE49-F238E27FC236}">
+                <a16:creationId xmlns:a16="http://schemas.microsoft.com/office/drawing/2014/main" id="{8BB09278-C884-45C0-8F2C-0D3FB9CCE71B}"/>
+              </a:ext>
+            </a:extLst>
+          </p:cNvPr>
+          <p:cNvSpPr>
+            <a:spLocks noGrp="1"/>
+          </p:cNvSpPr>
+          <p:nvPr>
+            <p:ph idx="1"/>
+          </p:nvPr>
+        </p:nvSpPr>
+        <p:spPr/>
+        <p:txBody>
+          <a:bodyPr/>
+          <a:lstStyle/>
+          <a:p>
+            <a:endParaRPr lang="en-US"/>
+          </a:p>
+        </p:txBody>
+      </p:sp>
+    </p:spTree>
+    <p:extLst>
+      <p:ext uri="{BB962C8B-B14F-4D97-AF65-F5344CB8AC3E}">
+        <p14:creationId xmlns:p14="http://schemas.microsoft.com/office/powerpoint/2010/main" val="426655393"/>
       </p:ext>
     </p:extLst>
   </p:cSld>
@@ -5964,4 +6243,10 @@
     </a:ext>
   </a:extLst>
 </a:theme>
+</file>
+
+<file path=docMetadata/LabelInfo.xml><?xml version="1.0" encoding="utf-8"?>
+<clbl:labelList xmlns:clbl="http://schemas.microsoft.com/office/2020/mipLabelMetadata">
+  <clbl:label id="{f42aa342-8706-4288-bd11-ebb85995028c}" enabled="1" method="Standard" siteId="{72f988bf-86f1-41af-91ab-2d7cd011db47}" contentBits="0" removed="0"/>
+</clbl:labelList>
 </file>
--- a/docs/Topic Modeling.pptx
+++ b/docs/Topic Modeling.pptx
@@ -12,6 +12,8 @@
     <p:sldId id="260" r:id="rId6"/>
     <p:sldId id="261" r:id="rId7"/>
     <p:sldId id="262" r:id="rId8"/>
+    <p:sldId id="263" r:id="rId9"/>
+    <p:sldId id="264" r:id="rId10"/>
   </p:sldIdLst>
   <p:sldSz cx="12192000" cy="6858000"/>
   <p:notesSz cx="6858000" cy="9144000"/>
@@ -265,7 +267,7 @@
           <a:p>
             <a:fld id="{DABF2AC0-A3DD-4772-A5E6-2AFED81AC8F7}" type="datetimeFigureOut">
               <a:rPr lang="zh-CN" altLang="en-US" smtClean="0"/>
-              <a:t>2022/3/7</a:t>
+              <a:t>2022/3/8</a:t>
             </a:fld>
             <a:endParaRPr lang="zh-CN" altLang="en-US"/>
           </a:p>
@@ -463,7 +465,7 @@
           <a:p>
             <a:fld id="{DABF2AC0-A3DD-4772-A5E6-2AFED81AC8F7}" type="datetimeFigureOut">
               <a:rPr lang="zh-CN" altLang="en-US" smtClean="0"/>
-              <a:t>2022/3/7</a:t>
+              <a:t>2022/3/8</a:t>
             </a:fld>
             <a:endParaRPr lang="zh-CN" altLang="en-US"/>
           </a:p>
@@ -671,7 +673,7 @@
           <a:p>
             <a:fld id="{DABF2AC0-A3DD-4772-A5E6-2AFED81AC8F7}" type="datetimeFigureOut">
               <a:rPr lang="zh-CN" altLang="en-US" smtClean="0"/>
-              <a:t>2022/3/7</a:t>
+              <a:t>2022/3/8</a:t>
             </a:fld>
             <a:endParaRPr lang="zh-CN" altLang="en-US"/>
           </a:p>
@@ -869,7 +871,7 @@
           <a:p>
             <a:fld id="{DABF2AC0-A3DD-4772-A5E6-2AFED81AC8F7}" type="datetimeFigureOut">
               <a:rPr lang="zh-CN" altLang="en-US" smtClean="0"/>
-              <a:t>2022/3/7</a:t>
+              <a:t>2022/3/8</a:t>
             </a:fld>
             <a:endParaRPr lang="zh-CN" altLang="en-US"/>
           </a:p>
@@ -1144,7 +1146,7 @@
           <a:p>
             <a:fld id="{DABF2AC0-A3DD-4772-A5E6-2AFED81AC8F7}" type="datetimeFigureOut">
               <a:rPr lang="zh-CN" altLang="en-US" smtClean="0"/>
-              <a:t>2022/3/7</a:t>
+              <a:t>2022/3/8</a:t>
             </a:fld>
             <a:endParaRPr lang="zh-CN" altLang="en-US"/>
           </a:p>
@@ -1409,7 +1411,7 @@
           <a:p>
             <a:fld id="{DABF2AC0-A3DD-4772-A5E6-2AFED81AC8F7}" type="datetimeFigureOut">
               <a:rPr lang="zh-CN" altLang="en-US" smtClean="0"/>
-              <a:t>2022/3/7</a:t>
+              <a:t>2022/3/8</a:t>
             </a:fld>
             <a:endParaRPr lang="zh-CN" altLang="en-US"/>
           </a:p>
@@ -1821,7 +1823,7 @@
           <a:p>
             <a:fld id="{DABF2AC0-A3DD-4772-A5E6-2AFED81AC8F7}" type="datetimeFigureOut">
               <a:rPr lang="zh-CN" altLang="en-US" smtClean="0"/>
-              <a:t>2022/3/7</a:t>
+              <a:t>2022/3/8</a:t>
             </a:fld>
             <a:endParaRPr lang="zh-CN" altLang="en-US"/>
           </a:p>
@@ -1962,7 +1964,7 @@
           <a:p>
             <a:fld id="{DABF2AC0-A3DD-4772-A5E6-2AFED81AC8F7}" type="datetimeFigureOut">
               <a:rPr lang="zh-CN" altLang="en-US" smtClean="0"/>
-              <a:t>2022/3/7</a:t>
+              <a:t>2022/3/8</a:t>
             </a:fld>
             <a:endParaRPr lang="zh-CN" altLang="en-US"/>
           </a:p>
@@ -2075,7 +2077,7 @@
           <a:p>
             <a:fld id="{DABF2AC0-A3DD-4772-A5E6-2AFED81AC8F7}" type="datetimeFigureOut">
               <a:rPr lang="zh-CN" altLang="en-US" smtClean="0"/>
-              <a:t>2022/3/7</a:t>
+              <a:t>2022/3/8</a:t>
             </a:fld>
             <a:endParaRPr lang="zh-CN" altLang="en-US"/>
           </a:p>
@@ -2386,7 +2388,7 @@
           <a:p>
             <a:fld id="{DABF2AC0-A3DD-4772-A5E6-2AFED81AC8F7}" type="datetimeFigureOut">
               <a:rPr lang="zh-CN" altLang="en-US" smtClean="0"/>
-              <a:t>2022/3/7</a:t>
+              <a:t>2022/3/8</a:t>
             </a:fld>
             <a:endParaRPr lang="zh-CN" altLang="en-US"/>
           </a:p>
@@ -2674,7 +2676,7 @@
           <a:p>
             <a:fld id="{DABF2AC0-A3DD-4772-A5E6-2AFED81AC8F7}" type="datetimeFigureOut">
               <a:rPr lang="zh-CN" altLang="en-US" smtClean="0"/>
-              <a:t>2022/3/7</a:t>
+              <a:t>2022/3/8</a:t>
             </a:fld>
             <a:endParaRPr lang="zh-CN" altLang="en-US"/>
           </a:p>
@@ -2915,7 +2917,7 @@
           <a:p>
             <a:fld id="{DABF2AC0-A3DD-4772-A5E6-2AFED81AC8F7}" type="datetimeFigureOut">
               <a:rPr lang="zh-CN" altLang="en-US" smtClean="0"/>
-              <a:t>2022/3/7</a:t>
+              <a:t>2022/3/8</a:t>
             </a:fld>
             <a:endParaRPr lang="zh-CN" altLang="en-US"/>
           </a:p>
@@ -3557,8 +3559,8 @@
           </a:p>
         </p:txBody>
       </p:sp>
-      <mc:AlternateContent xmlns:mc="http://schemas.openxmlformats.org/markup-compatibility/2006">
-        <mc:Choice xmlns:a14="http://schemas.microsoft.com/office/drawing/2010/main" Requires="a14">
+      <mc:AlternateContent xmlns:mc="http://schemas.openxmlformats.org/markup-compatibility/2006" xmlns:a14="http://schemas.microsoft.com/office/drawing/2010/main">
+        <mc:Choice Requires="a14">
           <p:sp>
             <p:nvSpPr>
               <p:cNvPr id="3" name="内容占位符 2">
@@ -4054,7 +4056,7 @@
             </p:txBody>
           </p:sp>
         </mc:Choice>
-        <mc:Fallback>
+        <mc:Fallback xmlns="">
           <p:sp>
             <p:nvSpPr>
               <p:cNvPr id="3" name="内容占位符 2">
@@ -4157,8 +4159,8 @@
           </a:p>
         </p:txBody>
       </p:sp>
-      <mc:AlternateContent xmlns:mc="http://schemas.openxmlformats.org/markup-compatibility/2006">
-        <mc:Choice xmlns:a14="http://schemas.microsoft.com/office/drawing/2010/main" Requires="a14">
+      <mc:AlternateContent xmlns:mc="http://schemas.openxmlformats.org/markup-compatibility/2006" xmlns:a14="http://schemas.microsoft.com/office/drawing/2010/main">
+        <mc:Choice Requires="a14">
           <p:sp>
             <p:nvSpPr>
               <p:cNvPr id="3" name="内容占位符 2">
@@ -4657,7 +4659,7 @@
             </p:txBody>
           </p:sp>
         </mc:Choice>
-        <mc:Fallback>
+        <mc:Fallback xmlns="">
           <p:sp>
             <p:nvSpPr>
               <p:cNvPr id="3" name="内容占位符 2">
@@ -4786,8 +4788,8 @@
           </a:p>
         </p:txBody>
       </p:sp>
-      <mc:AlternateContent xmlns:mc="http://schemas.openxmlformats.org/markup-compatibility/2006">
-        <mc:Choice xmlns:a14="http://schemas.microsoft.com/office/drawing/2010/main" Requires="a14">
+      <mc:AlternateContent xmlns:mc="http://schemas.openxmlformats.org/markup-compatibility/2006" xmlns:a14="http://schemas.microsoft.com/office/drawing/2010/main">
+        <mc:Choice Requires="a14">
           <p:sp>
             <p:nvSpPr>
               <p:cNvPr id="3" name="内容占位符 2">
@@ -5167,7 +5169,7 @@
             </p:txBody>
           </p:sp>
         </mc:Choice>
-        <mc:Fallback>
+        <mc:Fallback xmlns="">
           <p:sp>
             <p:nvSpPr>
               <p:cNvPr id="3" name="内容占位符 2">
@@ -5356,8 +5358,8 @@
           </a:p>
         </p:txBody>
       </p:sp>
-      <mc:AlternateContent xmlns:mc="http://schemas.openxmlformats.org/markup-compatibility/2006">
-        <mc:Choice xmlns:a14="http://schemas.microsoft.com/office/drawing/2010/main" Requires="a14">
+      <mc:AlternateContent xmlns:mc="http://schemas.openxmlformats.org/markup-compatibility/2006" xmlns:a14="http://schemas.microsoft.com/office/drawing/2010/main">
+        <mc:Choice Requires="a14">
           <p:sp>
             <p:nvSpPr>
               <p:cNvPr id="3" name="内容占位符 2">
@@ -5783,7 +5785,7 @@
             </p:txBody>
           </p:sp>
         </mc:Choice>
-        <mc:Fallback>
+        <mc:Fallback xmlns="">
           <p:sp>
             <p:nvSpPr>
               <p:cNvPr id="3" name="内容占位符 2">
@@ -5889,10 +5891,1118 @@
       </p:grpSpPr>
       <p:sp>
         <p:nvSpPr>
-          <p:cNvPr id="2" name="Title 1">
-            <a:extLst>
-              <a:ext uri="{FF2B5EF4-FFF2-40B4-BE49-F238E27FC236}">
-                <a16:creationId xmlns:a16="http://schemas.microsoft.com/office/drawing/2014/main" id="{2EC8B385-CDAF-4B6D-B2E1-C04C40BCC85D}"/>
+          <p:cNvPr id="3" name="Content Placeholder 2">
+            <a:extLst>
+              <a:ext uri="{FF2B5EF4-FFF2-40B4-BE49-F238E27FC236}">
+                <a16:creationId xmlns:a16="http://schemas.microsoft.com/office/drawing/2014/main" id="{8BB09278-C884-45C0-8F2C-0D3FB9CCE71B}"/>
+              </a:ext>
+            </a:extLst>
+          </p:cNvPr>
+          <p:cNvSpPr>
+            <a:spLocks noGrp="1"/>
+          </p:cNvSpPr>
+          <p:nvPr>
+            <p:ph idx="1"/>
+          </p:nvPr>
+        </p:nvSpPr>
+        <p:spPr>
+          <a:xfrm>
+            <a:off x="838200" y="5448925"/>
+            <a:ext cx="10515600" cy="728037"/>
+          </a:xfrm>
+        </p:spPr>
+        <p:txBody>
+          <a:bodyPr/>
+          <a:lstStyle/>
+          <a:p>
+            <a:pPr marL="0" indent="0" algn="ctr">
+              <a:buNone/>
+            </a:pPr>
+            <a:r>
+              <a:rPr lang="en-US" altLang="zh-CN" dirty="0"/>
+              <a:t>ICML 2016</a:t>
+            </a:r>
+            <a:endParaRPr lang="en-US" dirty="0"/>
+          </a:p>
+        </p:txBody>
+      </p:sp>
+      <p:pic>
+        <p:nvPicPr>
+          <p:cNvPr id="5" name="图片 4">
+            <a:extLst>
+              <a:ext uri="{FF2B5EF4-FFF2-40B4-BE49-F238E27FC236}">
+                <a16:creationId xmlns:a16="http://schemas.microsoft.com/office/drawing/2014/main" id="{BFABDA3A-DC90-4B10-9727-2F5A816EC19D}"/>
+              </a:ext>
+            </a:extLst>
+          </p:cNvPr>
+          <p:cNvPicPr>
+            <a:picLocks noChangeAspect="1"/>
+          </p:cNvPicPr>
+          <p:nvPr/>
+        </p:nvPicPr>
+        <p:blipFill>
+          <a:blip r:embed="rId2"/>
+          <a:stretch>
+            <a:fillRect/>
+          </a:stretch>
+        </p:blipFill>
+        <p:spPr>
+          <a:xfrm>
+            <a:off x="1297996" y="2257156"/>
+            <a:ext cx="9596008" cy="2476565"/>
+          </a:xfrm>
+          <a:prstGeom prst="rect">
+            <a:avLst/>
+          </a:prstGeom>
+        </p:spPr>
+      </p:pic>
+    </p:spTree>
+    <p:extLst>
+      <p:ext uri="{BB962C8B-B14F-4D97-AF65-F5344CB8AC3E}">
+        <p14:creationId xmlns:p14="http://schemas.microsoft.com/office/powerpoint/2010/main" val="426655393"/>
+      </p:ext>
+    </p:extLst>
+  </p:cSld>
+  <p:clrMapOvr>
+    <a:masterClrMapping/>
+  </p:clrMapOvr>
+</p:sld>
+</file>
+
+<file path=ppt/slides/slide8.xml><?xml version="1.0" encoding="utf-8"?>
+<p:sld xmlns:a="http://schemas.openxmlformats.org/drawingml/2006/main" xmlns:r="http://schemas.openxmlformats.org/officeDocument/2006/relationships" xmlns:p="http://schemas.openxmlformats.org/presentationml/2006/main">
+  <p:cSld>
+    <p:spTree>
+      <p:nvGrpSpPr>
+        <p:cNvPr id="1" name=""/>
+        <p:cNvGrpSpPr/>
+        <p:nvPr/>
+      </p:nvGrpSpPr>
+      <p:grpSpPr>
+        <a:xfrm>
+          <a:off x="0" y="0"/>
+          <a:ext cx="0" cy="0"/>
+          <a:chOff x="0" y="0"/>
+          <a:chExt cx="0" cy="0"/>
+        </a:xfrm>
+      </p:grpSpPr>
+      <mc:AlternateContent xmlns:mc="http://schemas.openxmlformats.org/markup-compatibility/2006" xmlns:a14="http://schemas.microsoft.com/office/drawing/2010/main">
+        <mc:Choice Requires="a14">
+          <p:sp>
+            <p:nvSpPr>
+              <p:cNvPr id="3" name="内容占位符 2">
+                <a:extLst>
+                  <a:ext uri="{FF2B5EF4-FFF2-40B4-BE49-F238E27FC236}">
+                    <a16:creationId xmlns:a16="http://schemas.microsoft.com/office/drawing/2014/main" id="{AAACB188-3831-4495-AFF4-47BCC6357DE5}"/>
+                  </a:ext>
+                </a:extLst>
+              </p:cNvPr>
+              <p:cNvSpPr>
+                <a:spLocks noGrp="1"/>
+              </p:cNvSpPr>
+              <p:nvPr>
+                <p:ph idx="1"/>
+              </p:nvPr>
+            </p:nvSpPr>
+            <p:spPr>
+              <a:xfrm>
+                <a:off x="0" y="0"/>
+                <a:ext cx="12192000" cy="6858000"/>
+              </a:xfrm>
+            </p:spPr>
+            <p:txBody>
+              <a:bodyPr>
+                <a:normAutofit/>
+              </a:bodyPr>
+              <a:lstStyle/>
+              <a:p>
+                <a:r>
+                  <a:rPr lang="en-US" altLang="zh-CN" dirty="0"/>
+                  <a:t>Denote the </a:t>
+                </a:r>
+                <a14:m>
+                  <m:oMath xmlns:m="http://schemas.openxmlformats.org/officeDocument/2006/math">
+                    <m:sSub>
+                      <m:sSubPr>
+                        <m:ctrlPr>
+                          <a:rPr lang="en-US" altLang="zh-CN" b="0" i="1" smtClean="0">
+                            <a:latin typeface="Cambria Math" panose="02040503050406030204" pitchFamily="18" charset="0"/>
+                          </a:rPr>
+                        </m:ctrlPr>
+                      </m:sSubPr>
+                      <m:e>
+                        <m:r>
+                          <a:rPr lang="en-US" altLang="zh-CN" b="0" i="1" smtClean="0">
+                            <a:latin typeface="Cambria Math" panose="02040503050406030204" pitchFamily="18" charset="0"/>
+                          </a:rPr>
+                          <m:t>𝑥</m:t>
+                        </m:r>
+                      </m:e>
+                      <m:sub>
+                        <m:r>
+                          <a:rPr lang="en-US" altLang="zh-CN" b="0" i="1" smtClean="0">
+                            <a:latin typeface="Cambria Math" panose="02040503050406030204" pitchFamily="18" charset="0"/>
+                          </a:rPr>
+                          <m:t>𝑖</m:t>
+                        </m:r>
+                      </m:sub>
+                    </m:sSub>
+                    <m:r>
+                      <a:rPr lang="en-US" altLang="zh-CN" b="0" i="1" smtClean="0">
+                        <a:latin typeface="Cambria Math" panose="02040503050406030204" pitchFamily="18" charset="0"/>
+                      </a:rPr>
+                      <m:t>∈</m:t>
+                    </m:r>
+                    <m:sSup>
+                      <m:sSupPr>
+                        <m:ctrlPr>
+                          <a:rPr lang="en-US" altLang="zh-CN" b="0" i="1" smtClean="0">
+                            <a:latin typeface="Cambria Math" panose="02040503050406030204" pitchFamily="18" charset="0"/>
+                            <a:ea typeface="Cambria Math" panose="02040503050406030204" pitchFamily="18" charset="0"/>
+                          </a:rPr>
+                        </m:ctrlPr>
+                      </m:sSupPr>
+                      <m:e>
+                        <m:r>
+                          <a:rPr lang="en-US" altLang="zh-CN" b="0" i="1" smtClean="0">
+                            <a:latin typeface="Cambria Math" panose="02040503050406030204" pitchFamily="18" charset="0"/>
+                            <a:ea typeface="Cambria Math" panose="02040503050406030204" pitchFamily="18" charset="0"/>
+                          </a:rPr>
+                          <m:t>ℝ</m:t>
+                        </m:r>
+                      </m:e>
+                      <m:sup>
+                        <m:r>
+                          <a:rPr lang="en-US" altLang="zh-CN" b="0" i="1" smtClean="0">
+                            <a:latin typeface="Cambria Math" panose="02040503050406030204" pitchFamily="18" charset="0"/>
+                            <a:ea typeface="Cambria Math" panose="02040503050406030204" pitchFamily="18" charset="0"/>
+                          </a:rPr>
+                          <m:t>|</m:t>
+                        </m:r>
+                        <m:r>
+                          <a:rPr lang="en-US" altLang="zh-CN" b="0" i="1" smtClean="0">
+                            <a:latin typeface="Cambria Math" panose="02040503050406030204" pitchFamily="18" charset="0"/>
+                            <a:ea typeface="Cambria Math" panose="02040503050406030204" pitchFamily="18" charset="0"/>
+                          </a:rPr>
+                          <m:t>𝑉</m:t>
+                        </m:r>
+                        <m:r>
+                          <a:rPr lang="en-US" altLang="zh-CN" b="0" i="1" smtClean="0">
+                            <a:latin typeface="Cambria Math" panose="02040503050406030204" pitchFamily="18" charset="0"/>
+                            <a:ea typeface="Cambria Math" panose="02040503050406030204" pitchFamily="18" charset="0"/>
+                          </a:rPr>
+                          <m:t>|</m:t>
+                        </m:r>
+                      </m:sup>
+                    </m:sSup>
+                  </m:oMath>
+                </a14:m>
+                <a:r>
+                  <a:rPr lang="en-US" altLang="zh-CN" dirty="0"/>
+                  <a:t> is the one hot representation of word, </a:t>
+                </a:r>
+                <a14:m>
+                  <m:oMath xmlns:m="http://schemas.openxmlformats.org/officeDocument/2006/math">
+                    <m:r>
+                      <a:rPr lang="en-US" altLang="zh-CN" b="0" i="1" smtClean="0">
+                        <a:latin typeface="Cambria Math" panose="02040503050406030204" pitchFamily="18" charset="0"/>
+                      </a:rPr>
+                      <m:t>𝑋</m:t>
+                    </m:r>
+                    <m:r>
+                      <a:rPr lang="en-US" altLang="zh-CN" b="0" i="1" smtClean="0">
+                        <a:latin typeface="Cambria Math" panose="02040503050406030204" pitchFamily="18" charset="0"/>
+                      </a:rPr>
+                      <m:t>∈</m:t>
+                    </m:r>
+                    <m:sSup>
+                      <m:sSupPr>
+                        <m:ctrlPr>
+                          <a:rPr lang="en-US" altLang="zh-CN" i="1">
+                            <a:latin typeface="Cambria Math" panose="02040503050406030204" pitchFamily="18" charset="0"/>
+                            <a:ea typeface="Cambria Math" panose="02040503050406030204" pitchFamily="18" charset="0"/>
+                          </a:rPr>
+                        </m:ctrlPr>
+                      </m:sSupPr>
+                      <m:e>
+                        <m:r>
+                          <a:rPr lang="en-US" altLang="zh-CN" i="1">
+                            <a:latin typeface="Cambria Math" panose="02040503050406030204" pitchFamily="18" charset="0"/>
+                            <a:ea typeface="Cambria Math" panose="02040503050406030204" pitchFamily="18" charset="0"/>
+                          </a:rPr>
+                          <m:t>ℝ</m:t>
+                        </m:r>
+                      </m:e>
+                      <m:sup>
+                        <m:r>
+                          <a:rPr lang="en-US" altLang="zh-CN" i="1">
+                            <a:latin typeface="Cambria Math" panose="02040503050406030204" pitchFamily="18" charset="0"/>
+                            <a:ea typeface="Cambria Math" panose="02040503050406030204" pitchFamily="18" charset="0"/>
+                          </a:rPr>
+                          <m:t>|</m:t>
+                        </m:r>
+                        <m:r>
+                          <a:rPr lang="en-US" altLang="zh-CN" i="1">
+                            <a:latin typeface="Cambria Math" panose="02040503050406030204" pitchFamily="18" charset="0"/>
+                            <a:ea typeface="Cambria Math" panose="02040503050406030204" pitchFamily="18" charset="0"/>
+                          </a:rPr>
+                          <m:t>𝑉</m:t>
+                        </m:r>
+                        <m:r>
+                          <a:rPr lang="en-US" altLang="zh-CN" i="1">
+                            <a:latin typeface="Cambria Math" panose="02040503050406030204" pitchFamily="18" charset="0"/>
+                            <a:ea typeface="Cambria Math" panose="02040503050406030204" pitchFamily="18" charset="0"/>
+                          </a:rPr>
+                          <m:t>|</m:t>
+                        </m:r>
+                      </m:sup>
+                    </m:sSup>
+                  </m:oMath>
+                </a14:m>
+                <a:r>
+                  <a:rPr lang="en-US" altLang="zh-CN" dirty="0"/>
+                  <a:t> is the bag-of-words representation of a document, </a:t>
+                </a:r>
+                <a14:m>
+                  <m:oMath xmlns:m="http://schemas.openxmlformats.org/officeDocument/2006/math">
+                    <m:r>
+                      <a:rPr lang="en-US" altLang="zh-CN" b="0" i="1" smtClean="0">
+                        <a:latin typeface="Cambria Math" panose="02040503050406030204" pitchFamily="18" charset="0"/>
+                      </a:rPr>
+                      <m:t>h</m:t>
+                    </m:r>
+                    <m:r>
+                      <a:rPr lang="en-US" altLang="zh-CN" b="0" i="1" smtClean="0">
+                        <a:latin typeface="Cambria Math" panose="02040503050406030204" pitchFamily="18" charset="0"/>
+                      </a:rPr>
+                      <m:t>∈</m:t>
+                    </m:r>
+                    <m:sSup>
+                      <m:sSupPr>
+                        <m:ctrlPr>
+                          <a:rPr lang="en-US" altLang="zh-CN" i="1">
+                            <a:latin typeface="Cambria Math" panose="02040503050406030204" pitchFamily="18" charset="0"/>
+                            <a:ea typeface="Cambria Math" panose="02040503050406030204" pitchFamily="18" charset="0"/>
+                          </a:rPr>
+                        </m:ctrlPr>
+                      </m:sSupPr>
+                      <m:e>
+                        <m:r>
+                          <a:rPr lang="en-US" altLang="zh-CN" i="1">
+                            <a:latin typeface="Cambria Math" panose="02040503050406030204" pitchFamily="18" charset="0"/>
+                            <a:ea typeface="Cambria Math" panose="02040503050406030204" pitchFamily="18" charset="0"/>
+                          </a:rPr>
+                          <m:t>ℝ</m:t>
+                        </m:r>
+                      </m:e>
+                      <m:sup>
+                        <m:r>
+                          <a:rPr lang="en-US" altLang="zh-CN" b="0" i="1" smtClean="0">
+                            <a:latin typeface="Cambria Math" panose="02040503050406030204" pitchFamily="18" charset="0"/>
+                            <a:ea typeface="Cambria Math" panose="02040503050406030204" pitchFamily="18" charset="0"/>
+                          </a:rPr>
+                          <m:t>𝐾</m:t>
+                        </m:r>
+                      </m:sup>
+                    </m:sSup>
+                  </m:oMath>
+                </a14:m>
+                <a:r>
+                  <a:rPr lang="en-US" altLang="zh-CN" dirty="0"/>
+                  <a:t> is the latent variable.</a:t>
+                </a:r>
+              </a:p>
+              <a:p>
+                <a:r>
+                  <a:rPr lang="en-US" altLang="zh-CN" dirty="0"/>
+                  <a:t>Variational Auto-Encoder Architecture:</a:t>
+                </a:r>
+              </a:p>
+              <a:p>
+                <a:pPr lvl="1"/>
+                <a:r>
+                  <a:rPr lang="en-US" altLang="zh-CN" dirty="0"/>
+                  <a:t>Encoding function </a:t>
+                </a:r>
+                <a14:m>
+                  <m:oMath xmlns:m="http://schemas.openxmlformats.org/officeDocument/2006/math">
+                    <m:r>
+                      <a:rPr lang="en-US" altLang="zh-CN" b="0" i="1" smtClean="0">
+                        <a:latin typeface="Cambria Math" panose="02040503050406030204" pitchFamily="18" charset="0"/>
+                      </a:rPr>
+                      <m:t>𝑞</m:t>
+                    </m:r>
+                    <m:r>
+                      <a:rPr lang="en-US" altLang="zh-CN" b="0" i="1" smtClean="0">
+                        <a:latin typeface="Cambria Math" panose="02040503050406030204" pitchFamily="18" charset="0"/>
+                      </a:rPr>
+                      <m:t>(</m:t>
+                    </m:r>
+                    <m:r>
+                      <a:rPr lang="en-US" altLang="zh-CN" b="0" i="1" smtClean="0">
+                        <a:latin typeface="Cambria Math" panose="02040503050406030204" pitchFamily="18" charset="0"/>
+                      </a:rPr>
+                      <m:t>h</m:t>
+                    </m:r>
+                    <m:r>
+                      <a:rPr lang="en-US" altLang="zh-CN" b="0" i="1" smtClean="0">
+                        <a:latin typeface="Cambria Math" panose="02040503050406030204" pitchFamily="18" charset="0"/>
+                      </a:rPr>
+                      <m:t>|</m:t>
+                    </m:r>
+                    <m:r>
+                      <a:rPr lang="en-US" altLang="zh-CN" b="0" i="1" smtClean="0">
+                        <a:latin typeface="Cambria Math" panose="02040503050406030204" pitchFamily="18" charset="0"/>
+                      </a:rPr>
+                      <m:t>𝑋</m:t>
+                    </m:r>
+                    <m:r>
+                      <a:rPr lang="en-US" altLang="zh-CN" b="0" i="1" smtClean="0">
+                        <a:latin typeface="Cambria Math" panose="02040503050406030204" pitchFamily="18" charset="0"/>
+                      </a:rPr>
+                      <m:t>)</m:t>
+                    </m:r>
+                  </m:oMath>
+                </a14:m>
+                <a:r>
+                  <a:rPr lang="zh-CN" altLang="en-US" dirty="0"/>
+                  <a:t> </a:t>
+                </a:r>
+                <a:r>
+                  <a:rPr lang="en-US" altLang="zh-CN" dirty="0"/>
+                  <a:t>outputs the distribution of </a:t>
+                </a:r>
+                <a14:m>
+                  <m:oMath xmlns:m="http://schemas.openxmlformats.org/officeDocument/2006/math">
+                    <m:r>
+                      <a:rPr lang="en-US" altLang="zh-CN" b="0" i="1" smtClean="0">
+                        <a:latin typeface="Cambria Math" panose="02040503050406030204" pitchFamily="18" charset="0"/>
+                      </a:rPr>
+                      <m:t>h</m:t>
+                    </m:r>
+                  </m:oMath>
+                </a14:m>
+                <a:r>
+                  <a:rPr lang="en-US" altLang="zh-CN" dirty="0"/>
+                  <a:t>: </a:t>
+                </a:r>
+                <a14:m>
+                  <m:oMath xmlns:m="http://schemas.openxmlformats.org/officeDocument/2006/math">
+                    <m:r>
+                      <a:rPr lang="en-US" altLang="zh-CN" b="0" i="1" smtClean="0">
+                        <a:latin typeface="Cambria Math" panose="02040503050406030204" pitchFamily="18" charset="0"/>
+                      </a:rPr>
+                      <m:t>𝒩</m:t>
+                    </m:r>
+                    <m:r>
+                      <a:rPr lang="en-US" altLang="zh-CN" b="0" i="1" smtClean="0">
+                        <a:latin typeface="Cambria Math" panose="02040503050406030204" pitchFamily="18" charset="0"/>
+                      </a:rPr>
+                      <m:t>(</m:t>
+                    </m:r>
+                    <m:r>
+                      <a:rPr lang="en-US" altLang="zh-CN" b="0" i="1" smtClean="0">
+                        <a:latin typeface="Cambria Math" panose="02040503050406030204" pitchFamily="18" charset="0"/>
+                      </a:rPr>
+                      <m:t>𝜇</m:t>
+                    </m:r>
+                    <m:d>
+                      <m:dPr>
+                        <m:ctrlPr>
+                          <a:rPr lang="en-US" altLang="zh-CN" b="0" i="1" smtClean="0">
+                            <a:latin typeface="Cambria Math" panose="02040503050406030204" pitchFamily="18" charset="0"/>
+                          </a:rPr>
+                        </m:ctrlPr>
+                      </m:dPr>
+                      <m:e>
+                        <m:r>
+                          <a:rPr lang="en-US" altLang="zh-CN" b="0" i="1" smtClean="0">
+                            <a:latin typeface="Cambria Math" panose="02040503050406030204" pitchFamily="18" charset="0"/>
+                          </a:rPr>
+                          <m:t>𝑋</m:t>
+                        </m:r>
+                      </m:e>
+                    </m:d>
+                    <m:r>
+                      <a:rPr lang="en-US" altLang="zh-CN" b="0" i="1" smtClean="0">
+                        <a:latin typeface="Cambria Math" panose="02040503050406030204" pitchFamily="18" charset="0"/>
+                      </a:rPr>
+                      <m:t>,</m:t>
+                    </m:r>
+                    <m:r>
+                      <a:rPr lang="en-US" altLang="zh-CN" b="0" i="1" smtClean="0">
+                        <a:latin typeface="Cambria Math" panose="02040503050406030204" pitchFamily="18" charset="0"/>
+                      </a:rPr>
+                      <m:t>𝜎</m:t>
+                    </m:r>
+                    <m:r>
+                      <a:rPr lang="en-US" altLang="zh-CN" b="0" i="1" smtClean="0">
+                        <a:latin typeface="Cambria Math" panose="02040503050406030204" pitchFamily="18" charset="0"/>
+                      </a:rPr>
+                      <m:t>(</m:t>
+                    </m:r>
+                    <m:r>
+                      <a:rPr lang="en-US" altLang="zh-CN" b="0" i="1" smtClean="0">
+                        <a:latin typeface="Cambria Math" panose="02040503050406030204" pitchFamily="18" charset="0"/>
+                      </a:rPr>
+                      <m:t>𝑋</m:t>
+                    </m:r>
+                    <m:r>
+                      <a:rPr lang="en-US" altLang="zh-CN" b="0" i="1" smtClean="0">
+                        <a:latin typeface="Cambria Math" panose="02040503050406030204" pitchFamily="18" charset="0"/>
+                      </a:rPr>
+                      <m:t>))</m:t>
+                    </m:r>
+                  </m:oMath>
+                </a14:m>
+                <a:r>
+                  <a:rPr lang="zh-CN" altLang="en-US" dirty="0"/>
+                  <a:t> </a:t>
+                </a:r>
+                <a:r>
+                  <a:rPr lang="en-US" altLang="zh-CN" dirty="0"/>
+                  <a:t>where</a:t>
+                </a:r>
+              </a:p>
+              <a:p>
+                <a:pPr lvl="1"/>
+                <a:endParaRPr lang="en-US" altLang="zh-CN" dirty="0"/>
+              </a:p>
+              <a:p>
+                <a:pPr lvl="1"/>
+                <a:endParaRPr lang="en-US" altLang="zh-CN" dirty="0"/>
+              </a:p>
+              <a:p>
+                <a:pPr lvl="1"/>
+                <a:r>
+                  <a:rPr lang="en-US" altLang="zh-CN" dirty="0"/>
+                  <a:t>Sample </a:t>
+                </a:r>
+                <a14:m>
+                  <m:oMath xmlns:m="http://schemas.openxmlformats.org/officeDocument/2006/math">
+                    <m:r>
+                      <a:rPr lang="en-US" altLang="zh-CN" b="0" i="1" smtClean="0">
+                        <a:latin typeface="Cambria Math" panose="02040503050406030204" pitchFamily="18" charset="0"/>
+                      </a:rPr>
+                      <m:t>h</m:t>
+                    </m:r>
+                  </m:oMath>
+                </a14:m>
+                <a:r>
+                  <a:rPr lang="en-US" altLang="zh-CN" dirty="0"/>
+                  <a:t> from this parameterized distribution by reparameterization trick:</a:t>
+                </a:r>
+              </a:p>
+              <a:p>
+                <a:pPr marL="457200" lvl="1" indent="0">
+                  <a:buNone/>
+                </a:pPr>
+                <a14:m>
+                  <m:oMathPara xmlns:m="http://schemas.openxmlformats.org/officeDocument/2006/math">
+                    <m:oMathParaPr>
+                      <m:jc m:val="centerGroup"/>
+                    </m:oMathParaPr>
+                    <m:oMath xmlns:m="http://schemas.openxmlformats.org/officeDocument/2006/math">
+                      <m:r>
+                        <a:rPr lang="en-US" altLang="zh-CN" b="0" i="1" smtClean="0">
+                          <a:latin typeface="Cambria Math" panose="02040503050406030204" pitchFamily="18" charset="0"/>
+                        </a:rPr>
+                        <m:t>h</m:t>
+                      </m:r>
+                      <m:r>
+                        <a:rPr lang="en-US" altLang="zh-CN" b="0" i="1" smtClean="0">
+                          <a:latin typeface="Cambria Math" panose="02040503050406030204" pitchFamily="18" charset="0"/>
+                        </a:rPr>
+                        <m:t>=</m:t>
+                      </m:r>
+                      <m:r>
+                        <a:rPr lang="en-US" altLang="zh-CN" b="0" i="1" smtClean="0">
+                          <a:latin typeface="Cambria Math" panose="02040503050406030204" pitchFamily="18" charset="0"/>
+                        </a:rPr>
+                        <m:t>𝜇</m:t>
+                      </m:r>
+                      <m:d>
+                        <m:dPr>
+                          <m:ctrlPr>
+                            <a:rPr lang="en-US" altLang="zh-CN" b="0" i="1" smtClean="0">
+                              <a:latin typeface="Cambria Math" panose="02040503050406030204" pitchFamily="18" charset="0"/>
+                            </a:rPr>
+                          </m:ctrlPr>
+                        </m:dPr>
+                        <m:e>
+                          <m:r>
+                            <a:rPr lang="en-US" altLang="zh-CN" b="0" i="1" smtClean="0">
+                              <a:latin typeface="Cambria Math" panose="02040503050406030204" pitchFamily="18" charset="0"/>
+                            </a:rPr>
+                            <m:t>𝑋</m:t>
+                          </m:r>
+                        </m:e>
+                      </m:d>
+                      <m:r>
+                        <a:rPr lang="en-US" altLang="zh-CN" b="0" i="1" smtClean="0">
+                          <a:latin typeface="Cambria Math" panose="02040503050406030204" pitchFamily="18" charset="0"/>
+                        </a:rPr>
+                        <m:t>+</m:t>
+                      </m:r>
+                      <m:r>
+                        <a:rPr lang="en-US" altLang="zh-CN" b="0" i="1" smtClean="0">
+                          <a:latin typeface="Cambria Math" panose="02040503050406030204" pitchFamily="18" charset="0"/>
+                        </a:rPr>
+                        <m:t>𝜎</m:t>
+                      </m:r>
+                      <m:d>
+                        <m:dPr>
+                          <m:ctrlPr>
+                            <a:rPr lang="en-US" altLang="zh-CN" b="0" i="1" smtClean="0">
+                              <a:latin typeface="Cambria Math" panose="02040503050406030204" pitchFamily="18" charset="0"/>
+                            </a:rPr>
+                          </m:ctrlPr>
+                        </m:dPr>
+                        <m:e>
+                          <m:r>
+                            <a:rPr lang="en-US" altLang="zh-CN" b="0" i="1" smtClean="0">
+                              <a:latin typeface="Cambria Math" panose="02040503050406030204" pitchFamily="18" charset="0"/>
+                            </a:rPr>
+                            <m:t>𝑋</m:t>
+                          </m:r>
+                        </m:e>
+                      </m:d>
+                      <m:r>
+                        <a:rPr lang="en-US" altLang="zh-CN" b="0" i="1" smtClean="0">
+                          <a:latin typeface="Cambria Math" panose="02040503050406030204" pitchFamily="18" charset="0"/>
+                        </a:rPr>
+                        <m:t>𝜖</m:t>
+                      </m:r>
+                      <m:r>
+                        <a:rPr lang="en-US" altLang="zh-CN" b="0" i="0" smtClean="0">
+                          <a:latin typeface="Cambria Math" panose="02040503050406030204" pitchFamily="18" charset="0"/>
+                        </a:rPr>
+                        <m:t>, </m:t>
+                      </m:r>
+                      <m:r>
+                        <a:rPr lang="en-US" altLang="zh-CN" b="0" i="1" smtClean="0">
+                          <a:latin typeface="Cambria Math" panose="02040503050406030204" pitchFamily="18" charset="0"/>
+                        </a:rPr>
+                        <m:t>𝜖</m:t>
+                      </m:r>
+                      <m:r>
+                        <a:rPr lang="en-US" altLang="zh-CN" b="0" i="1" smtClean="0">
+                          <a:latin typeface="Cambria Math" panose="02040503050406030204" pitchFamily="18" charset="0"/>
+                        </a:rPr>
+                        <m:t>∈</m:t>
+                      </m:r>
+                      <m:r>
+                        <a:rPr lang="en-US" altLang="zh-CN" b="0" i="1" smtClean="0">
+                          <a:latin typeface="Cambria Math" panose="02040503050406030204" pitchFamily="18" charset="0"/>
+                        </a:rPr>
+                        <m:t>𝒩</m:t>
+                      </m:r>
+                      <m:r>
+                        <a:rPr lang="en-US" altLang="zh-CN" b="0" i="1" smtClean="0">
+                          <a:latin typeface="Cambria Math" panose="02040503050406030204" pitchFamily="18" charset="0"/>
+                        </a:rPr>
+                        <m:t>(0,1)</m:t>
+                      </m:r>
+                    </m:oMath>
+                  </m:oMathPara>
+                </a14:m>
+                <a:endParaRPr lang="en-US" altLang="zh-CN" dirty="0"/>
+              </a:p>
+              <a:p>
+                <a:pPr lvl="1"/>
+                <a:r>
+                  <a:rPr lang="en-US" altLang="zh-CN" dirty="0"/>
+                  <a:t>Decoding function </a:t>
+                </a:r>
+                <a14:m>
+                  <m:oMath xmlns:m="http://schemas.openxmlformats.org/officeDocument/2006/math">
+                    <m:r>
+                      <a:rPr lang="en-US" altLang="zh-CN" b="0" i="1" smtClean="0">
+                        <a:latin typeface="Cambria Math" panose="02040503050406030204" pitchFamily="18" charset="0"/>
+                      </a:rPr>
+                      <m:t>𝑝</m:t>
+                    </m:r>
+                    <m:d>
+                      <m:dPr>
+                        <m:ctrlPr>
+                          <a:rPr lang="en-US" altLang="zh-CN" b="0" i="1" smtClean="0">
+                            <a:latin typeface="Cambria Math" panose="02040503050406030204" pitchFamily="18" charset="0"/>
+                          </a:rPr>
+                        </m:ctrlPr>
+                      </m:dPr>
+                      <m:e>
+                        <m:r>
+                          <a:rPr lang="en-US" altLang="zh-CN" b="0" i="1" smtClean="0">
+                            <a:latin typeface="Cambria Math" panose="02040503050406030204" pitchFamily="18" charset="0"/>
+                          </a:rPr>
+                          <m:t>𝑋</m:t>
+                        </m:r>
+                      </m:e>
+                      <m:e>
+                        <m:r>
+                          <a:rPr lang="en-US" altLang="zh-CN" b="0" i="1" smtClean="0">
+                            <a:latin typeface="Cambria Math" panose="02040503050406030204" pitchFamily="18" charset="0"/>
+                          </a:rPr>
+                          <m:t>h</m:t>
+                        </m:r>
+                      </m:e>
+                    </m:d>
+                  </m:oMath>
+                </a14:m>
+                <a:r>
+                  <a:rPr lang="zh-CN" altLang="en-US" dirty="0"/>
+                  <a:t> </a:t>
+                </a:r>
+                <a:r>
+                  <a:rPr lang="en-US" altLang="zh-CN" dirty="0"/>
+                  <a:t>reconstructs input by independently generating each word:</a:t>
+                </a:r>
+              </a:p>
+              <a:p>
+                <a:pPr lvl="1"/>
+                <a:endParaRPr lang="en-US" altLang="zh-CN" b="0" i="1" dirty="0">
+                  <a:latin typeface="Cambria Math" panose="02040503050406030204" pitchFamily="18" charset="0"/>
+                </a:endParaRPr>
+              </a:p>
+              <a:p>
+                <a:pPr lvl="1"/>
+                <a:endParaRPr lang="en-US" altLang="zh-CN" i="1" dirty="0">
+                  <a:latin typeface="Cambria Math" panose="02040503050406030204" pitchFamily="18" charset="0"/>
+                </a:endParaRPr>
+              </a:p>
+              <a:p>
+                <a:pPr lvl="1"/>
+                <a:endParaRPr lang="en-US" altLang="zh-CN" b="0" i="1" dirty="0">
+                  <a:latin typeface="Cambria Math" panose="02040503050406030204" pitchFamily="18" charset="0"/>
+                </a:endParaRPr>
+              </a:p>
+              <a:p>
+                <a:pPr lvl="1"/>
+                <a14:m>
+                  <m:oMath xmlns:m="http://schemas.openxmlformats.org/officeDocument/2006/math">
+                    <m:func>
+                      <m:funcPr>
+                        <m:ctrlPr>
+                          <a:rPr lang="en-US" altLang="zh-CN" b="0" i="1" smtClean="0">
+                            <a:latin typeface="Cambria Math" panose="02040503050406030204" pitchFamily="18" charset="0"/>
+                          </a:rPr>
+                        </m:ctrlPr>
+                      </m:funcPr>
+                      <m:fName>
+                        <m:r>
+                          <m:rPr>
+                            <m:sty m:val="p"/>
+                          </m:rPr>
+                          <a:rPr lang="en-US" altLang="zh-CN" b="0" i="0" smtClean="0">
+                            <a:latin typeface="Cambria Math" panose="02040503050406030204" pitchFamily="18" charset="0"/>
+                          </a:rPr>
+                          <m:t>log</m:t>
+                        </m:r>
+                      </m:fName>
+                      <m:e>
+                        <m:r>
+                          <a:rPr lang="en-US" altLang="zh-CN" b="0" i="1" smtClean="0">
+                            <a:latin typeface="Cambria Math" panose="02040503050406030204" pitchFamily="18" charset="0"/>
+                          </a:rPr>
+                          <m:t>𝑝</m:t>
+                        </m:r>
+                        <m:d>
+                          <m:dPr>
+                            <m:ctrlPr>
+                              <a:rPr lang="en-US" altLang="zh-CN" b="0" i="1" smtClean="0">
+                                <a:latin typeface="Cambria Math" panose="02040503050406030204" pitchFamily="18" charset="0"/>
+                              </a:rPr>
+                            </m:ctrlPr>
+                          </m:dPr>
+                          <m:e>
+                            <m:r>
+                              <a:rPr lang="en-US" altLang="zh-CN" b="0" i="1" smtClean="0">
+                                <a:latin typeface="Cambria Math" panose="02040503050406030204" pitchFamily="18" charset="0"/>
+                              </a:rPr>
+                              <m:t>𝑋</m:t>
+                            </m:r>
+                          </m:e>
+                        </m:d>
+                        <m:r>
+                          <a:rPr lang="en-US" altLang="zh-CN" b="0" i="1" smtClean="0">
+                            <a:latin typeface="Cambria Math" panose="02040503050406030204" pitchFamily="18" charset="0"/>
+                          </a:rPr>
+                          <m:t>=</m:t>
+                        </m:r>
+                        <m:func>
+                          <m:funcPr>
+                            <m:ctrlPr>
+                              <a:rPr lang="en-US" altLang="zh-CN" b="0" i="1" smtClean="0">
+                                <a:latin typeface="Cambria Math" panose="02040503050406030204" pitchFamily="18" charset="0"/>
+                              </a:rPr>
+                            </m:ctrlPr>
+                          </m:funcPr>
+                          <m:fName>
+                            <m:r>
+                              <m:rPr>
+                                <m:sty m:val="p"/>
+                              </m:rPr>
+                              <a:rPr lang="en-US" altLang="zh-CN" b="0" i="0" smtClean="0">
+                                <a:latin typeface="Cambria Math" panose="02040503050406030204" pitchFamily="18" charset="0"/>
+                              </a:rPr>
+                              <m:t>log</m:t>
+                            </m:r>
+                          </m:fName>
+                          <m:e>
+                            <m:sSub>
+                              <m:sSubPr>
+                                <m:ctrlPr>
+                                  <a:rPr lang="en-US" altLang="zh-CN" b="0" i="1" smtClean="0">
+                                    <a:latin typeface="Cambria Math" panose="02040503050406030204" pitchFamily="18" charset="0"/>
+                                  </a:rPr>
+                                </m:ctrlPr>
+                              </m:sSubPr>
+                              <m:e>
+                                <m:r>
+                                  <m:rPr>
+                                    <m:sty m:val="p"/>
+                                  </m:rPr>
+                                  <a:rPr lang="en-US" altLang="zh-CN" b="0" i="0" smtClean="0">
+                                    <a:latin typeface="Cambria Math" panose="02040503050406030204" pitchFamily="18" charset="0"/>
+                                  </a:rPr>
+                                  <m:t>Σ</m:t>
+                                </m:r>
+                              </m:e>
+                              <m:sub>
+                                <m:r>
+                                  <a:rPr lang="en-US" altLang="zh-CN" b="0" i="1" smtClean="0">
+                                    <a:latin typeface="Cambria Math" panose="02040503050406030204" pitchFamily="18" charset="0"/>
+                                  </a:rPr>
+                                  <m:t>h</m:t>
+                                </m:r>
+                              </m:sub>
+                            </m:sSub>
+                            <m:r>
+                              <a:rPr lang="en-US" altLang="zh-CN" b="0" i="1" smtClean="0">
+                                <a:latin typeface="Cambria Math" panose="02040503050406030204" pitchFamily="18" charset="0"/>
+                              </a:rPr>
+                              <m:t>𝑝</m:t>
+                            </m:r>
+                            <m:d>
+                              <m:dPr>
+                                <m:ctrlPr>
+                                  <a:rPr lang="en-US" altLang="zh-CN" b="0" i="1" smtClean="0">
+                                    <a:latin typeface="Cambria Math" panose="02040503050406030204" pitchFamily="18" charset="0"/>
+                                  </a:rPr>
+                                </m:ctrlPr>
+                              </m:dPr>
+                              <m:e>
+                                <m:r>
+                                  <a:rPr lang="en-US" altLang="zh-CN" b="0" i="1" smtClean="0">
+                                    <a:latin typeface="Cambria Math" panose="02040503050406030204" pitchFamily="18" charset="0"/>
+                                  </a:rPr>
+                                  <m:t>𝑋</m:t>
+                                </m:r>
+                              </m:e>
+                              <m:e>
+                                <m:r>
+                                  <a:rPr lang="en-US" altLang="zh-CN" b="0" i="1" smtClean="0">
+                                    <a:latin typeface="Cambria Math" panose="02040503050406030204" pitchFamily="18" charset="0"/>
+                                  </a:rPr>
+                                  <m:t>h</m:t>
+                                </m:r>
+                              </m:e>
+                            </m:d>
+                          </m:e>
+                        </m:func>
+                        <m:r>
+                          <a:rPr lang="en-US" altLang="zh-CN" b="0" i="1" smtClean="0">
+                            <a:latin typeface="Cambria Math" panose="02040503050406030204" pitchFamily="18" charset="0"/>
+                          </a:rPr>
+                          <m:t>𝑝</m:t>
+                        </m:r>
+                        <m:r>
+                          <a:rPr lang="en-US" altLang="zh-CN" b="0" i="1" smtClean="0">
+                            <a:latin typeface="Cambria Math" panose="02040503050406030204" pitchFamily="18" charset="0"/>
+                          </a:rPr>
+                          <m:t>(</m:t>
+                        </m:r>
+                        <m:r>
+                          <a:rPr lang="en-US" altLang="zh-CN" b="0" i="1" smtClean="0">
+                            <a:latin typeface="Cambria Math" panose="02040503050406030204" pitchFamily="18" charset="0"/>
+                          </a:rPr>
+                          <m:t>h</m:t>
+                        </m:r>
+                        <m:r>
+                          <a:rPr lang="en-US" altLang="zh-CN" b="0" i="1" smtClean="0">
+                            <a:latin typeface="Cambria Math" panose="02040503050406030204" pitchFamily="18" charset="0"/>
+                          </a:rPr>
+                          <m:t>)</m:t>
+                        </m:r>
+                      </m:e>
+                    </m:func>
+                  </m:oMath>
+                </a14:m>
+                <a:r>
+                  <a:rPr lang="en-US" altLang="zh-CN" dirty="0"/>
+                  <a:t> is intractable, instead we optimize its EBLO:</a:t>
+                </a:r>
+              </a:p>
+              <a:p>
+                <a:pPr lvl="1"/>
+                <a:endParaRPr lang="en-US" altLang="zh-CN" dirty="0"/>
+              </a:p>
+              <a:p>
+                <a:pPr lvl="1"/>
+                <a:endParaRPr lang="en-US" altLang="zh-CN" dirty="0"/>
+              </a:p>
+              <a:p>
+                <a:pPr lvl="8"/>
+                <a:endParaRPr lang="en-US" altLang="zh-CN" sz="2000" dirty="0"/>
+              </a:p>
+              <a:p>
+                <a:pPr lvl="8"/>
+                <a:r>
+                  <a:rPr lang="en-US" altLang="zh-CN" sz="2000" dirty="0"/>
+                  <a:t>Assume prior </a:t>
+                </a:r>
+                <a14:m>
+                  <m:oMath xmlns:m="http://schemas.openxmlformats.org/officeDocument/2006/math">
+                    <m:r>
+                      <a:rPr lang="en-US" altLang="zh-CN" sz="2000" b="0" i="1" smtClean="0">
+                        <a:latin typeface="Cambria Math" panose="02040503050406030204" pitchFamily="18" charset="0"/>
+                      </a:rPr>
+                      <m:t>𝑝</m:t>
+                    </m:r>
+                    <m:r>
+                      <a:rPr lang="en-US" altLang="zh-CN" sz="2000" b="0" i="1" smtClean="0">
+                        <a:latin typeface="Cambria Math" panose="02040503050406030204" pitchFamily="18" charset="0"/>
+                      </a:rPr>
+                      <m:t>(</m:t>
+                    </m:r>
+                    <m:r>
+                      <a:rPr lang="en-US" altLang="zh-CN" sz="2000" b="0" i="1" smtClean="0">
+                        <a:latin typeface="Cambria Math" panose="02040503050406030204" pitchFamily="18" charset="0"/>
+                      </a:rPr>
+                      <m:t>h</m:t>
+                    </m:r>
+                    <m:r>
+                      <a:rPr lang="en-US" altLang="zh-CN" sz="2000" b="0" i="1" smtClean="0">
+                        <a:latin typeface="Cambria Math" panose="02040503050406030204" pitchFamily="18" charset="0"/>
+                      </a:rPr>
+                      <m:t>)</m:t>
+                    </m:r>
+                  </m:oMath>
+                </a14:m>
+                <a:r>
+                  <a:rPr lang="en-US" altLang="zh-CN" sz="2000" dirty="0"/>
+                  <a:t> is also a gaussian</a:t>
+                </a:r>
+              </a:p>
+              <a:p>
+                <a:pPr marL="457200" lvl="1" indent="0">
+                  <a:buNone/>
+                </a:pPr>
+                <a:endParaRPr lang="zh-CN" altLang="en-US" dirty="0"/>
+              </a:p>
+            </p:txBody>
+          </p:sp>
+        </mc:Choice>
+        <mc:Fallback xmlns="">
+          <p:sp>
+            <p:nvSpPr>
+              <p:cNvPr id="3" name="内容占位符 2">
+                <a:extLst>
+                  <a:ext uri="{FF2B5EF4-FFF2-40B4-BE49-F238E27FC236}">
+                    <a16:creationId xmlns:a16="http://schemas.microsoft.com/office/drawing/2014/main" id="{AAACB188-3831-4495-AFF4-47BCC6357DE5}"/>
+                  </a:ext>
+                </a:extLst>
+              </p:cNvPr>
+              <p:cNvSpPr>
+                <a:spLocks noGrp="1" noRot="1" noChangeAspect="1" noMove="1" noResize="1" noEditPoints="1" noAdjustHandles="1" noChangeArrowheads="1" noChangeShapeType="1" noTextEdit="1"/>
+              </p:cNvSpPr>
+              <p:nvPr>
+                <p:ph idx="1"/>
+              </p:nvPr>
+            </p:nvSpPr>
+            <p:spPr>
+              <a:xfrm>
+                <a:off x="0" y="0"/>
+                <a:ext cx="12192000" cy="6858000"/>
+              </a:xfrm>
+              <a:blipFill>
+                <a:blip r:embed="rId2"/>
+                <a:stretch>
+                  <a:fillRect l="-900" t="-1333" r="-50"/>
+                </a:stretch>
+              </a:blipFill>
+            </p:spPr>
+            <p:txBody>
+              <a:bodyPr/>
+              <a:lstStyle/>
+              <a:p>
+                <a:r>
+                  <a:rPr lang="zh-CN" altLang="en-US">
+                    <a:noFill/>
+                  </a:rPr>
+                  <a:t> </a:t>
+                </a:r>
+              </a:p>
+            </p:txBody>
+          </p:sp>
+        </mc:Fallback>
+      </mc:AlternateContent>
+      <p:pic>
+        <p:nvPicPr>
+          <p:cNvPr id="5" name="图片 4">
+            <a:extLst>
+              <a:ext uri="{FF2B5EF4-FFF2-40B4-BE49-F238E27FC236}">
+                <a16:creationId xmlns:a16="http://schemas.microsoft.com/office/drawing/2014/main" id="{E4CC6526-0337-4F08-BEEB-0FC22192FD09}"/>
+              </a:ext>
+            </a:extLst>
+          </p:cNvPr>
+          <p:cNvPicPr>
+            <a:picLocks noChangeAspect="1"/>
+          </p:cNvPicPr>
+          <p:nvPr/>
+        </p:nvPicPr>
+        <p:blipFill>
+          <a:blip r:embed="rId3"/>
+          <a:stretch>
+            <a:fillRect/>
+          </a:stretch>
+        </p:blipFill>
+        <p:spPr>
+          <a:xfrm>
+            <a:off x="9938598" y="4724986"/>
+            <a:ext cx="2253402" cy="2100998"/>
+          </a:xfrm>
+          <a:prstGeom prst="rect">
+            <a:avLst/>
+          </a:prstGeom>
+        </p:spPr>
+      </p:pic>
+      <p:pic>
+        <p:nvPicPr>
+          <p:cNvPr id="7" name="图片 6">
+            <a:extLst>
+              <a:ext uri="{FF2B5EF4-FFF2-40B4-BE49-F238E27FC236}">
+                <a16:creationId xmlns:a16="http://schemas.microsoft.com/office/drawing/2014/main" id="{D221A6CA-02DE-4959-BA31-FD20EED6849E}"/>
+              </a:ext>
+            </a:extLst>
+          </p:cNvPr>
+          <p:cNvPicPr>
+            <a:picLocks noChangeAspect="1"/>
+          </p:cNvPicPr>
+          <p:nvPr/>
+        </p:nvPicPr>
+        <p:blipFill>
+          <a:blip r:embed="rId4"/>
+          <a:stretch>
+            <a:fillRect/>
+          </a:stretch>
+        </p:blipFill>
+        <p:spPr>
+          <a:xfrm>
+            <a:off x="4612452" y="1740872"/>
+            <a:ext cx="2967095" cy="808690"/>
+          </a:xfrm>
+          <a:prstGeom prst="rect">
+            <a:avLst/>
+          </a:prstGeom>
+        </p:spPr>
+      </p:pic>
+      <p:pic>
+        <p:nvPicPr>
+          <p:cNvPr id="9" name="图片 8">
+            <a:extLst>
+              <a:ext uri="{FF2B5EF4-FFF2-40B4-BE49-F238E27FC236}">
+                <a16:creationId xmlns:a16="http://schemas.microsoft.com/office/drawing/2014/main" id="{77863C6F-B897-448B-8C81-9468D47E8992}"/>
+              </a:ext>
+            </a:extLst>
+          </p:cNvPr>
+          <p:cNvPicPr>
+            <a:picLocks noChangeAspect="1"/>
+          </p:cNvPicPr>
+          <p:nvPr/>
+        </p:nvPicPr>
+        <p:blipFill>
+          <a:blip r:embed="rId5"/>
+          <a:stretch>
+            <a:fillRect/>
+          </a:stretch>
+        </p:blipFill>
+        <p:spPr>
+          <a:xfrm>
+            <a:off x="3977065" y="3609406"/>
+            <a:ext cx="4237870" cy="1200363"/>
+          </a:xfrm>
+          <a:prstGeom prst="rect">
+            <a:avLst/>
+          </a:prstGeom>
+        </p:spPr>
+      </p:pic>
+      <p:pic>
+        <p:nvPicPr>
+          <p:cNvPr id="11" name="图片 10">
+            <a:extLst>
+              <a:ext uri="{FF2B5EF4-FFF2-40B4-BE49-F238E27FC236}">
+                <a16:creationId xmlns:a16="http://schemas.microsoft.com/office/drawing/2014/main" id="{5BF43874-1BD9-47D1-A25F-DAB8BCF2131D}"/>
+              </a:ext>
+            </a:extLst>
+          </p:cNvPr>
+          <p:cNvPicPr>
+            <a:picLocks noChangeAspect="1"/>
+          </p:cNvPicPr>
+          <p:nvPr/>
+        </p:nvPicPr>
+        <p:blipFill>
+          <a:blip r:embed="rId6"/>
+          <a:stretch>
+            <a:fillRect/>
+          </a:stretch>
+        </p:blipFill>
+        <p:spPr>
+          <a:xfrm>
+            <a:off x="2870502" y="5232758"/>
+            <a:ext cx="6450995" cy="1018139"/>
+          </a:xfrm>
+          <a:prstGeom prst="rect">
+            <a:avLst/>
+          </a:prstGeom>
+        </p:spPr>
+      </p:pic>
+    </p:spTree>
+    <p:extLst>
+      <p:ext uri="{BB962C8B-B14F-4D97-AF65-F5344CB8AC3E}">
+        <p14:creationId xmlns:p14="http://schemas.microsoft.com/office/powerpoint/2010/main" val="4105889334"/>
+      </p:ext>
+    </p:extLst>
+  </p:cSld>
+  <p:clrMapOvr>
+    <a:masterClrMapping/>
+  </p:clrMapOvr>
+</p:sld>
+</file>
+
+<file path=ppt/slides/slide9.xml><?xml version="1.0" encoding="utf-8"?>
+<p:sld xmlns:a="http://schemas.openxmlformats.org/drawingml/2006/main" xmlns:r="http://schemas.openxmlformats.org/officeDocument/2006/relationships" xmlns:p="http://schemas.openxmlformats.org/presentationml/2006/main">
+  <p:cSld>
+    <p:spTree>
+      <p:nvGrpSpPr>
+        <p:cNvPr id="1" name=""/>
+        <p:cNvGrpSpPr/>
+        <p:nvPr/>
+      </p:nvGrpSpPr>
+      <p:grpSpPr>
+        <a:xfrm>
+          <a:off x="0" y="0"/>
+          <a:ext cx="0" cy="0"/>
+          <a:chOff x="0" y="0"/>
+          <a:chExt cx="0" cy="0"/>
+        </a:xfrm>
+      </p:grpSpPr>
+      <p:sp>
+        <p:nvSpPr>
+          <p:cNvPr id="2" name="标题 1">
+            <a:extLst>
+              <a:ext uri="{FF2B5EF4-FFF2-40B4-BE49-F238E27FC236}">
+                <a16:creationId xmlns:a16="http://schemas.microsoft.com/office/drawing/2014/main" id="{C3A252C7-D104-4266-A982-62C49D387434}"/>
               </a:ext>
             </a:extLst>
           </p:cNvPr>
@@ -5908,16 +7018,16 @@
           <a:bodyPr/>
           <a:lstStyle/>
           <a:p>
-            <a:endParaRPr lang="en-US"/>
+            <a:endParaRPr lang="zh-CN" altLang="en-US"/>
           </a:p>
         </p:txBody>
       </p:sp>
       <p:sp>
         <p:nvSpPr>
-          <p:cNvPr id="3" name="Content Placeholder 2">
-            <a:extLst>
-              <a:ext uri="{FF2B5EF4-FFF2-40B4-BE49-F238E27FC236}">
-                <a16:creationId xmlns:a16="http://schemas.microsoft.com/office/drawing/2014/main" id="{8BB09278-C884-45C0-8F2C-0D3FB9CCE71B}"/>
+          <p:cNvPr id="3" name="内容占位符 2">
+            <a:extLst>
+              <a:ext uri="{FF2B5EF4-FFF2-40B4-BE49-F238E27FC236}">
+                <a16:creationId xmlns:a16="http://schemas.microsoft.com/office/drawing/2014/main" id="{F26C4496-1919-4B35-B54D-41D5A1B5DB87}"/>
               </a:ext>
             </a:extLst>
           </p:cNvPr>
@@ -5933,14 +7043,44 @@
           <a:bodyPr/>
           <a:lstStyle/>
           <a:p>
-            <a:endParaRPr lang="en-US"/>
+            <a:endParaRPr lang="zh-CN" altLang="en-US"/>
           </a:p>
         </p:txBody>
       </p:sp>
+      <p:pic>
+        <p:nvPicPr>
+          <p:cNvPr id="5" name="图片 4">
+            <a:extLst>
+              <a:ext uri="{FF2B5EF4-FFF2-40B4-BE49-F238E27FC236}">
+                <a16:creationId xmlns:a16="http://schemas.microsoft.com/office/drawing/2014/main" id="{CF1B37B2-D9BA-438C-9FCE-B11CBB737CCC}"/>
+              </a:ext>
+            </a:extLst>
+          </p:cNvPr>
+          <p:cNvPicPr>
+            <a:picLocks noChangeAspect="1"/>
+          </p:cNvPicPr>
+          <p:nvPr/>
+        </p:nvPicPr>
+        <p:blipFill>
+          <a:blip r:embed="rId2"/>
+          <a:stretch>
+            <a:fillRect/>
+          </a:stretch>
+        </p:blipFill>
+        <p:spPr>
+          <a:xfrm>
+            <a:off x="2187926" y="1768885"/>
+            <a:ext cx="7816147" cy="3320230"/>
+          </a:xfrm>
+          <a:prstGeom prst="rect">
+            <a:avLst/>
+          </a:prstGeom>
+        </p:spPr>
+      </p:pic>
     </p:spTree>
     <p:extLst>
       <p:ext uri="{BB962C8B-B14F-4D97-AF65-F5344CB8AC3E}">
-        <p14:creationId xmlns:p14="http://schemas.microsoft.com/office/powerpoint/2010/main" val="426655393"/>
+        <p14:creationId xmlns:p14="http://schemas.microsoft.com/office/powerpoint/2010/main" val="3283832212"/>
       </p:ext>
     </p:extLst>
   </p:cSld>

--- a/docs/Topic Modeling.pptx
+++ b/docs/Topic Modeling.pptx
@@ -8,12 +8,23 @@
     <p:sldId id="256" r:id="rId2"/>
     <p:sldId id="257" r:id="rId3"/>
     <p:sldId id="258" r:id="rId4"/>
-    <p:sldId id="259" r:id="rId5"/>
-    <p:sldId id="260" r:id="rId6"/>
-    <p:sldId id="261" r:id="rId7"/>
-    <p:sldId id="262" r:id="rId8"/>
-    <p:sldId id="263" r:id="rId9"/>
-    <p:sldId id="264" r:id="rId10"/>
+    <p:sldId id="266" r:id="rId5"/>
+    <p:sldId id="274" r:id="rId6"/>
+    <p:sldId id="267" r:id="rId7"/>
+    <p:sldId id="273" r:id="rId8"/>
+    <p:sldId id="268" r:id="rId9"/>
+    <p:sldId id="259" r:id="rId10"/>
+    <p:sldId id="260" r:id="rId11"/>
+    <p:sldId id="275" r:id="rId12"/>
+    <p:sldId id="261" r:id="rId13"/>
+    <p:sldId id="269" r:id="rId14"/>
+    <p:sldId id="262" r:id="rId15"/>
+    <p:sldId id="263" r:id="rId16"/>
+    <p:sldId id="270" r:id="rId17"/>
+    <p:sldId id="264" r:id="rId18"/>
+    <p:sldId id="265" r:id="rId19"/>
+    <p:sldId id="271" r:id="rId20"/>
+    <p:sldId id="272" r:id="rId21"/>
   </p:sldIdLst>
   <p:sldSz cx="12192000" cy="6858000"/>
   <p:notesSz cx="6858000" cy="9144000"/>
@@ -267,7 +278,7 @@
           <a:p>
             <a:fld id="{DABF2AC0-A3DD-4772-A5E6-2AFED81AC8F7}" type="datetimeFigureOut">
               <a:rPr lang="zh-CN" altLang="en-US" smtClean="0"/>
-              <a:t>2022/3/8</a:t>
+              <a:t>2022/3/9</a:t>
             </a:fld>
             <a:endParaRPr lang="zh-CN" altLang="en-US"/>
           </a:p>
@@ -465,7 +476,7 @@
           <a:p>
             <a:fld id="{DABF2AC0-A3DD-4772-A5E6-2AFED81AC8F7}" type="datetimeFigureOut">
               <a:rPr lang="zh-CN" altLang="en-US" smtClean="0"/>
-              <a:t>2022/3/8</a:t>
+              <a:t>2022/3/9</a:t>
             </a:fld>
             <a:endParaRPr lang="zh-CN" altLang="en-US"/>
           </a:p>
@@ -673,7 +684,7 @@
           <a:p>
             <a:fld id="{DABF2AC0-A3DD-4772-A5E6-2AFED81AC8F7}" type="datetimeFigureOut">
               <a:rPr lang="zh-CN" altLang="en-US" smtClean="0"/>
-              <a:t>2022/3/8</a:t>
+              <a:t>2022/3/9</a:t>
             </a:fld>
             <a:endParaRPr lang="zh-CN" altLang="en-US"/>
           </a:p>
@@ -871,7 +882,7 @@
           <a:p>
             <a:fld id="{DABF2AC0-A3DD-4772-A5E6-2AFED81AC8F7}" type="datetimeFigureOut">
               <a:rPr lang="zh-CN" altLang="en-US" smtClean="0"/>
-              <a:t>2022/3/8</a:t>
+              <a:t>2022/3/9</a:t>
             </a:fld>
             <a:endParaRPr lang="zh-CN" altLang="en-US"/>
           </a:p>
@@ -1146,7 +1157,7 @@
           <a:p>
             <a:fld id="{DABF2AC0-A3DD-4772-A5E6-2AFED81AC8F7}" type="datetimeFigureOut">
               <a:rPr lang="zh-CN" altLang="en-US" smtClean="0"/>
-              <a:t>2022/3/8</a:t>
+              <a:t>2022/3/9</a:t>
             </a:fld>
             <a:endParaRPr lang="zh-CN" altLang="en-US"/>
           </a:p>
@@ -1411,7 +1422,7 @@
           <a:p>
             <a:fld id="{DABF2AC0-A3DD-4772-A5E6-2AFED81AC8F7}" type="datetimeFigureOut">
               <a:rPr lang="zh-CN" altLang="en-US" smtClean="0"/>
-              <a:t>2022/3/8</a:t>
+              <a:t>2022/3/9</a:t>
             </a:fld>
             <a:endParaRPr lang="zh-CN" altLang="en-US"/>
           </a:p>
@@ -1823,7 +1834,7 @@
           <a:p>
             <a:fld id="{DABF2AC0-A3DD-4772-A5E6-2AFED81AC8F7}" type="datetimeFigureOut">
               <a:rPr lang="zh-CN" altLang="en-US" smtClean="0"/>
-              <a:t>2022/3/8</a:t>
+              <a:t>2022/3/9</a:t>
             </a:fld>
             <a:endParaRPr lang="zh-CN" altLang="en-US"/>
           </a:p>
@@ -1964,7 +1975,7 @@
           <a:p>
             <a:fld id="{DABF2AC0-A3DD-4772-A5E6-2AFED81AC8F7}" type="datetimeFigureOut">
               <a:rPr lang="zh-CN" altLang="en-US" smtClean="0"/>
-              <a:t>2022/3/8</a:t>
+              <a:t>2022/3/9</a:t>
             </a:fld>
             <a:endParaRPr lang="zh-CN" altLang="en-US"/>
           </a:p>
@@ -2077,7 +2088,7 @@
           <a:p>
             <a:fld id="{DABF2AC0-A3DD-4772-A5E6-2AFED81AC8F7}" type="datetimeFigureOut">
               <a:rPr lang="zh-CN" altLang="en-US" smtClean="0"/>
-              <a:t>2022/3/8</a:t>
+              <a:t>2022/3/9</a:t>
             </a:fld>
             <a:endParaRPr lang="zh-CN" altLang="en-US"/>
           </a:p>
@@ -2388,7 +2399,7 @@
           <a:p>
             <a:fld id="{DABF2AC0-A3DD-4772-A5E6-2AFED81AC8F7}" type="datetimeFigureOut">
               <a:rPr lang="zh-CN" altLang="en-US" smtClean="0"/>
-              <a:t>2022/3/8</a:t>
+              <a:t>2022/3/9</a:t>
             </a:fld>
             <a:endParaRPr lang="zh-CN" altLang="en-US"/>
           </a:p>
@@ -2676,7 +2687,7 @@
           <a:p>
             <a:fld id="{DABF2AC0-A3DD-4772-A5E6-2AFED81AC8F7}" type="datetimeFigureOut">
               <a:rPr lang="zh-CN" altLang="en-US" smtClean="0"/>
-              <a:t>2022/3/8</a:t>
+              <a:t>2022/3/9</a:t>
             </a:fld>
             <a:endParaRPr lang="zh-CN" altLang="en-US"/>
           </a:p>
@@ -2917,7 +2928,7 @@
           <a:p>
             <a:fld id="{DABF2AC0-A3DD-4772-A5E6-2AFED81AC8F7}" type="datetimeFigureOut">
               <a:rPr lang="zh-CN" altLang="en-US" smtClean="0"/>
-              <a:t>2022/3/8</a:t>
+              <a:t>2022/3/9</a:t>
             </a:fld>
             <a:endParaRPr lang="zh-CN" altLang="en-US"/>
           </a:p>
@@ -3417,1332 +3428,7 @@
 </p:sld>
 </file>
 
-<file path=ppt/slides/slide2.xml><?xml version="1.0" encoding="utf-8"?>
-<p:sld xmlns:a="http://schemas.openxmlformats.org/drawingml/2006/main" xmlns:r="http://schemas.openxmlformats.org/officeDocument/2006/relationships" xmlns:p="http://schemas.openxmlformats.org/presentationml/2006/main">
-  <p:cSld>
-    <p:spTree>
-      <p:nvGrpSpPr>
-        <p:cNvPr id="1" name=""/>
-        <p:cNvGrpSpPr/>
-        <p:nvPr/>
-      </p:nvGrpSpPr>
-      <p:grpSpPr>
-        <a:xfrm>
-          <a:off x="0" y="0"/>
-          <a:ext cx="0" cy="0"/>
-          <a:chOff x="0" y="0"/>
-          <a:chExt cx="0" cy="0"/>
-        </a:xfrm>
-      </p:grpSpPr>
-      <p:sp>
-        <p:nvSpPr>
-          <p:cNvPr id="2" name="标题 1">
-            <a:extLst>
-              <a:ext uri="{FF2B5EF4-FFF2-40B4-BE49-F238E27FC236}">
-                <a16:creationId xmlns:a16="http://schemas.microsoft.com/office/drawing/2014/main" id="{56E40632-8FAC-41FB-8D32-1C72D0042D5A}"/>
-              </a:ext>
-            </a:extLst>
-          </p:cNvPr>
-          <p:cNvSpPr>
-            <a:spLocks noGrp="1"/>
-          </p:cNvSpPr>
-          <p:nvPr>
-            <p:ph type="title"/>
-          </p:nvPr>
-        </p:nvSpPr>
-        <p:spPr/>
-        <p:txBody>
-          <a:bodyPr/>
-          <a:lstStyle/>
-          <a:p>
-            <a:r>
-              <a:rPr lang="en-US" altLang="zh-CN" dirty="0"/>
-              <a:t>Outline</a:t>
-            </a:r>
-            <a:endParaRPr lang="zh-CN" altLang="en-US" dirty="0"/>
-          </a:p>
-        </p:txBody>
-      </p:sp>
-      <p:sp>
-        <p:nvSpPr>
-          <p:cNvPr id="3" name="内容占位符 2">
-            <a:extLst>
-              <a:ext uri="{FF2B5EF4-FFF2-40B4-BE49-F238E27FC236}">
-                <a16:creationId xmlns:a16="http://schemas.microsoft.com/office/drawing/2014/main" id="{8AE04368-00C6-4683-93FC-58125E555EC1}"/>
-              </a:ext>
-            </a:extLst>
-          </p:cNvPr>
-          <p:cNvSpPr>
-            <a:spLocks noGrp="1"/>
-          </p:cNvSpPr>
-          <p:nvPr>
-            <p:ph idx="1"/>
-          </p:nvPr>
-        </p:nvSpPr>
-        <p:spPr/>
-        <p:txBody>
-          <a:bodyPr/>
-          <a:lstStyle/>
-          <a:p>
-            <a:r>
-              <a:rPr lang="en-US" altLang="zh-CN" dirty="0"/>
-              <a:t>Overview</a:t>
-            </a:r>
-          </a:p>
-          <a:p>
-            <a:r>
-              <a:rPr lang="en-US" altLang="zh-CN" dirty="0"/>
-              <a:t>Traditional Methods</a:t>
-            </a:r>
-          </a:p>
-          <a:p>
-            <a:endParaRPr lang="zh-CN" altLang="en-US" dirty="0"/>
-          </a:p>
-        </p:txBody>
-      </p:sp>
-    </p:spTree>
-    <p:extLst>
-      <p:ext uri="{BB962C8B-B14F-4D97-AF65-F5344CB8AC3E}">
-        <p14:creationId xmlns:p14="http://schemas.microsoft.com/office/powerpoint/2010/main" val="2160139007"/>
-      </p:ext>
-    </p:extLst>
-  </p:cSld>
-  <p:clrMapOvr>
-    <a:masterClrMapping/>
-  </p:clrMapOvr>
-</p:sld>
-</file>
-
-<file path=ppt/slides/slide3.xml><?xml version="1.0" encoding="utf-8"?>
-<p:sld xmlns:a="http://schemas.openxmlformats.org/drawingml/2006/main" xmlns:r="http://schemas.openxmlformats.org/officeDocument/2006/relationships" xmlns:p="http://schemas.openxmlformats.org/presentationml/2006/main">
-  <p:cSld>
-    <p:spTree>
-      <p:nvGrpSpPr>
-        <p:cNvPr id="1" name=""/>
-        <p:cNvGrpSpPr/>
-        <p:nvPr/>
-      </p:nvGrpSpPr>
-      <p:grpSpPr>
-        <a:xfrm>
-          <a:off x="0" y="0"/>
-          <a:ext cx="0" cy="0"/>
-          <a:chOff x="0" y="0"/>
-          <a:chExt cx="0" cy="0"/>
-        </a:xfrm>
-      </p:grpSpPr>
-      <p:sp>
-        <p:nvSpPr>
-          <p:cNvPr id="2" name="标题 1">
-            <a:extLst>
-              <a:ext uri="{FF2B5EF4-FFF2-40B4-BE49-F238E27FC236}">
-                <a16:creationId xmlns:a16="http://schemas.microsoft.com/office/drawing/2014/main" id="{2DD51842-AF5D-4F48-942B-A99D8FEE4108}"/>
-              </a:ext>
-            </a:extLst>
-          </p:cNvPr>
-          <p:cNvSpPr>
-            <a:spLocks noGrp="1"/>
-          </p:cNvSpPr>
-          <p:nvPr>
-            <p:ph type="title"/>
-          </p:nvPr>
-        </p:nvSpPr>
-        <p:spPr/>
-        <p:txBody>
-          <a:bodyPr/>
-          <a:lstStyle/>
-          <a:p>
-            <a:r>
-              <a:rPr lang="en-US" altLang="zh-CN" dirty="0"/>
-              <a:t>Overview</a:t>
-            </a:r>
-            <a:endParaRPr lang="zh-CN" altLang="en-US" dirty="0"/>
-          </a:p>
-        </p:txBody>
-      </p:sp>
-      <mc:AlternateContent xmlns:mc="http://schemas.openxmlformats.org/markup-compatibility/2006" xmlns:a14="http://schemas.microsoft.com/office/drawing/2010/main">
-        <mc:Choice Requires="a14">
-          <p:sp>
-            <p:nvSpPr>
-              <p:cNvPr id="3" name="内容占位符 2">
-                <a:extLst>
-                  <a:ext uri="{FF2B5EF4-FFF2-40B4-BE49-F238E27FC236}">
-                    <a16:creationId xmlns:a16="http://schemas.microsoft.com/office/drawing/2014/main" id="{B5879CF5-1A0E-450D-ABF3-24CD8773A933}"/>
-                  </a:ext>
-                </a:extLst>
-              </p:cNvPr>
-              <p:cNvSpPr>
-                <a:spLocks noGrp="1"/>
-              </p:cNvSpPr>
-              <p:nvPr>
-                <p:ph idx="1"/>
-              </p:nvPr>
-            </p:nvSpPr>
-            <p:spPr>
-              <a:xfrm>
-                <a:off x="845695" y="1825625"/>
-                <a:ext cx="10515600" cy="4351338"/>
-              </a:xfrm>
-            </p:spPr>
-            <p:txBody>
-              <a:bodyPr>
-                <a:normAutofit/>
-              </a:bodyPr>
-              <a:lstStyle/>
-              <a:p>
-                <a:r>
-                  <a:rPr lang="en-US" altLang="zh-CN" b="1" dirty="0"/>
-                  <a:t>What is topic modeling?</a:t>
-                </a:r>
-                <a:endParaRPr lang="en-US" altLang="zh-CN" dirty="0"/>
-              </a:p>
-              <a:p>
-                <a:pPr lvl="1"/>
-                <a:r>
-                  <a:rPr lang="en-US" altLang="zh-CN" dirty="0"/>
-                  <a:t>Automatically discover topics from text corpus. It facilitates many web applications including document analysis, text summarization and ad-hoc information retrieval.</a:t>
-                </a:r>
-              </a:p>
-              <a:p>
-                <a:pPr lvl="1"/>
-                <a:r>
-                  <a:rPr lang="en-US" altLang="zh-CN" dirty="0"/>
-                  <a:t>Given a document </a:t>
-                </a:r>
-                <a14:m>
-                  <m:oMath xmlns:m="http://schemas.openxmlformats.org/officeDocument/2006/math">
-                    <m:r>
-                      <a:rPr lang="en-US" altLang="zh-CN" b="0" i="1" smtClean="0">
-                        <a:latin typeface="Cambria Math" panose="02040503050406030204" pitchFamily="18" charset="0"/>
-                      </a:rPr>
-                      <m:t>𝑑</m:t>
-                    </m:r>
-                    <m:r>
-                      <a:rPr lang="en-US" altLang="zh-CN" b="0" i="1" smtClean="0">
-                        <a:latin typeface="Cambria Math" panose="02040503050406030204" pitchFamily="18" charset="0"/>
-                      </a:rPr>
-                      <m:t>∈</m:t>
-                    </m:r>
-                    <m:r>
-                      <a:rPr lang="en-US" altLang="zh-CN" b="0" i="1" smtClean="0">
-                        <a:latin typeface="Cambria Math" panose="02040503050406030204" pitchFamily="18" charset="0"/>
-                      </a:rPr>
-                      <m:t>𝐷</m:t>
-                    </m:r>
-                    <m:r>
-                      <a:rPr lang="en-US" altLang="zh-CN" b="0" i="1" smtClean="0">
-                        <a:latin typeface="Cambria Math" panose="02040503050406030204" pitchFamily="18" charset="0"/>
-                      </a:rPr>
-                      <m:t>=</m:t>
-                    </m:r>
-                    <m:d>
-                      <m:dPr>
-                        <m:begChr m:val="{"/>
-                        <m:endChr m:val="}"/>
-                        <m:ctrlPr>
-                          <a:rPr lang="en-US" altLang="zh-CN" b="0" i="1" smtClean="0">
-                            <a:latin typeface="Cambria Math" panose="02040503050406030204" pitchFamily="18" charset="0"/>
-                          </a:rPr>
-                        </m:ctrlPr>
-                      </m:dPr>
-                      <m:e>
-                        <m:sSub>
-                          <m:sSubPr>
-                            <m:ctrlPr>
-                              <a:rPr lang="en-US" altLang="zh-CN" b="0" i="1" smtClean="0">
-                                <a:latin typeface="Cambria Math" panose="02040503050406030204" pitchFamily="18" charset="0"/>
-                              </a:rPr>
-                            </m:ctrlPr>
-                          </m:sSubPr>
-                          <m:e>
-                            <m:r>
-                              <m:rPr>
-                                <m:sty m:val="p"/>
-                              </m:rPr>
-                              <a:rPr lang="en-US" altLang="zh-CN" i="1">
-                                <a:latin typeface="Cambria Math" panose="02040503050406030204" pitchFamily="18" charset="0"/>
-                              </a:rPr>
-                              <m:t>d</m:t>
-                            </m:r>
-                          </m:e>
-                          <m:sub>
-                            <m:r>
-                              <a:rPr lang="en-US" altLang="zh-CN" b="0" i="1" smtClean="0">
-                                <a:latin typeface="Cambria Math" panose="02040503050406030204" pitchFamily="18" charset="0"/>
-                              </a:rPr>
-                              <m:t>1</m:t>
-                            </m:r>
-                          </m:sub>
-                        </m:sSub>
-                        <m:r>
-                          <a:rPr lang="en-US" altLang="zh-CN" b="0" i="1" smtClean="0">
-                            <a:latin typeface="Cambria Math" panose="02040503050406030204" pitchFamily="18" charset="0"/>
-                          </a:rPr>
-                          <m:t>,…, </m:t>
-                        </m:r>
-                        <m:sSub>
-                          <m:sSubPr>
-                            <m:ctrlPr>
-                              <a:rPr lang="en-US" altLang="zh-CN" b="0" i="1" smtClean="0">
-                                <a:latin typeface="Cambria Math" panose="02040503050406030204" pitchFamily="18" charset="0"/>
-                              </a:rPr>
-                            </m:ctrlPr>
-                          </m:sSubPr>
-                          <m:e>
-                            <m:r>
-                              <a:rPr lang="en-US" altLang="zh-CN" b="0" i="1" smtClean="0">
-                                <a:latin typeface="Cambria Math" panose="02040503050406030204" pitchFamily="18" charset="0"/>
-                              </a:rPr>
-                              <m:t>𝑑</m:t>
-                            </m:r>
-                          </m:e>
-                          <m:sub>
-                            <m:r>
-                              <a:rPr lang="en-US" altLang="zh-CN" b="0" i="1" smtClean="0">
-                                <a:latin typeface="Cambria Math" panose="02040503050406030204" pitchFamily="18" charset="0"/>
-                              </a:rPr>
-                              <m:t>𝑀</m:t>
-                            </m:r>
-                          </m:sub>
-                        </m:sSub>
-                      </m:e>
-                    </m:d>
-                  </m:oMath>
-                </a14:m>
-                <a:r>
-                  <a:rPr lang="en-US" altLang="zh-CN" dirty="0"/>
-                  <a:t>, a word </a:t>
-                </a:r>
-                <a14:m>
-                  <m:oMath xmlns:m="http://schemas.openxmlformats.org/officeDocument/2006/math">
-                    <m:r>
-                      <a:rPr lang="en-US" altLang="zh-CN" b="0" i="1" smtClean="0">
-                        <a:latin typeface="Cambria Math" panose="02040503050406030204" pitchFamily="18" charset="0"/>
-                      </a:rPr>
-                      <m:t>𝑤</m:t>
-                    </m:r>
-                    <m:r>
-                      <a:rPr lang="en-US" altLang="zh-CN" b="0" i="1" smtClean="0">
-                        <a:latin typeface="Cambria Math" panose="02040503050406030204" pitchFamily="18" charset="0"/>
-                      </a:rPr>
-                      <m:t>∈</m:t>
-                    </m:r>
-                    <m:r>
-                      <a:rPr lang="en-US" altLang="zh-CN" b="0" i="1" smtClean="0">
-                        <a:latin typeface="Cambria Math" panose="02040503050406030204" pitchFamily="18" charset="0"/>
-                      </a:rPr>
-                      <m:t>𝑊</m:t>
-                    </m:r>
-                    <m:r>
-                      <a:rPr lang="en-US" altLang="zh-CN" b="0" i="1" smtClean="0">
-                        <a:latin typeface="Cambria Math" panose="02040503050406030204" pitchFamily="18" charset="0"/>
-                      </a:rPr>
-                      <m:t>=</m:t>
-                    </m:r>
-                    <m:d>
-                      <m:dPr>
-                        <m:begChr m:val="{"/>
-                        <m:endChr m:val="}"/>
-                        <m:ctrlPr>
-                          <a:rPr lang="en-US" altLang="zh-CN" b="0" i="1" smtClean="0">
-                            <a:latin typeface="Cambria Math" panose="02040503050406030204" pitchFamily="18" charset="0"/>
-                          </a:rPr>
-                        </m:ctrlPr>
-                      </m:dPr>
-                      <m:e>
-                        <m:sSub>
-                          <m:sSubPr>
-                            <m:ctrlPr>
-                              <a:rPr lang="en-US" altLang="zh-CN" b="0" i="1" smtClean="0">
-                                <a:latin typeface="Cambria Math" panose="02040503050406030204" pitchFamily="18" charset="0"/>
-                              </a:rPr>
-                            </m:ctrlPr>
-                          </m:sSubPr>
-                          <m:e>
-                            <m:r>
-                              <a:rPr lang="en-US" altLang="zh-CN" b="0" i="1" smtClean="0">
-                                <a:latin typeface="Cambria Math" panose="02040503050406030204" pitchFamily="18" charset="0"/>
-                              </a:rPr>
-                              <m:t>𝑤</m:t>
-                            </m:r>
-                          </m:e>
-                          <m:sub>
-                            <m:r>
-                              <a:rPr lang="en-US" altLang="zh-CN" b="0" i="1" smtClean="0">
-                                <a:latin typeface="Cambria Math" panose="02040503050406030204" pitchFamily="18" charset="0"/>
-                              </a:rPr>
-                              <m:t>1</m:t>
-                            </m:r>
-                          </m:sub>
-                        </m:sSub>
-                        <m:r>
-                          <a:rPr lang="en-US" altLang="zh-CN" b="0" i="1" smtClean="0">
-                            <a:latin typeface="Cambria Math" panose="02040503050406030204" pitchFamily="18" charset="0"/>
-                          </a:rPr>
-                          <m:t>,…,</m:t>
-                        </m:r>
-                        <m:sSub>
-                          <m:sSubPr>
-                            <m:ctrlPr>
-                              <a:rPr lang="en-US" altLang="zh-CN" b="0" i="1" smtClean="0">
-                                <a:latin typeface="Cambria Math" panose="02040503050406030204" pitchFamily="18" charset="0"/>
-                              </a:rPr>
-                            </m:ctrlPr>
-                          </m:sSubPr>
-                          <m:e>
-                            <m:r>
-                              <a:rPr lang="en-US" altLang="zh-CN" b="0" i="1" smtClean="0">
-                                <a:latin typeface="Cambria Math" panose="02040503050406030204" pitchFamily="18" charset="0"/>
-                              </a:rPr>
-                              <m:t>𝑤</m:t>
-                            </m:r>
-                          </m:e>
-                          <m:sub>
-                            <m:r>
-                              <a:rPr lang="en-US" altLang="zh-CN" b="0" i="1" smtClean="0">
-                                <a:latin typeface="Cambria Math" panose="02040503050406030204" pitchFamily="18" charset="0"/>
-                              </a:rPr>
-                              <m:t>𝑁</m:t>
-                            </m:r>
-                          </m:sub>
-                        </m:sSub>
-                      </m:e>
-                    </m:d>
-                  </m:oMath>
-                </a14:m>
-                <a:r>
-                  <a:rPr lang="en-US" altLang="zh-CN" dirty="0"/>
-                  <a:t>, we can observe </a:t>
-                </a:r>
-                <a14:m>
-                  <m:oMath xmlns:m="http://schemas.openxmlformats.org/officeDocument/2006/math">
-                    <m:r>
-                      <a:rPr lang="en-US" altLang="zh-CN" b="0" i="1" smtClean="0">
-                        <a:latin typeface="Cambria Math" panose="02040503050406030204" pitchFamily="18" charset="0"/>
-                      </a:rPr>
-                      <m:t>𝑃</m:t>
-                    </m:r>
-                    <m:d>
-                      <m:dPr>
-                        <m:ctrlPr>
-                          <a:rPr lang="en-US" altLang="zh-CN" b="0" i="1" smtClean="0">
-                            <a:latin typeface="Cambria Math" panose="02040503050406030204" pitchFamily="18" charset="0"/>
-                          </a:rPr>
-                        </m:ctrlPr>
-                      </m:dPr>
-                      <m:e>
-                        <m:r>
-                          <a:rPr lang="en-US" altLang="zh-CN" b="0" i="1" smtClean="0">
-                            <a:latin typeface="Cambria Math" panose="02040503050406030204" pitchFamily="18" charset="0"/>
-                          </a:rPr>
-                          <m:t>𝑑</m:t>
-                        </m:r>
-                        <m:r>
-                          <a:rPr lang="en-US" altLang="zh-CN" b="0" i="1" smtClean="0">
-                            <a:latin typeface="Cambria Math" panose="02040503050406030204" pitchFamily="18" charset="0"/>
-                          </a:rPr>
-                          <m:t>,</m:t>
-                        </m:r>
-                        <m:r>
-                          <a:rPr lang="en-US" altLang="zh-CN" b="0" i="1" smtClean="0">
-                            <a:latin typeface="Cambria Math" panose="02040503050406030204" pitchFamily="18" charset="0"/>
-                          </a:rPr>
-                          <m:t>𝑤</m:t>
-                        </m:r>
-                      </m:e>
-                    </m:d>
-                  </m:oMath>
-                </a14:m>
-                <a:r>
-                  <a:rPr lang="en-US" altLang="zh-CN" dirty="0"/>
-                  <a:t>, which can simply be the co-occurrence matrix </a:t>
-                </a:r>
-                <a14:m>
-                  <m:oMath xmlns:m="http://schemas.openxmlformats.org/officeDocument/2006/math">
-                    <m:r>
-                      <m:rPr>
-                        <m:sty m:val="p"/>
-                      </m:rPr>
-                      <a:rPr lang="en-US" altLang="zh-CN" b="0" i="0" smtClean="0">
-                        <a:latin typeface="Cambria Math" panose="02040503050406030204" pitchFamily="18" charset="0"/>
-                      </a:rPr>
-                      <m:t>A</m:t>
-                    </m:r>
-                    <m:r>
-                      <a:rPr lang="en-US" altLang="zh-CN" b="0" i="1" smtClean="0">
-                        <a:latin typeface="Cambria Math" panose="02040503050406030204" pitchFamily="18" charset="0"/>
-                      </a:rPr>
-                      <m:t>∈</m:t>
-                    </m:r>
-                    <m:sSup>
-                      <m:sSupPr>
-                        <m:ctrlPr>
-                          <a:rPr lang="en-US" altLang="zh-CN" b="0" i="1" smtClean="0">
-                            <a:latin typeface="Cambria Math" panose="02040503050406030204" pitchFamily="18" charset="0"/>
-                          </a:rPr>
-                        </m:ctrlPr>
-                      </m:sSupPr>
-                      <m:e>
-                        <m:r>
-                          <a:rPr lang="en-US" altLang="zh-CN" b="0" i="1" smtClean="0">
-                            <a:latin typeface="Cambria Math" panose="02040503050406030204" pitchFamily="18" charset="0"/>
-                          </a:rPr>
-                          <m:t>ℛ</m:t>
-                        </m:r>
-                      </m:e>
-                      <m:sup>
-                        <m:r>
-                          <a:rPr lang="en-US" altLang="zh-CN" b="0" i="1" smtClean="0">
-                            <a:latin typeface="Cambria Math" panose="02040503050406030204" pitchFamily="18" charset="0"/>
-                          </a:rPr>
-                          <m:t>𝑁</m:t>
-                        </m:r>
-                        <m:r>
-                          <a:rPr lang="en-US" altLang="zh-CN" b="0" i="1" smtClean="0">
-                            <a:latin typeface="Cambria Math" panose="02040503050406030204" pitchFamily="18" charset="0"/>
-                          </a:rPr>
-                          <m:t>×</m:t>
-                        </m:r>
-                        <m:r>
-                          <a:rPr lang="en-US" altLang="zh-CN" b="0" i="1" smtClean="0">
-                            <a:latin typeface="Cambria Math" panose="02040503050406030204" pitchFamily="18" charset="0"/>
-                          </a:rPr>
-                          <m:t>𝑀</m:t>
-                        </m:r>
-                      </m:sup>
-                    </m:sSup>
-                  </m:oMath>
-                </a14:m>
-                <a:r>
-                  <a:rPr lang="en-US" altLang="zh-CN" dirty="0"/>
-                  <a:t>of the corpus. </a:t>
-                </a:r>
-              </a:p>
-              <a:p>
-                <a:pPr lvl="1"/>
-                <a:r>
-                  <a:rPr lang="en-US" altLang="zh-CN" dirty="0"/>
-                  <a:t>The topic model tries to use a latent variable </a:t>
-                </a:r>
-                <a14:m>
-                  <m:oMath xmlns:m="http://schemas.openxmlformats.org/officeDocument/2006/math">
-                    <m:r>
-                      <a:rPr lang="en-US" altLang="zh-CN" i="1">
-                        <a:latin typeface="Cambria Math" panose="02040503050406030204" pitchFamily="18" charset="0"/>
-                      </a:rPr>
-                      <m:t>𝑧</m:t>
-                    </m:r>
-                    <m:r>
-                      <a:rPr lang="en-US" altLang="zh-CN" b="0" i="1" smtClean="0">
-                        <a:latin typeface="Cambria Math" panose="02040503050406030204" pitchFamily="18" charset="0"/>
-                      </a:rPr>
-                      <m:t>∈</m:t>
-                    </m:r>
-                    <m:r>
-                      <a:rPr lang="en-US" altLang="zh-CN" b="0" i="1" smtClean="0">
-                        <a:latin typeface="Cambria Math" panose="02040503050406030204" pitchFamily="18" charset="0"/>
-                      </a:rPr>
-                      <m:t>𝑍</m:t>
-                    </m:r>
-                    <m:r>
-                      <a:rPr lang="en-US" altLang="zh-CN" b="0" i="1" smtClean="0">
-                        <a:latin typeface="Cambria Math" panose="02040503050406030204" pitchFamily="18" charset="0"/>
-                      </a:rPr>
-                      <m:t>=</m:t>
-                    </m:r>
-                    <m:d>
-                      <m:dPr>
-                        <m:begChr m:val="{"/>
-                        <m:endChr m:val="}"/>
-                        <m:ctrlPr>
-                          <a:rPr lang="en-US" altLang="zh-CN" b="0" i="1" smtClean="0">
-                            <a:latin typeface="Cambria Math" panose="02040503050406030204" pitchFamily="18" charset="0"/>
-                          </a:rPr>
-                        </m:ctrlPr>
-                      </m:dPr>
-                      <m:e>
-                        <m:sSub>
-                          <m:sSubPr>
-                            <m:ctrlPr>
-                              <a:rPr lang="en-US" altLang="zh-CN" b="0" i="1" smtClean="0">
-                                <a:latin typeface="Cambria Math" panose="02040503050406030204" pitchFamily="18" charset="0"/>
-                              </a:rPr>
-                            </m:ctrlPr>
-                          </m:sSubPr>
-                          <m:e>
-                            <m:r>
-                              <a:rPr lang="en-US" altLang="zh-CN" b="0" i="1" smtClean="0">
-                                <a:latin typeface="Cambria Math" panose="02040503050406030204" pitchFamily="18" charset="0"/>
-                              </a:rPr>
-                              <m:t>𝑧</m:t>
-                            </m:r>
-                          </m:e>
-                          <m:sub>
-                            <m:r>
-                              <a:rPr lang="en-US" altLang="zh-CN" b="0" i="1" smtClean="0">
-                                <a:latin typeface="Cambria Math" panose="02040503050406030204" pitchFamily="18" charset="0"/>
-                              </a:rPr>
-                              <m:t>1</m:t>
-                            </m:r>
-                          </m:sub>
-                        </m:sSub>
-                        <m:r>
-                          <a:rPr lang="en-US" altLang="zh-CN" b="0" i="1" smtClean="0">
-                            <a:latin typeface="Cambria Math" panose="02040503050406030204" pitchFamily="18" charset="0"/>
-                          </a:rPr>
-                          <m:t>,…,</m:t>
-                        </m:r>
-                        <m:sSub>
-                          <m:sSubPr>
-                            <m:ctrlPr>
-                              <a:rPr lang="en-US" altLang="zh-CN" b="0" i="1" smtClean="0">
-                                <a:latin typeface="Cambria Math" panose="02040503050406030204" pitchFamily="18" charset="0"/>
-                              </a:rPr>
-                            </m:ctrlPr>
-                          </m:sSubPr>
-                          <m:e>
-                            <m:r>
-                              <a:rPr lang="en-US" altLang="zh-CN" b="0" i="1" smtClean="0">
-                                <a:latin typeface="Cambria Math" panose="02040503050406030204" pitchFamily="18" charset="0"/>
-                              </a:rPr>
-                              <m:t>𝑧</m:t>
-                            </m:r>
-                          </m:e>
-                          <m:sub>
-                            <m:r>
-                              <a:rPr lang="en-US" altLang="zh-CN" b="0" i="1" smtClean="0">
-                                <a:latin typeface="Cambria Math" panose="02040503050406030204" pitchFamily="18" charset="0"/>
-                              </a:rPr>
-                              <m:t>𝐾</m:t>
-                            </m:r>
-                          </m:sub>
-                        </m:sSub>
-                      </m:e>
-                    </m:d>
-                  </m:oMath>
-                </a14:m>
-                <a:r>
-                  <a:rPr lang="en-US" altLang="zh-CN" dirty="0"/>
-                  <a:t> (topic) and a set of parameters </a:t>
-                </a:r>
-                <a14:m>
-                  <m:oMath xmlns:m="http://schemas.openxmlformats.org/officeDocument/2006/math">
-                    <m:r>
-                      <a:rPr lang="en-US" altLang="zh-CN" b="0" i="1" smtClean="0">
-                        <a:latin typeface="Cambria Math" panose="02040503050406030204" pitchFamily="18" charset="0"/>
-                      </a:rPr>
-                      <m:t>𝜃</m:t>
-                    </m:r>
-                  </m:oMath>
-                </a14:m>
-                <a:r>
-                  <a:rPr lang="en-US" altLang="zh-CN" dirty="0"/>
-                  <a:t> to explain the generation of the entire corpus, where </a:t>
-                </a:r>
-                <a14:m>
-                  <m:oMath xmlns:m="http://schemas.openxmlformats.org/officeDocument/2006/math">
-                    <m:r>
-                      <a:rPr lang="en-US" altLang="zh-CN" b="0" i="1" smtClean="0">
-                        <a:latin typeface="Cambria Math" panose="02040503050406030204" pitchFamily="18" charset="0"/>
-                      </a:rPr>
-                      <m:t>𝐾</m:t>
-                    </m:r>
-                  </m:oMath>
-                </a14:m>
-                <a:r>
-                  <a:rPr lang="en-US" altLang="zh-CN" dirty="0"/>
-                  <a:t> is pre-defined.</a:t>
-                </a:r>
-              </a:p>
-            </p:txBody>
-          </p:sp>
-        </mc:Choice>
-        <mc:Fallback xmlns="">
-          <p:sp>
-            <p:nvSpPr>
-              <p:cNvPr id="3" name="内容占位符 2">
-                <a:extLst>
-                  <a:ext uri="{FF2B5EF4-FFF2-40B4-BE49-F238E27FC236}">
-                    <a16:creationId xmlns:a16="http://schemas.microsoft.com/office/drawing/2014/main" id="{B5879CF5-1A0E-450D-ABF3-24CD8773A933}"/>
-                  </a:ext>
-                </a:extLst>
-              </p:cNvPr>
-              <p:cNvSpPr>
-                <a:spLocks noGrp="1" noRot="1" noChangeAspect="1" noMove="1" noResize="1" noEditPoints="1" noAdjustHandles="1" noChangeArrowheads="1" noChangeShapeType="1" noTextEdit="1"/>
-              </p:cNvSpPr>
-              <p:nvPr>
-                <p:ph idx="1"/>
-              </p:nvPr>
-            </p:nvSpPr>
-            <p:spPr>
-              <a:xfrm>
-                <a:off x="845695" y="1825625"/>
-                <a:ext cx="10515600" cy="4351338"/>
-              </a:xfrm>
-              <a:blipFill>
-                <a:blip r:embed="rId2"/>
-                <a:stretch>
-                  <a:fillRect l="-1043" t="-2521" r="-1449"/>
-                </a:stretch>
-              </a:blipFill>
-            </p:spPr>
-            <p:txBody>
-              <a:bodyPr/>
-              <a:lstStyle/>
-              <a:p>
-                <a:r>
-                  <a:rPr lang="en-US">
-                    <a:noFill/>
-                  </a:rPr>
-                  <a:t> </a:t>
-                </a:r>
-              </a:p>
-            </p:txBody>
-          </p:sp>
-        </mc:Fallback>
-      </mc:AlternateContent>
-    </p:spTree>
-    <p:extLst>
-      <p:ext uri="{BB962C8B-B14F-4D97-AF65-F5344CB8AC3E}">
-        <p14:creationId xmlns:p14="http://schemas.microsoft.com/office/powerpoint/2010/main" val="635419814"/>
-      </p:ext>
-    </p:extLst>
-  </p:cSld>
-  <p:clrMapOvr>
-    <a:masterClrMapping/>
-  </p:clrMapOvr>
-</p:sld>
-</file>
-
-<file path=ppt/slides/slide4.xml><?xml version="1.0" encoding="utf-8"?>
-<p:sld xmlns:a="http://schemas.openxmlformats.org/drawingml/2006/main" xmlns:r="http://schemas.openxmlformats.org/officeDocument/2006/relationships" xmlns:p="http://schemas.openxmlformats.org/presentationml/2006/main">
-  <p:cSld>
-    <p:spTree>
-      <p:nvGrpSpPr>
-        <p:cNvPr id="1" name=""/>
-        <p:cNvGrpSpPr/>
-        <p:nvPr/>
-      </p:nvGrpSpPr>
-      <p:grpSpPr>
-        <a:xfrm>
-          <a:off x="0" y="0"/>
-          <a:ext cx="0" cy="0"/>
-          <a:chOff x="0" y="0"/>
-          <a:chExt cx="0" cy="0"/>
-        </a:xfrm>
-      </p:grpSpPr>
-      <p:sp>
-        <p:nvSpPr>
-          <p:cNvPr id="2" name="标题 1">
-            <a:extLst>
-              <a:ext uri="{FF2B5EF4-FFF2-40B4-BE49-F238E27FC236}">
-                <a16:creationId xmlns:a16="http://schemas.microsoft.com/office/drawing/2014/main" id="{2BA0A17D-7890-40A0-9AEA-8F3295DF17BE}"/>
-              </a:ext>
-            </a:extLst>
-          </p:cNvPr>
-          <p:cNvSpPr>
-            <a:spLocks noGrp="1"/>
-          </p:cNvSpPr>
-          <p:nvPr>
-            <p:ph type="title"/>
-          </p:nvPr>
-        </p:nvSpPr>
-        <p:spPr/>
-        <p:txBody>
-          <a:bodyPr/>
-          <a:lstStyle/>
-          <a:p>
-            <a:r>
-              <a:rPr lang="en-US" altLang="zh-CN" dirty="0"/>
-              <a:t>LSA</a:t>
-            </a:r>
-            <a:endParaRPr lang="zh-CN" altLang="en-US" dirty="0"/>
-          </a:p>
-        </p:txBody>
-      </p:sp>
-      <mc:AlternateContent xmlns:mc="http://schemas.openxmlformats.org/markup-compatibility/2006" xmlns:a14="http://schemas.microsoft.com/office/drawing/2010/main">
-        <mc:Choice Requires="a14">
-          <p:sp>
-            <p:nvSpPr>
-              <p:cNvPr id="3" name="内容占位符 2">
-                <a:extLst>
-                  <a:ext uri="{FF2B5EF4-FFF2-40B4-BE49-F238E27FC236}">
-                    <a16:creationId xmlns:a16="http://schemas.microsoft.com/office/drawing/2014/main" id="{939FA902-E592-45EF-AE41-E8A54F1A93B4}"/>
-                  </a:ext>
-                </a:extLst>
-              </p:cNvPr>
-              <p:cNvSpPr>
-                <a:spLocks noGrp="1"/>
-              </p:cNvSpPr>
-              <p:nvPr>
-                <p:ph idx="1"/>
-              </p:nvPr>
-            </p:nvSpPr>
-            <p:spPr/>
-            <p:txBody>
-              <a:bodyPr>
-                <a:normAutofit lnSpcReduction="10000"/>
-              </a:bodyPr>
-              <a:lstStyle/>
-              <a:p>
-                <a:r>
-                  <a:rPr lang="en-US" altLang="zh-CN" dirty="0"/>
-                  <a:t>Use SVD to decompose the sparse co-occurrence matrix </a:t>
-                </a:r>
-                <a14:m>
-                  <m:oMath xmlns:m="http://schemas.openxmlformats.org/officeDocument/2006/math">
-                    <m:r>
-                      <a:rPr lang="en-US" altLang="zh-CN" b="0" i="1" smtClean="0">
-                        <a:latin typeface="Cambria Math" panose="02040503050406030204" pitchFamily="18" charset="0"/>
-                      </a:rPr>
-                      <m:t>𝑀</m:t>
-                    </m:r>
-                  </m:oMath>
-                </a14:m>
-                <a:r>
-                  <a:rPr lang="en-US" altLang="zh-CN" dirty="0"/>
-                  <a:t>, where entry </a:t>
-                </a:r>
-                <a14:m>
-                  <m:oMath xmlns:m="http://schemas.openxmlformats.org/officeDocument/2006/math">
-                    <m:sSub>
-                      <m:sSubPr>
-                        <m:ctrlPr>
-                          <a:rPr lang="en-US" altLang="zh-CN" b="0" i="1" smtClean="0">
-                            <a:latin typeface="Cambria Math" panose="02040503050406030204" pitchFamily="18" charset="0"/>
-                          </a:rPr>
-                        </m:ctrlPr>
-                      </m:sSubPr>
-                      <m:e>
-                        <m:r>
-                          <a:rPr lang="en-US" altLang="zh-CN" b="0" i="1" smtClean="0">
-                            <a:latin typeface="Cambria Math" panose="02040503050406030204" pitchFamily="18" charset="0"/>
-                          </a:rPr>
-                          <m:t>𝑚</m:t>
-                        </m:r>
-                      </m:e>
-                      <m:sub>
-                        <m:r>
-                          <a:rPr lang="en-US" altLang="zh-CN" b="0" i="1" smtClean="0">
-                            <a:latin typeface="Cambria Math" panose="02040503050406030204" pitchFamily="18" charset="0"/>
-                          </a:rPr>
-                          <m:t>𝑖</m:t>
-                        </m:r>
-                        <m:r>
-                          <a:rPr lang="en-US" altLang="zh-CN" b="0" i="1" smtClean="0">
-                            <a:latin typeface="Cambria Math" panose="02040503050406030204" pitchFamily="18" charset="0"/>
-                          </a:rPr>
-                          <m:t>,</m:t>
-                        </m:r>
-                        <m:r>
-                          <a:rPr lang="en-US" altLang="zh-CN" b="0" i="1" smtClean="0">
-                            <a:latin typeface="Cambria Math" panose="02040503050406030204" pitchFamily="18" charset="0"/>
-                          </a:rPr>
-                          <m:t>𝑗</m:t>
-                        </m:r>
-                      </m:sub>
-                    </m:sSub>
-                  </m:oMath>
-                </a14:m>
-                <a:r>
-                  <a:rPr lang="en-US" altLang="zh-CN" dirty="0"/>
-                  <a:t> represents the row count/</a:t>
-                </a:r>
-                <a:r>
-                  <a:rPr lang="en-US" altLang="zh-CN" dirty="0" err="1"/>
-                  <a:t>tf-idf</a:t>
-                </a:r>
-                <a:r>
-                  <a:rPr lang="en-US" altLang="zh-CN" dirty="0"/>
-                  <a:t> of word </a:t>
-                </a:r>
-                <a14:m>
-                  <m:oMath xmlns:m="http://schemas.openxmlformats.org/officeDocument/2006/math">
-                    <m:sSub>
-                      <m:sSubPr>
-                        <m:ctrlPr>
-                          <a:rPr lang="en-US" altLang="zh-CN" b="0" i="1" smtClean="0">
-                            <a:latin typeface="Cambria Math" panose="02040503050406030204" pitchFamily="18" charset="0"/>
-                          </a:rPr>
-                        </m:ctrlPr>
-                      </m:sSubPr>
-                      <m:e>
-                        <m:r>
-                          <a:rPr lang="en-US" altLang="zh-CN" b="0" i="1" smtClean="0">
-                            <a:latin typeface="Cambria Math" panose="02040503050406030204" pitchFamily="18" charset="0"/>
-                          </a:rPr>
-                          <m:t>𝑤</m:t>
-                        </m:r>
-                      </m:e>
-                      <m:sub>
-                        <m:r>
-                          <a:rPr lang="en-US" altLang="zh-CN" b="0" i="1" smtClean="0">
-                            <a:latin typeface="Cambria Math" panose="02040503050406030204" pitchFamily="18" charset="0"/>
-                          </a:rPr>
-                          <m:t>𝑗</m:t>
-                        </m:r>
-                      </m:sub>
-                    </m:sSub>
-                  </m:oMath>
-                </a14:m>
-                <a:r>
-                  <a:rPr lang="zh-CN" altLang="en-US" dirty="0"/>
-                  <a:t> </a:t>
-                </a:r>
-                <a:r>
-                  <a:rPr lang="en-US" altLang="zh-CN" dirty="0"/>
-                  <a:t>in </a:t>
-                </a:r>
-                <a14:m>
-                  <m:oMath xmlns:m="http://schemas.openxmlformats.org/officeDocument/2006/math">
-                    <m:sSub>
-                      <m:sSubPr>
-                        <m:ctrlPr>
-                          <a:rPr lang="en-US" altLang="zh-CN" b="0" i="1" smtClean="0">
-                            <a:latin typeface="Cambria Math" panose="02040503050406030204" pitchFamily="18" charset="0"/>
-                          </a:rPr>
-                        </m:ctrlPr>
-                      </m:sSubPr>
-                      <m:e>
-                        <m:r>
-                          <a:rPr lang="en-US" altLang="zh-CN" b="0" i="1" smtClean="0">
-                            <a:latin typeface="Cambria Math" panose="02040503050406030204" pitchFamily="18" charset="0"/>
-                          </a:rPr>
-                          <m:t>𝑑</m:t>
-                        </m:r>
-                      </m:e>
-                      <m:sub>
-                        <m:r>
-                          <a:rPr lang="en-US" altLang="zh-CN" b="0" i="1" smtClean="0">
-                            <a:latin typeface="Cambria Math" panose="02040503050406030204" pitchFamily="18" charset="0"/>
-                          </a:rPr>
-                          <m:t>𝑖</m:t>
-                        </m:r>
-                      </m:sub>
-                    </m:sSub>
-                  </m:oMath>
-                </a14:m>
-                <a:r>
-                  <a:rPr lang="en-US" altLang="zh-CN" dirty="0"/>
-                  <a:t>.</a:t>
-                </a:r>
-              </a:p>
-              <a:p>
-                <a14:m>
-                  <m:oMath xmlns:m="http://schemas.openxmlformats.org/officeDocument/2006/math">
-                    <m:acc>
-                      <m:accPr>
-                        <m:chr m:val="̂"/>
-                        <m:ctrlPr>
-                          <a:rPr lang="en-US" altLang="zh-CN" b="0" i="1" smtClean="0">
-                            <a:latin typeface="Cambria Math" panose="02040503050406030204" pitchFamily="18" charset="0"/>
-                          </a:rPr>
-                        </m:ctrlPr>
-                      </m:accPr>
-                      <m:e>
-                        <m:r>
-                          <a:rPr lang="en-US" altLang="zh-CN" b="0" i="1" smtClean="0">
-                            <a:latin typeface="Cambria Math" panose="02040503050406030204" pitchFamily="18" charset="0"/>
-                          </a:rPr>
-                          <m:t>𝑀</m:t>
-                        </m:r>
-                      </m:e>
-                    </m:acc>
-                    <m:r>
-                      <a:rPr lang="en-US" altLang="zh-CN" b="0" i="1" dirty="0" smtClean="0">
-                        <a:latin typeface="Cambria Math" panose="02040503050406030204" pitchFamily="18" charset="0"/>
-                      </a:rPr>
-                      <m:t>=</m:t>
-                    </m:r>
-                    <m:r>
-                      <a:rPr lang="en-US" altLang="zh-CN" b="0" i="1" dirty="0" smtClean="0">
-                        <a:latin typeface="Cambria Math" panose="02040503050406030204" pitchFamily="18" charset="0"/>
-                      </a:rPr>
-                      <m:t>𝑈</m:t>
-                    </m:r>
-                    <m:r>
-                      <m:rPr>
-                        <m:sty m:val="p"/>
-                      </m:rPr>
-                      <a:rPr lang="en-US" altLang="zh-CN" b="0" i="0" dirty="0" smtClean="0">
-                        <a:latin typeface="Cambria Math" panose="02040503050406030204" pitchFamily="18" charset="0"/>
-                      </a:rPr>
-                      <m:t>Σ</m:t>
-                    </m:r>
-                    <m:sSup>
-                      <m:sSupPr>
-                        <m:ctrlPr>
-                          <a:rPr lang="en-US" altLang="zh-CN" b="0" i="1" dirty="0" smtClean="0">
-                            <a:latin typeface="Cambria Math" panose="02040503050406030204" pitchFamily="18" charset="0"/>
-                          </a:rPr>
-                        </m:ctrlPr>
-                      </m:sSupPr>
-                      <m:e>
-                        <m:r>
-                          <a:rPr lang="en-US" altLang="zh-CN" b="0" i="1" dirty="0" smtClean="0">
-                            <a:latin typeface="Cambria Math" panose="02040503050406030204" pitchFamily="18" charset="0"/>
-                          </a:rPr>
-                          <m:t>𝑉</m:t>
-                        </m:r>
-                      </m:e>
-                      <m:sup>
-                        <m:r>
-                          <a:rPr lang="en-US" altLang="zh-CN" b="0" i="1" dirty="0" smtClean="0">
-                            <a:latin typeface="Cambria Math" panose="02040503050406030204" pitchFamily="18" charset="0"/>
-                          </a:rPr>
-                          <m:t>𝑇</m:t>
-                        </m:r>
-                      </m:sup>
-                    </m:sSup>
-                    <m:r>
-                      <a:rPr lang="en-US" altLang="zh-CN" b="0" i="1" dirty="0" smtClean="0">
-                        <a:latin typeface="Cambria Math" panose="02040503050406030204" pitchFamily="18" charset="0"/>
-                      </a:rPr>
-                      <m:t>≈</m:t>
-                    </m:r>
-                    <m:r>
-                      <a:rPr lang="en-US" altLang="zh-CN" b="0" i="1" dirty="0" smtClean="0">
-                        <a:latin typeface="Cambria Math" panose="02040503050406030204" pitchFamily="18" charset="0"/>
-                      </a:rPr>
-                      <m:t>𝑀</m:t>
-                    </m:r>
-                  </m:oMath>
-                </a14:m>
-                <a:r>
-                  <a:rPr lang="zh-CN" altLang="en-US" dirty="0"/>
-                  <a:t> </a:t>
-                </a:r>
-                <a:r>
-                  <a:rPr lang="en-US" altLang="zh-CN" dirty="0"/>
-                  <a:t>where </a:t>
-                </a:r>
-                <a14:m>
-                  <m:oMath xmlns:m="http://schemas.openxmlformats.org/officeDocument/2006/math">
-                    <m:r>
-                      <a:rPr lang="en-US" altLang="zh-CN" b="0" i="1" smtClean="0">
-                        <a:latin typeface="Cambria Math" panose="02040503050406030204" pitchFamily="18" charset="0"/>
-                      </a:rPr>
-                      <m:t>𝑈</m:t>
-                    </m:r>
-                    <m:r>
-                      <a:rPr lang="en-US" altLang="zh-CN" b="0" i="1" smtClean="0">
-                        <a:latin typeface="Cambria Math" panose="02040503050406030204" pitchFamily="18" charset="0"/>
-                      </a:rPr>
-                      <m:t>∈</m:t>
-                    </m:r>
-                    <m:sSup>
-                      <m:sSupPr>
-                        <m:ctrlPr>
-                          <a:rPr lang="en-US" altLang="zh-CN" b="0" i="1" smtClean="0">
-                            <a:latin typeface="Cambria Math" panose="02040503050406030204" pitchFamily="18" charset="0"/>
-                          </a:rPr>
-                        </m:ctrlPr>
-                      </m:sSupPr>
-                      <m:e>
-                        <m:r>
-                          <a:rPr lang="en-US" altLang="zh-CN" b="0" i="1" smtClean="0">
-                            <a:latin typeface="Cambria Math" panose="02040503050406030204" pitchFamily="18" charset="0"/>
-                          </a:rPr>
-                          <m:t>ℛ</m:t>
-                        </m:r>
-                      </m:e>
-                      <m:sup>
-                        <m:r>
-                          <a:rPr lang="en-US" altLang="zh-CN" b="0" i="1" smtClean="0">
-                            <a:latin typeface="Cambria Math" panose="02040503050406030204" pitchFamily="18" charset="0"/>
-                          </a:rPr>
-                          <m:t>𝑀</m:t>
-                        </m:r>
-                        <m:r>
-                          <a:rPr lang="en-US" altLang="zh-CN" b="0" i="1" smtClean="0">
-                            <a:latin typeface="Cambria Math" panose="02040503050406030204" pitchFamily="18" charset="0"/>
-                          </a:rPr>
-                          <m:t>×</m:t>
-                        </m:r>
-                        <m:r>
-                          <a:rPr lang="en-US" altLang="zh-CN" b="0" i="1" smtClean="0">
-                            <a:latin typeface="Cambria Math" panose="02040503050406030204" pitchFamily="18" charset="0"/>
-                          </a:rPr>
-                          <m:t>𝐾</m:t>
-                        </m:r>
-                      </m:sup>
-                    </m:sSup>
-                  </m:oMath>
-                </a14:m>
-                <a:r>
-                  <a:rPr lang="en-US" altLang="zh-CN" dirty="0"/>
-                  <a:t> represents the document-topic distribution, </a:t>
-                </a:r>
-                <a14:m>
-                  <m:oMath xmlns:m="http://schemas.openxmlformats.org/officeDocument/2006/math">
-                    <m:r>
-                      <m:rPr>
-                        <m:sty m:val="p"/>
-                      </m:rPr>
-                      <a:rPr lang="en-US" altLang="zh-CN" b="0" i="0" smtClean="0">
-                        <a:latin typeface="Cambria Math" panose="02040503050406030204" pitchFamily="18" charset="0"/>
-                      </a:rPr>
-                      <m:t>Σ</m:t>
-                    </m:r>
-                    <m:r>
-                      <a:rPr lang="en-US" altLang="zh-CN" b="0" i="1" smtClean="0">
-                        <a:latin typeface="Cambria Math" panose="02040503050406030204" pitchFamily="18" charset="0"/>
-                      </a:rPr>
-                      <m:t>∈</m:t>
-                    </m:r>
-                    <m:sSup>
-                      <m:sSupPr>
-                        <m:ctrlPr>
-                          <a:rPr lang="en-US" altLang="zh-CN" b="0" i="1" smtClean="0">
-                            <a:latin typeface="Cambria Math" panose="02040503050406030204" pitchFamily="18" charset="0"/>
-                          </a:rPr>
-                        </m:ctrlPr>
-                      </m:sSupPr>
-                      <m:e>
-                        <m:r>
-                          <a:rPr lang="en-US" altLang="zh-CN" b="0" i="1" smtClean="0">
-                            <a:latin typeface="Cambria Math" panose="02040503050406030204" pitchFamily="18" charset="0"/>
-                          </a:rPr>
-                          <m:t>ℛ</m:t>
-                        </m:r>
-                      </m:e>
-                      <m:sup>
-                        <m:r>
-                          <a:rPr lang="en-US" altLang="zh-CN" b="0" i="1" smtClean="0">
-                            <a:latin typeface="Cambria Math" panose="02040503050406030204" pitchFamily="18" charset="0"/>
-                          </a:rPr>
-                          <m:t>𝐾</m:t>
-                        </m:r>
-                        <m:r>
-                          <a:rPr lang="en-US" altLang="zh-CN" b="0" i="1" smtClean="0">
-                            <a:latin typeface="Cambria Math" panose="02040503050406030204" pitchFamily="18" charset="0"/>
-                          </a:rPr>
-                          <m:t>×</m:t>
-                        </m:r>
-                        <m:r>
-                          <a:rPr lang="en-US" altLang="zh-CN" b="0" i="1" smtClean="0">
-                            <a:latin typeface="Cambria Math" panose="02040503050406030204" pitchFamily="18" charset="0"/>
-                          </a:rPr>
-                          <m:t>𝐾</m:t>
-                        </m:r>
-                      </m:sup>
-                    </m:sSup>
-                  </m:oMath>
-                </a14:m>
-                <a:r>
-                  <a:rPr lang="zh-CN" altLang="en-US" dirty="0"/>
-                  <a:t> </a:t>
-                </a:r>
-                <a:r>
-                  <a:rPr lang="en-US" altLang="zh-CN" dirty="0"/>
-                  <a:t>is a diagonal matrix of descending eigenvalues and represents the topic importance, </a:t>
-                </a:r>
-                <a14:m>
-                  <m:oMath xmlns:m="http://schemas.openxmlformats.org/officeDocument/2006/math">
-                    <m:sSup>
-                      <m:sSupPr>
-                        <m:ctrlPr>
-                          <a:rPr lang="en-US" altLang="zh-CN" b="0" i="1" smtClean="0">
-                            <a:latin typeface="Cambria Math" panose="02040503050406030204" pitchFamily="18" charset="0"/>
-                          </a:rPr>
-                        </m:ctrlPr>
-                      </m:sSupPr>
-                      <m:e>
-                        <m:r>
-                          <a:rPr lang="en-US" altLang="zh-CN" b="0" i="1" smtClean="0">
-                            <a:latin typeface="Cambria Math" panose="02040503050406030204" pitchFamily="18" charset="0"/>
-                          </a:rPr>
-                          <m:t>𝑉</m:t>
-                        </m:r>
-                      </m:e>
-                      <m:sup>
-                        <m:r>
-                          <a:rPr lang="en-US" altLang="zh-CN" b="0" i="1" smtClean="0">
-                            <a:latin typeface="Cambria Math" panose="02040503050406030204" pitchFamily="18" charset="0"/>
-                          </a:rPr>
-                          <m:t>𝑇</m:t>
-                        </m:r>
-                      </m:sup>
-                    </m:sSup>
-                    <m:r>
-                      <a:rPr lang="en-US" altLang="zh-CN" b="0" i="1" smtClean="0">
-                        <a:latin typeface="Cambria Math" panose="02040503050406030204" pitchFamily="18" charset="0"/>
-                      </a:rPr>
-                      <m:t>∈</m:t>
-                    </m:r>
-                    <m:sSup>
-                      <m:sSupPr>
-                        <m:ctrlPr>
-                          <a:rPr lang="en-US" altLang="zh-CN" b="0" i="1" smtClean="0">
-                            <a:latin typeface="Cambria Math" panose="02040503050406030204" pitchFamily="18" charset="0"/>
-                          </a:rPr>
-                        </m:ctrlPr>
-                      </m:sSupPr>
-                      <m:e>
-                        <m:r>
-                          <a:rPr lang="en-US" altLang="zh-CN" b="0" i="1" smtClean="0">
-                            <a:latin typeface="Cambria Math" panose="02040503050406030204" pitchFamily="18" charset="0"/>
-                          </a:rPr>
-                          <m:t>ℛ</m:t>
-                        </m:r>
-                      </m:e>
-                      <m:sup>
-                        <m:r>
-                          <a:rPr lang="en-US" altLang="zh-CN" b="0" i="1" smtClean="0">
-                            <a:latin typeface="Cambria Math" panose="02040503050406030204" pitchFamily="18" charset="0"/>
-                          </a:rPr>
-                          <m:t>𝐾</m:t>
-                        </m:r>
-                        <m:r>
-                          <a:rPr lang="en-US" altLang="zh-CN" b="0" i="1" smtClean="0">
-                            <a:latin typeface="Cambria Math" panose="02040503050406030204" pitchFamily="18" charset="0"/>
-                          </a:rPr>
-                          <m:t>×</m:t>
-                        </m:r>
-                        <m:r>
-                          <a:rPr lang="en-US" altLang="zh-CN" b="0" i="1" smtClean="0">
-                            <a:latin typeface="Cambria Math" panose="02040503050406030204" pitchFamily="18" charset="0"/>
-                          </a:rPr>
-                          <m:t>𝑁</m:t>
-                        </m:r>
-                      </m:sup>
-                    </m:sSup>
-                  </m:oMath>
-                </a14:m>
-                <a:r>
-                  <a:rPr lang="zh-CN" altLang="en-US" dirty="0"/>
-                  <a:t> </a:t>
-                </a:r>
-                <a:r>
-                  <a:rPr lang="en-US" altLang="zh-CN" dirty="0"/>
-                  <a:t>represents the topic-word distribution</a:t>
-                </a:r>
-              </a:p>
-              <a:p>
-                <a:r>
-                  <a:rPr lang="en-US" altLang="zh-CN" dirty="0"/>
-                  <a:t>Limitations</a:t>
-                </a:r>
-              </a:p>
-              <a:p>
-                <a:pPr lvl="1"/>
-                <a:r>
-                  <a:rPr lang="en-US" altLang="zh-CN" dirty="0"/>
-                  <a:t>Bag-of-words</a:t>
-                </a:r>
-              </a:p>
-              <a:p>
-                <a:pPr lvl="1"/>
-                <a:r>
-                  <a:rPr lang="en-US" altLang="zh-CN" dirty="0"/>
-                  <a:t>It is a linear model</a:t>
-                </a:r>
-              </a:p>
-              <a:p>
-                <a:pPr lvl="1"/>
-                <a:r>
-                  <a:rPr lang="en-US" altLang="zh-CN" dirty="0"/>
-                  <a:t>From the statistical point of view, it assumes a Gaussian distribution of the terms in the documents, which is </a:t>
-                </a:r>
-                <a:r>
-                  <a:rPr lang="en-US" altLang="zh-CN" dirty="0" err="1"/>
-                  <a:t>problemestic</a:t>
-                </a:r>
-                <a:r>
-                  <a:rPr lang="en-US" altLang="zh-CN" dirty="0"/>
-                  <a:t>.</a:t>
-                </a:r>
-              </a:p>
-              <a:p>
-                <a:pPr lvl="1"/>
-                <a:endParaRPr lang="en-US" altLang="zh-CN" dirty="0"/>
-              </a:p>
-            </p:txBody>
-          </p:sp>
-        </mc:Choice>
-        <mc:Fallback xmlns="">
-          <p:sp>
-            <p:nvSpPr>
-              <p:cNvPr id="3" name="内容占位符 2">
-                <a:extLst>
-                  <a:ext uri="{FF2B5EF4-FFF2-40B4-BE49-F238E27FC236}">
-                    <a16:creationId xmlns:a16="http://schemas.microsoft.com/office/drawing/2014/main" id="{939FA902-E592-45EF-AE41-E8A54F1A93B4}"/>
-                  </a:ext>
-                </a:extLst>
-              </p:cNvPr>
-              <p:cNvSpPr>
-                <a:spLocks noGrp="1" noRot="1" noChangeAspect="1" noMove="1" noResize="1" noEditPoints="1" noAdjustHandles="1" noChangeArrowheads="1" noChangeShapeType="1" noTextEdit="1"/>
-              </p:cNvSpPr>
-              <p:nvPr>
-                <p:ph idx="1"/>
-              </p:nvPr>
-            </p:nvSpPr>
-            <p:spPr>
-              <a:blipFill>
-                <a:blip r:embed="rId2"/>
-                <a:stretch>
-                  <a:fillRect l="-1043" t="-3221" r="-812"/>
-                </a:stretch>
-              </a:blipFill>
-            </p:spPr>
-            <p:txBody>
-              <a:bodyPr/>
-              <a:lstStyle/>
-              <a:p>
-                <a:r>
-                  <a:rPr lang="en-US">
-                    <a:noFill/>
-                  </a:rPr>
-                  <a:t> </a:t>
-                </a:r>
-              </a:p>
-            </p:txBody>
-          </p:sp>
-        </mc:Fallback>
-      </mc:AlternateContent>
-      <p:pic>
-        <p:nvPicPr>
-          <p:cNvPr id="5" name="图片 4">
-            <a:extLst>
-              <a:ext uri="{FF2B5EF4-FFF2-40B4-BE49-F238E27FC236}">
-                <a16:creationId xmlns:a16="http://schemas.microsoft.com/office/drawing/2014/main" id="{282638CD-5587-41D4-A1BF-CEE4A95704E6}"/>
-              </a:ext>
-            </a:extLst>
-          </p:cNvPr>
-          <p:cNvPicPr>
-            <a:picLocks noChangeAspect="1"/>
-          </p:cNvPicPr>
-          <p:nvPr/>
-        </p:nvPicPr>
-        <p:blipFill>
-          <a:blip r:embed="rId3"/>
-          <a:stretch>
-            <a:fillRect/>
-          </a:stretch>
-        </p:blipFill>
-        <p:spPr>
-          <a:xfrm>
-            <a:off x="3363614" y="7663"/>
-            <a:ext cx="5464772" cy="1817962"/>
-          </a:xfrm>
-          <a:prstGeom prst="rect">
-            <a:avLst/>
-          </a:prstGeom>
-        </p:spPr>
-      </p:pic>
-    </p:spTree>
-    <p:extLst>
-      <p:ext uri="{BB962C8B-B14F-4D97-AF65-F5344CB8AC3E}">
-        <p14:creationId xmlns:p14="http://schemas.microsoft.com/office/powerpoint/2010/main" val="1745394301"/>
-      </p:ext>
-    </p:extLst>
-  </p:cSld>
-  <p:clrMapOvr>
-    <a:masterClrMapping/>
-  </p:clrMapOvr>
-</p:sld>
-</file>
-
-<file path=ppt/slides/slide5.xml><?xml version="1.0" encoding="utf-8"?>
+<file path=ppt/slides/slide10.xml><?xml version="1.0" encoding="utf-8"?>
 <p:sld xmlns:a="http://schemas.openxmlformats.org/drawingml/2006/main" xmlns:r="http://schemas.openxmlformats.org/officeDocument/2006/relationships" xmlns:p="http://schemas.openxmlformats.org/presentationml/2006/main">
   <p:cSld>
     <p:spTree>
@@ -4788,8 +3474,8 @@
           </a:p>
         </p:txBody>
       </p:sp>
-      <mc:AlternateContent xmlns:mc="http://schemas.openxmlformats.org/markup-compatibility/2006" xmlns:a14="http://schemas.microsoft.com/office/drawing/2010/main">
-        <mc:Choice Requires="a14">
+      <mc:AlternateContent xmlns:mc="http://schemas.openxmlformats.org/markup-compatibility/2006">
+        <mc:Choice xmlns:a14="http://schemas.microsoft.com/office/drawing/2010/main" Requires="a14">
           <p:sp>
             <p:nvSpPr>
               <p:cNvPr id="3" name="内容占位符 2">
@@ -4809,7 +3495,7 @@
             <p:spPr/>
             <p:txBody>
               <a:bodyPr>
-                <a:normAutofit/>
+                <a:normAutofit fontScale="92500"/>
               </a:bodyPr>
               <a:lstStyle/>
               <a:p>
@@ -4829,62 +3515,8 @@
                 </a14:m>
                 <a:r>
                   <a:rPr lang="en-US" altLang="zh-CN" dirty="0"/>
-                  <a:t> by:</a:t>
-                </a:r>
-              </a:p>
-              <a:p>
-                <a:pPr marL="914400" lvl="1" indent="-457200">
-                  <a:buAutoNum type="arabicPeriod"/>
-                </a:pPr>
-                <a:r>
-                  <a:rPr lang="en-US" altLang="zh-CN" dirty="0"/>
-                  <a:t>Pick document </a:t>
-                </a:r>
-                <a14:m>
-                  <m:oMath xmlns:m="http://schemas.openxmlformats.org/officeDocument/2006/math">
-                    <m:r>
-                      <a:rPr lang="en-US" altLang="zh-CN" b="0" i="1" smtClean="0">
-                        <a:latin typeface="Cambria Math" panose="02040503050406030204" pitchFamily="18" charset="0"/>
-                      </a:rPr>
-                      <m:t>𝑑</m:t>
-                    </m:r>
-                  </m:oMath>
-                </a14:m>
-                <a:r>
-                  <a:rPr lang="zh-CN" altLang="en-US" dirty="0"/>
-                  <a:t> </a:t>
-                </a:r>
-                <a:r>
-                  <a:rPr lang="en-US" altLang="zh-CN" dirty="0"/>
-                  <a:t>from </a:t>
-                </a:r>
-                <a14:m>
-                  <m:oMath xmlns:m="http://schemas.openxmlformats.org/officeDocument/2006/math">
-                    <m:r>
-                      <a:rPr lang="en-US" altLang="zh-CN" b="0" i="1" smtClean="0">
-                        <a:latin typeface="Cambria Math" panose="02040503050406030204" pitchFamily="18" charset="0"/>
-                      </a:rPr>
-                      <m:t>𝑃</m:t>
-                    </m:r>
-                    <m:d>
-                      <m:dPr>
-                        <m:ctrlPr>
-                          <a:rPr lang="en-US" altLang="zh-CN" b="0" i="1" smtClean="0">
-                            <a:latin typeface="Cambria Math" panose="02040503050406030204" pitchFamily="18" charset="0"/>
-                          </a:rPr>
-                        </m:ctrlPr>
-                      </m:dPr>
-                      <m:e>
-                        <m:r>
-                          <a:rPr lang="en-US" altLang="zh-CN" b="0" i="1" smtClean="0">
-                            <a:latin typeface="Cambria Math" panose="02040503050406030204" pitchFamily="18" charset="0"/>
-                          </a:rPr>
-                          <m:t>𝑑</m:t>
-                        </m:r>
-                      </m:e>
-                    </m:d>
-                  </m:oMath>
-                </a14:m>
+                  <a:t> by</a:t>
+                </a:r>
                 <a:endParaRPr lang="en-US" altLang="zh-CN" b="0" dirty="0"/>
               </a:p>
               <a:p>
@@ -4916,10 +3548,10 @@
                 <a14:m>
                   <m:oMath xmlns:m="http://schemas.openxmlformats.org/officeDocument/2006/math">
                     <m:r>
-                      <a:rPr lang="en-US" altLang="zh-CN" b="0" i="1" smtClean="0">
-                        <a:latin typeface="Cambria Math" panose="02040503050406030204" pitchFamily="18" charset="0"/>
-                      </a:rPr>
-                      <m:t>𝑃</m:t>
+                      <a:rPr lang="en-US" altLang="zh-CN" i="1">
+                        <a:latin typeface="Cambria Math" panose="02040503050406030204" pitchFamily="18" charset="0"/>
+                      </a:rPr>
+                      <m:t>𝑝</m:t>
                     </m:r>
                     <m:r>
                       <a:rPr lang="en-US" altLang="zh-CN" b="0" i="1" smtClean="0">
@@ -5022,7 +3654,7 @@
                       <a:rPr lang="en-US" altLang="zh-CN" b="0" i="1" smtClean="0">
                         <a:latin typeface="Cambria Math" panose="02040503050406030204" pitchFamily="18" charset="0"/>
                       </a:rPr>
-                      <m:t>𝑃</m:t>
+                      <m:t>𝑝</m:t>
                     </m:r>
                     <m:r>
                       <a:rPr lang="en-US" altLang="zh-CN" b="0" i="1" smtClean="0">
@@ -5094,6 +3726,15 @@
                 </a:r>
               </a:p>
               <a:p>
+                <a:pPr marL="914400" lvl="1" indent="-457200">
+                  <a:buAutoNum type="arabicPeriod"/>
+                </a:pPr>
+                <a:r>
+                  <a:rPr lang="en-US" altLang="zh-CN" dirty="0"/>
+                  <a:t>Repeat 2. N times</a:t>
+                </a:r>
+              </a:p>
+              <a:p>
                 <a:r>
                   <a:rPr lang="en-US" altLang="zh-CN" dirty="0"/>
                   <a:t>Use latent variable </a:t>
@@ -5110,66 +3751,608 @@
                 </a14:m>
                 <a:r>
                   <a:rPr lang="en-US" altLang="zh-CN" dirty="0"/>
-                  <a:t> to explain the data </a:t>
-                </a:r>
-                <a14:m>
-                  <m:oMath xmlns:m="http://schemas.openxmlformats.org/officeDocument/2006/math">
-                    <m:r>
-                      <a:rPr lang="en-US" altLang="zh-CN" b="0" i="1" smtClean="0">
-                        <a:latin typeface="Cambria Math" panose="02040503050406030204" pitchFamily="18" charset="0"/>
-                      </a:rPr>
-                      <m:t>𝑝</m:t>
-                    </m:r>
-                    <m:r>
-                      <a:rPr lang="en-US" altLang="zh-CN" b="0" i="1" smtClean="0">
-                        <a:latin typeface="Cambria Math" panose="02040503050406030204" pitchFamily="18" charset="0"/>
-                      </a:rPr>
-                      <m:t>(</m:t>
-                    </m:r>
-                    <m:r>
-                      <a:rPr lang="en-US" altLang="zh-CN" b="0" i="1" smtClean="0">
-                        <a:latin typeface="Cambria Math" panose="02040503050406030204" pitchFamily="18" charset="0"/>
-                      </a:rPr>
-                      <m:t>𝑑</m:t>
-                    </m:r>
-                    <m:r>
-                      <a:rPr lang="en-US" altLang="zh-CN" b="0" i="1" smtClean="0">
-                        <a:latin typeface="Cambria Math" panose="02040503050406030204" pitchFamily="18" charset="0"/>
-                      </a:rPr>
-                      <m:t>,</m:t>
-                    </m:r>
-                    <m:r>
-                      <a:rPr lang="en-US" altLang="zh-CN" b="0" i="1" smtClean="0">
-                        <a:latin typeface="Cambria Math" panose="02040503050406030204" pitchFamily="18" charset="0"/>
-                      </a:rPr>
-                      <m:t>𝑤</m:t>
-                    </m:r>
-                    <m:r>
-                      <a:rPr lang="en-US" altLang="zh-CN" b="0" i="1" smtClean="0">
-                        <a:latin typeface="Cambria Math" panose="02040503050406030204" pitchFamily="18" charset="0"/>
-                      </a:rPr>
-                      <m:t>)</m:t>
-                    </m:r>
-                  </m:oMath>
-                </a14:m>
-                <a:r>
-                  <a:rPr lang="en-US" altLang="zh-CN" dirty="0"/>
-                  <a:t> by</a:t>
+                  <a:t> to explain the generation of one document:</a:t>
                 </a:r>
               </a:p>
               <a:p>
-                <a:endParaRPr lang="en-US" altLang="zh-CN" sz="4400" dirty="0"/>
+                <a:pPr marL="0" indent="0">
+                  <a:buNone/>
+                </a:pPr>
+                <a14:m>
+                  <m:oMathPara xmlns:m="http://schemas.openxmlformats.org/officeDocument/2006/math">
+                    <m:oMathParaPr>
+                      <m:jc m:val="centerGroup"/>
+                    </m:oMathParaPr>
+                    <m:oMath xmlns:m="http://schemas.openxmlformats.org/officeDocument/2006/math">
+                      <m:r>
+                        <a:rPr lang="en-US" altLang="zh-CN" b="0" i="1" smtClean="0">
+                          <a:latin typeface="Cambria Math" panose="02040503050406030204" pitchFamily="18" charset="0"/>
+                        </a:rPr>
+                        <m:t>𝑝</m:t>
+                      </m:r>
+                      <m:d>
+                        <m:dPr>
+                          <m:ctrlPr>
+                            <a:rPr lang="en-US" altLang="zh-CN" b="0" i="1" smtClean="0">
+                              <a:latin typeface="Cambria Math" panose="02040503050406030204" pitchFamily="18" charset="0"/>
+                            </a:rPr>
+                          </m:ctrlPr>
+                        </m:dPr>
+                        <m:e>
+                          <m:r>
+                            <a:rPr lang="en-US" altLang="zh-CN" b="0" i="1" smtClean="0">
+                              <a:latin typeface="Cambria Math" panose="02040503050406030204" pitchFamily="18" charset="0"/>
+                            </a:rPr>
+                            <m:t>𝑤</m:t>
+                          </m:r>
+                          <m:r>
+                            <a:rPr lang="en-US" altLang="zh-CN" b="0" i="1" smtClean="0">
+                              <a:latin typeface="Cambria Math" panose="02040503050406030204" pitchFamily="18" charset="0"/>
+                            </a:rPr>
+                            <m:t>|</m:t>
+                          </m:r>
+                          <m:r>
+                            <a:rPr lang="en-US" altLang="zh-CN" b="0" i="1" smtClean="0">
+                              <a:latin typeface="Cambria Math" panose="02040503050406030204" pitchFamily="18" charset="0"/>
+                            </a:rPr>
+                            <m:t>𝑑</m:t>
+                          </m:r>
+                        </m:e>
+                      </m:d>
+                      <m:r>
+                        <a:rPr lang="en-US" altLang="zh-CN" b="0" i="1" smtClean="0">
+                          <a:latin typeface="Cambria Math" panose="02040503050406030204" pitchFamily="18" charset="0"/>
+                        </a:rPr>
+                        <m:t>=</m:t>
+                      </m:r>
+                      <m:nary>
+                        <m:naryPr>
+                          <m:chr m:val="∑"/>
+                          <m:supHide m:val="on"/>
+                          <m:ctrlPr>
+                            <a:rPr lang="en-US" altLang="zh-CN" i="1">
+                              <a:latin typeface="Cambria Math" panose="02040503050406030204" pitchFamily="18" charset="0"/>
+                            </a:rPr>
+                          </m:ctrlPr>
+                        </m:naryPr>
+                        <m:sub>
+                          <m:r>
+                            <a:rPr lang="en-US" altLang="zh-CN" i="1">
+                              <a:latin typeface="Cambria Math" panose="02040503050406030204" pitchFamily="18" charset="0"/>
+                            </a:rPr>
+                            <m:t>𝑧</m:t>
+                          </m:r>
+                          <m:r>
+                            <a:rPr lang="en-US" altLang="zh-CN" i="1">
+                              <a:latin typeface="Cambria Math" panose="02040503050406030204" pitchFamily="18" charset="0"/>
+                            </a:rPr>
+                            <m:t>∈</m:t>
+                          </m:r>
+                          <m:r>
+                            <a:rPr lang="en-US" altLang="zh-CN" i="1">
+                              <a:latin typeface="Cambria Math" panose="02040503050406030204" pitchFamily="18" charset="0"/>
+                            </a:rPr>
+                            <m:t>𝒵</m:t>
+                          </m:r>
+                        </m:sub>
+                        <m:sup/>
+                        <m:e>
+                          <m:r>
+                            <a:rPr lang="en-US" altLang="zh-CN" i="1">
+                              <a:latin typeface="Cambria Math" panose="02040503050406030204" pitchFamily="18" charset="0"/>
+                            </a:rPr>
+                            <m:t>𝑝</m:t>
+                          </m:r>
+                          <m:r>
+                            <a:rPr lang="en-US" altLang="zh-CN" i="1">
+                              <a:latin typeface="Cambria Math" panose="02040503050406030204" pitchFamily="18" charset="0"/>
+                            </a:rPr>
+                            <m:t>(</m:t>
+                          </m:r>
+                          <m:r>
+                            <a:rPr lang="en-US" altLang="zh-CN" i="1">
+                              <a:latin typeface="Cambria Math" panose="02040503050406030204" pitchFamily="18" charset="0"/>
+                            </a:rPr>
+                            <m:t>𝑧</m:t>
+                          </m:r>
+                          <m:r>
+                            <a:rPr lang="en-US" altLang="zh-CN" i="1">
+                              <a:latin typeface="Cambria Math" panose="02040503050406030204" pitchFamily="18" charset="0"/>
+                            </a:rPr>
+                            <m:t>|</m:t>
+                          </m:r>
+                          <m:r>
+                            <a:rPr lang="en-US" altLang="zh-CN" i="1">
+                              <a:latin typeface="Cambria Math" panose="02040503050406030204" pitchFamily="18" charset="0"/>
+                            </a:rPr>
+                            <m:t>𝑑</m:t>
+                          </m:r>
+                          <m:r>
+                            <a:rPr lang="en-US" altLang="zh-CN" i="1">
+                              <a:latin typeface="Cambria Math" panose="02040503050406030204" pitchFamily="18" charset="0"/>
+                            </a:rPr>
+                            <m:t>)</m:t>
+                          </m:r>
+                          <m:r>
+                            <a:rPr lang="en-US" altLang="zh-CN" i="1">
+                              <a:latin typeface="Cambria Math" panose="02040503050406030204" pitchFamily="18" charset="0"/>
+                            </a:rPr>
+                            <m:t>𝑝</m:t>
+                          </m:r>
+                          <m:d>
+                            <m:dPr>
+                              <m:ctrlPr>
+                                <a:rPr lang="en-US" altLang="zh-CN" i="1">
+                                  <a:latin typeface="Cambria Math" panose="02040503050406030204" pitchFamily="18" charset="0"/>
+                                </a:rPr>
+                              </m:ctrlPr>
+                            </m:dPr>
+                            <m:e>
+                              <m:r>
+                                <a:rPr lang="en-US" altLang="zh-CN" i="1">
+                                  <a:latin typeface="Cambria Math" panose="02040503050406030204" pitchFamily="18" charset="0"/>
+                                </a:rPr>
+                                <m:t>𝑤</m:t>
+                              </m:r>
+                            </m:e>
+                            <m:e>
+                              <m:r>
+                                <a:rPr lang="en-US" altLang="zh-CN" i="1">
+                                  <a:latin typeface="Cambria Math" panose="02040503050406030204" pitchFamily="18" charset="0"/>
+                                </a:rPr>
+                                <m:t>𝑧</m:t>
+                              </m:r>
+                            </m:e>
+                          </m:d>
+                        </m:e>
+                      </m:nary>
+                    </m:oMath>
+                  </m:oMathPara>
+                </a14:m>
+                <a:endParaRPr lang="en-US" altLang="zh-CN" dirty="0"/>
               </a:p>
               <a:p>
                 <a:r>
                   <a:rPr lang="en-US" altLang="zh-CN" dirty="0"/>
-                  <a:t>Use EM algorithm to maximize the log likelihood:</a:t>
-                </a:r>
+                  <a:t>Use EM algorithm to maximize the log likelihood over the entire corpus:</a:t>
+                </a:r>
+              </a:p>
+              <a:p>
+                <a:pPr marL="0" indent="0">
+                  <a:buNone/>
+                </a:pPr>
+                <a14:m>
+                  <m:oMathPara xmlns:m="http://schemas.openxmlformats.org/officeDocument/2006/math">
+                    <m:oMathParaPr>
+                      <m:jc m:val="centerGroup"/>
+                    </m:oMathParaPr>
+                    <m:oMath xmlns:m="http://schemas.openxmlformats.org/officeDocument/2006/math">
+                      <m:r>
+                        <a:rPr lang="en-US" altLang="zh-CN" b="0" i="1" smtClean="0">
+                          <a:latin typeface="Cambria Math" panose="02040503050406030204" pitchFamily="18" charset="0"/>
+                        </a:rPr>
+                        <m:t>ℒ</m:t>
+                      </m:r>
+                      <m:r>
+                        <a:rPr lang="en-US" altLang="zh-CN" b="0" i="1" smtClean="0">
+                          <a:latin typeface="Cambria Math" panose="02040503050406030204" pitchFamily="18" charset="0"/>
+                        </a:rPr>
+                        <m:t>=</m:t>
+                      </m:r>
+                      <m:nary>
+                        <m:naryPr>
+                          <m:chr m:val="∑"/>
+                          <m:supHide m:val="on"/>
+                          <m:ctrlPr>
+                            <a:rPr lang="en-US" altLang="zh-CN" b="0" i="1" smtClean="0">
+                              <a:latin typeface="Cambria Math" panose="02040503050406030204" pitchFamily="18" charset="0"/>
+                            </a:rPr>
+                          </m:ctrlPr>
+                        </m:naryPr>
+                        <m:sub>
+                          <m:r>
+                            <a:rPr lang="en-US" altLang="zh-CN" b="0" i="1" smtClean="0">
+                              <a:latin typeface="Cambria Math" panose="02040503050406030204" pitchFamily="18" charset="0"/>
+                            </a:rPr>
+                            <m:t>𝑑</m:t>
+                          </m:r>
+                          <m:r>
+                            <a:rPr lang="en-US" altLang="zh-CN" b="0" i="1" smtClean="0">
+                              <a:latin typeface="Cambria Math" panose="02040503050406030204" pitchFamily="18" charset="0"/>
+                            </a:rPr>
+                            <m:t>∈</m:t>
+                          </m:r>
+                          <m:r>
+                            <a:rPr lang="en-US" altLang="zh-CN" b="0" i="1" smtClean="0">
+                              <a:latin typeface="Cambria Math" panose="02040503050406030204" pitchFamily="18" charset="0"/>
+                            </a:rPr>
+                            <m:t>𝒟</m:t>
+                          </m:r>
+                        </m:sub>
+                        <m:sup/>
+                        <m:e>
+                          <m:nary>
+                            <m:naryPr>
+                              <m:chr m:val="∑"/>
+                              <m:supHide m:val="on"/>
+                              <m:ctrlPr>
+                                <a:rPr lang="en-US" altLang="zh-CN" b="0" i="1" smtClean="0">
+                                  <a:latin typeface="Cambria Math" panose="02040503050406030204" pitchFamily="18" charset="0"/>
+                                </a:rPr>
+                              </m:ctrlPr>
+                            </m:naryPr>
+                            <m:sub>
+                              <m:r>
+                                <a:rPr lang="en-US" altLang="zh-CN" b="0" i="1" smtClean="0">
+                                  <a:latin typeface="Cambria Math" panose="02040503050406030204" pitchFamily="18" charset="0"/>
+                                </a:rPr>
+                                <m:t>𝑤</m:t>
+                              </m:r>
+                              <m:r>
+                                <a:rPr lang="en-US" altLang="zh-CN" b="0" i="1" smtClean="0">
+                                  <a:latin typeface="Cambria Math" panose="02040503050406030204" pitchFamily="18" charset="0"/>
+                                </a:rPr>
+                                <m:t>∈</m:t>
+                              </m:r>
+                              <m:r>
+                                <a:rPr lang="en-US" altLang="zh-CN" b="0" i="1" smtClean="0">
+                                  <a:latin typeface="Cambria Math" panose="02040503050406030204" pitchFamily="18" charset="0"/>
+                                </a:rPr>
+                                <m:t>𝒲</m:t>
+                              </m:r>
+                            </m:sub>
+                            <m:sup/>
+                            <m:e>
+                              <m:func>
+                                <m:funcPr>
+                                  <m:ctrlPr>
+                                    <a:rPr lang="en-US" altLang="zh-CN" b="0" i="1" smtClean="0">
+                                      <a:latin typeface="Cambria Math" panose="02040503050406030204" pitchFamily="18" charset="0"/>
+                                    </a:rPr>
+                                  </m:ctrlPr>
+                                </m:funcPr>
+                                <m:fName>
+                                  <m:r>
+                                    <m:rPr>
+                                      <m:sty m:val="p"/>
+                                    </m:rPr>
+                                    <a:rPr lang="en-US" altLang="zh-CN" b="0" i="0" smtClean="0">
+                                      <a:latin typeface="Cambria Math" panose="02040503050406030204" pitchFamily="18" charset="0"/>
+                                    </a:rPr>
+                                    <m:t>log</m:t>
+                                  </m:r>
+                                </m:fName>
+                                <m:e>
+                                  <m:r>
+                                    <a:rPr lang="en-US" altLang="zh-CN" i="1">
+                                      <a:latin typeface="Cambria Math" panose="02040503050406030204" pitchFamily="18" charset="0"/>
+                                    </a:rPr>
+                                    <m:t>𝑝</m:t>
+                                  </m:r>
+                                  <m:sSup>
+                                    <m:sSupPr>
+                                      <m:ctrlPr>
+                                        <a:rPr lang="en-US" altLang="zh-CN" i="1">
+                                          <a:latin typeface="Cambria Math" panose="02040503050406030204" pitchFamily="18" charset="0"/>
+                                        </a:rPr>
+                                      </m:ctrlPr>
+                                    </m:sSupPr>
+                                    <m:e>
+                                      <m:d>
+                                        <m:dPr>
+                                          <m:ctrlPr>
+                                            <a:rPr lang="en-US" altLang="zh-CN" i="1">
+                                              <a:latin typeface="Cambria Math" panose="02040503050406030204" pitchFamily="18" charset="0"/>
+                                            </a:rPr>
+                                          </m:ctrlPr>
+                                        </m:dPr>
+                                        <m:e>
+                                          <m:r>
+                                            <a:rPr lang="en-US" altLang="zh-CN" i="1">
+                                              <a:latin typeface="Cambria Math" panose="02040503050406030204" pitchFamily="18" charset="0"/>
+                                            </a:rPr>
+                                            <m:t>𝑤</m:t>
+                                          </m:r>
+                                        </m:e>
+                                        <m:e>
+                                          <m:r>
+                                            <a:rPr lang="en-US" altLang="zh-CN" i="1">
+                                              <a:latin typeface="Cambria Math" panose="02040503050406030204" pitchFamily="18" charset="0"/>
+                                            </a:rPr>
+                                            <m:t>𝑑</m:t>
+                                          </m:r>
+                                        </m:e>
+                                      </m:d>
+                                    </m:e>
+                                    <m:sup>
+                                      <m:r>
+                                        <a:rPr lang="en-US" altLang="zh-CN" i="1">
+                                          <a:latin typeface="Cambria Math" panose="02040503050406030204" pitchFamily="18" charset="0"/>
+                                        </a:rPr>
+                                        <m:t>𝑛</m:t>
+                                      </m:r>
+                                      <m:r>
+                                        <a:rPr lang="en-US" altLang="zh-CN" i="1">
+                                          <a:latin typeface="Cambria Math" panose="02040503050406030204" pitchFamily="18" charset="0"/>
+                                        </a:rPr>
+                                        <m:t>(</m:t>
+                                      </m:r>
+                                      <m:r>
+                                        <a:rPr lang="en-US" altLang="zh-CN" i="1">
+                                          <a:latin typeface="Cambria Math" panose="02040503050406030204" pitchFamily="18" charset="0"/>
+                                        </a:rPr>
+                                        <m:t>𝑤</m:t>
+                                      </m:r>
+                                      <m:r>
+                                        <a:rPr lang="en-US" altLang="zh-CN" i="1">
+                                          <a:latin typeface="Cambria Math" panose="02040503050406030204" pitchFamily="18" charset="0"/>
+                                        </a:rPr>
+                                        <m:t>,</m:t>
+                                      </m:r>
+                                      <m:r>
+                                        <a:rPr lang="en-US" altLang="zh-CN" i="1">
+                                          <a:latin typeface="Cambria Math" panose="02040503050406030204" pitchFamily="18" charset="0"/>
+                                        </a:rPr>
+                                        <m:t>𝑑</m:t>
+                                      </m:r>
+                                      <m:r>
+                                        <a:rPr lang="en-US" altLang="zh-CN" i="1">
+                                          <a:latin typeface="Cambria Math" panose="02040503050406030204" pitchFamily="18" charset="0"/>
+                                        </a:rPr>
+                                        <m:t>)</m:t>
+                                      </m:r>
+                                    </m:sup>
+                                  </m:sSup>
+                                </m:e>
+                              </m:func>
+                              <m:r>
+                                <a:rPr lang="en-US" altLang="zh-CN" b="0" i="1" smtClean="0">
+                                  <a:latin typeface="Cambria Math" panose="02040503050406030204" pitchFamily="18" charset="0"/>
+                                </a:rPr>
+                                <m:t>=</m:t>
+                              </m:r>
+                              <m:nary>
+                                <m:naryPr>
+                                  <m:chr m:val="∑"/>
+                                  <m:supHide m:val="on"/>
+                                  <m:ctrlPr>
+                                    <a:rPr lang="en-US" altLang="zh-CN" i="1">
+                                      <a:latin typeface="Cambria Math" panose="02040503050406030204" pitchFamily="18" charset="0"/>
+                                    </a:rPr>
+                                  </m:ctrlPr>
+                                </m:naryPr>
+                                <m:sub>
+                                  <m:r>
+                                    <a:rPr lang="en-US" altLang="zh-CN" i="1">
+                                      <a:latin typeface="Cambria Math" panose="02040503050406030204" pitchFamily="18" charset="0"/>
+                                    </a:rPr>
+                                    <m:t>𝑑</m:t>
+                                  </m:r>
+                                  <m:r>
+                                    <a:rPr lang="en-US" altLang="zh-CN" i="1">
+                                      <a:latin typeface="Cambria Math" panose="02040503050406030204" pitchFamily="18" charset="0"/>
+                                    </a:rPr>
+                                    <m:t>∈</m:t>
+                                  </m:r>
+                                  <m:r>
+                                    <a:rPr lang="en-US" altLang="zh-CN" i="1">
+                                      <a:latin typeface="Cambria Math" panose="02040503050406030204" pitchFamily="18" charset="0"/>
+                                    </a:rPr>
+                                    <m:t>𝒟</m:t>
+                                  </m:r>
+                                </m:sub>
+                                <m:sup/>
+                                <m:e>
+                                  <m:nary>
+                                    <m:naryPr>
+                                      <m:chr m:val="∑"/>
+                                      <m:supHide m:val="on"/>
+                                      <m:ctrlPr>
+                                        <a:rPr lang="en-US" altLang="zh-CN" i="1">
+                                          <a:latin typeface="Cambria Math" panose="02040503050406030204" pitchFamily="18" charset="0"/>
+                                        </a:rPr>
+                                      </m:ctrlPr>
+                                    </m:naryPr>
+                                    <m:sub>
+                                      <m:r>
+                                        <a:rPr lang="en-US" altLang="zh-CN" i="1">
+                                          <a:latin typeface="Cambria Math" panose="02040503050406030204" pitchFamily="18" charset="0"/>
+                                        </a:rPr>
+                                        <m:t>𝑤</m:t>
+                                      </m:r>
+                                      <m:r>
+                                        <a:rPr lang="en-US" altLang="zh-CN" i="1">
+                                          <a:latin typeface="Cambria Math" panose="02040503050406030204" pitchFamily="18" charset="0"/>
+                                        </a:rPr>
+                                        <m:t>∈</m:t>
+                                      </m:r>
+                                      <m:r>
+                                        <a:rPr lang="en-US" altLang="zh-CN" i="1">
+                                          <a:latin typeface="Cambria Math" panose="02040503050406030204" pitchFamily="18" charset="0"/>
+                                        </a:rPr>
+                                        <m:t>𝒲</m:t>
+                                      </m:r>
+                                    </m:sub>
+                                    <m:sup/>
+                                    <m:e>
+                                      <m:func>
+                                        <m:funcPr>
+                                          <m:ctrlPr>
+                                            <a:rPr lang="en-US" altLang="zh-CN" i="1">
+                                              <a:latin typeface="Cambria Math" panose="02040503050406030204" pitchFamily="18" charset="0"/>
+                                            </a:rPr>
+                                          </m:ctrlPr>
+                                        </m:funcPr>
+                                        <m:fName>
+                                          <m:r>
+                                            <m:rPr>
+                                              <m:sty m:val="p"/>
+                                            </m:rPr>
+                                            <a:rPr lang="en-US" altLang="zh-CN" b="0" i="0" smtClean="0">
+                                              <a:latin typeface="Cambria Math" panose="02040503050406030204" pitchFamily="18" charset="0"/>
+                                            </a:rPr>
+                                            <m:t>n</m:t>
+                                          </m:r>
+                                          <m:d>
+                                            <m:dPr>
+                                              <m:ctrlPr>
+                                                <a:rPr lang="en-US" altLang="zh-CN" b="0" i="0" smtClean="0">
+                                                  <a:latin typeface="Cambria Math" panose="02040503050406030204" pitchFamily="18" charset="0"/>
+                                                </a:rPr>
+                                              </m:ctrlPr>
+                                            </m:dPr>
+                                            <m:e>
+                                              <m:r>
+                                                <a:rPr lang="en-US" altLang="zh-CN" b="0" i="1" smtClean="0">
+                                                  <a:latin typeface="Cambria Math" panose="02040503050406030204" pitchFamily="18" charset="0"/>
+                                                </a:rPr>
+                                                <m:t>𝑤</m:t>
+                                              </m:r>
+                                              <m:r>
+                                                <a:rPr lang="en-US" altLang="zh-CN" b="0" i="1" smtClean="0">
+                                                  <a:latin typeface="Cambria Math" panose="02040503050406030204" pitchFamily="18" charset="0"/>
+                                                </a:rPr>
+                                                <m:t>,</m:t>
+                                              </m:r>
+                                              <m:r>
+                                                <a:rPr lang="en-US" altLang="zh-CN" b="0" i="1" smtClean="0">
+                                                  <a:latin typeface="Cambria Math" panose="02040503050406030204" pitchFamily="18" charset="0"/>
+                                                </a:rPr>
+                                                <m:t>𝑑</m:t>
+                                              </m:r>
+                                            </m:e>
+                                          </m:d>
+                                          <m:r>
+                                            <m:rPr>
+                                              <m:sty m:val="p"/>
+                                            </m:rPr>
+                                            <a:rPr lang="en-US" altLang="zh-CN">
+                                              <a:latin typeface="Cambria Math" panose="02040503050406030204" pitchFamily="18" charset="0"/>
+                                            </a:rPr>
+                                            <m:t>log</m:t>
+                                          </m:r>
+                                        </m:fName>
+                                        <m:e>
+                                          <m:nary>
+                                            <m:naryPr>
+                                              <m:chr m:val="∑"/>
+                                              <m:supHide m:val="on"/>
+                                              <m:ctrlPr>
+                                                <a:rPr lang="en-US" altLang="zh-CN" i="1">
+                                                  <a:latin typeface="Cambria Math" panose="02040503050406030204" pitchFamily="18" charset="0"/>
+                                                </a:rPr>
+                                              </m:ctrlPr>
+                                            </m:naryPr>
+                                            <m:sub>
+                                              <m:r>
+                                                <a:rPr lang="en-US" altLang="zh-CN" i="1">
+                                                  <a:latin typeface="Cambria Math" panose="02040503050406030204" pitchFamily="18" charset="0"/>
+                                                </a:rPr>
+                                                <m:t>𝑧</m:t>
+                                              </m:r>
+                                              <m:r>
+                                                <a:rPr lang="en-US" altLang="zh-CN" i="1">
+                                                  <a:latin typeface="Cambria Math" panose="02040503050406030204" pitchFamily="18" charset="0"/>
+                                                </a:rPr>
+                                                <m:t>∈</m:t>
+                                              </m:r>
+                                              <m:r>
+                                                <a:rPr lang="en-US" altLang="zh-CN" i="1">
+                                                  <a:latin typeface="Cambria Math" panose="02040503050406030204" pitchFamily="18" charset="0"/>
+                                                </a:rPr>
+                                                <m:t>𝒵</m:t>
+                                              </m:r>
+                                            </m:sub>
+                                            <m:sup/>
+                                            <m:e>
+                                              <m:r>
+                                                <a:rPr lang="en-US" altLang="zh-CN" i="1">
+                                                  <a:latin typeface="Cambria Math" panose="02040503050406030204" pitchFamily="18" charset="0"/>
+                                                </a:rPr>
+                                                <m:t>𝑝</m:t>
+                                              </m:r>
+                                              <m:r>
+                                                <a:rPr lang="en-US" altLang="zh-CN" i="1">
+                                                  <a:latin typeface="Cambria Math" panose="02040503050406030204" pitchFamily="18" charset="0"/>
+                                                </a:rPr>
+                                                <m:t>(</m:t>
+                                              </m:r>
+                                              <m:r>
+                                                <a:rPr lang="en-US" altLang="zh-CN" i="1">
+                                                  <a:latin typeface="Cambria Math" panose="02040503050406030204" pitchFamily="18" charset="0"/>
+                                                </a:rPr>
+                                                <m:t>𝑧</m:t>
+                                              </m:r>
+                                              <m:r>
+                                                <a:rPr lang="en-US" altLang="zh-CN" i="1">
+                                                  <a:latin typeface="Cambria Math" panose="02040503050406030204" pitchFamily="18" charset="0"/>
+                                                </a:rPr>
+                                                <m:t>|</m:t>
+                                              </m:r>
+                                              <m:r>
+                                                <a:rPr lang="en-US" altLang="zh-CN" i="1">
+                                                  <a:latin typeface="Cambria Math" panose="02040503050406030204" pitchFamily="18" charset="0"/>
+                                                </a:rPr>
+                                                <m:t>𝑑</m:t>
+                                              </m:r>
+                                              <m:r>
+                                                <a:rPr lang="en-US" altLang="zh-CN" i="1">
+                                                  <a:latin typeface="Cambria Math" panose="02040503050406030204" pitchFamily="18" charset="0"/>
+                                                </a:rPr>
+                                                <m:t>)</m:t>
+                                              </m:r>
+                                              <m:r>
+                                                <a:rPr lang="en-US" altLang="zh-CN" i="1">
+                                                  <a:latin typeface="Cambria Math" panose="02040503050406030204" pitchFamily="18" charset="0"/>
+                                                </a:rPr>
+                                                <m:t>𝑝</m:t>
+                                              </m:r>
+                                              <m:d>
+                                                <m:dPr>
+                                                  <m:ctrlPr>
+                                                    <a:rPr lang="en-US" altLang="zh-CN" i="1">
+                                                      <a:latin typeface="Cambria Math" panose="02040503050406030204" pitchFamily="18" charset="0"/>
+                                                    </a:rPr>
+                                                  </m:ctrlPr>
+                                                </m:dPr>
+                                                <m:e>
+                                                  <m:r>
+                                                    <a:rPr lang="en-US" altLang="zh-CN" i="1">
+                                                      <a:latin typeface="Cambria Math" panose="02040503050406030204" pitchFamily="18" charset="0"/>
+                                                    </a:rPr>
+                                                    <m:t>𝑤</m:t>
+                                                  </m:r>
+                                                </m:e>
+                                                <m:e>
+                                                  <m:r>
+                                                    <a:rPr lang="en-US" altLang="zh-CN" i="1">
+                                                      <a:latin typeface="Cambria Math" panose="02040503050406030204" pitchFamily="18" charset="0"/>
+                                                    </a:rPr>
+                                                    <m:t>𝑧</m:t>
+                                                  </m:r>
+                                                </m:e>
+                                              </m:d>
+                                            </m:e>
+                                          </m:nary>
+                                        </m:e>
+                                      </m:func>
+                                    </m:e>
+                                  </m:nary>
+                                </m:e>
+                              </m:nary>
+                            </m:e>
+                          </m:nary>
+                        </m:e>
+                      </m:nary>
+                    </m:oMath>
+                  </m:oMathPara>
+                </a14:m>
+                <a:endParaRPr lang="en-US" altLang="zh-CN" dirty="0"/>
               </a:p>
             </p:txBody>
           </p:sp>
         </mc:Choice>
-        <mc:Fallback xmlns="">
+        <mc:Fallback>
           <p:sp>
             <p:nvSpPr>
               <p:cNvPr id="3" name="内容占位符 2">
@@ -5190,7 +4373,7 @@
               <a:blipFill>
                 <a:blip r:embed="rId2"/>
                 <a:stretch>
-                  <a:fillRect l="-1043" t="-2381"/>
+                  <a:fillRect l="-928" t="-2101" r="-1623"/>
                 </a:stretch>
               </a:blipFill>
             </p:spPr>
@@ -5209,66 +4392,6 @@
           </p:sp>
         </mc:Fallback>
       </mc:AlternateContent>
-      <p:pic>
-        <p:nvPicPr>
-          <p:cNvPr id="11" name="图片 10">
-            <a:extLst>
-              <a:ext uri="{FF2B5EF4-FFF2-40B4-BE49-F238E27FC236}">
-                <a16:creationId xmlns:a16="http://schemas.microsoft.com/office/drawing/2014/main" id="{CEE2725A-A66D-491B-B6F5-4BB7B5CEAB8A}"/>
-              </a:ext>
-            </a:extLst>
-          </p:cNvPr>
-          <p:cNvPicPr>
-            <a:picLocks noChangeAspect="1"/>
-          </p:cNvPicPr>
-          <p:nvPr/>
-        </p:nvPicPr>
-        <p:blipFill>
-          <a:blip r:embed="rId3"/>
-          <a:stretch>
-            <a:fillRect/>
-          </a:stretch>
-        </p:blipFill>
-        <p:spPr>
-          <a:xfrm>
-            <a:off x="4160839" y="5246332"/>
-            <a:ext cx="3870321" cy="1403940"/>
-          </a:xfrm>
-          <a:prstGeom prst="rect">
-            <a:avLst/>
-          </a:prstGeom>
-        </p:spPr>
-      </p:pic>
-      <p:pic>
-        <p:nvPicPr>
-          <p:cNvPr id="13" name="图片 12">
-            <a:extLst>
-              <a:ext uri="{FF2B5EF4-FFF2-40B4-BE49-F238E27FC236}">
-                <a16:creationId xmlns:a16="http://schemas.microsoft.com/office/drawing/2014/main" id="{2591C654-E9CD-4F67-A430-EB2A849D25C3}"/>
-              </a:ext>
-            </a:extLst>
-          </p:cNvPr>
-          <p:cNvPicPr>
-            <a:picLocks noChangeAspect="1"/>
-          </p:cNvPicPr>
-          <p:nvPr/>
-        </p:nvPicPr>
-        <p:blipFill>
-          <a:blip r:embed="rId4"/>
-          <a:stretch>
-            <a:fillRect/>
-          </a:stretch>
-        </p:blipFill>
-        <p:spPr>
-          <a:xfrm>
-            <a:off x="4204253" y="4001294"/>
-            <a:ext cx="3783494" cy="648599"/>
-          </a:xfrm>
-          <a:prstGeom prst="rect">
-            <a:avLst/>
-          </a:prstGeom>
-        </p:spPr>
-      </p:pic>
       <p:pic>
         <p:nvPicPr>
           <p:cNvPr id="5" name="Picture 4">
@@ -5284,7 +4407,7 @@
           <p:nvPr/>
         </p:nvPicPr>
         <p:blipFill>
-          <a:blip r:embed="rId5"/>
+          <a:blip r:embed="rId3"/>
           <a:stretch>
             <a:fillRect/>
           </a:stretch>
@@ -5312,7 +4435,502 @@
 </p:sld>
 </file>
 
-<file path=ppt/slides/slide6.xml><?xml version="1.0" encoding="utf-8"?>
+<file path=ppt/slides/slide11.xml><?xml version="1.0" encoding="utf-8"?>
+<p:sld xmlns:a="http://schemas.openxmlformats.org/drawingml/2006/main" xmlns:r="http://schemas.openxmlformats.org/officeDocument/2006/relationships" xmlns:p="http://schemas.openxmlformats.org/presentationml/2006/main">
+  <p:cSld>
+    <p:spTree>
+      <p:nvGrpSpPr>
+        <p:cNvPr id="1" name=""/>
+        <p:cNvGrpSpPr/>
+        <p:nvPr/>
+      </p:nvGrpSpPr>
+      <p:grpSpPr>
+        <a:xfrm>
+          <a:off x="0" y="0"/>
+          <a:ext cx="0" cy="0"/>
+          <a:chOff x="0" y="0"/>
+          <a:chExt cx="0" cy="0"/>
+        </a:xfrm>
+      </p:grpSpPr>
+      <p:sp>
+        <p:nvSpPr>
+          <p:cNvPr id="2" name="Title 1">
+            <a:extLst>
+              <a:ext uri="{FF2B5EF4-FFF2-40B4-BE49-F238E27FC236}">
+                <a16:creationId xmlns:a16="http://schemas.microsoft.com/office/drawing/2014/main" id="{F553F65B-5780-420A-B0EB-9DED4FFCC6DF}"/>
+              </a:ext>
+            </a:extLst>
+          </p:cNvPr>
+          <p:cNvSpPr>
+            <a:spLocks noGrp="1"/>
+          </p:cNvSpPr>
+          <p:nvPr>
+            <p:ph type="title"/>
+          </p:nvPr>
+        </p:nvSpPr>
+        <p:spPr/>
+        <p:txBody>
+          <a:bodyPr/>
+          <a:lstStyle/>
+          <a:p>
+            <a:r>
+              <a:rPr lang="en-US" dirty="0"/>
+              <a:t>LDA</a:t>
+            </a:r>
+          </a:p>
+        </p:txBody>
+      </p:sp>
+      <mc:AlternateContent xmlns:mc="http://schemas.openxmlformats.org/markup-compatibility/2006">
+        <mc:Choice xmlns:a14="http://schemas.microsoft.com/office/drawing/2010/main" Requires="a14">
+          <p:sp>
+            <p:nvSpPr>
+              <p:cNvPr id="3" name="Content Placeholder 2">
+                <a:extLst>
+                  <a:ext uri="{FF2B5EF4-FFF2-40B4-BE49-F238E27FC236}">
+                    <a16:creationId xmlns:a16="http://schemas.microsoft.com/office/drawing/2014/main" id="{D65E748D-6C10-4351-88E5-E7CB319172E6}"/>
+                  </a:ext>
+                </a:extLst>
+              </p:cNvPr>
+              <p:cNvSpPr>
+                <a:spLocks noGrp="1"/>
+              </p:cNvSpPr>
+              <p:nvPr>
+                <p:ph idx="1"/>
+              </p:nvPr>
+            </p:nvSpPr>
+            <p:spPr/>
+            <p:txBody>
+              <a:bodyPr/>
+              <a:lstStyle/>
+              <a:p>
+                <a:r>
+                  <a:rPr lang="en-US" dirty="0"/>
+                  <a:t>Why use LDA?</a:t>
+                </a:r>
+              </a:p>
+              <a:p>
+                <a:pPr lvl="1"/>
+                <a:r>
+                  <a:rPr lang="en-US" altLang="zh-CN" dirty="0"/>
+                  <a:t>The parameters </a:t>
+                </a:r>
+                <a14:m>
+                  <m:oMath xmlns:m="http://schemas.openxmlformats.org/officeDocument/2006/math">
+                    <m:r>
+                      <a:rPr lang="en-US" altLang="zh-CN" i="1">
+                        <a:latin typeface="Cambria Math" panose="02040503050406030204" pitchFamily="18" charset="0"/>
+                      </a:rPr>
+                      <m:t>𝑝</m:t>
+                    </m:r>
+                    <m:d>
+                      <m:dPr>
+                        <m:ctrlPr>
+                          <a:rPr lang="en-US" altLang="zh-CN" b="0" i="1" smtClean="0">
+                            <a:latin typeface="Cambria Math" panose="02040503050406030204" pitchFamily="18" charset="0"/>
+                          </a:rPr>
+                        </m:ctrlPr>
+                      </m:dPr>
+                      <m:e>
+                        <m:r>
+                          <a:rPr lang="en-US" altLang="zh-CN" b="0" i="1" smtClean="0">
+                            <a:latin typeface="Cambria Math" panose="02040503050406030204" pitchFamily="18" charset="0"/>
+                          </a:rPr>
+                          <m:t>𝑧</m:t>
+                        </m:r>
+                      </m:e>
+                      <m:e>
+                        <m:r>
+                          <a:rPr lang="en-US" altLang="zh-CN" b="0" i="1" smtClean="0">
+                            <a:latin typeface="Cambria Math" panose="02040503050406030204" pitchFamily="18" charset="0"/>
+                          </a:rPr>
+                          <m:t>𝑑</m:t>
+                        </m:r>
+                      </m:e>
+                    </m:d>
+                  </m:oMath>
+                </a14:m>
+                <a:r>
+                  <a:rPr lang="zh-CN" altLang="en-US" dirty="0"/>
+                  <a:t> </a:t>
+                </a:r>
+                <a:r>
+                  <a:rPr lang="en-US" altLang="zh-CN" dirty="0"/>
+                  <a:t>and </a:t>
+                </a:r>
+                <a14:m>
+                  <m:oMath xmlns:m="http://schemas.openxmlformats.org/officeDocument/2006/math">
+                    <m:r>
+                      <a:rPr lang="en-US" altLang="zh-CN" b="0" i="1" smtClean="0">
+                        <a:latin typeface="Cambria Math" panose="02040503050406030204" pitchFamily="18" charset="0"/>
+                      </a:rPr>
+                      <m:t>𝑝</m:t>
+                    </m:r>
+                    <m:d>
+                      <m:dPr>
+                        <m:ctrlPr>
+                          <a:rPr lang="en-US" altLang="zh-CN" b="0" i="1" smtClean="0">
+                            <a:latin typeface="Cambria Math" panose="02040503050406030204" pitchFamily="18" charset="0"/>
+                          </a:rPr>
+                        </m:ctrlPr>
+                      </m:dPr>
+                      <m:e>
+                        <m:r>
+                          <a:rPr lang="en-US" altLang="zh-CN" b="0" i="1" smtClean="0">
+                            <a:latin typeface="Cambria Math" panose="02040503050406030204" pitchFamily="18" charset="0"/>
+                          </a:rPr>
+                          <m:t>𝑤</m:t>
+                        </m:r>
+                      </m:e>
+                      <m:e>
+                        <m:r>
+                          <a:rPr lang="en-US" altLang="zh-CN" b="0" i="1" smtClean="0">
+                            <a:latin typeface="Cambria Math" panose="02040503050406030204" pitchFamily="18" charset="0"/>
+                          </a:rPr>
+                          <m:t>𝑧</m:t>
+                        </m:r>
+                      </m:e>
+                    </m:d>
+                  </m:oMath>
+                </a14:m>
+                <a:r>
+                  <a:rPr lang="zh-CN" altLang="en-US" dirty="0"/>
+                  <a:t> </a:t>
+                </a:r>
+                <a:r>
+                  <a:rPr lang="en-US" altLang="zh-CN" dirty="0"/>
+                  <a:t>in PLSA are directly modeled as multinomial distribution over the training set, which limits its inference ability for unseen documents; they also tends to have low sparsity.</a:t>
+                </a:r>
+              </a:p>
+              <a:p>
+                <a:pPr lvl="1"/>
+                <a:r>
+                  <a:rPr lang="en-US" dirty="0"/>
+                  <a:t>We want a well-organized latent distribution where we can draw a random point to serve as </a:t>
+                </a:r>
+                <a14:m>
+                  <m:oMath xmlns:m="http://schemas.openxmlformats.org/officeDocument/2006/math">
+                    <m:r>
+                      <a:rPr lang="en-US" b="0" i="1" smtClean="0">
+                        <a:latin typeface="Cambria Math" panose="02040503050406030204" pitchFamily="18" charset="0"/>
+                      </a:rPr>
+                      <m:t>𝑝</m:t>
+                    </m:r>
+                    <m:r>
+                      <a:rPr lang="en-US" b="0" i="1" smtClean="0">
+                        <a:latin typeface="Cambria Math" panose="02040503050406030204" pitchFamily="18" charset="0"/>
+                      </a:rPr>
+                      <m:t>(</m:t>
+                    </m:r>
+                    <m:r>
+                      <a:rPr lang="en-US" b="0" i="1" smtClean="0">
+                        <a:latin typeface="Cambria Math" panose="02040503050406030204" pitchFamily="18" charset="0"/>
+                      </a:rPr>
+                      <m:t>𝑧</m:t>
+                    </m:r>
+                    <m:r>
+                      <a:rPr lang="en-US" b="0" i="1" smtClean="0">
+                        <a:latin typeface="Cambria Math" panose="02040503050406030204" pitchFamily="18" charset="0"/>
+                      </a:rPr>
+                      <m:t>|</m:t>
+                    </m:r>
+                    <m:r>
+                      <a:rPr lang="en-US" b="0" i="1" smtClean="0">
+                        <a:latin typeface="Cambria Math" panose="02040503050406030204" pitchFamily="18" charset="0"/>
+                      </a:rPr>
+                      <m:t>𝑑</m:t>
+                    </m:r>
+                    <m:r>
+                      <a:rPr lang="en-US" b="0" i="1" smtClean="0">
+                        <a:latin typeface="Cambria Math" panose="02040503050406030204" pitchFamily="18" charset="0"/>
+                      </a:rPr>
+                      <m:t>)</m:t>
+                    </m:r>
+                  </m:oMath>
+                </a14:m>
+                <a:r>
+                  <a:rPr lang="en-US" dirty="0"/>
+                  <a:t>. In this way, we generalize the model.</a:t>
+                </a:r>
+              </a:p>
+              <a:p>
+                <a:r>
+                  <a:rPr lang="en-US" dirty="0"/>
+                  <a:t>Why use Dirichlet prior?</a:t>
+                </a:r>
+              </a:p>
+              <a:p>
+                <a:pPr lvl="1"/>
+                <a:r>
+                  <a:rPr lang="en-US" dirty="0"/>
+                  <a:t>Point drawn from </a:t>
+                </a:r>
+                <a14:m>
+                  <m:oMath xmlns:m="http://schemas.openxmlformats.org/officeDocument/2006/math">
+                    <m:r>
+                      <a:rPr lang="en-US" b="0" i="1" smtClean="0">
+                        <a:latin typeface="Cambria Math" panose="02040503050406030204" pitchFamily="18" charset="0"/>
+                      </a:rPr>
+                      <m:t>𝐾</m:t>
+                    </m:r>
+                  </m:oMath>
+                </a14:m>
+                <a:r>
+                  <a:rPr lang="en-US" dirty="0"/>
+                  <a:t>-dimensional Dirichlet forms </a:t>
+                </a:r>
+                <a14:m>
+                  <m:oMath xmlns:m="http://schemas.openxmlformats.org/officeDocument/2006/math">
+                    <m:r>
+                      <a:rPr lang="en-US" b="0" i="1" smtClean="0">
+                        <a:latin typeface="Cambria Math" panose="02040503050406030204" pitchFamily="18" charset="0"/>
+                      </a:rPr>
+                      <m:t>𝐾</m:t>
+                    </m:r>
+                    <m:r>
+                      <a:rPr lang="en-US" b="0" i="1" smtClean="0">
+                        <a:latin typeface="Cambria Math" panose="02040503050406030204" pitchFamily="18" charset="0"/>
+                      </a:rPr>
+                      <m:t>−1</m:t>
+                    </m:r>
+                  </m:oMath>
+                </a14:m>
+                <a:r>
+                  <a:rPr lang="en-US" dirty="0"/>
+                  <a:t> simplex where </a:t>
+                </a:r>
+                <a14:m>
+                  <m:oMath xmlns:m="http://schemas.openxmlformats.org/officeDocument/2006/math">
+                    <m:nary>
+                      <m:naryPr>
+                        <m:chr m:val="∑"/>
+                        <m:supHide m:val="on"/>
+                        <m:ctrlPr>
+                          <a:rPr lang="en-US" b="0" i="1" smtClean="0">
+                            <a:latin typeface="Cambria Math" panose="02040503050406030204" pitchFamily="18" charset="0"/>
+                          </a:rPr>
+                        </m:ctrlPr>
+                      </m:naryPr>
+                      <m:sub>
+                        <m:sSub>
+                          <m:sSubPr>
+                            <m:ctrlPr>
+                              <a:rPr lang="en-US" b="0" i="1" smtClean="0">
+                                <a:latin typeface="Cambria Math" panose="02040503050406030204" pitchFamily="18" charset="0"/>
+                              </a:rPr>
+                            </m:ctrlPr>
+                          </m:sSubPr>
+                          <m:e>
+                            <m:r>
+                              <a:rPr lang="en-US" b="0" i="1" smtClean="0">
+                                <a:latin typeface="Cambria Math" panose="02040503050406030204" pitchFamily="18" charset="0"/>
+                              </a:rPr>
+                              <m:t>𝑥</m:t>
+                            </m:r>
+                          </m:e>
+                          <m:sub>
+                            <m:r>
+                              <a:rPr lang="en-US" b="0" i="1" smtClean="0">
+                                <a:latin typeface="Cambria Math" panose="02040503050406030204" pitchFamily="18" charset="0"/>
+                              </a:rPr>
+                              <m:t>𝑖</m:t>
+                            </m:r>
+                          </m:sub>
+                        </m:sSub>
+                        <m:r>
+                          <a:rPr lang="en-US" b="0" i="1" smtClean="0">
+                            <a:latin typeface="Cambria Math" panose="02040503050406030204" pitchFamily="18" charset="0"/>
+                          </a:rPr>
+                          <m:t>∈</m:t>
+                        </m:r>
+                        <m:r>
+                          <a:rPr lang="en-US" b="0" i="1" smtClean="0">
+                            <a:latin typeface="Cambria Math" panose="02040503050406030204" pitchFamily="18" charset="0"/>
+                          </a:rPr>
+                          <m:t>𝑥</m:t>
+                        </m:r>
+                      </m:sub>
+                      <m:sup/>
+                      <m:e>
+                        <m:sSub>
+                          <m:sSubPr>
+                            <m:ctrlPr>
+                              <a:rPr lang="en-US" b="0" i="1" smtClean="0">
+                                <a:latin typeface="Cambria Math" panose="02040503050406030204" pitchFamily="18" charset="0"/>
+                              </a:rPr>
+                            </m:ctrlPr>
+                          </m:sSubPr>
+                          <m:e>
+                            <m:r>
+                              <a:rPr lang="en-US" b="0" i="1" smtClean="0">
+                                <a:latin typeface="Cambria Math" panose="02040503050406030204" pitchFamily="18" charset="0"/>
+                              </a:rPr>
+                              <m:t>𝑥</m:t>
+                            </m:r>
+                          </m:e>
+                          <m:sub>
+                            <m:r>
+                              <a:rPr lang="en-US" b="0" i="1" smtClean="0">
+                                <a:latin typeface="Cambria Math" panose="02040503050406030204" pitchFamily="18" charset="0"/>
+                              </a:rPr>
+                              <m:t>𝑖</m:t>
+                            </m:r>
+                          </m:sub>
+                        </m:sSub>
+                      </m:e>
+                    </m:nary>
+                    <m:r>
+                      <a:rPr lang="en-US" b="0" i="1" smtClean="0">
+                        <a:latin typeface="Cambria Math" panose="02040503050406030204" pitchFamily="18" charset="0"/>
+                      </a:rPr>
+                      <m:t>=1</m:t>
+                    </m:r>
+                  </m:oMath>
+                </a14:m>
+                <a:r>
+                  <a:rPr lang="en-US" dirty="0"/>
+                  <a:t>, which is convenient to model multinomial distribution </a:t>
+                </a:r>
+                <a14:m>
+                  <m:oMath xmlns:m="http://schemas.openxmlformats.org/officeDocument/2006/math">
+                    <m:r>
+                      <a:rPr lang="en-US" b="0" i="1" smtClean="0">
+                        <a:latin typeface="Cambria Math" panose="02040503050406030204" pitchFamily="18" charset="0"/>
+                      </a:rPr>
+                      <m:t>𝑝</m:t>
+                    </m:r>
+                    <m:d>
+                      <m:dPr>
+                        <m:ctrlPr>
+                          <a:rPr lang="en-US" b="0" i="1" smtClean="0">
+                            <a:latin typeface="Cambria Math" panose="02040503050406030204" pitchFamily="18" charset="0"/>
+                          </a:rPr>
+                        </m:ctrlPr>
+                      </m:dPr>
+                      <m:e>
+                        <m:r>
+                          <a:rPr lang="en-US" b="0" i="1" smtClean="0">
+                            <a:latin typeface="Cambria Math" panose="02040503050406030204" pitchFamily="18" charset="0"/>
+                          </a:rPr>
+                          <m:t>𝑧</m:t>
+                        </m:r>
+                      </m:e>
+                      <m:e>
+                        <m:r>
+                          <a:rPr lang="en-US" b="0" i="1" smtClean="0">
+                            <a:latin typeface="Cambria Math" panose="02040503050406030204" pitchFamily="18" charset="0"/>
+                          </a:rPr>
+                          <m:t>𝑑</m:t>
+                        </m:r>
+                      </m:e>
+                    </m:d>
+                  </m:oMath>
+                </a14:m>
+                <a:r>
+                  <a:rPr lang="en-US" dirty="0"/>
+                  <a:t> and </a:t>
+                </a:r>
+                <a14:m>
+                  <m:oMath xmlns:m="http://schemas.openxmlformats.org/officeDocument/2006/math">
+                    <m:r>
+                      <a:rPr lang="en-US" b="0" i="1" smtClean="0">
+                        <a:latin typeface="Cambria Math" panose="02040503050406030204" pitchFamily="18" charset="0"/>
+                      </a:rPr>
+                      <m:t>𝑝</m:t>
+                    </m:r>
+                    <m:r>
+                      <a:rPr lang="en-US" b="0" i="1" smtClean="0">
+                        <a:latin typeface="Cambria Math" panose="02040503050406030204" pitchFamily="18" charset="0"/>
+                      </a:rPr>
+                      <m:t>(</m:t>
+                    </m:r>
+                    <m:r>
+                      <a:rPr lang="en-US" b="0" i="1" smtClean="0">
+                        <a:latin typeface="Cambria Math" panose="02040503050406030204" pitchFamily="18" charset="0"/>
+                      </a:rPr>
+                      <m:t>𝑤</m:t>
+                    </m:r>
+                    <m:r>
+                      <a:rPr lang="en-US" b="0" i="1" smtClean="0">
+                        <a:latin typeface="Cambria Math" panose="02040503050406030204" pitchFamily="18" charset="0"/>
+                      </a:rPr>
+                      <m:t>|</m:t>
+                    </m:r>
+                    <m:r>
+                      <a:rPr lang="en-US" b="0" i="1" smtClean="0">
+                        <a:latin typeface="Cambria Math" panose="02040503050406030204" pitchFamily="18" charset="0"/>
+                      </a:rPr>
+                      <m:t>𝑧</m:t>
+                    </m:r>
+                    <m:r>
+                      <a:rPr lang="en-US" b="0" i="1" smtClean="0">
+                        <a:latin typeface="Cambria Math" panose="02040503050406030204" pitchFamily="18" charset="0"/>
+                      </a:rPr>
+                      <m:t>)</m:t>
+                    </m:r>
+                  </m:oMath>
+                </a14:m>
+                <a:r>
+                  <a:rPr lang="en-US" dirty="0"/>
+                  <a:t>.</a:t>
+                </a:r>
+              </a:p>
+            </p:txBody>
+          </p:sp>
+        </mc:Choice>
+        <mc:Fallback>
+          <p:sp>
+            <p:nvSpPr>
+              <p:cNvPr id="3" name="Content Placeholder 2">
+                <a:extLst>
+                  <a:ext uri="{FF2B5EF4-FFF2-40B4-BE49-F238E27FC236}">
+                    <a16:creationId xmlns:a16="http://schemas.microsoft.com/office/drawing/2014/main" id="{D65E748D-6C10-4351-88E5-E7CB319172E6}"/>
+                  </a:ext>
+                </a:extLst>
+              </p:cNvPr>
+              <p:cNvSpPr>
+                <a:spLocks noGrp="1" noRot="1" noChangeAspect="1" noMove="1" noResize="1" noEditPoints="1" noAdjustHandles="1" noChangeArrowheads="1" noChangeShapeType="1" noTextEdit="1"/>
+              </p:cNvSpPr>
+              <p:nvPr>
+                <p:ph idx="1"/>
+              </p:nvPr>
+            </p:nvSpPr>
+            <p:spPr>
+              <a:blipFill>
+                <a:blip r:embed="rId2"/>
+                <a:stretch>
+                  <a:fillRect l="-1043" t="-2521" b="-1120"/>
+                </a:stretch>
+              </a:blipFill>
+            </p:spPr>
+            <p:txBody>
+              <a:bodyPr/>
+              <a:lstStyle/>
+              <a:p>
+                <a:r>
+                  <a:rPr lang="en-US">
+                    <a:noFill/>
+                  </a:rPr>
+                  <a:t> </a:t>
+                </a:r>
+              </a:p>
+            </p:txBody>
+          </p:sp>
+        </mc:Fallback>
+      </mc:AlternateContent>
+    </p:spTree>
+    <p:extLst>
+      <p:ext uri="{BB962C8B-B14F-4D97-AF65-F5344CB8AC3E}">
+        <p14:creationId xmlns:p14="http://schemas.microsoft.com/office/powerpoint/2010/main" val="3581615310"/>
+      </p:ext>
+    </p:extLst>
+  </p:cSld>
+  <p:clrMapOvr>
+    <a:masterClrMapping/>
+  </p:clrMapOvr>
+</p:sld>
+</file>
+
+<file path=ppt/slides/slide12.xml><?xml version="1.0" encoding="utf-8"?>
 <p:sld xmlns:a="http://schemas.openxmlformats.org/drawingml/2006/main" xmlns:r="http://schemas.openxmlformats.org/officeDocument/2006/relationships" xmlns:p="http://schemas.openxmlformats.org/presentationml/2006/main">
   <p:cSld>
     <p:spTree>
@@ -5358,8 +4976,8 @@
           </a:p>
         </p:txBody>
       </p:sp>
-      <mc:AlternateContent xmlns:mc="http://schemas.openxmlformats.org/markup-compatibility/2006" xmlns:a14="http://schemas.microsoft.com/office/drawing/2010/main">
-        <mc:Choice Requires="a14">
+      <mc:AlternateContent xmlns:mc="http://schemas.openxmlformats.org/markup-compatibility/2006">
+        <mc:Choice xmlns:a14="http://schemas.microsoft.com/office/drawing/2010/main" Requires="a14">
           <p:sp>
             <p:nvSpPr>
               <p:cNvPr id="3" name="内容占位符 2">
@@ -5378,19 +4996,23 @@
             </p:nvSpPr>
             <p:spPr>
               <a:xfrm>
-                <a:off x="838200" y="1825623"/>
-                <a:ext cx="10515600" cy="4667251"/>
+                <a:off x="733095" y="1825624"/>
+                <a:ext cx="10725807" cy="5032376"/>
               </a:xfrm>
             </p:spPr>
             <p:txBody>
               <a:bodyPr>
-                <a:normAutofit lnSpcReduction="10000"/>
+                <a:normAutofit/>
               </a:bodyPr>
               <a:lstStyle/>
               <a:p>
                 <a:r>
                   <a:rPr lang="en-US" altLang="zh-CN" dirty="0"/>
-                  <a:t>The parameters </a:t>
+                  <a:t>LDA tries to solve the above problem by introducing </a:t>
+                </a:r>
+                <a:r>
+                  <a:rPr lang="en-US" altLang="zh-CN" i="1" dirty="0"/>
+                  <a:t>Dirichlet prior </a:t>
                 </a:r>
                 <a14:m>
                   <m:oMath xmlns:m="http://schemas.openxmlformats.org/officeDocument/2006/math">
@@ -5398,7 +5020,33 @@
                       <a:rPr lang="en-US" altLang="zh-CN" b="0" i="1" smtClean="0">
                         <a:latin typeface="Cambria Math" panose="02040503050406030204" pitchFamily="18" charset="0"/>
                       </a:rPr>
-                      <m:t>𝑃</m:t>
+                      <m:t>𝛼</m:t>
+                    </m:r>
+                    <m:r>
+                      <a:rPr lang="en-US" altLang="zh-CN" b="0" i="1" smtClean="0">
+                        <a:latin typeface="Cambria Math" panose="02040503050406030204" pitchFamily="18" charset="0"/>
+                      </a:rPr>
+                      <m:t>,</m:t>
+                    </m:r>
+                    <m:r>
+                      <a:rPr lang="en-US" altLang="zh-CN" b="0" i="1" smtClean="0">
+                        <a:latin typeface="Cambria Math" panose="02040503050406030204" pitchFamily="18" charset="0"/>
+                      </a:rPr>
+                      <m:t>𝛽</m:t>
+                    </m:r>
+                  </m:oMath>
+                </a14:m>
+                <a:r>
+                  <a:rPr lang="en-US" altLang="zh-CN" dirty="0"/>
+                  <a:t> that governs the distribution </a:t>
+                </a:r>
+                <a14:m>
+                  <m:oMath xmlns:m="http://schemas.openxmlformats.org/officeDocument/2006/math">
+                    <m:r>
+                      <a:rPr lang="en-US" altLang="zh-CN" b="0" i="1" smtClean="0">
+                        <a:latin typeface="Cambria Math" panose="02040503050406030204" pitchFamily="18" charset="0"/>
+                      </a:rPr>
+                      <m:t>𝑝</m:t>
                     </m:r>
                     <m:d>
                       <m:dPr>
@@ -5413,7 +5061,7 @@
                           <a:rPr lang="en-US" altLang="zh-CN" b="0" i="1" smtClean="0">
                             <a:latin typeface="Cambria Math" panose="02040503050406030204" pitchFamily="18" charset="0"/>
                           </a:rPr>
-                          <m:t>𝑡</m:t>
+                          <m:t>𝑧</m:t>
                         </m:r>
                       </m:e>
                       <m:e>
@@ -5428,12 +5076,8 @@
                   </m:oMath>
                 </a14:m>
                 <a:r>
-                  <a:rPr lang="zh-CN" altLang="en-US" dirty="0"/>
-                  <a:t> </a:t>
-                </a:r>
-                <a:r>
                   <a:rPr lang="en-US" altLang="zh-CN" dirty="0"/>
-                  <a:t>and </a:t>
+                  <a:t> and </a:t>
                 </a:r>
                 <a14:m>
                   <m:oMath xmlns:m="http://schemas.openxmlformats.org/officeDocument/2006/math">
@@ -5441,228 +5085,44 @@
                       <a:rPr lang="en-US" altLang="zh-CN" b="0" i="1" smtClean="0">
                         <a:latin typeface="Cambria Math" panose="02040503050406030204" pitchFamily="18" charset="0"/>
                       </a:rPr>
-                      <m:t>𝑃</m:t>
-                    </m:r>
-                    <m:r>
-                      <a:rPr lang="en-US" altLang="zh-CN" b="0" i="1" smtClean="0">
-                        <a:latin typeface="Cambria Math" panose="02040503050406030204" pitchFamily="18" charset="0"/>
-                      </a:rPr>
-                      <m:t>(</m:t>
-                    </m:r>
-                    <m:r>
-                      <a:rPr lang="en-US" altLang="zh-CN" b="0" i="1" smtClean="0">
-                        <a:latin typeface="Cambria Math" panose="02040503050406030204" pitchFamily="18" charset="0"/>
-                      </a:rPr>
-                      <m:t>𝑤</m:t>
-                    </m:r>
-                    <m:r>
-                      <a:rPr lang="en-US" altLang="zh-CN" b="0" i="1" smtClean="0">
-                        <a:latin typeface="Cambria Math" panose="02040503050406030204" pitchFamily="18" charset="0"/>
-                      </a:rPr>
-                      <m:t>|</m:t>
-                    </m:r>
-                    <m:r>
-                      <a:rPr lang="en-US" altLang="zh-CN" b="0" i="1" smtClean="0">
-                        <a:latin typeface="Cambria Math" panose="02040503050406030204" pitchFamily="18" charset="0"/>
-                      </a:rPr>
-                      <m:t>𝑡</m:t>
-                    </m:r>
-                    <m:r>
-                      <a:rPr lang="en-US" altLang="zh-CN" b="0" i="1" smtClean="0">
-                        <a:latin typeface="Cambria Math" panose="02040503050406030204" pitchFamily="18" charset="0"/>
-                      </a:rPr>
-                      <m:t>)</m:t>
-                    </m:r>
-                  </m:oMath>
-                </a14:m>
-                <a:r>
-                  <a:rPr lang="zh-CN" altLang="en-US" dirty="0"/>
-                  <a:t> </a:t>
-                </a:r>
-                <a:r>
-                  <a:rPr lang="en-US" altLang="zh-CN" dirty="0"/>
-                  <a:t>in PLSA are modeled as multinomial distribution over the training set, which limits its inference ability for unseen documents; and PLSA is optimized by maximizing likelihood, which tends to have low sparsity. </a:t>
-                </a:r>
-              </a:p>
-              <a:p>
-                <a:r>
-                  <a:rPr lang="en-US" altLang="zh-CN" dirty="0"/>
-                  <a:t>LDA tries to solve the above problem by introducing a </a:t>
-                </a:r>
-                <a:r>
-                  <a:rPr lang="en-US" altLang="zh-CN" i="1" dirty="0"/>
-                  <a:t>Dirichlet</a:t>
-                </a:r>
-                <a:r>
-                  <a:rPr lang="en-US" altLang="zh-CN" dirty="0"/>
-                  <a:t> parameter </a:t>
-                </a:r>
-                <a14:m>
-                  <m:oMath xmlns:m="http://schemas.openxmlformats.org/officeDocument/2006/math">
-                    <m:r>
-                      <a:rPr lang="en-US" altLang="zh-CN" b="0" i="1" smtClean="0">
-                        <a:latin typeface="Cambria Math" panose="02040503050406030204" pitchFamily="18" charset="0"/>
-                      </a:rPr>
-                      <m:t>𝛼</m:t>
-                    </m:r>
-                    <m:r>
-                      <a:rPr lang="en-US" altLang="zh-CN" b="0" i="1" smtClean="0">
-                        <a:latin typeface="Cambria Math" panose="02040503050406030204" pitchFamily="18" charset="0"/>
-                      </a:rPr>
-                      <m:t>,</m:t>
-                    </m:r>
-                    <m:r>
-                      <a:rPr lang="en-US" altLang="zh-CN" b="0" i="1" smtClean="0">
-                        <a:latin typeface="Cambria Math" panose="02040503050406030204" pitchFamily="18" charset="0"/>
-                      </a:rPr>
-                      <m:t>𝛽</m:t>
-                    </m:r>
-                  </m:oMath>
-                </a14:m>
-                <a:r>
-                  <a:rPr lang="en-US" altLang="zh-CN" i="1" dirty="0"/>
-                  <a:t> </a:t>
-                </a:r>
-                <a:r>
-                  <a:rPr lang="en-US" altLang="zh-CN" dirty="0"/>
-                  <a:t>that governs </a:t>
-                </a:r>
-                <a14:m>
-                  <m:oMath xmlns:m="http://schemas.openxmlformats.org/officeDocument/2006/math">
-                    <m:r>
-                      <a:rPr lang="en-US" altLang="zh-CN" i="1">
-                        <a:latin typeface="Cambria Math" panose="02040503050406030204" pitchFamily="18" charset="0"/>
-                      </a:rPr>
-                      <m:t>𝑃</m:t>
+                      <m:t>𝑝</m:t>
                     </m:r>
                     <m:d>
                       <m:dPr>
                         <m:ctrlPr>
-                          <a:rPr lang="en-US" altLang="zh-CN" i="1">
+                          <a:rPr lang="en-US" altLang="zh-CN" b="0" i="1" smtClean="0">
                             <a:latin typeface="Cambria Math" panose="02040503050406030204" pitchFamily="18" charset="0"/>
                           </a:rPr>
                         </m:ctrlPr>
                       </m:dPr>
                       <m:e>
                         <m:r>
-                          <a:rPr lang="en-US" altLang="zh-CN" i="1">
-                            <a:latin typeface="Cambria Math" panose="02040503050406030204" pitchFamily="18" charset="0"/>
-                          </a:rPr>
-                          <m:t>𝑡</m:t>
+                          <a:rPr lang="en-US" altLang="zh-CN" b="0" i="1" smtClean="0">
+                            <a:latin typeface="Cambria Math" panose="02040503050406030204" pitchFamily="18" charset="0"/>
+                          </a:rPr>
+                          <m:t>𝑤</m:t>
                         </m:r>
                       </m:e>
                       <m:e>
                         <m:r>
-                          <a:rPr lang="en-US" altLang="zh-CN" i="1">
-                            <a:latin typeface="Cambria Math" panose="02040503050406030204" pitchFamily="18" charset="0"/>
-                          </a:rPr>
-                          <m:t>𝑑</m:t>
+                          <a:rPr lang="en-US" altLang="zh-CN" b="0" i="1" smtClean="0">
+                            <a:latin typeface="Cambria Math" panose="02040503050406030204" pitchFamily="18" charset="0"/>
+                          </a:rPr>
+                          <m:t>𝑧</m:t>
                         </m:r>
                       </m:e>
                     </m:d>
                   </m:oMath>
                 </a14:m>
                 <a:r>
-                  <a:rPr lang="zh-CN" altLang="en-US" dirty="0"/>
-                  <a:t> </a:t>
-                </a:r>
-                <a:r>
                   <a:rPr lang="en-US" altLang="zh-CN" dirty="0"/>
-                  <a:t>and </a:t>
-                </a:r>
-                <a14:m>
-                  <m:oMath xmlns:m="http://schemas.openxmlformats.org/officeDocument/2006/math">
-                    <m:r>
-                      <a:rPr lang="en-US" altLang="zh-CN" b="0" i="1" smtClean="0">
-                        <a:latin typeface="Cambria Math" panose="02040503050406030204" pitchFamily="18" charset="0"/>
-                      </a:rPr>
-                      <m:t>𝑃</m:t>
-                    </m:r>
-                    <m:r>
-                      <a:rPr lang="en-US" altLang="zh-CN" i="1">
-                        <a:latin typeface="Cambria Math" panose="02040503050406030204" pitchFamily="18" charset="0"/>
-                      </a:rPr>
-                      <m:t>(</m:t>
-                    </m:r>
-                    <m:r>
-                      <a:rPr lang="en-US" altLang="zh-CN" i="1">
-                        <a:latin typeface="Cambria Math" panose="02040503050406030204" pitchFamily="18" charset="0"/>
-                      </a:rPr>
-                      <m:t>𝑤</m:t>
-                    </m:r>
-                    <m:r>
-                      <a:rPr lang="en-US" altLang="zh-CN" i="1">
-                        <a:latin typeface="Cambria Math" panose="02040503050406030204" pitchFamily="18" charset="0"/>
-                      </a:rPr>
-                      <m:t>|</m:t>
-                    </m:r>
-                    <m:r>
-                      <a:rPr lang="en-US" altLang="zh-CN" i="1">
-                        <a:latin typeface="Cambria Math" panose="02040503050406030204" pitchFamily="18" charset="0"/>
-                      </a:rPr>
-                      <m:t>𝑡</m:t>
-                    </m:r>
-                    <m:r>
-                      <a:rPr lang="en-US" altLang="zh-CN" i="1">
-                        <a:latin typeface="Cambria Math" panose="02040503050406030204" pitchFamily="18" charset="0"/>
-                      </a:rPr>
-                      <m:t>)</m:t>
-                    </m:r>
-                  </m:oMath>
-                </a14:m>
-                <a:r>
-                  <a:rPr lang="zh-CN" altLang="en-US" dirty="0"/>
-                  <a:t> </a:t>
-                </a:r>
-                <a:r>
-                  <a:rPr lang="en-US" altLang="zh-CN" dirty="0"/>
-                  <a:t>respectively: a larger parameter pushes the topic distribution to the corner of the </a:t>
-                </a:r>
-                <a14:m>
-                  <m:oMath xmlns:m="http://schemas.openxmlformats.org/officeDocument/2006/math">
-                    <m:r>
-                      <a:rPr lang="en-US" altLang="zh-CN" b="0" i="1" smtClean="0">
-                        <a:latin typeface="Cambria Math" panose="02040503050406030204" pitchFamily="18" charset="0"/>
-                      </a:rPr>
-                      <m:t>𝑀</m:t>
-                    </m:r>
-                    <m:r>
-                      <a:rPr lang="en-US" altLang="zh-CN" b="0" i="1" smtClean="0">
-                        <a:latin typeface="Cambria Math" panose="02040503050406030204" pitchFamily="18" charset="0"/>
-                      </a:rPr>
-                      <m:t>−1</m:t>
-                    </m:r>
-                  </m:oMath>
-                </a14:m>
-                <a:r>
-                  <a:rPr lang="en-US" altLang="zh-CN" dirty="0"/>
-                  <a:t>/</a:t>
-                </a:r>
-                <a14:m>
-                  <m:oMath xmlns:m="http://schemas.openxmlformats.org/officeDocument/2006/math">
-                    <m:r>
-                      <a:rPr lang="en-US" altLang="zh-CN" b="0" i="1" dirty="0" smtClean="0">
-                        <a:latin typeface="Cambria Math" panose="02040503050406030204" pitchFamily="18" charset="0"/>
-                      </a:rPr>
-                      <m:t>𝑁</m:t>
-                    </m:r>
-                    <m:r>
-                      <a:rPr lang="en-US" altLang="zh-CN" b="0" i="1" dirty="0" smtClean="0">
-                        <a:latin typeface="Cambria Math" panose="02040503050406030204" pitchFamily="18" charset="0"/>
-                      </a:rPr>
-                      <m:t>−1</m:t>
-                    </m:r>
-                  </m:oMath>
-                </a14:m>
-                <a:r>
-                  <a:rPr lang="en-US" altLang="zh-CN" dirty="0"/>
-                  <a:t> simplex.</a:t>
+                  <a:t> respectively.</a:t>
                 </a:r>
               </a:p>
               <a:p>
                 <a:r>
                   <a:rPr lang="en-US" altLang="zh-CN" dirty="0"/>
-                  <a:t>Use variational inference to estimate the posterior:</a:t>
+                  <a:t>The likelihood of generating one document is:</a:t>
                 </a:r>
               </a:p>
               <a:p>
@@ -5679,7 +5139,7 @@
                         <a:rPr lang="en-US" altLang="zh-CN" b="0" i="1" smtClean="0">
                           <a:latin typeface="Cambria Math" panose="02040503050406030204" pitchFamily="18" charset="0"/>
                         </a:rPr>
-                        <m:t>𝑃</m:t>
+                        <m:t>𝑝</m:t>
                       </m:r>
                       <m:d>
                         <m:dPr>
@@ -5694,98 +5154,403 @@
                             <a:rPr lang="en-US" altLang="zh-CN" b="0" i="1" smtClean="0">
                               <a:latin typeface="Cambria Math" panose="02040503050406030204" pitchFamily="18" charset="0"/>
                             </a:rPr>
-                            <m:t>𝜃</m:t>
+                            <m:t>𝑑</m:t>
                           </m:r>
+                        </m:e>
+                        <m:e>
                           <m:r>
                             <a:rPr lang="en-US" altLang="zh-CN" b="0" i="1" smtClean="0">
                               <a:latin typeface="Cambria Math" panose="02040503050406030204" pitchFamily="18" charset="0"/>
-                            </a:rPr>
-                            <m:t>,</m:t>
-                          </m:r>
-                          <m:r>
-                            <a:rPr lang="en-US" altLang="zh-CN" b="0" i="1" smtClean="0">
-                              <a:latin typeface="Cambria Math" panose="02040503050406030204" pitchFamily="18" charset="0"/>
-                            </a:rPr>
-                            <m:t>𝑍</m:t>
-                          </m:r>
-                          <m:r>
-                            <a:rPr lang="en-US" altLang="zh-CN" b="0" i="1" smtClean="0">
-                              <a:latin typeface="Cambria Math" panose="02040503050406030204" pitchFamily="18" charset="0"/>
-                            </a:rPr>
-                            <m:t>,</m:t>
-                          </m:r>
-                          <m:r>
-                            <m:rPr>
-                              <m:sty m:val="p"/>
-                            </m:rPr>
-                            <a:rPr lang="en-US" altLang="zh-CN">
-                              <a:latin typeface="Cambria Math" panose="02040503050406030204" pitchFamily="18" charset="0"/>
-                              <a:ea typeface="Cambria Math" panose="02040503050406030204" pitchFamily="18" charset="0"/>
-                            </a:rPr>
-                            <m:t>φ</m:t>
-                          </m:r>
-                          <m:r>
-                            <a:rPr lang="en-US" altLang="zh-CN" b="0" i="1" smtClean="0">
-                              <a:latin typeface="Cambria Math" panose="02040503050406030204" pitchFamily="18" charset="0"/>
-                              <a:ea typeface="Cambria Math" panose="02040503050406030204" pitchFamily="18" charset="0"/>
-                            </a:rPr>
-                            <m:t>|</m:t>
-                          </m:r>
-                          <m:r>
-                            <a:rPr lang="en-US" altLang="zh-CN" b="0" i="1" smtClean="0">
-                              <a:latin typeface="Cambria Math" panose="02040503050406030204" pitchFamily="18" charset="0"/>
-                              <a:ea typeface="Cambria Math" panose="02040503050406030204" pitchFamily="18" charset="0"/>
-                            </a:rPr>
-                            <m:t>𝐷</m:t>
-                          </m:r>
-                          <m:r>
-                            <a:rPr lang="en-US" altLang="zh-CN" b="0" i="1" smtClean="0">
-                              <a:latin typeface="Cambria Math" panose="02040503050406030204" pitchFamily="18" charset="0"/>
-                              <a:ea typeface="Cambria Math" panose="02040503050406030204" pitchFamily="18" charset="0"/>
-                            </a:rPr>
-                            <m:t>,</m:t>
-                          </m:r>
-                          <m:r>
-                            <a:rPr lang="en-US" altLang="zh-CN" b="0" i="1" smtClean="0">
-                              <a:latin typeface="Cambria Math" panose="02040503050406030204" pitchFamily="18" charset="0"/>
-                              <a:ea typeface="Cambria Math" panose="02040503050406030204" pitchFamily="18" charset="0"/>
                             </a:rPr>
                             <m:t>𝛼</m:t>
                           </m:r>
                           <m:r>
                             <a:rPr lang="en-US" altLang="zh-CN" b="0" i="1" smtClean="0">
                               <a:latin typeface="Cambria Math" panose="02040503050406030204" pitchFamily="18" charset="0"/>
-                              <a:ea typeface="Cambria Math" panose="02040503050406030204" pitchFamily="18" charset="0"/>
                             </a:rPr>
-                            <m:t>,</m:t>
+                            <m:t>, </m:t>
                           </m:r>
                           <m:r>
                             <a:rPr lang="en-US" altLang="zh-CN" b="0" i="1" smtClean="0">
                               <a:latin typeface="Cambria Math" panose="02040503050406030204" pitchFamily="18" charset="0"/>
-                              <a:ea typeface="Cambria Math" panose="02040503050406030204" pitchFamily="18" charset="0"/>
                             </a:rPr>
                             <m:t>𝛽</m:t>
                           </m:r>
                         </m:e>
                       </m:d>
+                      <m:r>
+                        <a:rPr lang="en-US" altLang="zh-CN" b="0" i="1" smtClean="0">
+                          <a:latin typeface="Cambria Math" panose="02040503050406030204" pitchFamily="18" charset="0"/>
+                        </a:rPr>
+                        <m:t>=</m:t>
+                      </m:r>
+                      <m:nary>
+                        <m:naryPr>
+                          <m:supHide m:val="on"/>
+                          <m:ctrlPr>
+                            <a:rPr lang="en-US" altLang="zh-CN" b="0" i="1" smtClean="0">
+                              <a:latin typeface="Cambria Math" panose="02040503050406030204" pitchFamily="18" charset="0"/>
+                            </a:rPr>
+                          </m:ctrlPr>
+                        </m:naryPr>
+                        <m:sub>
+                          <m:r>
+                            <a:rPr lang="en-US" altLang="zh-CN" b="0" i="1" smtClean="0">
+                              <a:latin typeface="Cambria Math" panose="02040503050406030204" pitchFamily="18" charset="0"/>
+                            </a:rPr>
+                            <m:t>𝜃</m:t>
+                          </m:r>
+                        </m:sub>
+                        <m:sup/>
+                        <m:e>
+                          <m:d>
+                            <m:dPr>
+                              <m:ctrlPr>
+                                <a:rPr lang="en-US" altLang="zh-CN" b="0" i="1" smtClean="0">
+                                  <a:latin typeface="Cambria Math" panose="02040503050406030204" pitchFamily="18" charset="0"/>
+                                </a:rPr>
+                              </m:ctrlPr>
+                            </m:dPr>
+                            <m:e>
+                              <m:nary>
+                                <m:naryPr>
+                                  <m:chr m:val="∏"/>
+                                  <m:ctrlPr>
+                                    <a:rPr lang="en-US" altLang="zh-CN" b="0" i="1" smtClean="0">
+                                      <a:latin typeface="Cambria Math" panose="02040503050406030204" pitchFamily="18" charset="0"/>
+                                    </a:rPr>
+                                  </m:ctrlPr>
+                                </m:naryPr>
+                                <m:sub>
+                                  <m:r>
+                                    <a:rPr lang="en-US" altLang="zh-CN" b="0" i="1" smtClean="0">
+                                      <a:latin typeface="Cambria Math" panose="02040503050406030204" pitchFamily="18" charset="0"/>
+                                    </a:rPr>
+                                    <m:t>𝑛</m:t>
+                                  </m:r>
+                                  <m:r>
+                                    <a:rPr lang="en-US" altLang="zh-CN" b="0" i="1" smtClean="0">
+                                      <a:latin typeface="Cambria Math" panose="02040503050406030204" pitchFamily="18" charset="0"/>
+                                    </a:rPr>
+                                    <m:t>=1</m:t>
+                                  </m:r>
+                                </m:sub>
+                                <m:sup>
+                                  <m:r>
+                                    <a:rPr lang="en-US" altLang="zh-CN" b="0" i="1" smtClean="0">
+                                      <a:latin typeface="Cambria Math" panose="02040503050406030204" pitchFamily="18" charset="0"/>
+                                    </a:rPr>
+                                    <m:t>𝑁</m:t>
+                                  </m:r>
+                                </m:sup>
+                                <m:e>
+                                  <m:nary>
+                                    <m:naryPr>
+                                      <m:chr m:val="∑"/>
+                                      <m:ctrlPr>
+                                        <a:rPr lang="en-US" altLang="zh-CN" b="0" i="1" smtClean="0">
+                                          <a:latin typeface="Cambria Math" panose="02040503050406030204" pitchFamily="18" charset="0"/>
+                                        </a:rPr>
+                                      </m:ctrlPr>
+                                    </m:naryPr>
+                                    <m:sub>
+                                      <m:sSub>
+                                        <m:sSubPr>
+                                          <m:ctrlPr>
+                                            <a:rPr lang="en-US" altLang="zh-CN" b="0" i="1" smtClean="0">
+                                              <a:latin typeface="Cambria Math" panose="02040503050406030204" pitchFamily="18" charset="0"/>
+                                            </a:rPr>
+                                          </m:ctrlPr>
+                                        </m:sSubPr>
+                                        <m:e>
+                                          <m:r>
+                                            <a:rPr lang="en-US" altLang="zh-CN" b="0" i="1" smtClean="0">
+                                              <a:latin typeface="Cambria Math" panose="02040503050406030204" pitchFamily="18" charset="0"/>
+                                            </a:rPr>
+                                            <m:t>𝑧</m:t>
+                                          </m:r>
+                                        </m:e>
+                                        <m:sub>
+                                          <m:r>
+                                            <a:rPr lang="en-US" altLang="zh-CN" b="0" i="1" smtClean="0">
+                                              <a:latin typeface="Cambria Math" panose="02040503050406030204" pitchFamily="18" charset="0"/>
+                                            </a:rPr>
+                                            <m:t>𝑛</m:t>
+                                          </m:r>
+                                        </m:sub>
+                                      </m:sSub>
+                                      <m:r>
+                                        <a:rPr lang="en-US" altLang="zh-CN" b="0" i="1" smtClean="0">
+                                          <a:latin typeface="Cambria Math" panose="02040503050406030204" pitchFamily="18" charset="0"/>
+                                        </a:rPr>
+                                        <m:t>=1</m:t>
+                                      </m:r>
+                                    </m:sub>
+                                    <m:sup>
+                                      <m:r>
+                                        <a:rPr lang="en-US" altLang="zh-CN" b="0" i="1" smtClean="0">
+                                          <a:latin typeface="Cambria Math" panose="02040503050406030204" pitchFamily="18" charset="0"/>
+                                        </a:rPr>
+                                        <m:t>𝑘</m:t>
+                                      </m:r>
+                                    </m:sup>
+                                    <m:e>
+                                      <m:r>
+                                        <a:rPr lang="en-US" altLang="zh-CN" i="1">
+                                          <a:latin typeface="Cambria Math" panose="02040503050406030204" pitchFamily="18" charset="0"/>
+                                        </a:rPr>
+                                        <m:t>𝑝</m:t>
+                                      </m:r>
+                                      <m:d>
+                                        <m:dPr>
+                                          <m:ctrlPr>
+                                            <a:rPr lang="en-US" altLang="zh-CN" i="1">
+                                              <a:latin typeface="Cambria Math" panose="02040503050406030204" pitchFamily="18" charset="0"/>
+                                            </a:rPr>
+                                          </m:ctrlPr>
+                                        </m:dPr>
+                                        <m:e>
+                                          <m:sSub>
+                                            <m:sSubPr>
+                                              <m:ctrlPr>
+                                                <a:rPr lang="en-US" altLang="zh-CN" i="1">
+                                                  <a:latin typeface="Cambria Math" panose="02040503050406030204" pitchFamily="18" charset="0"/>
+                                                </a:rPr>
+                                              </m:ctrlPr>
+                                            </m:sSubPr>
+                                            <m:e>
+                                              <m:r>
+                                                <a:rPr lang="en-US" altLang="zh-CN" i="1">
+                                                  <a:latin typeface="Cambria Math" panose="02040503050406030204" pitchFamily="18" charset="0"/>
+                                                </a:rPr>
+                                                <m:t>𝑧</m:t>
+                                              </m:r>
+                                            </m:e>
+                                            <m:sub>
+                                              <m:r>
+                                                <a:rPr lang="en-US" altLang="zh-CN" i="1">
+                                                  <a:latin typeface="Cambria Math" panose="02040503050406030204" pitchFamily="18" charset="0"/>
+                                                </a:rPr>
+                                                <m:t>𝑛</m:t>
+                                              </m:r>
+                                            </m:sub>
+                                          </m:sSub>
+                                        </m:e>
+                                        <m:e>
+                                          <m:r>
+                                            <a:rPr lang="en-US" altLang="zh-CN" i="1">
+                                              <a:latin typeface="Cambria Math" panose="02040503050406030204" pitchFamily="18" charset="0"/>
+                                            </a:rPr>
+                                            <m:t>𝜃</m:t>
+                                          </m:r>
+                                        </m:e>
+                                      </m:d>
+                                      <m:r>
+                                        <a:rPr lang="en-US" altLang="zh-CN" b="0" i="1" smtClean="0">
+                                          <a:latin typeface="Cambria Math" panose="02040503050406030204" pitchFamily="18" charset="0"/>
+                                        </a:rPr>
+                                        <m:t>𝑝</m:t>
+                                      </m:r>
+                                      <m:d>
+                                        <m:dPr>
+                                          <m:ctrlPr>
+                                            <a:rPr lang="en-US" altLang="zh-CN" b="0" i="1" smtClean="0">
+                                              <a:latin typeface="Cambria Math" panose="02040503050406030204" pitchFamily="18" charset="0"/>
+                                            </a:rPr>
+                                          </m:ctrlPr>
+                                        </m:dPr>
+                                        <m:e>
+                                          <m:sSub>
+                                            <m:sSubPr>
+                                              <m:ctrlPr>
+                                                <a:rPr lang="en-US" altLang="zh-CN" b="0" i="1" smtClean="0">
+                                                  <a:latin typeface="Cambria Math" panose="02040503050406030204" pitchFamily="18" charset="0"/>
+                                                </a:rPr>
+                                              </m:ctrlPr>
+                                            </m:sSubPr>
+                                            <m:e>
+                                              <m:r>
+                                                <a:rPr lang="en-US" altLang="zh-CN" b="0" i="1" smtClean="0">
+                                                  <a:latin typeface="Cambria Math" panose="02040503050406030204" pitchFamily="18" charset="0"/>
+                                                </a:rPr>
+                                                <m:t>𝑤</m:t>
+                                              </m:r>
+                                            </m:e>
+                                            <m:sub>
+                                              <m:r>
+                                                <a:rPr lang="en-US" altLang="zh-CN" b="0" i="1" smtClean="0">
+                                                  <a:latin typeface="Cambria Math" panose="02040503050406030204" pitchFamily="18" charset="0"/>
+                                                </a:rPr>
+                                                <m:t>𝑛</m:t>
+                                              </m:r>
+                                            </m:sub>
+                                          </m:sSub>
+                                        </m:e>
+                                        <m:e>
+                                          <m:sSub>
+                                            <m:sSubPr>
+                                              <m:ctrlPr>
+                                                <a:rPr lang="en-US" altLang="zh-CN" b="0" i="1" smtClean="0">
+                                                  <a:latin typeface="Cambria Math" panose="02040503050406030204" pitchFamily="18" charset="0"/>
+                                                </a:rPr>
+                                              </m:ctrlPr>
+                                            </m:sSubPr>
+                                            <m:e>
+                                              <m:r>
+                                                <a:rPr lang="en-US" altLang="zh-CN" b="0" i="1" smtClean="0">
+                                                  <a:latin typeface="Cambria Math" panose="02040503050406030204" pitchFamily="18" charset="0"/>
+                                                </a:rPr>
+                                                <m:t>𝑧</m:t>
+                                              </m:r>
+                                            </m:e>
+                                            <m:sub>
+                                              <m:r>
+                                                <a:rPr lang="en-US" altLang="zh-CN" b="0" i="1" smtClean="0">
+                                                  <a:latin typeface="Cambria Math" panose="02040503050406030204" pitchFamily="18" charset="0"/>
+                                                </a:rPr>
+                                                <m:t>𝑛</m:t>
+                                              </m:r>
+                                            </m:sub>
+                                          </m:sSub>
+                                          <m:r>
+                                            <a:rPr lang="en-US" altLang="zh-CN" b="0" i="1" smtClean="0">
+                                              <a:latin typeface="Cambria Math" panose="02040503050406030204" pitchFamily="18" charset="0"/>
+                                            </a:rPr>
+                                            <m:t>,</m:t>
+                                          </m:r>
+                                          <m:r>
+                                            <a:rPr lang="en-US" altLang="zh-CN" b="0" i="1" smtClean="0">
+                                              <a:latin typeface="Cambria Math" panose="02040503050406030204" pitchFamily="18" charset="0"/>
+                                            </a:rPr>
+                                            <m:t>𝛽</m:t>
+                                          </m:r>
+                                        </m:e>
+                                      </m:d>
+                                    </m:e>
+                                  </m:nary>
+                                </m:e>
+                              </m:nary>
+                            </m:e>
+                          </m:d>
+                          <m:r>
+                            <a:rPr lang="en-US" altLang="zh-CN" b="0" i="1" smtClean="0">
+                              <a:latin typeface="Cambria Math" panose="02040503050406030204" pitchFamily="18" charset="0"/>
+                            </a:rPr>
+                            <m:t>𝑝</m:t>
+                          </m:r>
+                          <m:d>
+                            <m:dPr>
+                              <m:ctrlPr>
+                                <a:rPr lang="en-US" altLang="zh-CN" b="0" i="1" smtClean="0">
+                                  <a:latin typeface="Cambria Math" panose="02040503050406030204" pitchFamily="18" charset="0"/>
+                                </a:rPr>
+                              </m:ctrlPr>
+                            </m:dPr>
+                            <m:e>
+                              <m:r>
+                                <a:rPr lang="en-US" altLang="zh-CN" b="0" i="1" smtClean="0">
+                                  <a:latin typeface="Cambria Math" panose="02040503050406030204" pitchFamily="18" charset="0"/>
+                                </a:rPr>
+                                <m:t>𝜃</m:t>
+                              </m:r>
+                            </m:e>
+                            <m:e>
+                              <m:r>
+                                <a:rPr lang="en-US" altLang="zh-CN" b="0" i="1" smtClean="0">
+                                  <a:latin typeface="Cambria Math" panose="02040503050406030204" pitchFamily="18" charset="0"/>
+                                </a:rPr>
+                                <m:t>𝛼</m:t>
+                              </m:r>
+                            </m:e>
+                          </m:d>
+                          <m:r>
+                            <a:rPr lang="en-US" altLang="zh-CN" b="0" i="1" smtClean="0">
+                              <a:latin typeface="Cambria Math" panose="02040503050406030204" pitchFamily="18" charset="0"/>
+                            </a:rPr>
+                            <m:t>𝑑</m:t>
+                          </m:r>
+                          <m:r>
+                            <a:rPr lang="en-US" altLang="zh-CN" b="0" i="1" smtClean="0">
+                              <a:latin typeface="Cambria Math" panose="02040503050406030204" pitchFamily="18" charset="0"/>
+                            </a:rPr>
+                            <m:t>𝜃</m:t>
+                          </m:r>
+                        </m:e>
+                      </m:nary>
                     </m:oMath>
                   </m:oMathPara>
                 </a14:m>
                 <a:endParaRPr lang="en-US" altLang="zh-CN" dirty="0"/>
               </a:p>
               <a:p>
+                <a:r>
+                  <a:rPr lang="en-US" altLang="zh-CN" dirty="0"/>
+                  <a:t>Use Gibbs Sampling to maximize the likelihood.</a:t>
+                </a:r>
+              </a:p>
+              <a:p>
+                <a:r>
+                  <a:rPr lang="en-US" altLang="zh-CN" dirty="0"/>
+                  <a:t>Need </a:t>
+                </a:r>
+                <a:r>
+                  <a:rPr lang="en-US" altLang="zh-CN" b="1" dirty="0"/>
+                  <a:t>approximation</a:t>
+                </a:r>
+                <a:r>
+                  <a:rPr lang="en-US" altLang="zh-CN" dirty="0"/>
+                  <a:t> to inference the posterior </a:t>
+                </a:r>
+                <a14:m>
+                  <m:oMath xmlns:m="http://schemas.openxmlformats.org/officeDocument/2006/math">
+                    <m:r>
+                      <a:rPr lang="en-US" altLang="zh-CN" b="0" i="1" smtClean="0">
+                        <a:latin typeface="Cambria Math" panose="02040503050406030204" pitchFamily="18" charset="0"/>
+                      </a:rPr>
+                      <m:t>𝑝</m:t>
+                    </m:r>
+                    <m:d>
+                      <m:dPr>
+                        <m:ctrlPr>
+                          <a:rPr lang="en-US" altLang="zh-CN" b="0" i="1" smtClean="0">
+                            <a:latin typeface="Cambria Math" panose="02040503050406030204" pitchFamily="18" charset="0"/>
+                          </a:rPr>
+                        </m:ctrlPr>
+                      </m:dPr>
+                      <m:e>
+                        <m:r>
+                          <a:rPr lang="en-US" altLang="zh-CN" b="0" i="1" smtClean="0">
+                            <a:latin typeface="Cambria Math" panose="02040503050406030204" pitchFamily="18" charset="0"/>
+                          </a:rPr>
+                          <m:t>𝑧</m:t>
+                        </m:r>
+                      </m:e>
+                      <m:e>
+                        <m:r>
+                          <a:rPr lang="en-US" altLang="zh-CN" b="0" i="1" smtClean="0">
+                            <a:latin typeface="Cambria Math" panose="02040503050406030204" pitchFamily="18" charset="0"/>
+                          </a:rPr>
+                          <m:t>𝑑</m:t>
+                        </m:r>
+                      </m:e>
+                    </m:d>
+                  </m:oMath>
+                </a14:m>
+                <a:r>
+                  <a:rPr lang="en-US" altLang="zh-CN" dirty="0"/>
+                  <a:t>.</a:t>
+                </a:r>
+              </a:p>
+              <a:p>
                 <a:pPr marL="0" indent="0">
                   <a:buNone/>
                 </a:pPr>
-                <a:r>
-                  <a:rPr lang="en-US" altLang="zh-CN" dirty="0"/>
-                  <a:t> </a:t>
-                </a:r>
+                <a:endParaRPr lang="en-US" altLang="zh-CN" dirty="0"/>
               </a:p>
             </p:txBody>
           </p:sp>
         </mc:Choice>
-        <mc:Fallback xmlns="">
+        <mc:Fallback>
           <p:sp>
             <p:nvSpPr>
               <p:cNvPr id="3" name="内容占位符 2">
@@ -5804,13 +5569,13 @@
             </p:nvSpPr>
             <p:spPr>
               <a:xfrm>
-                <a:off x="838200" y="1825623"/>
-                <a:ext cx="10515600" cy="4667251"/>
+                <a:off x="733095" y="1825624"/>
+                <a:ext cx="10725807" cy="5032376"/>
               </a:xfrm>
               <a:blipFill>
                 <a:blip r:embed="rId2"/>
                 <a:stretch>
-                  <a:fillRect l="-1043" t="-3003" r="-1797"/>
+                  <a:fillRect l="-1023" t="-2179" r="-625"/>
                 </a:stretch>
               </a:blipFill>
             </p:spPr>
@@ -5831,10 +5596,10 @@
       </mc:AlternateContent>
       <p:pic>
         <p:nvPicPr>
-          <p:cNvPr id="7" name="Picture 6">
+          <p:cNvPr id="5" name="Picture 4">
             <a:extLst>
               <a:ext uri="{FF2B5EF4-FFF2-40B4-BE49-F238E27FC236}">
-                <a16:creationId xmlns:a16="http://schemas.microsoft.com/office/drawing/2014/main" id="{3673590C-177D-40B5-9C51-DB0621C3C37E}"/>
+                <a16:creationId xmlns:a16="http://schemas.microsoft.com/office/drawing/2014/main" id="{E1ACD34F-9F2D-4A3C-95FB-B7B01AE39252}"/>
               </a:ext>
             </a:extLst>
           </p:cNvPr>
@@ -5851,8 +5616,38 @@
         </p:blipFill>
         <p:spPr>
           <a:xfrm>
-            <a:off x="4463923" y="0"/>
-            <a:ext cx="3264153" cy="1605646"/>
+            <a:off x="6389270" y="0"/>
+            <a:ext cx="4635917" cy="1848792"/>
+          </a:xfrm>
+          <a:prstGeom prst="rect">
+            <a:avLst/>
+          </a:prstGeom>
+        </p:spPr>
+      </p:pic>
+      <p:pic>
+        <p:nvPicPr>
+          <p:cNvPr id="10" name="Picture 9">
+            <a:extLst>
+              <a:ext uri="{FF2B5EF4-FFF2-40B4-BE49-F238E27FC236}">
+                <a16:creationId xmlns:a16="http://schemas.microsoft.com/office/drawing/2014/main" id="{F6B29D48-6B72-4A63-9E15-6838599A8D20}"/>
+              </a:ext>
+            </a:extLst>
+          </p:cNvPr>
+          <p:cNvPicPr>
+            <a:picLocks noChangeAspect="1"/>
+          </p:cNvPicPr>
+          <p:nvPr/>
+        </p:nvPicPr>
+        <p:blipFill>
+          <a:blip r:embed="rId4"/>
+          <a:stretch>
+            <a:fillRect/>
+          </a:stretch>
+        </p:blipFill>
+        <p:spPr>
+          <a:xfrm>
+            <a:off x="2213045" y="0"/>
+            <a:ext cx="4087907" cy="1808437"/>
           </a:xfrm>
           <a:prstGeom prst="rect">
             <a:avLst/>
@@ -5872,7 +5667,153 @@
 </p:sld>
 </file>
 
-<file path=ppt/slides/slide7.xml><?xml version="1.0" encoding="utf-8"?>
+<file path=ppt/slides/slide13.xml><?xml version="1.0" encoding="utf-8"?>
+<p:sld xmlns:a="http://schemas.openxmlformats.org/drawingml/2006/main" xmlns:r="http://schemas.openxmlformats.org/officeDocument/2006/relationships" xmlns:p="http://schemas.openxmlformats.org/presentationml/2006/main">
+  <p:cSld>
+    <p:spTree>
+      <p:nvGrpSpPr>
+        <p:cNvPr id="1" name=""/>
+        <p:cNvGrpSpPr/>
+        <p:nvPr/>
+      </p:nvGrpSpPr>
+      <p:grpSpPr>
+        <a:xfrm>
+          <a:off x="0" y="0"/>
+          <a:ext cx="0" cy="0"/>
+          <a:chOff x="0" y="0"/>
+          <a:chExt cx="0" cy="0"/>
+        </a:xfrm>
+      </p:grpSpPr>
+      <p:sp>
+        <p:nvSpPr>
+          <p:cNvPr id="2" name="Title 1">
+            <a:extLst>
+              <a:ext uri="{FF2B5EF4-FFF2-40B4-BE49-F238E27FC236}">
+                <a16:creationId xmlns:a16="http://schemas.microsoft.com/office/drawing/2014/main" id="{EF9483F8-E918-4E1A-B9E7-A5A745F050C0}"/>
+              </a:ext>
+            </a:extLst>
+          </p:cNvPr>
+          <p:cNvSpPr>
+            <a:spLocks noGrp="1"/>
+          </p:cNvSpPr>
+          <p:nvPr>
+            <p:ph type="title"/>
+          </p:nvPr>
+        </p:nvSpPr>
+        <p:spPr/>
+        <p:txBody>
+          <a:bodyPr/>
+          <a:lstStyle/>
+          <a:p>
+            <a:r>
+              <a:rPr lang="en-US" dirty="0"/>
+              <a:t>Neural Methods</a:t>
+            </a:r>
+          </a:p>
+        </p:txBody>
+      </p:sp>
+      <p:sp>
+        <p:nvSpPr>
+          <p:cNvPr id="3" name="Content Placeholder 2">
+            <a:extLst>
+              <a:ext uri="{FF2B5EF4-FFF2-40B4-BE49-F238E27FC236}">
+                <a16:creationId xmlns:a16="http://schemas.microsoft.com/office/drawing/2014/main" id="{2BD325FE-CAB6-4402-B66E-F9311BDB607A}"/>
+              </a:ext>
+            </a:extLst>
+          </p:cNvPr>
+          <p:cNvSpPr>
+            <a:spLocks noGrp="1"/>
+          </p:cNvSpPr>
+          <p:nvPr>
+            <p:ph idx="1"/>
+          </p:nvPr>
+        </p:nvSpPr>
+        <p:spPr/>
+        <p:txBody>
+          <a:bodyPr/>
+          <a:lstStyle/>
+          <a:p>
+            <a:r>
+              <a:rPr lang="en-US" dirty="0"/>
+              <a:t>Aims:</a:t>
+            </a:r>
+          </a:p>
+          <a:p>
+            <a:pPr lvl="1"/>
+            <a:r>
+              <a:rPr lang="en-US" dirty="0"/>
+              <a:t>Solve the intractable posterior of LDA</a:t>
+            </a:r>
+          </a:p>
+          <a:p>
+            <a:pPr lvl="1"/>
+            <a:r>
+              <a:rPr lang="en-US" dirty="0"/>
+              <a:t>Combine word relatedness(embedding) to Topic Modeling</a:t>
+            </a:r>
+          </a:p>
+          <a:p>
+            <a:r>
+              <a:rPr lang="en-US" dirty="0"/>
+              <a:t>Methods</a:t>
+            </a:r>
+          </a:p>
+          <a:p>
+            <a:pPr lvl="1"/>
+            <a:r>
+              <a:rPr lang="en-US" dirty="0"/>
+              <a:t>Use Variational </a:t>
+            </a:r>
+            <a:r>
+              <a:rPr lang="en-US" dirty="0" err="1"/>
+              <a:t>AutoEncoder</a:t>
+            </a:r>
+            <a:r>
+              <a:rPr lang="en-US" dirty="0"/>
+              <a:t> as black box to inference</a:t>
+            </a:r>
+          </a:p>
+          <a:p>
+            <a:pPr lvl="1"/>
+            <a:r>
+              <a:rPr lang="en-US" dirty="0"/>
+              <a:t>Use Encoder in Adversarial Training as black box to inference</a:t>
+            </a:r>
+          </a:p>
+          <a:p>
+            <a:pPr lvl="1"/>
+            <a:r>
+              <a:rPr lang="en-US" dirty="0"/>
+              <a:t>Involve word embedding in forming the latent topic distribution</a:t>
+            </a:r>
+          </a:p>
+          <a:p>
+            <a:pPr lvl="1"/>
+            <a:endParaRPr lang="en-US" dirty="0"/>
+          </a:p>
+          <a:p>
+            <a:pPr lvl="1"/>
+            <a:endParaRPr lang="en-US" dirty="0"/>
+          </a:p>
+          <a:p>
+            <a:endParaRPr lang="en-US" dirty="0"/>
+          </a:p>
+        </p:txBody>
+      </p:sp>
+    </p:spTree>
+    <p:extLst>
+      <p:ext uri="{BB962C8B-B14F-4D97-AF65-F5344CB8AC3E}">
+        <p14:creationId xmlns:p14="http://schemas.microsoft.com/office/powerpoint/2010/main" val="2848366353"/>
+      </p:ext>
+    </p:extLst>
+  </p:cSld>
+  <p:clrMapOvr>
+    <a:masterClrMapping/>
+  </p:clrMapOvr>
+</p:sld>
+</file>
+
+<file path=ppt/slides/slide14.xml><?xml version="1.0" encoding="utf-8"?>
 <p:sld xmlns:a="http://schemas.openxmlformats.org/drawingml/2006/main" xmlns:r="http://schemas.openxmlformats.org/officeDocument/2006/relationships" xmlns:p="http://schemas.openxmlformats.org/presentationml/2006/main">
   <p:cSld>
     <p:spTree>
@@ -5907,8 +5848,8 @@
         </p:nvSpPr>
         <p:spPr>
           <a:xfrm>
-            <a:off x="838200" y="5448925"/>
-            <a:ext cx="10515600" cy="728037"/>
+            <a:off x="2391964" y="4683127"/>
+            <a:ext cx="1910255" cy="728037"/>
           </a:xfrm>
         </p:spPr>
         <p:txBody>
@@ -5948,14 +5889,281 @@
         </p:blipFill>
         <p:spPr>
           <a:xfrm>
-            <a:off x="1297996" y="2257156"/>
-            <a:ext cx="9596008" cy="2476565"/>
+            <a:off x="456022" y="2148260"/>
+            <a:ext cx="5782141" cy="1492272"/>
           </a:xfrm>
           <a:prstGeom prst="rect">
             <a:avLst/>
           </a:prstGeom>
         </p:spPr>
       </p:pic>
+      <p:sp>
+        <p:nvSpPr>
+          <p:cNvPr id="4" name="Title 1">
+            <a:extLst>
+              <a:ext uri="{FF2B5EF4-FFF2-40B4-BE49-F238E27FC236}">
+                <a16:creationId xmlns:a16="http://schemas.microsoft.com/office/drawing/2014/main" id="{AA149D5E-D9DF-4BF2-BDAF-D41F2AFF55DA}"/>
+              </a:ext>
+            </a:extLst>
+          </p:cNvPr>
+          <p:cNvSpPr>
+            <a:spLocks noGrp="1"/>
+          </p:cNvSpPr>
+          <p:nvPr>
+            <p:ph type="title"/>
+          </p:nvPr>
+        </p:nvSpPr>
+        <p:spPr>
+          <a:xfrm>
+            <a:off x="838200" y="365125"/>
+            <a:ext cx="10515600" cy="1325563"/>
+          </a:xfrm>
+        </p:spPr>
+        <p:txBody>
+          <a:bodyPr/>
+          <a:lstStyle/>
+          <a:p>
+            <a:r>
+              <a:rPr lang="en-US" dirty="0"/>
+              <a:t>VAE methods</a:t>
+            </a:r>
+          </a:p>
+        </p:txBody>
+      </p:sp>
+      <p:pic>
+        <p:nvPicPr>
+          <p:cNvPr id="6" name="Picture 5">
+            <a:extLst>
+              <a:ext uri="{FF2B5EF4-FFF2-40B4-BE49-F238E27FC236}">
+                <a16:creationId xmlns:a16="http://schemas.microsoft.com/office/drawing/2014/main" id="{3DF1628E-4F2D-406A-9201-1585EAEC7792}"/>
+              </a:ext>
+            </a:extLst>
+          </p:cNvPr>
+          <p:cNvPicPr>
+            <a:picLocks noChangeAspect="1"/>
+          </p:cNvPicPr>
+          <p:nvPr/>
+        </p:nvPicPr>
+        <p:blipFill>
+          <a:blip r:embed="rId3"/>
+          <a:stretch>
+            <a:fillRect/>
+          </a:stretch>
+        </p:blipFill>
+        <p:spPr>
+          <a:xfrm>
+            <a:off x="6238163" y="2148260"/>
+            <a:ext cx="5497815" cy="1746915"/>
+          </a:xfrm>
+          <a:prstGeom prst="rect">
+            <a:avLst/>
+          </a:prstGeom>
+        </p:spPr>
+      </p:pic>
+      <p:sp>
+        <p:nvSpPr>
+          <p:cNvPr id="7" name="Content Placeholder 2">
+            <a:extLst>
+              <a:ext uri="{FF2B5EF4-FFF2-40B4-BE49-F238E27FC236}">
+                <a16:creationId xmlns:a16="http://schemas.microsoft.com/office/drawing/2014/main" id="{A90ACD86-699D-4A96-BB34-4F7172893809}"/>
+              </a:ext>
+            </a:extLst>
+          </p:cNvPr>
+          <p:cNvSpPr txBox="1">
+            <a:spLocks/>
+          </p:cNvSpPr>
+          <p:nvPr/>
+        </p:nvSpPr>
+        <p:spPr>
+          <a:xfrm>
+            <a:off x="8031942" y="4683126"/>
+            <a:ext cx="1910255" cy="728037"/>
+          </a:xfrm>
+          <a:prstGeom prst="rect">
+            <a:avLst/>
+          </a:prstGeom>
+        </p:spPr>
+        <p:txBody>
+          <a:bodyPr vert="horz" lIns="91440" tIns="45720" rIns="91440" bIns="45720" rtlCol="0">
+            <a:normAutofit/>
+          </a:bodyPr>
+          <a:lstStyle>
+            <a:lvl1pPr marL="228600" indent="-228600" algn="l" defTabSz="914400" rtl="0" eaLnBrk="1" latinLnBrk="0" hangingPunct="1">
+              <a:lnSpc>
+                <a:spcPct val="90000"/>
+              </a:lnSpc>
+              <a:spcBef>
+                <a:spcPts val="1000"/>
+              </a:spcBef>
+              <a:buFont typeface="Arial" panose="020B0604020202020204" pitchFamily="34" charset="0"/>
+              <a:buChar char="•"/>
+              <a:defRPr sz="2800" kern="1200">
+                <a:solidFill>
+                  <a:schemeClr val="tx1"/>
+                </a:solidFill>
+                <a:latin typeface="+mn-lt"/>
+                <a:ea typeface="+mn-ea"/>
+                <a:cs typeface="+mn-cs"/>
+              </a:defRPr>
+            </a:lvl1pPr>
+            <a:lvl2pPr marL="685800" indent="-228600" algn="l" defTabSz="914400" rtl="0" eaLnBrk="1" latinLnBrk="0" hangingPunct="1">
+              <a:lnSpc>
+                <a:spcPct val="90000"/>
+              </a:lnSpc>
+              <a:spcBef>
+                <a:spcPts val="500"/>
+              </a:spcBef>
+              <a:buFont typeface="Arial" panose="020B0604020202020204" pitchFamily="34" charset="0"/>
+              <a:buChar char="•"/>
+              <a:defRPr sz="2400" kern="1200">
+                <a:solidFill>
+                  <a:schemeClr val="tx1"/>
+                </a:solidFill>
+                <a:latin typeface="+mn-lt"/>
+                <a:ea typeface="+mn-ea"/>
+                <a:cs typeface="+mn-cs"/>
+              </a:defRPr>
+            </a:lvl2pPr>
+            <a:lvl3pPr marL="1143000" indent="-228600" algn="l" defTabSz="914400" rtl="0" eaLnBrk="1" latinLnBrk="0" hangingPunct="1">
+              <a:lnSpc>
+                <a:spcPct val="90000"/>
+              </a:lnSpc>
+              <a:spcBef>
+                <a:spcPts val="500"/>
+              </a:spcBef>
+              <a:buFont typeface="Arial" panose="020B0604020202020204" pitchFamily="34" charset="0"/>
+              <a:buChar char="•"/>
+              <a:defRPr sz="2000" kern="1200">
+                <a:solidFill>
+                  <a:schemeClr val="tx1"/>
+                </a:solidFill>
+                <a:latin typeface="+mn-lt"/>
+                <a:ea typeface="+mn-ea"/>
+                <a:cs typeface="+mn-cs"/>
+              </a:defRPr>
+            </a:lvl3pPr>
+            <a:lvl4pPr marL="1600200" indent="-228600" algn="l" defTabSz="914400" rtl="0" eaLnBrk="1" latinLnBrk="0" hangingPunct="1">
+              <a:lnSpc>
+                <a:spcPct val="90000"/>
+              </a:lnSpc>
+              <a:spcBef>
+                <a:spcPts val="500"/>
+              </a:spcBef>
+              <a:buFont typeface="Arial" panose="020B0604020202020204" pitchFamily="34" charset="0"/>
+              <a:buChar char="•"/>
+              <a:defRPr sz="1800" kern="1200">
+                <a:solidFill>
+                  <a:schemeClr val="tx1"/>
+                </a:solidFill>
+                <a:latin typeface="+mn-lt"/>
+                <a:ea typeface="+mn-ea"/>
+                <a:cs typeface="+mn-cs"/>
+              </a:defRPr>
+            </a:lvl4pPr>
+            <a:lvl5pPr marL="2057400" indent="-228600" algn="l" defTabSz="914400" rtl="0" eaLnBrk="1" latinLnBrk="0" hangingPunct="1">
+              <a:lnSpc>
+                <a:spcPct val="90000"/>
+              </a:lnSpc>
+              <a:spcBef>
+                <a:spcPts val="500"/>
+              </a:spcBef>
+              <a:buFont typeface="Arial" panose="020B0604020202020204" pitchFamily="34" charset="0"/>
+              <a:buChar char="•"/>
+              <a:defRPr sz="1800" kern="1200">
+                <a:solidFill>
+                  <a:schemeClr val="tx1"/>
+                </a:solidFill>
+                <a:latin typeface="+mn-lt"/>
+                <a:ea typeface="+mn-ea"/>
+                <a:cs typeface="+mn-cs"/>
+              </a:defRPr>
+            </a:lvl5pPr>
+            <a:lvl6pPr marL="2514600" indent="-228600" algn="l" defTabSz="914400" rtl="0" eaLnBrk="1" latinLnBrk="0" hangingPunct="1">
+              <a:lnSpc>
+                <a:spcPct val="90000"/>
+              </a:lnSpc>
+              <a:spcBef>
+                <a:spcPts val="500"/>
+              </a:spcBef>
+              <a:buFont typeface="Arial" panose="020B0604020202020204" pitchFamily="34" charset="0"/>
+              <a:buChar char="•"/>
+              <a:defRPr sz="1800" kern="1200">
+                <a:solidFill>
+                  <a:schemeClr val="tx1"/>
+                </a:solidFill>
+                <a:latin typeface="+mn-lt"/>
+                <a:ea typeface="+mn-ea"/>
+                <a:cs typeface="+mn-cs"/>
+              </a:defRPr>
+            </a:lvl6pPr>
+            <a:lvl7pPr marL="2971800" indent="-228600" algn="l" defTabSz="914400" rtl="0" eaLnBrk="1" latinLnBrk="0" hangingPunct="1">
+              <a:lnSpc>
+                <a:spcPct val="90000"/>
+              </a:lnSpc>
+              <a:spcBef>
+                <a:spcPts val="500"/>
+              </a:spcBef>
+              <a:buFont typeface="Arial" panose="020B0604020202020204" pitchFamily="34" charset="0"/>
+              <a:buChar char="•"/>
+              <a:defRPr sz="1800" kern="1200">
+                <a:solidFill>
+                  <a:schemeClr val="tx1"/>
+                </a:solidFill>
+                <a:latin typeface="+mn-lt"/>
+                <a:ea typeface="+mn-ea"/>
+                <a:cs typeface="+mn-cs"/>
+              </a:defRPr>
+            </a:lvl7pPr>
+            <a:lvl8pPr marL="3429000" indent="-228600" algn="l" defTabSz="914400" rtl="0" eaLnBrk="1" latinLnBrk="0" hangingPunct="1">
+              <a:lnSpc>
+                <a:spcPct val="90000"/>
+              </a:lnSpc>
+              <a:spcBef>
+                <a:spcPts val="500"/>
+              </a:spcBef>
+              <a:buFont typeface="Arial" panose="020B0604020202020204" pitchFamily="34" charset="0"/>
+              <a:buChar char="•"/>
+              <a:defRPr sz="1800" kern="1200">
+                <a:solidFill>
+                  <a:schemeClr val="tx1"/>
+                </a:solidFill>
+                <a:latin typeface="+mn-lt"/>
+                <a:ea typeface="+mn-ea"/>
+                <a:cs typeface="+mn-cs"/>
+              </a:defRPr>
+            </a:lvl8pPr>
+            <a:lvl9pPr marL="3886200" indent="-228600" algn="l" defTabSz="914400" rtl="0" eaLnBrk="1" latinLnBrk="0" hangingPunct="1">
+              <a:lnSpc>
+                <a:spcPct val="90000"/>
+              </a:lnSpc>
+              <a:spcBef>
+                <a:spcPts val="500"/>
+              </a:spcBef>
+              <a:buFont typeface="Arial" panose="020B0604020202020204" pitchFamily="34" charset="0"/>
+              <a:buChar char="•"/>
+              <a:defRPr sz="1800" kern="1200">
+                <a:solidFill>
+                  <a:schemeClr val="tx1"/>
+                </a:solidFill>
+                <a:latin typeface="+mn-lt"/>
+                <a:ea typeface="+mn-ea"/>
+                <a:cs typeface="+mn-cs"/>
+              </a:defRPr>
+            </a:lvl9pPr>
+          </a:lstStyle>
+          <a:p>
+            <a:pPr marL="0" indent="0" algn="ctr">
+              <a:buFont typeface="Arial" panose="020B0604020202020204" pitchFamily="34" charset="0"/>
+              <a:buNone/>
+            </a:pPr>
+            <a:r>
+              <a:rPr lang="en-US" altLang="zh-CN" dirty="0"/>
+              <a:t>ICLR 2017</a:t>
+            </a:r>
+            <a:endParaRPr lang="en-US" dirty="0"/>
+          </a:p>
+        </p:txBody>
+      </p:sp>
     </p:spTree>
     <p:extLst>
       <p:ext uri="{BB962C8B-B14F-4D97-AF65-F5344CB8AC3E}">
@@ -5969,7 +6177,7 @@
 </p:sld>
 </file>
 
-<file path=ppt/slides/slide8.xml><?xml version="1.0" encoding="utf-8"?>
+<file path=ppt/slides/slide15.xml><?xml version="1.0" encoding="utf-8"?>
 <p:sld xmlns:a="http://schemas.openxmlformats.org/drawingml/2006/main" xmlns:r="http://schemas.openxmlformats.org/officeDocument/2006/relationships" xmlns:p="http://schemas.openxmlformats.org/presentationml/2006/main">
   <p:cSld>
     <p:spTree>
@@ -5986,8 +6194,8 @@
           <a:chExt cx="0" cy="0"/>
         </a:xfrm>
       </p:grpSpPr>
-      <mc:AlternateContent xmlns:mc="http://schemas.openxmlformats.org/markup-compatibility/2006" xmlns:a14="http://schemas.microsoft.com/office/drawing/2010/main">
-        <mc:Choice Requires="a14">
+      <mc:AlternateContent xmlns:mc="http://schemas.openxmlformats.org/markup-compatibility/2006">
+        <mc:Choice xmlns:a14="http://schemas.microsoft.com/office/drawing/2010/main" Requires="a14">
           <p:sp>
             <p:nvSpPr>
               <p:cNvPr id="3" name="内容占位符 2">
@@ -6390,7 +6598,7 @@
                 </a14:m>
                 <a:r>
                   <a:rPr lang="en-US" altLang="zh-CN" dirty="0"/>
-                  <a:t> from this parameterized distribution by reparameterization trick:</a:t>
+                  <a:t> from this parameterized distribution by Reparameterization Trick:</a:t>
                 </a:r>
               </a:p>
               <a:p>
@@ -6565,13 +6773,9 @@
                 </a:endParaRPr>
               </a:p>
               <a:p>
-                <a:pPr lvl="1"/>
-                <a:endParaRPr lang="en-US" altLang="zh-CN" i="1" dirty="0">
-                  <a:latin typeface="Cambria Math" panose="02040503050406030204" pitchFamily="18" charset="0"/>
-                </a:endParaRPr>
-              </a:p>
-              <a:p>
-                <a:pPr lvl="1"/>
+                <a:pPr marL="457200" lvl="1" indent="0">
+                  <a:buNone/>
+                </a:pPr>
                 <a:endParaRPr lang="en-US" altLang="zh-CN" b="0" i="1" dirty="0">
                   <a:latin typeface="Cambria Math" panose="02040503050406030204" pitchFamily="18" charset="0"/>
                 </a:endParaRPr>
@@ -6740,7 +6944,7 @@
                 </a14:m>
                 <a:r>
                   <a:rPr lang="en-US" altLang="zh-CN" dirty="0"/>
-                  <a:t> is intractable, instead we optimize its EBLO:</a:t>
+                  <a:t> is intractable, instead we optimize its ELBO:</a:t>
                 </a:r>
               </a:p>
               <a:p>
@@ -6752,58 +6956,82 @@
                 <a:endParaRPr lang="en-US" altLang="zh-CN" dirty="0"/>
               </a:p>
               <a:p>
-                <a:pPr lvl="8"/>
-                <a:endParaRPr lang="en-US" altLang="zh-CN" sz="2000" dirty="0"/>
+                <a:pPr lvl="1"/>
+                <a:endParaRPr lang="en-US" altLang="zh-CN" dirty="0"/>
               </a:p>
               <a:p>
-                <a:pPr lvl="8"/>
-                <a:r>
-                  <a:rPr lang="en-US" altLang="zh-CN" sz="2000" dirty="0"/>
-                  <a:t>Assume prior </a:t>
+                <a:pPr lvl="1"/>
+                <a:r>
+                  <a:rPr lang="en-US" altLang="zh-CN" b="0" dirty="0"/>
+                  <a:t>Assume each dimension in </a:t>
                 </a:r>
                 <a14:m>
                   <m:oMath xmlns:m="http://schemas.openxmlformats.org/officeDocument/2006/math">
                     <m:r>
-                      <a:rPr lang="en-US" altLang="zh-CN" sz="2000" b="0" i="1" smtClean="0">
-                        <a:latin typeface="Cambria Math" panose="02040503050406030204" pitchFamily="18" charset="0"/>
-                      </a:rPr>
-                      <m:t>𝑝</m:t>
-                    </m:r>
-                    <m:r>
-                      <a:rPr lang="en-US" altLang="zh-CN" sz="2000" b="0" i="1" smtClean="0">
-                        <a:latin typeface="Cambria Math" panose="02040503050406030204" pitchFamily="18" charset="0"/>
-                      </a:rPr>
-                      <m:t>(</m:t>
-                    </m:r>
-                    <m:r>
-                      <a:rPr lang="en-US" altLang="zh-CN" sz="2000" b="0" i="1" smtClean="0">
+                      <a:rPr lang="en-US" altLang="zh-CN" b="0" i="1" smtClean="0">
                         <a:latin typeface="Cambria Math" panose="02040503050406030204" pitchFamily="18" charset="0"/>
                       </a:rPr>
                       <m:t>h</m:t>
-                    </m:r>
-                    <m:r>
-                      <a:rPr lang="en-US" altLang="zh-CN" sz="2000" b="0" i="1" smtClean="0">
-                        <a:latin typeface="Cambria Math" panose="02040503050406030204" pitchFamily="18" charset="0"/>
-                      </a:rPr>
-                      <m:t>)</m:t>
                     </m:r>
                   </m:oMath>
                 </a14:m>
                 <a:r>
-                  <a:rPr lang="en-US" altLang="zh-CN" sz="2000" dirty="0"/>
-                  <a:t> is also a gaussian</a:t>
-                </a:r>
-              </a:p>
-              <a:p>
-                <a:pPr marL="457200" lvl="1" indent="0">
-                  <a:buNone/>
-                </a:pPr>
+                  <a:rPr lang="en-US" altLang="zh-CN" b="0" dirty="0"/>
+                  <a:t> represents a topic, take words </a:t>
+                </a:r>
+                <a:r>
+                  <a:rPr lang="en-US" dirty="0"/>
+                  <a:t>have the strongest positive connection</a:t>
+                </a:r>
+                <a:r>
+                  <a:rPr lang="en-US" altLang="zh-CN" b="0" dirty="0"/>
+                  <a:t> with one dimension as </a:t>
+                </a:r>
+                <a14:m>
+                  <m:oMath xmlns:m="http://schemas.openxmlformats.org/officeDocument/2006/math">
+                    <m:r>
+                      <a:rPr lang="en-US" altLang="zh-CN" b="0" i="1" smtClean="0">
+                        <a:latin typeface="Cambria Math" panose="02040503050406030204" pitchFamily="18" charset="0"/>
+                      </a:rPr>
+                      <m:t>𝑝</m:t>
+                    </m:r>
+                    <m:d>
+                      <m:dPr>
+                        <m:ctrlPr>
+                          <a:rPr lang="en-US" altLang="zh-CN" b="0" i="1" smtClean="0">
+                            <a:latin typeface="Cambria Math" panose="02040503050406030204" pitchFamily="18" charset="0"/>
+                          </a:rPr>
+                        </m:ctrlPr>
+                      </m:dPr>
+                      <m:e>
+                        <m:r>
+                          <a:rPr lang="en-US" altLang="zh-CN" b="0" i="1" smtClean="0">
+                            <a:latin typeface="Cambria Math" panose="02040503050406030204" pitchFamily="18" charset="0"/>
+                          </a:rPr>
+                          <m:t>𝑤</m:t>
+                        </m:r>
+                      </m:e>
+                      <m:e>
+                        <m:r>
+                          <a:rPr lang="en-US" altLang="zh-CN" b="0" i="1" smtClean="0">
+                            <a:latin typeface="Cambria Math" panose="02040503050406030204" pitchFamily="18" charset="0"/>
+                          </a:rPr>
+                          <m:t>h</m:t>
+                        </m:r>
+                      </m:e>
+                    </m:d>
+                  </m:oMath>
+                </a14:m>
+                <a:r>
+                  <a:rPr lang="en-US" altLang="zh-CN" dirty="0"/>
+                  <a:t>.</a:t>
+                </a:r>
                 <a:endParaRPr lang="zh-CN" altLang="en-US" dirty="0"/>
               </a:p>
             </p:txBody>
           </p:sp>
         </mc:Choice>
-        <mc:Fallback xmlns="">
+        <mc:Fallback>
           <p:sp>
             <p:nvSpPr>
               <p:cNvPr id="3" name="内容占位符 2">
@@ -6828,7 +7056,7 @@
               <a:blipFill>
                 <a:blip r:embed="rId2"/>
                 <a:stretch>
-                  <a:fillRect l="-900" t="-1333" r="-50"/>
+                  <a:fillRect l="-900" t="-1333" r="-50" b="-622"/>
                 </a:stretch>
               </a:blipFill>
             </p:spPr>
@@ -6837,7 +7065,7 @@
               <a:lstStyle/>
               <a:p>
                 <a:r>
-                  <a:rPr lang="zh-CN" altLang="en-US">
+                  <a:rPr lang="en-US">
                     <a:noFill/>
                   </a:rPr>
                   <a:t> </a:t>
@@ -6869,7 +7097,7 @@
         </p:blipFill>
         <p:spPr>
           <a:xfrm>
-            <a:off x="9938598" y="4724986"/>
+            <a:off x="9938598" y="3715993"/>
             <a:ext cx="2253402" cy="2100998"/>
           </a:xfrm>
           <a:prstGeom prst="rect">
@@ -6909,10 +7137,10 @@
       </p:pic>
       <p:pic>
         <p:nvPicPr>
-          <p:cNvPr id="9" name="图片 8">
+          <p:cNvPr id="11" name="图片 10">
             <a:extLst>
               <a:ext uri="{FF2B5EF4-FFF2-40B4-BE49-F238E27FC236}">
-                <a16:creationId xmlns:a16="http://schemas.microsoft.com/office/drawing/2014/main" id="{77863C6F-B897-448B-8C81-9468D47E8992}"/>
+                <a16:creationId xmlns:a16="http://schemas.microsoft.com/office/drawing/2014/main" id="{5BF43874-1BD9-47D1-A25F-DAB8BCF2131D}"/>
               </a:ext>
             </a:extLst>
           </p:cNvPr>
@@ -6929,8 +7157,8 @@
         </p:blipFill>
         <p:spPr>
           <a:xfrm>
-            <a:off x="3977065" y="3609406"/>
-            <a:ext cx="4237870" cy="1200363"/>
+            <a:off x="2870500" y="4891353"/>
+            <a:ext cx="6450995" cy="1018139"/>
           </a:xfrm>
           <a:prstGeom prst="rect">
             <a:avLst/>
@@ -6939,10 +7167,10 @@
       </p:pic>
       <p:pic>
         <p:nvPicPr>
-          <p:cNvPr id="11" name="图片 10">
+          <p:cNvPr id="4" name="Picture 3">
             <a:extLst>
               <a:ext uri="{FF2B5EF4-FFF2-40B4-BE49-F238E27FC236}">
-                <a16:creationId xmlns:a16="http://schemas.microsoft.com/office/drawing/2014/main" id="{5BF43874-1BD9-47D1-A25F-DAB8BCF2131D}"/>
+                <a16:creationId xmlns:a16="http://schemas.microsoft.com/office/drawing/2014/main" id="{F1149666-89FD-4FE2-8BCD-603BD8509500}"/>
               </a:ext>
             </a:extLst>
           </p:cNvPr>
@@ -6959,8 +7187,8 @@
         </p:blipFill>
         <p:spPr>
           <a:xfrm>
-            <a:off x="2870502" y="5232758"/>
-            <a:ext cx="6450995" cy="1018139"/>
+            <a:off x="3762665" y="3620045"/>
+            <a:ext cx="4666667" cy="847619"/>
           </a:xfrm>
           <a:prstGeom prst="rect">
             <a:avLst/>
@@ -6971,6 +7199,3050 @@
     <p:extLst>
       <p:ext uri="{BB962C8B-B14F-4D97-AF65-F5344CB8AC3E}">
         <p14:creationId xmlns:p14="http://schemas.microsoft.com/office/powerpoint/2010/main" val="4105889334"/>
+      </p:ext>
+    </p:extLst>
+  </p:cSld>
+  <p:clrMapOvr>
+    <a:masterClrMapping/>
+  </p:clrMapOvr>
+</p:sld>
+</file>
+
+<file path=ppt/slides/slide16.xml><?xml version="1.0" encoding="utf-8"?>
+<p:sld xmlns:a="http://schemas.openxmlformats.org/drawingml/2006/main" xmlns:r="http://schemas.openxmlformats.org/officeDocument/2006/relationships" xmlns:p="http://schemas.openxmlformats.org/presentationml/2006/main">
+  <p:cSld>
+    <p:spTree>
+      <p:nvGrpSpPr>
+        <p:cNvPr id="1" name=""/>
+        <p:cNvGrpSpPr/>
+        <p:nvPr/>
+      </p:nvGrpSpPr>
+      <p:grpSpPr>
+        <a:xfrm>
+          <a:off x="0" y="0"/>
+          <a:ext cx="0" cy="0"/>
+          <a:chOff x="0" y="0"/>
+          <a:chExt cx="0" cy="0"/>
+        </a:xfrm>
+      </p:grpSpPr>
+      <mc:AlternateContent xmlns:mc="http://schemas.openxmlformats.org/markup-compatibility/2006">
+        <mc:Choice xmlns:a14="http://schemas.microsoft.com/office/drawing/2010/main" Requires="a14">
+          <p:sp>
+            <p:nvSpPr>
+              <p:cNvPr id="3" name="Content Placeholder 2">
+                <a:extLst>
+                  <a:ext uri="{FF2B5EF4-FFF2-40B4-BE49-F238E27FC236}">
+                    <a16:creationId xmlns:a16="http://schemas.microsoft.com/office/drawing/2014/main" id="{D155F4DC-1A64-4E30-8463-2A999A24ED99}"/>
+                  </a:ext>
+                </a:extLst>
+              </p:cNvPr>
+              <p:cNvSpPr>
+                <a:spLocks noGrp="1"/>
+              </p:cNvSpPr>
+              <p:nvPr>
+                <p:ph idx="1"/>
+              </p:nvPr>
+            </p:nvSpPr>
+            <p:spPr>
+              <a:xfrm>
+                <a:off x="838200" y="660903"/>
+                <a:ext cx="10515600" cy="5516060"/>
+              </a:xfrm>
+            </p:spPr>
+            <p:txBody>
+              <a:bodyPr/>
+              <a:lstStyle/>
+              <a:p>
+                <a:r>
+                  <a:rPr lang="en-US" dirty="0"/>
+                  <a:t>Notice that </a:t>
+                </a:r>
+                <a14:m>
+                  <m:oMath xmlns:m="http://schemas.openxmlformats.org/officeDocument/2006/math">
+                    <m:r>
+                      <a:rPr lang="en-US" b="0" i="1" smtClean="0">
+                        <a:latin typeface="Cambria Math" panose="02040503050406030204" pitchFamily="18" charset="0"/>
+                      </a:rPr>
+                      <m:t>𝑝</m:t>
+                    </m:r>
+                    <m:d>
+                      <m:dPr>
+                        <m:ctrlPr>
+                          <a:rPr lang="en-US" b="0" i="1" smtClean="0">
+                            <a:latin typeface="Cambria Math" panose="02040503050406030204" pitchFamily="18" charset="0"/>
+                          </a:rPr>
+                        </m:ctrlPr>
+                      </m:dPr>
+                      <m:e>
+                        <m:r>
+                          <a:rPr lang="en-US" b="0" i="1" smtClean="0">
+                            <a:latin typeface="Cambria Math" panose="02040503050406030204" pitchFamily="18" charset="0"/>
+                          </a:rPr>
+                          <m:t>h</m:t>
+                        </m:r>
+                      </m:e>
+                    </m:d>
+                  </m:oMath>
+                </a14:m>
+                <a:r>
+                  <a:rPr lang="en-US" dirty="0"/>
+                  <a:t> is assumed to be Gaussian in the above page, however, we want </a:t>
+                </a:r>
+                <a14:m>
+                  <m:oMath xmlns:m="http://schemas.openxmlformats.org/officeDocument/2006/math">
+                    <m:r>
+                      <a:rPr lang="en-US" b="0" i="1" smtClean="0">
+                        <a:latin typeface="Cambria Math" panose="02040503050406030204" pitchFamily="18" charset="0"/>
+                      </a:rPr>
+                      <m:t>𝑝</m:t>
+                    </m:r>
+                    <m:d>
+                      <m:dPr>
+                        <m:ctrlPr>
+                          <a:rPr lang="en-US" b="0" i="1" smtClean="0">
+                            <a:latin typeface="Cambria Math" panose="02040503050406030204" pitchFamily="18" charset="0"/>
+                          </a:rPr>
+                        </m:ctrlPr>
+                      </m:dPr>
+                      <m:e>
+                        <m:r>
+                          <a:rPr lang="en-US" b="0" i="1" smtClean="0">
+                            <a:latin typeface="Cambria Math" panose="02040503050406030204" pitchFamily="18" charset="0"/>
+                          </a:rPr>
+                          <m:t>h</m:t>
+                        </m:r>
+                      </m:e>
+                    </m:d>
+                  </m:oMath>
+                </a14:m>
+                <a:r>
+                  <a:rPr lang="en-US" dirty="0"/>
+                  <a:t> to have Dirichlet prior to keep good property of latent space.</a:t>
+                </a:r>
+              </a:p>
+              <a:p>
+                <a:r>
+                  <a:rPr lang="en-US" dirty="0"/>
+                  <a:t>Directly using Dirichlet prior makes optimizing ELBO difficult. So the second work tries to use log-Gaussian to mimic Dirichlet (LDAVAE) and replace mixture of multinomials in </a:t>
+                </a:r>
+                <a14:m>
+                  <m:oMath xmlns:m="http://schemas.openxmlformats.org/officeDocument/2006/math">
+                    <m:r>
+                      <a:rPr lang="en-US" b="0" i="1" smtClean="0">
+                        <a:latin typeface="Cambria Math" panose="02040503050406030204" pitchFamily="18" charset="0"/>
+                      </a:rPr>
+                      <m:t>𝑝</m:t>
+                    </m:r>
+                    <m:r>
+                      <a:rPr lang="en-US" b="0" i="1" smtClean="0">
+                        <a:latin typeface="Cambria Math" panose="02040503050406030204" pitchFamily="18" charset="0"/>
+                      </a:rPr>
+                      <m:t>(</m:t>
+                    </m:r>
+                    <m:r>
+                      <a:rPr lang="en-US" b="0" i="1" smtClean="0">
+                        <a:latin typeface="Cambria Math" panose="02040503050406030204" pitchFamily="18" charset="0"/>
+                      </a:rPr>
+                      <m:t>𝑤</m:t>
+                    </m:r>
+                    <m:r>
+                      <a:rPr lang="en-US" b="0" i="1" smtClean="0">
+                        <a:latin typeface="Cambria Math" panose="02040503050406030204" pitchFamily="18" charset="0"/>
+                      </a:rPr>
+                      <m:t>|</m:t>
+                    </m:r>
+                    <m:r>
+                      <a:rPr lang="en-US" b="0" i="1" smtClean="0">
+                        <a:latin typeface="Cambria Math" panose="02040503050406030204" pitchFamily="18" charset="0"/>
+                      </a:rPr>
+                      <m:t>𝜃</m:t>
+                    </m:r>
+                    <m:r>
+                      <a:rPr lang="en-US" b="0" i="1" smtClean="0">
+                        <a:latin typeface="Cambria Math" panose="02040503050406030204" pitchFamily="18" charset="0"/>
+                      </a:rPr>
+                      <m:t>,</m:t>
+                    </m:r>
+                    <m:r>
+                      <a:rPr lang="en-US" b="0" i="1" smtClean="0">
+                        <a:latin typeface="Cambria Math" panose="02040503050406030204" pitchFamily="18" charset="0"/>
+                      </a:rPr>
+                      <m:t>𝛽</m:t>
+                    </m:r>
+                    <m:r>
+                      <a:rPr lang="en-US" b="0" i="1" smtClean="0">
+                        <a:latin typeface="Cambria Math" panose="02040503050406030204" pitchFamily="18" charset="0"/>
+                      </a:rPr>
+                      <m:t>)</m:t>
+                    </m:r>
+                  </m:oMath>
+                </a14:m>
+                <a:r>
+                  <a:rPr lang="en-US" dirty="0"/>
+                  <a:t> with </a:t>
+                </a:r>
+                <a:r>
+                  <a:rPr lang="en-US" i="1" dirty="0"/>
+                  <a:t>weighted product of experts </a:t>
+                </a:r>
+                <a:r>
+                  <a:rPr lang="en-US" dirty="0"/>
+                  <a:t>(</a:t>
+                </a:r>
+                <a:r>
+                  <a:rPr lang="en-US" dirty="0" err="1"/>
+                  <a:t>ProdLDA</a:t>
+                </a:r>
+                <a:r>
+                  <a:rPr lang="en-US" dirty="0"/>
+                  <a:t>)</a:t>
+                </a:r>
+                <a:r>
+                  <a:rPr lang="en-US" i="1" dirty="0"/>
+                  <a:t>.</a:t>
+                </a:r>
+                <a:endParaRPr lang="en-US" dirty="0"/>
+              </a:p>
+            </p:txBody>
+          </p:sp>
+        </mc:Choice>
+        <mc:Fallback>
+          <p:sp>
+            <p:nvSpPr>
+              <p:cNvPr id="3" name="Content Placeholder 2">
+                <a:extLst>
+                  <a:ext uri="{FF2B5EF4-FFF2-40B4-BE49-F238E27FC236}">
+                    <a16:creationId xmlns:a16="http://schemas.microsoft.com/office/drawing/2014/main" id="{D155F4DC-1A64-4E30-8463-2A999A24ED99}"/>
+                  </a:ext>
+                </a:extLst>
+              </p:cNvPr>
+              <p:cNvSpPr>
+                <a:spLocks noGrp="1" noRot="1" noChangeAspect="1" noMove="1" noResize="1" noEditPoints="1" noAdjustHandles="1" noChangeArrowheads="1" noChangeShapeType="1" noTextEdit="1"/>
+              </p:cNvSpPr>
+              <p:nvPr>
+                <p:ph idx="1"/>
+              </p:nvPr>
+            </p:nvSpPr>
+            <p:spPr>
+              <a:xfrm>
+                <a:off x="838200" y="660903"/>
+                <a:ext cx="10515600" cy="5516060"/>
+              </a:xfrm>
+              <a:blipFill>
+                <a:blip r:embed="rId2"/>
+                <a:stretch>
+                  <a:fillRect l="-1043" t="-1878"/>
+                </a:stretch>
+              </a:blipFill>
+            </p:spPr>
+            <p:txBody>
+              <a:bodyPr/>
+              <a:lstStyle/>
+              <a:p>
+                <a:r>
+                  <a:rPr lang="en-US">
+                    <a:noFill/>
+                  </a:rPr>
+                  <a:t> </a:t>
+                </a:r>
+              </a:p>
+            </p:txBody>
+          </p:sp>
+        </mc:Fallback>
+      </mc:AlternateContent>
+      <p:pic>
+        <p:nvPicPr>
+          <p:cNvPr id="5" name="Picture 4">
+            <a:extLst>
+              <a:ext uri="{FF2B5EF4-FFF2-40B4-BE49-F238E27FC236}">
+                <a16:creationId xmlns:a16="http://schemas.microsoft.com/office/drawing/2014/main" id="{28ED058C-8F9E-4F92-9FD7-919795AA9F54}"/>
+              </a:ext>
+            </a:extLst>
+          </p:cNvPr>
+          <p:cNvPicPr>
+            <a:picLocks noChangeAspect="1"/>
+          </p:cNvPicPr>
+          <p:nvPr/>
+        </p:nvPicPr>
+        <p:blipFill>
+          <a:blip r:embed="rId3"/>
+          <a:stretch>
+            <a:fillRect/>
+          </a:stretch>
+        </p:blipFill>
+        <p:spPr>
+          <a:xfrm>
+            <a:off x="2248381" y="3505306"/>
+            <a:ext cx="7695238" cy="1676190"/>
+          </a:xfrm>
+          <a:prstGeom prst="rect">
+            <a:avLst/>
+          </a:prstGeom>
+        </p:spPr>
+      </p:pic>
+      <p:pic>
+        <p:nvPicPr>
+          <p:cNvPr id="7" name="Picture 6">
+            <a:extLst>
+              <a:ext uri="{FF2B5EF4-FFF2-40B4-BE49-F238E27FC236}">
+                <a16:creationId xmlns:a16="http://schemas.microsoft.com/office/drawing/2014/main" id="{EB226590-2FCA-47FA-B3A6-174A18C15B99}"/>
+              </a:ext>
+            </a:extLst>
+          </p:cNvPr>
+          <p:cNvPicPr>
+            <a:picLocks noChangeAspect="1"/>
+          </p:cNvPicPr>
+          <p:nvPr/>
+        </p:nvPicPr>
+        <p:blipFill>
+          <a:blip r:embed="rId4"/>
+          <a:stretch>
+            <a:fillRect/>
+          </a:stretch>
+        </p:blipFill>
+        <p:spPr>
+          <a:xfrm>
+            <a:off x="2510286" y="5286571"/>
+            <a:ext cx="7171428" cy="1571429"/>
+          </a:xfrm>
+          <a:prstGeom prst="rect">
+            <a:avLst/>
+          </a:prstGeom>
+        </p:spPr>
+      </p:pic>
+    </p:spTree>
+    <p:extLst>
+      <p:ext uri="{BB962C8B-B14F-4D97-AF65-F5344CB8AC3E}">
+        <p14:creationId xmlns:p14="http://schemas.microsoft.com/office/powerpoint/2010/main" val="320646383"/>
+      </p:ext>
+    </p:extLst>
+  </p:cSld>
+  <p:clrMapOvr>
+    <a:masterClrMapping/>
+  </p:clrMapOvr>
+</p:sld>
+</file>
+
+<file path=ppt/slides/slide17.xml><?xml version="1.0" encoding="utf-8"?>
+<p:sld xmlns:a="http://schemas.openxmlformats.org/drawingml/2006/main" xmlns:r="http://schemas.openxmlformats.org/officeDocument/2006/relationships" xmlns:p="http://schemas.openxmlformats.org/presentationml/2006/main">
+  <p:cSld>
+    <p:spTree>
+      <p:nvGrpSpPr>
+        <p:cNvPr id="1" name=""/>
+        <p:cNvGrpSpPr/>
+        <p:nvPr/>
+      </p:nvGrpSpPr>
+      <p:grpSpPr>
+        <a:xfrm>
+          <a:off x="0" y="0"/>
+          <a:ext cx="0" cy="0"/>
+          <a:chOff x="0" y="0"/>
+          <a:chExt cx="0" cy="0"/>
+        </a:xfrm>
+      </p:grpSpPr>
+      <p:sp>
+        <p:nvSpPr>
+          <p:cNvPr id="3" name="内容占位符 2">
+            <a:extLst>
+              <a:ext uri="{FF2B5EF4-FFF2-40B4-BE49-F238E27FC236}">
+                <a16:creationId xmlns:a16="http://schemas.microsoft.com/office/drawing/2014/main" id="{F26C4496-1919-4B35-B54D-41D5A1B5DB87}"/>
+              </a:ext>
+            </a:extLst>
+          </p:cNvPr>
+          <p:cNvSpPr>
+            <a:spLocks noGrp="1"/>
+          </p:cNvSpPr>
+          <p:nvPr>
+            <p:ph idx="1"/>
+          </p:nvPr>
+        </p:nvSpPr>
+        <p:spPr>
+          <a:xfrm>
+            <a:off x="838200" y="5439103"/>
+            <a:ext cx="10515600" cy="737860"/>
+          </a:xfrm>
+        </p:spPr>
+        <p:txBody>
+          <a:bodyPr/>
+          <a:lstStyle/>
+          <a:p>
+            <a:pPr marL="0" indent="0" algn="ctr">
+              <a:buNone/>
+            </a:pPr>
+            <a:r>
+              <a:rPr lang="en-US" altLang="zh-CN" dirty="0"/>
+              <a:t>ACL 2020</a:t>
+            </a:r>
+            <a:endParaRPr lang="zh-CN" altLang="en-US" dirty="0"/>
+          </a:p>
+        </p:txBody>
+      </p:sp>
+      <p:pic>
+        <p:nvPicPr>
+          <p:cNvPr id="6" name="Picture 5">
+            <a:extLst>
+              <a:ext uri="{FF2B5EF4-FFF2-40B4-BE49-F238E27FC236}">
+                <a16:creationId xmlns:a16="http://schemas.microsoft.com/office/drawing/2014/main" id="{BB30E739-28D0-416A-93B2-275AA59C15FE}"/>
+              </a:ext>
+            </a:extLst>
+          </p:cNvPr>
+          <p:cNvPicPr>
+            <a:picLocks noChangeAspect="1"/>
+          </p:cNvPicPr>
+          <p:nvPr/>
+        </p:nvPicPr>
+        <p:blipFill>
+          <a:blip r:embed="rId2"/>
+          <a:stretch>
+            <a:fillRect/>
+          </a:stretch>
+        </p:blipFill>
+        <p:spPr>
+          <a:xfrm>
+            <a:off x="1586476" y="1895666"/>
+            <a:ext cx="9019048" cy="3066667"/>
+          </a:xfrm>
+          <a:prstGeom prst="rect">
+            <a:avLst/>
+          </a:prstGeom>
+        </p:spPr>
+      </p:pic>
+      <p:sp>
+        <p:nvSpPr>
+          <p:cNvPr id="7" name="Title 1">
+            <a:extLst>
+              <a:ext uri="{FF2B5EF4-FFF2-40B4-BE49-F238E27FC236}">
+                <a16:creationId xmlns:a16="http://schemas.microsoft.com/office/drawing/2014/main" id="{59738648-E46E-4610-889B-6C988A07ADCA}"/>
+              </a:ext>
+            </a:extLst>
+          </p:cNvPr>
+          <p:cNvSpPr>
+            <a:spLocks noGrp="1"/>
+          </p:cNvSpPr>
+          <p:nvPr>
+            <p:ph type="title"/>
+          </p:nvPr>
+        </p:nvSpPr>
+        <p:spPr>
+          <a:xfrm>
+            <a:off x="838200" y="365125"/>
+            <a:ext cx="10515600" cy="1325563"/>
+          </a:xfrm>
+        </p:spPr>
+        <p:txBody>
+          <a:bodyPr/>
+          <a:lstStyle/>
+          <a:p>
+            <a:r>
+              <a:rPr lang="en-US" dirty="0"/>
+              <a:t>GAN method</a:t>
+            </a:r>
+          </a:p>
+        </p:txBody>
+      </p:sp>
+    </p:spTree>
+    <p:extLst>
+      <p:ext uri="{BB962C8B-B14F-4D97-AF65-F5344CB8AC3E}">
+        <p14:creationId xmlns:p14="http://schemas.microsoft.com/office/powerpoint/2010/main" val="3283832212"/>
+      </p:ext>
+    </p:extLst>
+  </p:cSld>
+  <p:clrMapOvr>
+    <a:masterClrMapping/>
+  </p:clrMapOvr>
+</p:sld>
+</file>
+
+<file path=ppt/slides/slide18.xml><?xml version="1.0" encoding="utf-8"?>
+<p:sld xmlns:a="http://schemas.openxmlformats.org/drawingml/2006/main" xmlns:r="http://schemas.openxmlformats.org/officeDocument/2006/relationships" xmlns:p="http://schemas.openxmlformats.org/presentationml/2006/main">
+  <p:cSld>
+    <p:spTree>
+      <p:nvGrpSpPr>
+        <p:cNvPr id="1" name=""/>
+        <p:cNvGrpSpPr/>
+        <p:nvPr/>
+      </p:nvGrpSpPr>
+      <p:grpSpPr>
+        <a:xfrm>
+          <a:off x="0" y="0"/>
+          <a:ext cx="0" cy="0"/>
+          <a:chOff x="0" y="0"/>
+          <a:chExt cx="0" cy="0"/>
+        </a:xfrm>
+      </p:grpSpPr>
+      <p:pic>
+        <p:nvPicPr>
+          <p:cNvPr id="9" name="Picture 8">
+            <a:extLst>
+              <a:ext uri="{FF2B5EF4-FFF2-40B4-BE49-F238E27FC236}">
+                <a16:creationId xmlns:a16="http://schemas.microsoft.com/office/drawing/2014/main" id="{F3B6D344-B9D1-48BA-A3E0-75EFCD2FA782}"/>
+              </a:ext>
+            </a:extLst>
+          </p:cNvPr>
+          <p:cNvPicPr>
+            <a:picLocks noChangeAspect="1"/>
+          </p:cNvPicPr>
+          <p:nvPr/>
+        </p:nvPicPr>
+        <p:blipFill>
+          <a:blip r:embed="rId2"/>
+          <a:stretch>
+            <a:fillRect/>
+          </a:stretch>
+        </p:blipFill>
+        <p:spPr>
+          <a:xfrm>
+            <a:off x="0" y="4284754"/>
+            <a:ext cx="5927002" cy="2573246"/>
+          </a:xfrm>
+          <a:prstGeom prst="rect">
+            <a:avLst/>
+          </a:prstGeom>
+        </p:spPr>
+      </p:pic>
+      <p:pic>
+        <p:nvPicPr>
+          <p:cNvPr id="13" name="Picture 12">
+            <a:extLst>
+              <a:ext uri="{FF2B5EF4-FFF2-40B4-BE49-F238E27FC236}">
+                <a16:creationId xmlns:a16="http://schemas.microsoft.com/office/drawing/2014/main" id="{B48EAE17-06F6-4B9B-B3B6-188F25B6CD2B}"/>
+              </a:ext>
+            </a:extLst>
+          </p:cNvPr>
+          <p:cNvPicPr>
+            <a:picLocks noChangeAspect="1"/>
+          </p:cNvPicPr>
+          <p:nvPr/>
+        </p:nvPicPr>
+        <p:blipFill>
+          <a:blip r:embed="rId3"/>
+          <a:stretch>
+            <a:fillRect/>
+          </a:stretch>
+        </p:blipFill>
+        <p:spPr>
+          <a:xfrm>
+            <a:off x="0" y="0"/>
+            <a:ext cx="7573900" cy="4282289"/>
+          </a:xfrm>
+          <a:prstGeom prst="rect">
+            <a:avLst/>
+          </a:prstGeom>
+        </p:spPr>
+      </p:pic>
+      <p:pic>
+        <p:nvPicPr>
+          <p:cNvPr id="15" name="Picture 14">
+            <a:extLst>
+              <a:ext uri="{FF2B5EF4-FFF2-40B4-BE49-F238E27FC236}">
+                <a16:creationId xmlns:a16="http://schemas.microsoft.com/office/drawing/2014/main" id="{8DB0FCAF-E8B5-463B-AD2D-AC273AA05A7E}"/>
+              </a:ext>
+            </a:extLst>
+          </p:cNvPr>
+          <p:cNvPicPr>
+            <a:picLocks noChangeAspect="1"/>
+          </p:cNvPicPr>
+          <p:nvPr/>
+        </p:nvPicPr>
+        <p:blipFill>
+          <a:blip r:embed="rId4"/>
+          <a:stretch>
+            <a:fillRect/>
+          </a:stretch>
+        </p:blipFill>
+        <p:spPr>
+          <a:xfrm>
+            <a:off x="7650178" y="0"/>
+            <a:ext cx="4541822" cy="6265941"/>
+          </a:xfrm>
+          <a:prstGeom prst="rect">
+            <a:avLst/>
+          </a:prstGeom>
+        </p:spPr>
+      </p:pic>
+    </p:spTree>
+    <p:extLst>
+      <p:ext uri="{BB962C8B-B14F-4D97-AF65-F5344CB8AC3E}">
+        <p14:creationId xmlns:p14="http://schemas.microsoft.com/office/powerpoint/2010/main" val="1636727949"/>
+      </p:ext>
+    </p:extLst>
+  </p:cSld>
+  <p:clrMapOvr>
+    <a:masterClrMapping/>
+  </p:clrMapOvr>
+</p:sld>
+</file>
+
+<file path=ppt/slides/slide19.xml><?xml version="1.0" encoding="utf-8"?>
+<p:sld xmlns:a="http://schemas.openxmlformats.org/drawingml/2006/main" xmlns:r="http://schemas.openxmlformats.org/officeDocument/2006/relationships" xmlns:p="http://schemas.openxmlformats.org/presentationml/2006/main">
+  <p:cSld>
+    <p:spTree>
+      <p:nvGrpSpPr>
+        <p:cNvPr id="1" name=""/>
+        <p:cNvGrpSpPr/>
+        <p:nvPr/>
+      </p:nvGrpSpPr>
+      <p:grpSpPr>
+        <a:xfrm>
+          <a:off x="0" y="0"/>
+          <a:ext cx="0" cy="0"/>
+          <a:chOff x="0" y="0"/>
+          <a:chExt cx="0" cy="0"/>
+        </a:xfrm>
+      </p:grpSpPr>
+      <p:pic>
+        <p:nvPicPr>
+          <p:cNvPr id="5" name="Picture 4">
+            <a:extLst>
+              <a:ext uri="{FF2B5EF4-FFF2-40B4-BE49-F238E27FC236}">
+                <a16:creationId xmlns:a16="http://schemas.microsoft.com/office/drawing/2014/main" id="{545BBABF-00BF-4DD8-B40D-B65DB0ECBA9D}"/>
+              </a:ext>
+            </a:extLst>
+          </p:cNvPr>
+          <p:cNvPicPr>
+            <a:picLocks noChangeAspect="1"/>
+          </p:cNvPicPr>
+          <p:nvPr/>
+        </p:nvPicPr>
+        <p:blipFill>
+          <a:blip r:embed="rId2"/>
+          <a:stretch>
+            <a:fillRect/>
+          </a:stretch>
+        </p:blipFill>
+        <p:spPr>
+          <a:xfrm>
+            <a:off x="799390" y="429000"/>
+            <a:ext cx="6780952" cy="6000000"/>
+          </a:xfrm>
+          <a:prstGeom prst="rect">
+            <a:avLst/>
+          </a:prstGeom>
+        </p:spPr>
+      </p:pic>
+      <p:pic>
+        <p:nvPicPr>
+          <p:cNvPr id="9" name="Picture 8">
+            <a:extLst>
+              <a:ext uri="{FF2B5EF4-FFF2-40B4-BE49-F238E27FC236}">
+                <a16:creationId xmlns:a16="http://schemas.microsoft.com/office/drawing/2014/main" id="{93CC8828-1C16-4421-9D98-5325D39CCD9B}"/>
+              </a:ext>
+            </a:extLst>
+          </p:cNvPr>
+          <p:cNvPicPr>
+            <a:picLocks noChangeAspect="1"/>
+          </p:cNvPicPr>
+          <p:nvPr/>
+        </p:nvPicPr>
+        <p:blipFill>
+          <a:blip r:embed="rId3"/>
+          <a:stretch>
+            <a:fillRect/>
+          </a:stretch>
+        </p:blipFill>
+        <p:spPr>
+          <a:xfrm>
+            <a:off x="7754515" y="271857"/>
+            <a:ext cx="3638095" cy="6314286"/>
+          </a:xfrm>
+          <a:prstGeom prst="rect">
+            <a:avLst/>
+          </a:prstGeom>
+        </p:spPr>
+      </p:pic>
+      <p:pic>
+        <p:nvPicPr>
+          <p:cNvPr id="11" name="Picture 10">
+            <a:extLst>
+              <a:ext uri="{FF2B5EF4-FFF2-40B4-BE49-F238E27FC236}">
+                <a16:creationId xmlns:a16="http://schemas.microsoft.com/office/drawing/2014/main" id="{651D43C0-01F2-4256-B5E7-134BAA1C2810}"/>
+              </a:ext>
+            </a:extLst>
+          </p:cNvPr>
+          <p:cNvPicPr>
+            <a:picLocks noChangeAspect="1"/>
+          </p:cNvPicPr>
+          <p:nvPr/>
+        </p:nvPicPr>
+        <p:blipFill>
+          <a:blip r:embed="rId4"/>
+          <a:stretch>
+            <a:fillRect/>
+          </a:stretch>
+        </p:blipFill>
+        <p:spPr>
+          <a:xfrm>
+            <a:off x="5569412" y="6438524"/>
+            <a:ext cx="6523809" cy="295238"/>
+          </a:xfrm>
+          <a:prstGeom prst="rect">
+            <a:avLst/>
+          </a:prstGeom>
+        </p:spPr>
+      </p:pic>
+    </p:spTree>
+    <p:extLst>
+      <p:ext uri="{BB962C8B-B14F-4D97-AF65-F5344CB8AC3E}">
+        <p14:creationId xmlns:p14="http://schemas.microsoft.com/office/powerpoint/2010/main" val="4262110408"/>
+      </p:ext>
+    </p:extLst>
+  </p:cSld>
+  <p:clrMapOvr>
+    <a:masterClrMapping/>
+  </p:clrMapOvr>
+</p:sld>
+</file>
+
+<file path=ppt/slides/slide2.xml><?xml version="1.0" encoding="utf-8"?>
+<p:sld xmlns:a="http://schemas.openxmlformats.org/drawingml/2006/main" xmlns:r="http://schemas.openxmlformats.org/officeDocument/2006/relationships" xmlns:p="http://schemas.openxmlformats.org/presentationml/2006/main">
+  <p:cSld>
+    <p:spTree>
+      <p:nvGrpSpPr>
+        <p:cNvPr id="1" name=""/>
+        <p:cNvGrpSpPr/>
+        <p:nvPr/>
+      </p:nvGrpSpPr>
+      <p:grpSpPr>
+        <a:xfrm>
+          <a:off x="0" y="0"/>
+          <a:ext cx="0" cy="0"/>
+          <a:chOff x="0" y="0"/>
+          <a:chExt cx="0" cy="0"/>
+        </a:xfrm>
+      </p:grpSpPr>
+      <p:sp>
+        <p:nvSpPr>
+          <p:cNvPr id="2" name="标题 1">
+            <a:extLst>
+              <a:ext uri="{FF2B5EF4-FFF2-40B4-BE49-F238E27FC236}">
+                <a16:creationId xmlns:a16="http://schemas.microsoft.com/office/drawing/2014/main" id="{56E40632-8FAC-41FB-8D32-1C72D0042D5A}"/>
+              </a:ext>
+            </a:extLst>
+          </p:cNvPr>
+          <p:cNvSpPr>
+            <a:spLocks noGrp="1"/>
+          </p:cNvSpPr>
+          <p:nvPr>
+            <p:ph type="title"/>
+          </p:nvPr>
+        </p:nvSpPr>
+        <p:spPr/>
+        <p:txBody>
+          <a:bodyPr/>
+          <a:lstStyle/>
+          <a:p>
+            <a:r>
+              <a:rPr lang="en-US" altLang="zh-CN" dirty="0"/>
+              <a:t>Outline</a:t>
+            </a:r>
+            <a:endParaRPr lang="zh-CN" altLang="en-US" dirty="0"/>
+          </a:p>
+        </p:txBody>
+      </p:sp>
+      <p:sp>
+        <p:nvSpPr>
+          <p:cNvPr id="3" name="内容占位符 2">
+            <a:extLst>
+              <a:ext uri="{FF2B5EF4-FFF2-40B4-BE49-F238E27FC236}">
+                <a16:creationId xmlns:a16="http://schemas.microsoft.com/office/drawing/2014/main" id="{8AE04368-00C6-4683-93FC-58125E555EC1}"/>
+              </a:ext>
+            </a:extLst>
+          </p:cNvPr>
+          <p:cNvSpPr>
+            <a:spLocks noGrp="1"/>
+          </p:cNvSpPr>
+          <p:nvPr>
+            <p:ph idx="1"/>
+          </p:nvPr>
+        </p:nvSpPr>
+        <p:spPr/>
+        <p:txBody>
+          <a:bodyPr/>
+          <a:lstStyle/>
+          <a:p>
+            <a:r>
+              <a:rPr lang="en-US" altLang="zh-CN" dirty="0"/>
+              <a:t>Overview</a:t>
+            </a:r>
+          </a:p>
+          <a:p>
+            <a:r>
+              <a:rPr lang="en-US" altLang="zh-CN" dirty="0"/>
+              <a:t>Math </a:t>
+            </a:r>
+            <a:r>
+              <a:rPr lang="en-US" altLang="zh-CN" dirty="0" err="1"/>
+              <a:t>Fundations</a:t>
+            </a:r>
+            <a:endParaRPr lang="en-US" altLang="zh-CN" dirty="0"/>
+          </a:p>
+          <a:p>
+            <a:r>
+              <a:rPr lang="en-US" altLang="zh-CN" dirty="0"/>
+              <a:t>Datasets</a:t>
+            </a:r>
+          </a:p>
+          <a:p>
+            <a:r>
+              <a:rPr lang="en-US" altLang="zh-CN" dirty="0"/>
+              <a:t>Metrics</a:t>
+            </a:r>
+          </a:p>
+          <a:p>
+            <a:r>
+              <a:rPr lang="en-US" altLang="zh-CN" dirty="0"/>
+              <a:t>Traditional Methods</a:t>
+            </a:r>
+          </a:p>
+          <a:p>
+            <a:r>
+              <a:rPr lang="en-US" altLang="zh-CN" dirty="0"/>
+              <a:t>Neural Methods</a:t>
+            </a:r>
+          </a:p>
+          <a:p>
+            <a:r>
+              <a:rPr lang="en-US" altLang="zh-CN" dirty="0"/>
+              <a:t>Bert-based Methods</a:t>
+            </a:r>
+          </a:p>
+          <a:p>
+            <a:endParaRPr lang="zh-CN" altLang="en-US" dirty="0"/>
+          </a:p>
+        </p:txBody>
+      </p:sp>
+    </p:spTree>
+    <p:extLst>
+      <p:ext uri="{BB962C8B-B14F-4D97-AF65-F5344CB8AC3E}">
+        <p14:creationId xmlns:p14="http://schemas.microsoft.com/office/powerpoint/2010/main" val="2160139007"/>
+      </p:ext>
+    </p:extLst>
+  </p:cSld>
+  <p:clrMapOvr>
+    <a:masterClrMapping/>
+  </p:clrMapOvr>
+</p:sld>
+</file>
+
+<file path=ppt/slides/slide20.xml><?xml version="1.0" encoding="utf-8"?>
+<p:sld xmlns:a="http://schemas.openxmlformats.org/drawingml/2006/main" xmlns:r="http://schemas.openxmlformats.org/officeDocument/2006/relationships" xmlns:p="http://schemas.openxmlformats.org/presentationml/2006/main">
+  <p:cSld>
+    <p:spTree>
+      <p:nvGrpSpPr>
+        <p:cNvPr id="1" name=""/>
+        <p:cNvGrpSpPr/>
+        <p:nvPr/>
+      </p:nvGrpSpPr>
+      <p:grpSpPr>
+        <a:xfrm>
+          <a:off x="0" y="0"/>
+          <a:ext cx="0" cy="0"/>
+          <a:chOff x="0" y="0"/>
+          <a:chExt cx="0" cy="0"/>
+        </a:xfrm>
+      </p:grpSpPr>
+      <p:sp>
+        <p:nvSpPr>
+          <p:cNvPr id="2" name="Title 1">
+            <a:extLst>
+              <a:ext uri="{FF2B5EF4-FFF2-40B4-BE49-F238E27FC236}">
+                <a16:creationId xmlns:a16="http://schemas.microsoft.com/office/drawing/2014/main" id="{498E5323-D2BD-4F40-95AB-8B82E8CD28A7}"/>
+              </a:ext>
+            </a:extLst>
+          </p:cNvPr>
+          <p:cNvSpPr>
+            <a:spLocks noGrp="1"/>
+          </p:cNvSpPr>
+          <p:nvPr>
+            <p:ph type="title"/>
+          </p:nvPr>
+        </p:nvSpPr>
+        <p:spPr/>
+        <p:txBody>
+          <a:bodyPr/>
+          <a:lstStyle/>
+          <a:p>
+            <a:r>
+              <a:rPr lang="en-US" dirty="0"/>
+              <a:t>Combine word embedding</a:t>
+            </a:r>
+          </a:p>
+        </p:txBody>
+      </p:sp>
+    </p:spTree>
+    <p:extLst>
+      <p:ext uri="{BB962C8B-B14F-4D97-AF65-F5344CB8AC3E}">
+        <p14:creationId xmlns:p14="http://schemas.microsoft.com/office/powerpoint/2010/main" val="2718520491"/>
+      </p:ext>
+    </p:extLst>
+  </p:cSld>
+  <p:clrMapOvr>
+    <a:masterClrMapping/>
+  </p:clrMapOvr>
+</p:sld>
+</file>
+
+<file path=ppt/slides/slide3.xml><?xml version="1.0" encoding="utf-8"?>
+<p:sld xmlns:a="http://schemas.openxmlformats.org/drawingml/2006/main" xmlns:r="http://schemas.openxmlformats.org/officeDocument/2006/relationships" xmlns:p="http://schemas.openxmlformats.org/presentationml/2006/main">
+  <p:cSld>
+    <p:spTree>
+      <p:nvGrpSpPr>
+        <p:cNvPr id="1" name=""/>
+        <p:cNvGrpSpPr/>
+        <p:nvPr/>
+      </p:nvGrpSpPr>
+      <p:grpSpPr>
+        <a:xfrm>
+          <a:off x="0" y="0"/>
+          <a:ext cx="0" cy="0"/>
+          <a:chOff x="0" y="0"/>
+          <a:chExt cx="0" cy="0"/>
+        </a:xfrm>
+      </p:grpSpPr>
+      <p:sp>
+        <p:nvSpPr>
+          <p:cNvPr id="2" name="标题 1">
+            <a:extLst>
+              <a:ext uri="{FF2B5EF4-FFF2-40B4-BE49-F238E27FC236}">
+                <a16:creationId xmlns:a16="http://schemas.microsoft.com/office/drawing/2014/main" id="{2DD51842-AF5D-4F48-942B-A99D8FEE4108}"/>
+              </a:ext>
+            </a:extLst>
+          </p:cNvPr>
+          <p:cNvSpPr>
+            <a:spLocks noGrp="1"/>
+          </p:cNvSpPr>
+          <p:nvPr>
+            <p:ph type="title"/>
+          </p:nvPr>
+        </p:nvSpPr>
+        <p:spPr/>
+        <p:txBody>
+          <a:bodyPr/>
+          <a:lstStyle/>
+          <a:p>
+            <a:r>
+              <a:rPr lang="en-US" altLang="zh-CN" dirty="0"/>
+              <a:t>Overview</a:t>
+            </a:r>
+            <a:endParaRPr lang="zh-CN" altLang="en-US" dirty="0"/>
+          </a:p>
+        </p:txBody>
+      </p:sp>
+      <mc:AlternateContent xmlns:mc="http://schemas.openxmlformats.org/markup-compatibility/2006">
+        <mc:Choice xmlns:a14="http://schemas.microsoft.com/office/drawing/2010/main" Requires="a14">
+          <p:sp>
+            <p:nvSpPr>
+              <p:cNvPr id="3" name="内容占位符 2">
+                <a:extLst>
+                  <a:ext uri="{FF2B5EF4-FFF2-40B4-BE49-F238E27FC236}">
+                    <a16:creationId xmlns:a16="http://schemas.microsoft.com/office/drawing/2014/main" id="{B5879CF5-1A0E-450D-ABF3-24CD8773A933}"/>
+                  </a:ext>
+                </a:extLst>
+              </p:cNvPr>
+              <p:cNvSpPr>
+                <a:spLocks noGrp="1"/>
+              </p:cNvSpPr>
+              <p:nvPr>
+                <p:ph idx="1"/>
+              </p:nvPr>
+            </p:nvSpPr>
+            <p:spPr>
+              <a:xfrm>
+                <a:off x="845695" y="1825625"/>
+                <a:ext cx="10515600" cy="4351338"/>
+              </a:xfrm>
+            </p:spPr>
+            <p:txBody>
+              <a:bodyPr>
+                <a:normAutofit/>
+              </a:bodyPr>
+              <a:lstStyle/>
+              <a:p>
+                <a:r>
+                  <a:rPr lang="en-US" altLang="zh-CN" b="1" dirty="0"/>
+                  <a:t>What is topic modeling?</a:t>
+                </a:r>
+                <a:endParaRPr lang="en-US" altLang="zh-CN" dirty="0"/>
+              </a:p>
+              <a:p>
+                <a:pPr lvl="1"/>
+                <a:r>
+                  <a:rPr lang="en-US" altLang="zh-CN" dirty="0"/>
+                  <a:t>Automatically discover topics </a:t>
+                </a:r>
+                <a:r>
+                  <a:rPr lang="en-US" altLang="zh-CN" i="1" dirty="0"/>
+                  <a:t>(unobserved) </a:t>
+                </a:r>
+                <a:r>
+                  <a:rPr lang="en-US" altLang="zh-CN" dirty="0"/>
+                  <a:t>from text corpus </a:t>
+                </a:r>
+                <a:r>
+                  <a:rPr lang="en-US" altLang="zh-CN" i="1" dirty="0"/>
+                  <a:t>(observed).</a:t>
+                </a:r>
+                <a:r>
+                  <a:rPr lang="en-US" altLang="zh-CN" dirty="0"/>
+                  <a:t> </a:t>
+                </a:r>
+              </a:p>
+              <a:p>
+                <a:pPr lvl="1"/>
+                <a:r>
+                  <a:rPr lang="en-US" altLang="zh-CN" dirty="0"/>
+                  <a:t>Given a document </a:t>
+                </a:r>
+                <a14:m>
+                  <m:oMath xmlns:m="http://schemas.openxmlformats.org/officeDocument/2006/math">
+                    <m:r>
+                      <a:rPr lang="en-US" altLang="zh-CN" b="0" i="1" smtClean="0">
+                        <a:latin typeface="Cambria Math" panose="02040503050406030204" pitchFamily="18" charset="0"/>
+                      </a:rPr>
+                      <m:t>𝑑</m:t>
+                    </m:r>
+                    <m:r>
+                      <a:rPr lang="en-US" altLang="zh-CN" b="0" i="1" smtClean="0">
+                        <a:latin typeface="Cambria Math" panose="02040503050406030204" pitchFamily="18" charset="0"/>
+                      </a:rPr>
+                      <m:t>∈</m:t>
+                    </m:r>
+                    <m:r>
+                      <a:rPr lang="en-US" altLang="zh-CN" b="0" i="1" smtClean="0">
+                        <a:latin typeface="Cambria Math" panose="02040503050406030204" pitchFamily="18" charset="0"/>
+                      </a:rPr>
+                      <m:t>𝐷</m:t>
+                    </m:r>
+                    <m:r>
+                      <a:rPr lang="en-US" altLang="zh-CN" b="0" i="1" smtClean="0">
+                        <a:latin typeface="Cambria Math" panose="02040503050406030204" pitchFamily="18" charset="0"/>
+                      </a:rPr>
+                      <m:t>=</m:t>
+                    </m:r>
+                    <m:d>
+                      <m:dPr>
+                        <m:begChr m:val="{"/>
+                        <m:endChr m:val="}"/>
+                        <m:ctrlPr>
+                          <a:rPr lang="en-US" altLang="zh-CN" b="0" i="1" smtClean="0">
+                            <a:latin typeface="Cambria Math" panose="02040503050406030204" pitchFamily="18" charset="0"/>
+                          </a:rPr>
+                        </m:ctrlPr>
+                      </m:dPr>
+                      <m:e>
+                        <m:sSub>
+                          <m:sSubPr>
+                            <m:ctrlPr>
+                              <a:rPr lang="en-US" altLang="zh-CN" b="0" i="1" smtClean="0">
+                                <a:latin typeface="Cambria Math" panose="02040503050406030204" pitchFamily="18" charset="0"/>
+                              </a:rPr>
+                            </m:ctrlPr>
+                          </m:sSubPr>
+                          <m:e>
+                            <m:r>
+                              <m:rPr>
+                                <m:sty m:val="p"/>
+                              </m:rPr>
+                              <a:rPr lang="en-US" altLang="zh-CN" i="1">
+                                <a:latin typeface="Cambria Math" panose="02040503050406030204" pitchFamily="18" charset="0"/>
+                              </a:rPr>
+                              <m:t>d</m:t>
+                            </m:r>
+                          </m:e>
+                          <m:sub>
+                            <m:r>
+                              <a:rPr lang="en-US" altLang="zh-CN" b="0" i="1" smtClean="0">
+                                <a:latin typeface="Cambria Math" panose="02040503050406030204" pitchFamily="18" charset="0"/>
+                              </a:rPr>
+                              <m:t>1</m:t>
+                            </m:r>
+                          </m:sub>
+                        </m:sSub>
+                        <m:r>
+                          <a:rPr lang="en-US" altLang="zh-CN" b="0" i="1" smtClean="0">
+                            <a:latin typeface="Cambria Math" panose="02040503050406030204" pitchFamily="18" charset="0"/>
+                          </a:rPr>
+                          <m:t>,…, </m:t>
+                        </m:r>
+                        <m:sSub>
+                          <m:sSubPr>
+                            <m:ctrlPr>
+                              <a:rPr lang="en-US" altLang="zh-CN" b="0" i="1" smtClean="0">
+                                <a:latin typeface="Cambria Math" panose="02040503050406030204" pitchFamily="18" charset="0"/>
+                              </a:rPr>
+                            </m:ctrlPr>
+                          </m:sSubPr>
+                          <m:e>
+                            <m:r>
+                              <a:rPr lang="en-US" altLang="zh-CN" b="0" i="1" smtClean="0">
+                                <a:latin typeface="Cambria Math" panose="02040503050406030204" pitchFamily="18" charset="0"/>
+                              </a:rPr>
+                              <m:t>𝑑</m:t>
+                            </m:r>
+                          </m:e>
+                          <m:sub>
+                            <m:r>
+                              <a:rPr lang="en-US" altLang="zh-CN" b="0" i="1" smtClean="0">
+                                <a:latin typeface="Cambria Math" panose="02040503050406030204" pitchFamily="18" charset="0"/>
+                              </a:rPr>
+                              <m:t>𝑀</m:t>
+                            </m:r>
+                          </m:sub>
+                        </m:sSub>
+                      </m:e>
+                    </m:d>
+                  </m:oMath>
+                </a14:m>
+                <a:r>
+                  <a:rPr lang="en-US" altLang="zh-CN" dirty="0"/>
+                  <a:t>, a word </a:t>
+                </a:r>
+                <a14:m>
+                  <m:oMath xmlns:m="http://schemas.openxmlformats.org/officeDocument/2006/math">
+                    <m:r>
+                      <a:rPr lang="en-US" altLang="zh-CN" b="0" i="1" smtClean="0">
+                        <a:latin typeface="Cambria Math" panose="02040503050406030204" pitchFamily="18" charset="0"/>
+                      </a:rPr>
+                      <m:t>𝑤</m:t>
+                    </m:r>
+                    <m:r>
+                      <a:rPr lang="en-US" altLang="zh-CN" b="0" i="1" smtClean="0">
+                        <a:latin typeface="Cambria Math" panose="02040503050406030204" pitchFamily="18" charset="0"/>
+                      </a:rPr>
+                      <m:t>∈</m:t>
+                    </m:r>
+                    <m:r>
+                      <a:rPr lang="en-US" altLang="zh-CN" b="0" i="1" smtClean="0">
+                        <a:latin typeface="Cambria Math" panose="02040503050406030204" pitchFamily="18" charset="0"/>
+                      </a:rPr>
+                      <m:t>𝑊</m:t>
+                    </m:r>
+                    <m:r>
+                      <a:rPr lang="en-US" altLang="zh-CN" b="0" i="1" smtClean="0">
+                        <a:latin typeface="Cambria Math" panose="02040503050406030204" pitchFamily="18" charset="0"/>
+                      </a:rPr>
+                      <m:t>=</m:t>
+                    </m:r>
+                    <m:d>
+                      <m:dPr>
+                        <m:begChr m:val="{"/>
+                        <m:endChr m:val="}"/>
+                        <m:ctrlPr>
+                          <a:rPr lang="en-US" altLang="zh-CN" b="0" i="1" smtClean="0">
+                            <a:latin typeface="Cambria Math" panose="02040503050406030204" pitchFamily="18" charset="0"/>
+                          </a:rPr>
+                        </m:ctrlPr>
+                      </m:dPr>
+                      <m:e>
+                        <m:sSub>
+                          <m:sSubPr>
+                            <m:ctrlPr>
+                              <a:rPr lang="en-US" altLang="zh-CN" b="0" i="1" smtClean="0">
+                                <a:latin typeface="Cambria Math" panose="02040503050406030204" pitchFamily="18" charset="0"/>
+                              </a:rPr>
+                            </m:ctrlPr>
+                          </m:sSubPr>
+                          <m:e>
+                            <m:r>
+                              <a:rPr lang="en-US" altLang="zh-CN" b="0" i="1" smtClean="0">
+                                <a:latin typeface="Cambria Math" panose="02040503050406030204" pitchFamily="18" charset="0"/>
+                              </a:rPr>
+                              <m:t>𝑤</m:t>
+                            </m:r>
+                          </m:e>
+                          <m:sub>
+                            <m:r>
+                              <a:rPr lang="en-US" altLang="zh-CN" b="0" i="1" smtClean="0">
+                                <a:latin typeface="Cambria Math" panose="02040503050406030204" pitchFamily="18" charset="0"/>
+                              </a:rPr>
+                              <m:t>1</m:t>
+                            </m:r>
+                          </m:sub>
+                        </m:sSub>
+                        <m:r>
+                          <a:rPr lang="en-US" altLang="zh-CN" b="0" i="1" smtClean="0">
+                            <a:latin typeface="Cambria Math" panose="02040503050406030204" pitchFamily="18" charset="0"/>
+                          </a:rPr>
+                          <m:t>,…,</m:t>
+                        </m:r>
+                        <m:sSub>
+                          <m:sSubPr>
+                            <m:ctrlPr>
+                              <a:rPr lang="en-US" altLang="zh-CN" b="0" i="1" smtClean="0">
+                                <a:latin typeface="Cambria Math" panose="02040503050406030204" pitchFamily="18" charset="0"/>
+                              </a:rPr>
+                            </m:ctrlPr>
+                          </m:sSubPr>
+                          <m:e>
+                            <m:r>
+                              <a:rPr lang="en-US" altLang="zh-CN" b="0" i="1" smtClean="0">
+                                <a:latin typeface="Cambria Math" panose="02040503050406030204" pitchFamily="18" charset="0"/>
+                              </a:rPr>
+                              <m:t>𝑤</m:t>
+                            </m:r>
+                          </m:e>
+                          <m:sub>
+                            <m:r>
+                              <a:rPr lang="en-US" altLang="zh-CN" b="0" i="1" smtClean="0">
+                                <a:latin typeface="Cambria Math" panose="02040503050406030204" pitchFamily="18" charset="0"/>
+                              </a:rPr>
+                              <m:t>𝑁</m:t>
+                            </m:r>
+                          </m:sub>
+                        </m:sSub>
+                      </m:e>
+                    </m:d>
+                  </m:oMath>
+                </a14:m>
+                <a:r>
+                  <a:rPr lang="en-US" altLang="zh-CN" dirty="0"/>
+                  <a:t>, we can observe </a:t>
+                </a:r>
+                <a14:m>
+                  <m:oMath xmlns:m="http://schemas.openxmlformats.org/officeDocument/2006/math">
+                    <m:r>
+                      <a:rPr lang="en-US" altLang="zh-CN" i="1">
+                        <a:latin typeface="Cambria Math" panose="02040503050406030204" pitchFamily="18" charset="0"/>
+                      </a:rPr>
+                      <m:t>𝑝</m:t>
+                    </m:r>
+                    <m:d>
+                      <m:dPr>
+                        <m:ctrlPr>
+                          <a:rPr lang="en-US" altLang="zh-CN" b="0" i="1" smtClean="0">
+                            <a:latin typeface="Cambria Math" panose="02040503050406030204" pitchFamily="18" charset="0"/>
+                          </a:rPr>
+                        </m:ctrlPr>
+                      </m:dPr>
+                      <m:e>
+                        <m:r>
+                          <a:rPr lang="en-US" altLang="zh-CN" b="0" i="1" smtClean="0">
+                            <a:latin typeface="Cambria Math" panose="02040503050406030204" pitchFamily="18" charset="0"/>
+                          </a:rPr>
+                          <m:t>𝑑</m:t>
+                        </m:r>
+                        <m:r>
+                          <a:rPr lang="en-US" altLang="zh-CN" b="0" i="1" smtClean="0">
+                            <a:latin typeface="Cambria Math" panose="02040503050406030204" pitchFamily="18" charset="0"/>
+                          </a:rPr>
+                          <m:t>,</m:t>
+                        </m:r>
+                        <m:r>
+                          <a:rPr lang="en-US" altLang="zh-CN" b="0" i="1" smtClean="0">
+                            <a:latin typeface="Cambria Math" panose="02040503050406030204" pitchFamily="18" charset="0"/>
+                          </a:rPr>
+                          <m:t>𝑤</m:t>
+                        </m:r>
+                      </m:e>
+                    </m:d>
+                  </m:oMath>
+                </a14:m>
+                <a:r>
+                  <a:rPr lang="en-US" altLang="zh-CN" dirty="0"/>
+                  <a:t>, which can simply be the co-occurrence matrix </a:t>
+                </a:r>
+                <a14:m>
+                  <m:oMath xmlns:m="http://schemas.openxmlformats.org/officeDocument/2006/math">
+                    <m:r>
+                      <m:rPr>
+                        <m:sty m:val="p"/>
+                      </m:rPr>
+                      <a:rPr lang="en-US" altLang="zh-CN" b="0" i="0" smtClean="0">
+                        <a:latin typeface="Cambria Math" panose="02040503050406030204" pitchFamily="18" charset="0"/>
+                      </a:rPr>
+                      <m:t>A</m:t>
+                    </m:r>
+                    <m:r>
+                      <a:rPr lang="en-US" altLang="zh-CN" b="0" i="1" smtClean="0">
+                        <a:latin typeface="Cambria Math" panose="02040503050406030204" pitchFamily="18" charset="0"/>
+                      </a:rPr>
+                      <m:t>∈</m:t>
+                    </m:r>
+                    <m:sSup>
+                      <m:sSupPr>
+                        <m:ctrlPr>
+                          <a:rPr lang="en-US" altLang="zh-CN" b="0" i="1" smtClean="0">
+                            <a:latin typeface="Cambria Math" panose="02040503050406030204" pitchFamily="18" charset="0"/>
+                          </a:rPr>
+                        </m:ctrlPr>
+                      </m:sSupPr>
+                      <m:e>
+                        <m:r>
+                          <a:rPr lang="en-US" altLang="zh-CN" b="0" i="1" smtClean="0">
+                            <a:latin typeface="Cambria Math" panose="02040503050406030204" pitchFamily="18" charset="0"/>
+                          </a:rPr>
+                          <m:t>ℛ</m:t>
+                        </m:r>
+                      </m:e>
+                      <m:sup>
+                        <m:r>
+                          <a:rPr lang="en-US" altLang="zh-CN" b="0" i="1" smtClean="0">
+                            <a:latin typeface="Cambria Math" panose="02040503050406030204" pitchFamily="18" charset="0"/>
+                          </a:rPr>
+                          <m:t>𝑀</m:t>
+                        </m:r>
+                        <m:r>
+                          <a:rPr lang="en-US" altLang="zh-CN" b="0" i="1" smtClean="0">
+                            <a:latin typeface="Cambria Math" panose="02040503050406030204" pitchFamily="18" charset="0"/>
+                          </a:rPr>
+                          <m:t>×</m:t>
+                        </m:r>
+                        <m:r>
+                          <a:rPr lang="en-US" altLang="zh-CN" b="0" i="1" smtClean="0">
+                            <a:latin typeface="Cambria Math" panose="02040503050406030204" pitchFamily="18" charset="0"/>
+                          </a:rPr>
+                          <m:t>𝑁</m:t>
+                        </m:r>
+                      </m:sup>
+                    </m:sSup>
+                  </m:oMath>
+                </a14:m>
+                <a:r>
+                  <a:rPr lang="en-US" altLang="zh-CN" dirty="0"/>
+                  <a:t>of the corpus. </a:t>
+                </a:r>
+              </a:p>
+              <a:p>
+                <a:pPr lvl="1"/>
+                <a:r>
+                  <a:rPr lang="en-US" altLang="zh-CN" dirty="0"/>
+                  <a:t>The topic model tries to use a latent variable </a:t>
+                </a:r>
+                <a14:m>
+                  <m:oMath xmlns:m="http://schemas.openxmlformats.org/officeDocument/2006/math">
+                    <m:r>
+                      <a:rPr lang="en-US" altLang="zh-CN" i="1">
+                        <a:latin typeface="Cambria Math" panose="02040503050406030204" pitchFamily="18" charset="0"/>
+                      </a:rPr>
+                      <m:t>𝑧</m:t>
+                    </m:r>
+                    <m:r>
+                      <a:rPr lang="en-US" altLang="zh-CN" b="0" i="1" smtClean="0">
+                        <a:latin typeface="Cambria Math" panose="02040503050406030204" pitchFamily="18" charset="0"/>
+                      </a:rPr>
+                      <m:t>∈</m:t>
+                    </m:r>
+                    <m:r>
+                      <a:rPr lang="en-US" altLang="zh-CN" b="0" i="1" smtClean="0">
+                        <a:latin typeface="Cambria Math" panose="02040503050406030204" pitchFamily="18" charset="0"/>
+                      </a:rPr>
+                      <m:t>𝑍</m:t>
+                    </m:r>
+                    <m:r>
+                      <a:rPr lang="en-US" altLang="zh-CN" b="0" i="1" smtClean="0">
+                        <a:latin typeface="Cambria Math" panose="02040503050406030204" pitchFamily="18" charset="0"/>
+                      </a:rPr>
+                      <m:t>=</m:t>
+                    </m:r>
+                    <m:d>
+                      <m:dPr>
+                        <m:begChr m:val="{"/>
+                        <m:endChr m:val="}"/>
+                        <m:ctrlPr>
+                          <a:rPr lang="en-US" altLang="zh-CN" b="0" i="1" smtClean="0">
+                            <a:latin typeface="Cambria Math" panose="02040503050406030204" pitchFamily="18" charset="0"/>
+                          </a:rPr>
+                        </m:ctrlPr>
+                      </m:dPr>
+                      <m:e>
+                        <m:sSub>
+                          <m:sSubPr>
+                            <m:ctrlPr>
+                              <a:rPr lang="en-US" altLang="zh-CN" b="0" i="1" smtClean="0">
+                                <a:latin typeface="Cambria Math" panose="02040503050406030204" pitchFamily="18" charset="0"/>
+                              </a:rPr>
+                            </m:ctrlPr>
+                          </m:sSubPr>
+                          <m:e>
+                            <m:r>
+                              <a:rPr lang="en-US" altLang="zh-CN" b="0" i="1" smtClean="0">
+                                <a:latin typeface="Cambria Math" panose="02040503050406030204" pitchFamily="18" charset="0"/>
+                              </a:rPr>
+                              <m:t>𝑧</m:t>
+                            </m:r>
+                          </m:e>
+                          <m:sub>
+                            <m:r>
+                              <a:rPr lang="en-US" altLang="zh-CN" b="0" i="1" smtClean="0">
+                                <a:latin typeface="Cambria Math" panose="02040503050406030204" pitchFamily="18" charset="0"/>
+                              </a:rPr>
+                              <m:t>1</m:t>
+                            </m:r>
+                          </m:sub>
+                        </m:sSub>
+                        <m:r>
+                          <a:rPr lang="en-US" altLang="zh-CN" b="0" i="1" smtClean="0">
+                            <a:latin typeface="Cambria Math" panose="02040503050406030204" pitchFamily="18" charset="0"/>
+                          </a:rPr>
+                          <m:t>,…,</m:t>
+                        </m:r>
+                        <m:sSub>
+                          <m:sSubPr>
+                            <m:ctrlPr>
+                              <a:rPr lang="en-US" altLang="zh-CN" b="0" i="1" smtClean="0">
+                                <a:latin typeface="Cambria Math" panose="02040503050406030204" pitchFamily="18" charset="0"/>
+                              </a:rPr>
+                            </m:ctrlPr>
+                          </m:sSubPr>
+                          <m:e>
+                            <m:r>
+                              <a:rPr lang="en-US" altLang="zh-CN" b="0" i="1" smtClean="0">
+                                <a:latin typeface="Cambria Math" panose="02040503050406030204" pitchFamily="18" charset="0"/>
+                              </a:rPr>
+                              <m:t>𝑧</m:t>
+                            </m:r>
+                          </m:e>
+                          <m:sub>
+                            <m:r>
+                              <a:rPr lang="en-US" altLang="zh-CN" b="0" i="1" smtClean="0">
+                                <a:latin typeface="Cambria Math" panose="02040503050406030204" pitchFamily="18" charset="0"/>
+                              </a:rPr>
+                              <m:t>𝐾</m:t>
+                            </m:r>
+                          </m:sub>
+                        </m:sSub>
+                      </m:e>
+                    </m:d>
+                  </m:oMath>
+                </a14:m>
+                <a:r>
+                  <a:rPr lang="en-US" altLang="zh-CN" dirty="0"/>
+                  <a:t> (topic) and a set of parameters </a:t>
+                </a:r>
+                <a14:m>
+                  <m:oMath xmlns:m="http://schemas.openxmlformats.org/officeDocument/2006/math">
+                    <m:r>
+                      <a:rPr lang="en-US" altLang="zh-CN" b="0" i="1" smtClean="0">
+                        <a:latin typeface="Cambria Math" panose="02040503050406030204" pitchFamily="18" charset="0"/>
+                      </a:rPr>
+                      <m:t>𝜃</m:t>
+                    </m:r>
+                  </m:oMath>
+                </a14:m>
+                <a:r>
+                  <a:rPr lang="en-US" altLang="zh-CN" dirty="0"/>
+                  <a:t> to explain the generation of the entire corpus, where </a:t>
+                </a:r>
+                <a14:m>
+                  <m:oMath xmlns:m="http://schemas.openxmlformats.org/officeDocument/2006/math">
+                    <m:r>
+                      <a:rPr lang="en-US" altLang="zh-CN" b="0" i="1" smtClean="0">
+                        <a:latin typeface="Cambria Math" panose="02040503050406030204" pitchFamily="18" charset="0"/>
+                      </a:rPr>
+                      <m:t>𝐾</m:t>
+                    </m:r>
+                  </m:oMath>
+                </a14:m>
+                <a:r>
+                  <a:rPr lang="en-US" altLang="zh-CN" dirty="0"/>
+                  <a:t> is pre-defined.</a:t>
+                </a:r>
+              </a:p>
+            </p:txBody>
+          </p:sp>
+        </mc:Choice>
+        <mc:Fallback>
+          <p:sp>
+            <p:nvSpPr>
+              <p:cNvPr id="3" name="内容占位符 2">
+                <a:extLst>
+                  <a:ext uri="{FF2B5EF4-FFF2-40B4-BE49-F238E27FC236}">
+                    <a16:creationId xmlns:a16="http://schemas.microsoft.com/office/drawing/2014/main" id="{B5879CF5-1A0E-450D-ABF3-24CD8773A933}"/>
+                  </a:ext>
+                </a:extLst>
+              </p:cNvPr>
+              <p:cNvSpPr>
+                <a:spLocks noGrp="1" noRot="1" noChangeAspect="1" noMove="1" noResize="1" noEditPoints="1" noAdjustHandles="1" noChangeArrowheads="1" noChangeShapeType="1" noTextEdit="1"/>
+              </p:cNvSpPr>
+              <p:nvPr>
+                <p:ph idx="1"/>
+              </p:nvPr>
+            </p:nvSpPr>
+            <p:spPr>
+              <a:xfrm>
+                <a:off x="845695" y="1825625"/>
+                <a:ext cx="10515600" cy="4351338"/>
+              </a:xfrm>
+              <a:blipFill>
+                <a:blip r:embed="rId2"/>
+                <a:stretch>
+                  <a:fillRect l="-1043" t="-2521" r="-522"/>
+                </a:stretch>
+              </a:blipFill>
+            </p:spPr>
+            <p:txBody>
+              <a:bodyPr/>
+              <a:lstStyle/>
+              <a:p>
+                <a:r>
+                  <a:rPr lang="en-US">
+                    <a:noFill/>
+                  </a:rPr>
+                  <a:t> </a:t>
+                </a:r>
+              </a:p>
+            </p:txBody>
+          </p:sp>
+        </mc:Fallback>
+      </mc:AlternateContent>
+    </p:spTree>
+    <p:extLst>
+      <p:ext uri="{BB962C8B-B14F-4D97-AF65-F5344CB8AC3E}">
+        <p14:creationId xmlns:p14="http://schemas.microsoft.com/office/powerpoint/2010/main" val="635419814"/>
+      </p:ext>
+    </p:extLst>
+  </p:cSld>
+  <p:clrMapOvr>
+    <a:masterClrMapping/>
+  </p:clrMapOvr>
+</p:sld>
+</file>
+
+<file path=ppt/slides/slide4.xml><?xml version="1.0" encoding="utf-8"?>
+<p:sld xmlns:a="http://schemas.openxmlformats.org/drawingml/2006/main" xmlns:r="http://schemas.openxmlformats.org/officeDocument/2006/relationships" xmlns:p="http://schemas.openxmlformats.org/presentationml/2006/main">
+  <p:cSld>
+    <p:spTree>
+      <p:nvGrpSpPr>
+        <p:cNvPr id="1" name=""/>
+        <p:cNvGrpSpPr/>
+        <p:nvPr/>
+      </p:nvGrpSpPr>
+      <p:grpSpPr>
+        <a:xfrm>
+          <a:off x="0" y="0"/>
+          <a:ext cx="0" cy="0"/>
+          <a:chOff x="0" y="0"/>
+          <a:chExt cx="0" cy="0"/>
+        </a:xfrm>
+      </p:grpSpPr>
+      <p:sp>
+        <p:nvSpPr>
+          <p:cNvPr id="2" name="标题 1">
+            <a:extLst>
+              <a:ext uri="{FF2B5EF4-FFF2-40B4-BE49-F238E27FC236}">
+                <a16:creationId xmlns:a16="http://schemas.microsoft.com/office/drawing/2014/main" id="{2DD51842-AF5D-4F48-942B-A99D8FEE4108}"/>
+              </a:ext>
+            </a:extLst>
+          </p:cNvPr>
+          <p:cNvSpPr>
+            <a:spLocks noGrp="1"/>
+          </p:cNvSpPr>
+          <p:nvPr>
+            <p:ph type="title"/>
+          </p:nvPr>
+        </p:nvSpPr>
+        <p:spPr/>
+        <p:txBody>
+          <a:bodyPr/>
+          <a:lstStyle/>
+          <a:p>
+            <a:r>
+              <a:rPr lang="en-US" altLang="zh-CN" dirty="0"/>
+              <a:t>Overview</a:t>
+            </a:r>
+            <a:endParaRPr lang="zh-CN" altLang="en-US" dirty="0"/>
+          </a:p>
+        </p:txBody>
+      </p:sp>
+      <p:sp>
+        <p:nvSpPr>
+          <p:cNvPr id="3" name="内容占位符 2">
+            <a:extLst>
+              <a:ext uri="{FF2B5EF4-FFF2-40B4-BE49-F238E27FC236}">
+                <a16:creationId xmlns:a16="http://schemas.microsoft.com/office/drawing/2014/main" id="{B5879CF5-1A0E-450D-ABF3-24CD8773A933}"/>
+              </a:ext>
+            </a:extLst>
+          </p:cNvPr>
+          <p:cNvSpPr>
+            <a:spLocks noGrp="1"/>
+          </p:cNvSpPr>
+          <p:nvPr>
+            <p:ph idx="1"/>
+          </p:nvPr>
+        </p:nvSpPr>
+        <p:spPr>
+          <a:xfrm>
+            <a:off x="845695" y="1825625"/>
+            <a:ext cx="10515600" cy="4351338"/>
+          </a:xfrm>
+        </p:spPr>
+        <p:txBody>
+          <a:bodyPr>
+            <a:normAutofit/>
+          </a:bodyPr>
+          <a:lstStyle/>
+          <a:p>
+            <a:r>
+              <a:rPr lang="en-US" altLang="zh-CN" b="1" dirty="0"/>
+              <a:t>Why do we need topic modeling?</a:t>
+            </a:r>
+            <a:endParaRPr lang="en-US" altLang="zh-CN" dirty="0"/>
+          </a:p>
+          <a:p>
+            <a:pPr lvl="1"/>
+            <a:r>
+              <a:rPr lang="en-US" altLang="zh-CN" dirty="0"/>
+              <a:t>It facilitates many web applications including document analysis, text summarization and ad-hoc information retrieval.</a:t>
+            </a:r>
+          </a:p>
+        </p:txBody>
+      </p:sp>
+    </p:spTree>
+    <p:extLst>
+      <p:ext uri="{BB962C8B-B14F-4D97-AF65-F5344CB8AC3E}">
+        <p14:creationId xmlns:p14="http://schemas.microsoft.com/office/powerpoint/2010/main" val="2107440484"/>
+      </p:ext>
+    </p:extLst>
+  </p:cSld>
+  <p:clrMapOvr>
+    <a:masterClrMapping/>
+  </p:clrMapOvr>
+</p:sld>
+</file>
+
+<file path=ppt/slides/slide5.xml><?xml version="1.0" encoding="utf-8"?>
+<p:sld xmlns:a="http://schemas.openxmlformats.org/drawingml/2006/main" xmlns:r="http://schemas.openxmlformats.org/officeDocument/2006/relationships" xmlns:p="http://schemas.openxmlformats.org/presentationml/2006/main">
+  <p:cSld>
+    <p:spTree>
+      <p:nvGrpSpPr>
+        <p:cNvPr id="1" name=""/>
+        <p:cNvGrpSpPr/>
+        <p:nvPr/>
+      </p:nvGrpSpPr>
+      <p:grpSpPr>
+        <a:xfrm>
+          <a:off x="0" y="0"/>
+          <a:ext cx="0" cy="0"/>
+          <a:chOff x="0" y="0"/>
+          <a:chExt cx="0" cy="0"/>
+        </a:xfrm>
+      </p:grpSpPr>
+      <p:sp>
+        <p:nvSpPr>
+          <p:cNvPr id="2" name="Title 1">
+            <a:extLst>
+              <a:ext uri="{FF2B5EF4-FFF2-40B4-BE49-F238E27FC236}">
+                <a16:creationId xmlns:a16="http://schemas.microsoft.com/office/drawing/2014/main" id="{20BAA876-A8C9-492C-8686-1286631DB360}"/>
+              </a:ext>
+            </a:extLst>
+          </p:cNvPr>
+          <p:cNvSpPr>
+            <a:spLocks noGrp="1"/>
+          </p:cNvSpPr>
+          <p:nvPr>
+            <p:ph type="title"/>
+          </p:nvPr>
+        </p:nvSpPr>
+        <p:spPr/>
+        <p:txBody>
+          <a:bodyPr/>
+          <a:lstStyle/>
+          <a:p>
+            <a:r>
+              <a:rPr lang="en-US" dirty="0"/>
+              <a:t>Math</a:t>
+            </a:r>
+          </a:p>
+        </p:txBody>
+      </p:sp>
+      <p:sp>
+        <p:nvSpPr>
+          <p:cNvPr id="3" name="Content Placeholder 2">
+            <a:extLst>
+              <a:ext uri="{FF2B5EF4-FFF2-40B4-BE49-F238E27FC236}">
+                <a16:creationId xmlns:a16="http://schemas.microsoft.com/office/drawing/2014/main" id="{D47BC159-5AF1-4E91-812F-9E598F5B1677}"/>
+              </a:ext>
+            </a:extLst>
+          </p:cNvPr>
+          <p:cNvSpPr>
+            <a:spLocks noGrp="1"/>
+          </p:cNvSpPr>
+          <p:nvPr>
+            <p:ph idx="1"/>
+          </p:nvPr>
+        </p:nvSpPr>
+        <p:spPr/>
+        <p:txBody>
+          <a:bodyPr/>
+          <a:lstStyle/>
+          <a:p>
+            <a:endParaRPr lang="en-US" dirty="0"/>
+          </a:p>
+        </p:txBody>
+      </p:sp>
+    </p:spTree>
+    <p:extLst>
+      <p:ext uri="{BB962C8B-B14F-4D97-AF65-F5344CB8AC3E}">
+        <p14:creationId xmlns:p14="http://schemas.microsoft.com/office/powerpoint/2010/main" val="1594232774"/>
+      </p:ext>
+    </p:extLst>
+  </p:cSld>
+  <p:clrMapOvr>
+    <a:masterClrMapping/>
+  </p:clrMapOvr>
+</p:sld>
+</file>
+
+<file path=ppt/slides/slide6.xml><?xml version="1.0" encoding="utf-8"?>
+<p:sld xmlns:a="http://schemas.openxmlformats.org/drawingml/2006/main" xmlns:r="http://schemas.openxmlformats.org/officeDocument/2006/relationships" xmlns:p="http://schemas.openxmlformats.org/presentationml/2006/main">
+  <p:cSld>
+    <p:spTree>
+      <p:nvGrpSpPr>
+        <p:cNvPr id="1" name=""/>
+        <p:cNvGrpSpPr/>
+        <p:nvPr/>
+      </p:nvGrpSpPr>
+      <p:grpSpPr>
+        <a:xfrm>
+          <a:off x="0" y="0"/>
+          <a:ext cx="0" cy="0"/>
+          <a:chOff x="0" y="0"/>
+          <a:chExt cx="0" cy="0"/>
+        </a:xfrm>
+      </p:grpSpPr>
+      <p:sp>
+        <p:nvSpPr>
+          <p:cNvPr id="2" name="Title 1">
+            <a:extLst>
+              <a:ext uri="{FF2B5EF4-FFF2-40B4-BE49-F238E27FC236}">
+                <a16:creationId xmlns:a16="http://schemas.microsoft.com/office/drawing/2014/main" id="{6A37E29A-233C-4FCE-8EEA-A94B98A39B35}"/>
+              </a:ext>
+            </a:extLst>
+          </p:cNvPr>
+          <p:cNvSpPr>
+            <a:spLocks noGrp="1"/>
+          </p:cNvSpPr>
+          <p:nvPr>
+            <p:ph type="title"/>
+          </p:nvPr>
+        </p:nvSpPr>
+        <p:spPr/>
+        <p:txBody>
+          <a:bodyPr/>
+          <a:lstStyle/>
+          <a:p>
+            <a:r>
+              <a:rPr lang="en-US" dirty="0"/>
+              <a:t>Datasets</a:t>
+            </a:r>
+          </a:p>
+        </p:txBody>
+      </p:sp>
+      <p:sp>
+        <p:nvSpPr>
+          <p:cNvPr id="3" name="Content Placeholder 2">
+            <a:extLst>
+              <a:ext uri="{FF2B5EF4-FFF2-40B4-BE49-F238E27FC236}">
+                <a16:creationId xmlns:a16="http://schemas.microsoft.com/office/drawing/2014/main" id="{217E82B1-FCD8-4ACF-A48A-C74D6A156BAB}"/>
+              </a:ext>
+            </a:extLst>
+          </p:cNvPr>
+          <p:cNvSpPr>
+            <a:spLocks noGrp="1"/>
+          </p:cNvSpPr>
+          <p:nvPr>
+            <p:ph idx="1"/>
+          </p:nvPr>
+        </p:nvSpPr>
+        <p:spPr/>
+        <p:txBody>
+          <a:bodyPr/>
+          <a:lstStyle/>
+          <a:p>
+            <a:r>
+              <a:rPr lang="en-US" i="1" dirty="0"/>
+              <a:t>20Newsgroups</a:t>
+            </a:r>
+          </a:p>
+          <a:p>
+            <a:pPr lvl="1"/>
+            <a:r>
+              <a:rPr lang="en-US" dirty="0"/>
+              <a:t>A collection of approximately 20,000 newsgroup articles, partitioned evenly across 20 different newsgroups.</a:t>
+            </a:r>
+          </a:p>
+          <a:p>
+            <a:r>
+              <a:rPr lang="en-US" i="1" dirty="0"/>
+              <a:t>NYTimes</a:t>
+            </a:r>
+            <a:r>
+              <a:rPr lang="en-US" dirty="0"/>
+              <a:t> </a:t>
+            </a:r>
+          </a:p>
+          <a:p>
+            <a:pPr lvl="1"/>
+            <a:r>
+              <a:rPr lang="en-US" dirty="0"/>
+              <a:t>A collection of news articles published between 1987 and 2007, and contains a wide range of topics, such as sports, politics, education, etc.</a:t>
+            </a:r>
+          </a:p>
+          <a:p>
+            <a:r>
+              <a:rPr lang="en-US" i="1" dirty="0"/>
+              <a:t>Yelp </a:t>
+            </a:r>
+          </a:p>
+          <a:p>
+            <a:pPr lvl="1"/>
+            <a:r>
+              <a:rPr lang="en-US" dirty="0"/>
+              <a:t>The Yelp Review Challenge dataset.</a:t>
+            </a:r>
+          </a:p>
+        </p:txBody>
+      </p:sp>
+      <p:pic>
+        <p:nvPicPr>
+          <p:cNvPr id="5" name="Picture 4">
+            <a:extLst>
+              <a:ext uri="{FF2B5EF4-FFF2-40B4-BE49-F238E27FC236}">
+                <a16:creationId xmlns:a16="http://schemas.microsoft.com/office/drawing/2014/main" id="{010EC11F-613C-4528-8C62-EDB78297E7D5}"/>
+              </a:ext>
+            </a:extLst>
+          </p:cNvPr>
+          <p:cNvPicPr>
+            <a:picLocks noChangeAspect="1"/>
+          </p:cNvPicPr>
+          <p:nvPr/>
+        </p:nvPicPr>
+        <p:blipFill>
+          <a:blip r:embed="rId2"/>
+          <a:stretch>
+            <a:fillRect/>
+          </a:stretch>
+        </p:blipFill>
+        <p:spPr>
+          <a:xfrm>
+            <a:off x="955864" y="5253153"/>
+            <a:ext cx="3895238" cy="923810"/>
+          </a:xfrm>
+          <a:prstGeom prst="rect">
+            <a:avLst/>
+          </a:prstGeom>
+        </p:spPr>
+      </p:pic>
+      <p:pic>
+        <p:nvPicPr>
+          <p:cNvPr id="7" name="Picture 6">
+            <a:extLst>
+              <a:ext uri="{FF2B5EF4-FFF2-40B4-BE49-F238E27FC236}">
+                <a16:creationId xmlns:a16="http://schemas.microsoft.com/office/drawing/2014/main" id="{ACCCD667-E059-4F9B-A8D6-8FCF038FD740}"/>
+              </a:ext>
+            </a:extLst>
+          </p:cNvPr>
+          <p:cNvPicPr>
+            <a:picLocks noChangeAspect="1"/>
+          </p:cNvPicPr>
+          <p:nvPr/>
+        </p:nvPicPr>
+        <p:blipFill>
+          <a:blip r:embed="rId3"/>
+          <a:stretch>
+            <a:fillRect/>
+          </a:stretch>
+        </p:blipFill>
+        <p:spPr>
+          <a:xfrm>
+            <a:off x="6969469" y="5243630"/>
+            <a:ext cx="4266667" cy="933333"/>
+          </a:xfrm>
+          <a:prstGeom prst="rect">
+            <a:avLst/>
+          </a:prstGeom>
+        </p:spPr>
+      </p:pic>
+    </p:spTree>
+    <p:extLst>
+      <p:ext uri="{BB962C8B-B14F-4D97-AF65-F5344CB8AC3E}">
+        <p14:creationId xmlns:p14="http://schemas.microsoft.com/office/powerpoint/2010/main" val="3717907305"/>
+      </p:ext>
+    </p:extLst>
+  </p:cSld>
+  <p:clrMapOvr>
+    <a:masterClrMapping/>
+  </p:clrMapOvr>
+</p:sld>
+</file>
+
+<file path=ppt/slides/slide7.xml><?xml version="1.0" encoding="utf-8"?>
+<p:sld xmlns:a="http://schemas.openxmlformats.org/drawingml/2006/main" xmlns:r="http://schemas.openxmlformats.org/officeDocument/2006/relationships" xmlns:p="http://schemas.openxmlformats.org/presentationml/2006/main">
+  <p:cSld>
+    <p:spTree>
+      <p:nvGrpSpPr>
+        <p:cNvPr id="1" name=""/>
+        <p:cNvGrpSpPr/>
+        <p:nvPr/>
+      </p:nvGrpSpPr>
+      <p:grpSpPr>
+        <a:xfrm>
+          <a:off x="0" y="0"/>
+          <a:ext cx="0" cy="0"/>
+          <a:chOff x="0" y="0"/>
+          <a:chExt cx="0" cy="0"/>
+        </a:xfrm>
+      </p:grpSpPr>
+      <p:sp>
+        <p:nvSpPr>
+          <p:cNvPr id="2" name="Title 1">
+            <a:extLst>
+              <a:ext uri="{FF2B5EF4-FFF2-40B4-BE49-F238E27FC236}">
+                <a16:creationId xmlns:a16="http://schemas.microsoft.com/office/drawing/2014/main" id="{0ABB9890-0CB2-4F59-B853-24507CE4C65F}"/>
+              </a:ext>
+            </a:extLst>
+          </p:cNvPr>
+          <p:cNvSpPr>
+            <a:spLocks noGrp="1"/>
+          </p:cNvSpPr>
+          <p:nvPr>
+            <p:ph type="title"/>
+          </p:nvPr>
+        </p:nvSpPr>
+        <p:spPr/>
+        <p:txBody>
+          <a:bodyPr/>
+          <a:lstStyle/>
+          <a:p>
+            <a:r>
+              <a:rPr lang="en-US" dirty="0"/>
+              <a:t>Traditional Methods</a:t>
+            </a:r>
+          </a:p>
+        </p:txBody>
+      </p:sp>
+      <p:sp>
+        <p:nvSpPr>
+          <p:cNvPr id="3" name="Content Placeholder 2">
+            <a:extLst>
+              <a:ext uri="{FF2B5EF4-FFF2-40B4-BE49-F238E27FC236}">
+                <a16:creationId xmlns:a16="http://schemas.microsoft.com/office/drawing/2014/main" id="{8D05BD43-917D-41DC-8824-89D0E8D62A02}"/>
+              </a:ext>
+            </a:extLst>
+          </p:cNvPr>
+          <p:cNvSpPr>
+            <a:spLocks noGrp="1"/>
+          </p:cNvSpPr>
+          <p:nvPr>
+            <p:ph idx="1"/>
+          </p:nvPr>
+        </p:nvSpPr>
+        <p:spPr/>
+        <p:txBody>
+          <a:bodyPr/>
+          <a:lstStyle/>
+          <a:p>
+            <a:r>
+              <a:rPr lang="en-US" dirty="0"/>
+              <a:t>Resort to analytic solutions</a:t>
+            </a:r>
+          </a:p>
+          <a:p>
+            <a:r>
+              <a:rPr lang="en-US" dirty="0"/>
+              <a:t>Difficult math</a:t>
+            </a:r>
+          </a:p>
+        </p:txBody>
+      </p:sp>
+    </p:spTree>
+    <p:extLst>
+      <p:ext uri="{BB962C8B-B14F-4D97-AF65-F5344CB8AC3E}">
+        <p14:creationId xmlns:p14="http://schemas.microsoft.com/office/powerpoint/2010/main" val="256514417"/>
+      </p:ext>
+    </p:extLst>
+  </p:cSld>
+  <p:clrMapOvr>
+    <a:masterClrMapping/>
+  </p:clrMapOvr>
+</p:sld>
+</file>
+
+<file path=ppt/slides/slide8.xml><?xml version="1.0" encoding="utf-8"?>
+<p:sld xmlns:a="http://schemas.openxmlformats.org/drawingml/2006/main" xmlns:r="http://schemas.openxmlformats.org/officeDocument/2006/relationships" xmlns:p="http://schemas.openxmlformats.org/presentationml/2006/main">
+  <p:cSld>
+    <p:spTree>
+      <p:nvGrpSpPr>
+        <p:cNvPr id="1" name=""/>
+        <p:cNvGrpSpPr/>
+        <p:nvPr/>
+      </p:nvGrpSpPr>
+      <p:grpSpPr>
+        <a:xfrm>
+          <a:off x="0" y="0"/>
+          <a:ext cx="0" cy="0"/>
+          <a:chOff x="0" y="0"/>
+          <a:chExt cx="0" cy="0"/>
+        </a:xfrm>
+      </p:grpSpPr>
+      <p:sp>
+        <p:nvSpPr>
+          <p:cNvPr id="2" name="Title 1">
+            <a:extLst>
+              <a:ext uri="{FF2B5EF4-FFF2-40B4-BE49-F238E27FC236}">
+                <a16:creationId xmlns:a16="http://schemas.microsoft.com/office/drawing/2014/main" id="{D5176BE5-1C65-454C-9F4B-C91174AB574A}"/>
+              </a:ext>
+            </a:extLst>
+          </p:cNvPr>
+          <p:cNvSpPr>
+            <a:spLocks noGrp="1"/>
+          </p:cNvSpPr>
+          <p:nvPr>
+            <p:ph type="title"/>
+          </p:nvPr>
+        </p:nvSpPr>
+        <p:spPr/>
+        <p:txBody>
+          <a:bodyPr/>
+          <a:lstStyle/>
+          <a:p>
+            <a:r>
+              <a:rPr lang="en-US" dirty="0"/>
+              <a:t>Metrics</a:t>
+            </a:r>
+          </a:p>
+        </p:txBody>
+      </p:sp>
+      <mc:AlternateContent xmlns:mc="http://schemas.openxmlformats.org/markup-compatibility/2006">
+        <mc:Choice xmlns:a14="http://schemas.microsoft.com/office/drawing/2010/main" Requires="a14">
+          <p:sp>
+            <p:nvSpPr>
+              <p:cNvPr id="3" name="Content Placeholder 2">
+                <a:extLst>
+                  <a:ext uri="{FF2B5EF4-FFF2-40B4-BE49-F238E27FC236}">
+                    <a16:creationId xmlns:a16="http://schemas.microsoft.com/office/drawing/2014/main" id="{48805F60-9019-44A7-A07A-7148A65E9C7B}"/>
+                  </a:ext>
+                </a:extLst>
+              </p:cNvPr>
+              <p:cNvSpPr>
+                <a:spLocks noGrp="1"/>
+              </p:cNvSpPr>
+              <p:nvPr>
+                <p:ph idx="1"/>
+              </p:nvPr>
+            </p:nvSpPr>
+            <p:spPr>
+              <a:xfrm>
+                <a:off x="386255" y="1857156"/>
+                <a:ext cx="11419490" cy="4351338"/>
+              </a:xfrm>
+            </p:spPr>
+            <p:txBody>
+              <a:bodyPr>
+                <a:normAutofit fontScale="92500" lnSpcReduction="20000"/>
+              </a:bodyPr>
+              <a:lstStyle/>
+              <a:p>
+                <a:r>
+                  <a:rPr lang="en-US" b="1" dirty="0"/>
+                  <a:t>Perplexity: </a:t>
+                </a:r>
+                <a:r>
+                  <a:rPr lang="en-US" dirty="0"/>
+                  <a:t>(averaged likelihood on training set)</a:t>
+                </a:r>
+              </a:p>
+              <a:p>
+                <a:pPr marL="0" indent="0">
+                  <a:buNone/>
+                </a:pPr>
+                <a14:m>
+                  <m:oMathPara xmlns:m="http://schemas.openxmlformats.org/officeDocument/2006/math">
+                    <m:oMathParaPr>
+                      <m:jc m:val="centerGroup"/>
+                    </m:oMathParaPr>
+                    <m:oMath xmlns:m="http://schemas.openxmlformats.org/officeDocument/2006/math">
+                      <m:r>
+                        <m:rPr>
+                          <m:sty m:val="p"/>
+                        </m:rPr>
+                        <a:rPr lang="en-US" b="0" i="0" smtClean="0">
+                          <a:latin typeface="Cambria Math" panose="02040503050406030204" pitchFamily="18" charset="0"/>
+                        </a:rPr>
+                        <m:t>exp</m:t>
+                      </m:r>
+                      <m:r>
+                        <a:rPr lang="en-US" b="0" i="1" smtClean="0">
+                          <a:latin typeface="Cambria Math" panose="02040503050406030204" pitchFamily="18" charset="0"/>
+                        </a:rPr>
+                        <m:t>⁡(−</m:t>
+                      </m:r>
+                      <m:f>
+                        <m:fPr>
+                          <m:ctrlPr>
+                            <a:rPr lang="en-US" b="0" i="1" smtClean="0">
+                              <a:latin typeface="Cambria Math" panose="02040503050406030204" pitchFamily="18" charset="0"/>
+                            </a:rPr>
+                          </m:ctrlPr>
+                        </m:fPr>
+                        <m:num>
+                          <m:r>
+                            <a:rPr lang="en-US" b="0" i="1" smtClean="0">
+                              <a:latin typeface="Cambria Math" panose="02040503050406030204" pitchFamily="18" charset="0"/>
+                            </a:rPr>
+                            <m:t>1</m:t>
+                          </m:r>
+                        </m:num>
+                        <m:den>
+                          <m:r>
+                            <a:rPr lang="en-US" b="0" i="1" smtClean="0">
+                              <a:latin typeface="Cambria Math" panose="02040503050406030204" pitchFamily="18" charset="0"/>
+                            </a:rPr>
+                            <m:t>𝐷</m:t>
+                          </m:r>
+                        </m:den>
+                      </m:f>
+                      <m:nary>
+                        <m:naryPr>
+                          <m:chr m:val="∑"/>
+                          <m:ctrlPr>
+                            <a:rPr lang="en-US" b="0" i="1" smtClean="0">
+                              <a:latin typeface="Cambria Math" panose="02040503050406030204" pitchFamily="18" charset="0"/>
+                            </a:rPr>
+                          </m:ctrlPr>
+                        </m:naryPr>
+                        <m:sub>
+                          <m:r>
+                            <a:rPr lang="en-US" b="0" i="1" smtClean="0">
+                              <a:latin typeface="Cambria Math" panose="02040503050406030204" pitchFamily="18" charset="0"/>
+                            </a:rPr>
+                            <m:t>𝑛</m:t>
+                          </m:r>
+                        </m:sub>
+                        <m:sup>
+                          <m:sSub>
+                            <m:sSubPr>
+                              <m:ctrlPr>
+                                <a:rPr lang="en-US" b="0" i="1" smtClean="0">
+                                  <a:latin typeface="Cambria Math" panose="02040503050406030204" pitchFamily="18" charset="0"/>
+                                </a:rPr>
+                              </m:ctrlPr>
+                            </m:sSubPr>
+                            <m:e>
+                              <m:r>
+                                <a:rPr lang="en-US" b="0" i="1" smtClean="0">
+                                  <a:latin typeface="Cambria Math" panose="02040503050406030204" pitchFamily="18" charset="0"/>
+                                </a:rPr>
+                                <m:t>𝑁</m:t>
+                              </m:r>
+                            </m:e>
+                            <m:sub>
+                              <m:r>
+                                <a:rPr lang="en-US" b="0" i="1" smtClean="0">
+                                  <a:latin typeface="Cambria Math" panose="02040503050406030204" pitchFamily="18" charset="0"/>
+                                </a:rPr>
+                                <m:t>𝑑</m:t>
+                              </m:r>
+                            </m:sub>
+                          </m:sSub>
+                        </m:sup>
+                        <m:e>
+                          <m:f>
+                            <m:fPr>
+                              <m:ctrlPr>
+                                <a:rPr lang="en-US" b="0" i="1" smtClean="0">
+                                  <a:latin typeface="Cambria Math" panose="02040503050406030204" pitchFamily="18" charset="0"/>
+                                </a:rPr>
+                              </m:ctrlPr>
+                            </m:fPr>
+                            <m:num>
+                              <m:r>
+                                <a:rPr lang="en-US" b="0" i="1" smtClean="0">
+                                  <a:latin typeface="Cambria Math" panose="02040503050406030204" pitchFamily="18" charset="0"/>
+                                </a:rPr>
+                                <m:t>1</m:t>
+                              </m:r>
+                            </m:num>
+                            <m:den>
+                              <m:sSub>
+                                <m:sSubPr>
+                                  <m:ctrlPr>
+                                    <a:rPr lang="en-US" b="0" i="1" smtClean="0">
+                                      <a:latin typeface="Cambria Math" panose="02040503050406030204" pitchFamily="18" charset="0"/>
+                                    </a:rPr>
+                                  </m:ctrlPr>
+                                </m:sSubPr>
+                                <m:e>
+                                  <m:r>
+                                    <a:rPr lang="en-US" b="0" i="1" smtClean="0">
+                                      <a:latin typeface="Cambria Math" panose="02040503050406030204" pitchFamily="18" charset="0"/>
+                                    </a:rPr>
+                                    <m:t>𝑁</m:t>
+                                  </m:r>
+                                </m:e>
+                                <m:sub>
+                                  <m:r>
+                                    <a:rPr lang="en-US" b="0" i="1" smtClean="0">
+                                      <a:latin typeface="Cambria Math" panose="02040503050406030204" pitchFamily="18" charset="0"/>
+                                    </a:rPr>
+                                    <m:t>𝑑</m:t>
+                                  </m:r>
+                                </m:sub>
+                              </m:sSub>
+                            </m:den>
+                          </m:f>
+                          <m:r>
+                            <m:rPr>
+                              <m:sty m:val="p"/>
+                            </m:rPr>
+                            <a:rPr lang="en-US" b="0" i="0" smtClean="0">
+                              <a:latin typeface="Cambria Math" panose="02040503050406030204" pitchFamily="18" charset="0"/>
+                            </a:rPr>
+                            <m:t>log</m:t>
+                          </m:r>
+                          <m:r>
+                            <a:rPr lang="en-US" b="0" i="1" smtClean="0">
+                              <a:latin typeface="Cambria Math" panose="02040503050406030204" pitchFamily="18" charset="0"/>
+                            </a:rPr>
+                            <m:t>⁡(</m:t>
+                          </m:r>
+                          <m:r>
+                            <a:rPr lang="en-US" b="0" i="1" smtClean="0">
+                              <a:latin typeface="Cambria Math" panose="02040503050406030204" pitchFamily="18" charset="0"/>
+                            </a:rPr>
+                            <m:t>𝑝</m:t>
+                          </m:r>
+                          <m:r>
+                            <a:rPr lang="en-US" b="0" i="1" smtClean="0">
+                              <a:latin typeface="Cambria Math" panose="02040503050406030204" pitchFamily="18" charset="0"/>
+                            </a:rPr>
+                            <m:t>(</m:t>
+                          </m:r>
+                          <m:sSub>
+                            <m:sSubPr>
+                              <m:ctrlPr>
+                                <a:rPr lang="en-US" b="0" i="1" smtClean="0">
+                                  <a:latin typeface="Cambria Math" panose="02040503050406030204" pitchFamily="18" charset="0"/>
+                                </a:rPr>
+                              </m:ctrlPr>
+                            </m:sSubPr>
+                            <m:e>
+                              <m:r>
+                                <a:rPr lang="en-US" b="0" i="1" smtClean="0">
+                                  <a:latin typeface="Cambria Math" panose="02040503050406030204" pitchFamily="18" charset="0"/>
+                                </a:rPr>
+                                <m:t>𝑋</m:t>
+                              </m:r>
+                            </m:e>
+                            <m:sub>
+                              <m:r>
+                                <a:rPr lang="en-US" b="0" i="1" smtClean="0">
+                                  <a:latin typeface="Cambria Math" panose="02040503050406030204" pitchFamily="18" charset="0"/>
+                                </a:rPr>
+                                <m:t>𝑑</m:t>
+                              </m:r>
+                            </m:sub>
+                          </m:sSub>
+                          <m:r>
+                            <a:rPr lang="en-US" b="0" i="1" smtClean="0">
+                              <a:latin typeface="Cambria Math" panose="02040503050406030204" pitchFamily="18" charset="0"/>
+                            </a:rPr>
+                            <m:t>))</m:t>
+                          </m:r>
+                        </m:e>
+                      </m:nary>
+                      <m:r>
+                        <a:rPr lang="en-US" b="0" i="1" smtClean="0">
+                          <a:latin typeface="Cambria Math" panose="02040503050406030204" pitchFamily="18" charset="0"/>
+                        </a:rPr>
+                        <m:t>)</m:t>
+                      </m:r>
+                    </m:oMath>
+                  </m:oMathPara>
+                </a14:m>
+                <a:endParaRPr lang="en-US" dirty="0"/>
+              </a:p>
+              <a:p>
+                <a:r>
+                  <a:rPr lang="en-US" b="1" dirty="0"/>
+                  <a:t>Topic Coherence: </a:t>
+                </a:r>
+              </a:p>
+              <a:p>
+                <a:pPr lvl="1"/>
+                <a:r>
+                  <a:rPr lang="en-US" dirty="0" err="1"/>
+                  <a:t>Umass</a:t>
+                </a:r>
+                <a:r>
+                  <a:rPr lang="en-US" dirty="0"/>
+                  <a:t>. </a:t>
+                </a:r>
+                <a14:m>
+                  <m:oMath xmlns:m="http://schemas.openxmlformats.org/officeDocument/2006/math">
+                    <m:r>
+                      <a:rPr lang="en-US" b="0" i="1" smtClean="0">
+                        <a:latin typeface="Cambria Math" panose="02040503050406030204" pitchFamily="18" charset="0"/>
+                      </a:rPr>
+                      <m:t>𝐷</m:t>
+                    </m:r>
+                    <m:d>
+                      <m:dPr>
+                        <m:ctrlPr>
+                          <a:rPr lang="en-US" b="0" i="1" smtClean="0">
+                            <a:latin typeface="Cambria Math" panose="02040503050406030204" pitchFamily="18" charset="0"/>
+                          </a:rPr>
+                        </m:ctrlPr>
+                      </m:dPr>
+                      <m:e>
+                        <m:r>
+                          <a:rPr lang="en-US" b="0" i="1" smtClean="0">
+                            <a:latin typeface="Cambria Math" panose="02040503050406030204" pitchFamily="18" charset="0"/>
+                          </a:rPr>
+                          <m:t>𝑥</m:t>
+                        </m:r>
+                        <m:r>
+                          <a:rPr lang="en-US" b="0" i="1" smtClean="0">
+                            <a:latin typeface="Cambria Math" panose="02040503050406030204" pitchFamily="18" charset="0"/>
+                          </a:rPr>
+                          <m:t>,</m:t>
+                        </m:r>
+                        <m:r>
+                          <a:rPr lang="en-US" b="0" i="1" smtClean="0">
+                            <a:latin typeface="Cambria Math" panose="02040503050406030204" pitchFamily="18" charset="0"/>
+                          </a:rPr>
+                          <m:t>𝑦</m:t>
+                        </m:r>
+                      </m:e>
+                    </m:d>
+                  </m:oMath>
+                </a14:m>
+                <a:r>
+                  <a:rPr lang="en-US" dirty="0"/>
+                  <a:t> denotes the number of documents containing both </a:t>
+                </a:r>
+                <a14:m>
+                  <m:oMath xmlns:m="http://schemas.openxmlformats.org/officeDocument/2006/math">
+                    <m:r>
+                      <a:rPr lang="en-US" b="0" i="1" smtClean="0">
+                        <a:latin typeface="Cambria Math" panose="02040503050406030204" pitchFamily="18" charset="0"/>
+                      </a:rPr>
+                      <m:t>𝑥</m:t>
+                    </m:r>
+                  </m:oMath>
+                </a14:m>
+                <a:r>
+                  <a:rPr lang="en-US" dirty="0"/>
+                  <a:t> and </a:t>
+                </a:r>
+                <a14:m>
+                  <m:oMath xmlns:m="http://schemas.openxmlformats.org/officeDocument/2006/math">
+                    <m:r>
+                      <a:rPr lang="en-US" b="0" i="1" smtClean="0">
+                        <a:latin typeface="Cambria Math" panose="02040503050406030204" pitchFamily="18" charset="0"/>
+                      </a:rPr>
+                      <m:t>𝑦</m:t>
+                    </m:r>
+                  </m:oMath>
+                </a14:m>
+                <a:endParaRPr lang="en-US" dirty="0"/>
+              </a:p>
+              <a:p>
+                <a:pPr marL="457200" lvl="1" indent="0">
+                  <a:buNone/>
+                </a:pPr>
+                <a14:m>
+                  <m:oMathPara xmlns:m="http://schemas.openxmlformats.org/officeDocument/2006/math">
+                    <m:oMathParaPr>
+                      <m:jc m:val="centerGroup"/>
+                    </m:oMathParaPr>
+                    <m:oMath xmlns:m="http://schemas.openxmlformats.org/officeDocument/2006/math">
+                      <m:nary>
+                        <m:naryPr>
+                          <m:chr m:val="∑"/>
+                          <m:supHide m:val="on"/>
+                          <m:ctrlPr>
+                            <a:rPr lang="en-US" b="0" i="1" smtClean="0">
+                              <a:latin typeface="Cambria Math" panose="02040503050406030204" pitchFamily="18" charset="0"/>
+                            </a:rPr>
+                          </m:ctrlPr>
+                        </m:naryPr>
+                        <m:sub>
+                          <m:sSub>
+                            <m:sSubPr>
+                              <m:ctrlPr>
+                                <a:rPr lang="en-US" b="0" i="1" smtClean="0">
+                                  <a:latin typeface="Cambria Math" panose="02040503050406030204" pitchFamily="18" charset="0"/>
+                                </a:rPr>
+                              </m:ctrlPr>
+                            </m:sSubPr>
+                            <m:e>
+                              <m:r>
+                                <a:rPr lang="en-US" b="0" i="1" smtClean="0">
+                                  <a:latin typeface="Cambria Math" panose="02040503050406030204" pitchFamily="18" charset="0"/>
+                                </a:rPr>
+                                <m:t>𝑣</m:t>
+                              </m:r>
+                            </m:e>
+                            <m:sub>
+                              <m:r>
+                                <a:rPr lang="en-US" b="0" i="1" smtClean="0">
+                                  <a:latin typeface="Cambria Math" panose="02040503050406030204" pitchFamily="18" charset="0"/>
+                                </a:rPr>
+                                <m:t>𝑖</m:t>
+                              </m:r>
+                            </m:sub>
+                          </m:sSub>
+                          <m:r>
+                            <a:rPr lang="en-US" b="0" i="1" smtClean="0">
+                              <a:latin typeface="Cambria Math" panose="02040503050406030204" pitchFamily="18" charset="0"/>
+                            </a:rPr>
+                            <m:t>,</m:t>
+                          </m:r>
+                          <m:sSub>
+                            <m:sSubPr>
+                              <m:ctrlPr>
+                                <a:rPr lang="en-US" b="0" i="1" smtClean="0">
+                                  <a:latin typeface="Cambria Math" panose="02040503050406030204" pitchFamily="18" charset="0"/>
+                                </a:rPr>
+                              </m:ctrlPr>
+                            </m:sSubPr>
+                            <m:e>
+                              <m:r>
+                                <a:rPr lang="en-US" b="0" i="1" smtClean="0">
+                                  <a:latin typeface="Cambria Math" panose="02040503050406030204" pitchFamily="18" charset="0"/>
+                                </a:rPr>
+                                <m:t>𝑣</m:t>
+                              </m:r>
+                            </m:e>
+                            <m:sub>
+                              <m:r>
+                                <a:rPr lang="en-US" b="0" i="1" smtClean="0">
+                                  <a:latin typeface="Cambria Math" panose="02040503050406030204" pitchFamily="18" charset="0"/>
+                                </a:rPr>
+                                <m:t>𝑗</m:t>
+                              </m:r>
+                            </m:sub>
+                          </m:sSub>
+                          <m:r>
+                            <a:rPr lang="en-US" b="0" i="1" smtClean="0">
+                              <a:latin typeface="Cambria Math" panose="02040503050406030204" pitchFamily="18" charset="0"/>
+                            </a:rPr>
+                            <m:t>∈</m:t>
+                          </m:r>
+                          <m:sSub>
+                            <m:sSubPr>
+                              <m:ctrlPr>
+                                <a:rPr lang="en-US" b="0" i="1" smtClean="0">
+                                  <a:latin typeface="Cambria Math" panose="02040503050406030204" pitchFamily="18" charset="0"/>
+                                </a:rPr>
+                              </m:ctrlPr>
+                            </m:sSubPr>
+                            <m:e>
+                              <m:r>
+                                <a:rPr lang="en-US" b="0" i="1" smtClean="0">
+                                  <a:latin typeface="Cambria Math" panose="02040503050406030204" pitchFamily="18" charset="0"/>
+                                </a:rPr>
+                                <m:t>𝑉</m:t>
+                              </m:r>
+                            </m:e>
+                            <m:sub>
+                              <m:r>
+                                <a:rPr lang="en-US" b="0" i="1" smtClean="0">
+                                  <a:latin typeface="Cambria Math" panose="02040503050406030204" pitchFamily="18" charset="0"/>
+                                </a:rPr>
+                                <m:t>𝑡</m:t>
+                              </m:r>
+                            </m:sub>
+                          </m:sSub>
+                        </m:sub>
+                        <m:sup/>
+                        <m:e>
+                          <m:func>
+                            <m:funcPr>
+                              <m:ctrlPr>
+                                <a:rPr lang="en-US" b="0" i="1" smtClean="0">
+                                  <a:latin typeface="Cambria Math" panose="02040503050406030204" pitchFamily="18" charset="0"/>
+                                </a:rPr>
+                              </m:ctrlPr>
+                            </m:funcPr>
+                            <m:fName>
+                              <m:r>
+                                <m:rPr>
+                                  <m:sty m:val="p"/>
+                                </m:rPr>
+                                <a:rPr lang="en-US" b="0" i="0" smtClean="0">
+                                  <a:latin typeface="Cambria Math" panose="02040503050406030204" pitchFamily="18" charset="0"/>
+                                </a:rPr>
+                                <m:t>log</m:t>
+                              </m:r>
+                            </m:fName>
+                            <m:e>
+                              <m:f>
+                                <m:fPr>
+                                  <m:ctrlPr>
+                                    <a:rPr lang="en-US" b="0" i="1" smtClean="0">
+                                      <a:latin typeface="Cambria Math" panose="02040503050406030204" pitchFamily="18" charset="0"/>
+                                    </a:rPr>
+                                  </m:ctrlPr>
+                                </m:fPr>
+                                <m:num>
+                                  <m:r>
+                                    <a:rPr lang="en-US" b="0" i="1" smtClean="0">
+                                      <a:latin typeface="Cambria Math" panose="02040503050406030204" pitchFamily="18" charset="0"/>
+                                    </a:rPr>
+                                    <m:t>𝐷</m:t>
+                                  </m:r>
+                                  <m:d>
+                                    <m:dPr>
+                                      <m:ctrlPr>
+                                        <a:rPr lang="en-US" b="0" i="1" smtClean="0">
+                                          <a:latin typeface="Cambria Math" panose="02040503050406030204" pitchFamily="18" charset="0"/>
+                                        </a:rPr>
+                                      </m:ctrlPr>
+                                    </m:dPr>
+                                    <m:e>
+                                      <m:sSub>
+                                        <m:sSubPr>
+                                          <m:ctrlPr>
+                                            <a:rPr lang="en-US" b="0" i="1" smtClean="0">
+                                              <a:latin typeface="Cambria Math" panose="02040503050406030204" pitchFamily="18" charset="0"/>
+                                            </a:rPr>
+                                          </m:ctrlPr>
+                                        </m:sSubPr>
+                                        <m:e>
+                                          <m:r>
+                                            <a:rPr lang="en-US" b="0" i="1" smtClean="0">
+                                              <a:latin typeface="Cambria Math" panose="02040503050406030204" pitchFamily="18" charset="0"/>
+                                            </a:rPr>
+                                            <m:t>𝑣</m:t>
+                                          </m:r>
+                                        </m:e>
+                                        <m:sub>
+                                          <m:r>
+                                            <a:rPr lang="en-US" b="0" i="1" smtClean="0">
+                                              <a:latin typeface="Cambria Math" panose="02040503050406030204" pitchFamily="18" charset="0"/>
+                                            </a:rPr>
+                                            <m:t>𝑖</m:t>
+                                          </m:r>
+                                        </m:sub>
+                                      </m:sSub>
+                                      <m:r>
+                                        <a:rPr lang="en-US" b="0" i="1" smtClean="0">
+                                          <a:latin typeface="Cambria Math" panose="02040503050406030204" pitchFamily="18" charset="0"/>
+                                        </a:rPr>
+                                        <m:t>,</m:t>
+                                      </m:r>
+                                      <m:sSub>
+                                        <m:sSubPr>
+                                          <m:ctrlPr>
+                                            <a:rPr lang="en-US" b="0" i="1" smtClean="0">
+                                              <a:latin typeface="Cambria Math" panose="02040503050406030204" pitchFamily="18" charset="0"/>
+                                            </a:rPr>
+                                          </m:ctrlPr>
+                                        </m:sSubPr>
+                                        <m:e>
+                                          <m:r>
+                                            <a:rPr lang="en-US" b="0" i="1" smtClean="0">
+                                              <a:latin typeface="Cambria Math" panose="02040503050406030204" pitchFamily="18" charset="0"/>
+                                            </a:rPr>
+                                            <m:t>𝑣</m:t>
+                                          </m:r>
+                                        </m:e>
+                                        <m:sub>
+                                          <m:r>
+                                            <a:rPr lang="en-US" b="0" i="1" smtClean="0">
+                                              <a:latin typeface="Cambria Math" panose="02040503050406030204" pitchFamily="18" charset="0"/>
+                                            </a:rPr>
+                                            <m:t>𝑗</m:t>
+                                          </m:r>
+                                        </m:sub>
+                                      </m:sSub>
+                                    </m:e>
+                                  </m:d>
+                                  <m:r>
+                                    <a:rPr lang="en-US" b="0" i="1" smtClean="0">
+                                      <a:latin typeface="Cambria Math" panose="02040503050406030204" pitchFamily="18" charset="0"/>
+                                    </a:rPr>
+                                    <m:t>+</m:t>
+                                  </m:r>
+                                  <m:r>
+                                    <a:rPr lang="en-US" b="0" i="1" smtClean="0">
+                                      <a:latin typeface="Cambria Math" panose="02040503050406030204" pitchFamily="18" charset="0"/>
+                                    </a:rPr>
+                                    <m:t>𝜖</m:t>
+                                  </m:r>
+                                </m:num>
+                                <m:den>
+                                  <m:r>
+                                    <a:rPr lang="en-US" b="0" i="1" smtClean="0">
+                                      <a:latin typeface="Cambria Math" panose="02040503050406030204" pitchFamily="18" charset="0"/>
+                                    </a:rPr>
+                                    <m:t>𝐷</m:t>
+                                  </m:r>
+                                  <m:r>
+                                    <a:rPr lang="en-US" b="0" i="1" smtClean="0">
+                                      <a:latin typeface="Cambria Math" panose="02040503050406030204" pitchFamily="18" charset="0"/>
+                                    </a:rPr>
+                                    <m:t>(</m:t>
+                                  </m:r>
+                                  <m:sSub>
+                                    <m:sSubPr>
+                                      <m:ctrlPr>
+                                        <a:rPr lang="en-US" b="0" i="1" smtClean="0">
+                                          <a:latin typeface="Cambria Math" panose="02040503050406030204" pitchFamily="18" charset="0"/>
+                                        </a:rPr>
+                                      </m:ctrlPr>
+                                    </m:sSubPr>
+                                    <m:e>
+                                      <m:r>
+                                        <a:rPr lang="en-US" b="0" i="1" smtClean="0">
+                                          <a:latin typeface="Cambria Math" panose="02040503050406030204" pitchFamily="18" charset="0"/>
+                                        </a:rPr>
+                                        <m:t>𝑣</m:t>
+                                      </m:r>
+                                    </m:e>
+                                    <m:sub>
+                                      <m:r>
+                                        <a:rPr lang="en-US" b="0" i="1" smtClean="0">
+                                          <a:latin typeface="Cambria Math" panose="02040503050406030204" pitchFamily="18" charset="0"/>
+                                        </a:rPr>
+                                        <m:t>𝑖</m:t>
+                                      </m:r>
+                                    </m:sub>
+                                  </m:sSub>
+                                  <m:r>
+                                    <a:rPr lang="en-US" b="0" i="1" smtClean="0">
+                                      <a:latin typeface="Cambria Math" panose="02040503050406030204" pitchFamily="18" charset="0"/>
+                                    </a:rPr>
+                                    <m:t>)</m:t>
+                                  </m:r>
+                                </m:den>
+                              </m:f>
+                            </m:e>
+                          </m:func>
+                        </m:e>
+                      </m:nary>
+                    </m:oMath>
+                  </m:oMathPara>
+                </a14:m>
+                <a:endParaRPr lang="en-US" dirty="0"/>
+              </a:p>
+              <a:p>
+                <a:pPr lvl="1"/>
+                <a:r>
+                  <a:rPr lang="en-US" dirty="0"/>
+                  <a:t>UCI. </a:t>
+                </a:r>
+                <a14:m>
+                  <m:oMath xmlns:m="http://schemas.openxmlformats.org/officeDocument/2006/math">
+                    <m:r>
+                      <a:rPr lang="en-US" b="0" i="1" smtClean="0">
+                        <a:latin typeface="Cambria Math" panose="02040503050406030204" pitchFamily="18" charset="0"/>
+                      </a:rPr>
+                      <m:t>𝑝</m:t>
+                    </m:r>
+                    <m:d>
+                      <m:dPr>
+                        <m:ctrlPr>
+                          <a:rPr lang="en-US" b="0" i="1" smtClean="0">
+                            <a:latin typeface="Cambria Math" panose="02040503050406030204" pitchFamily="18" charset="0"/>
+                          </a:rPr>
+                        </m:ctrlPr>
+                      </m:dPr>
+                      <m:e>
+                        <m:r>
+                          <a:rPr lang="en-US" b="0" i="1" smtClean="0">
+                            <a:latin typeface="Cambria Math" panose="02040503050406030204" pitchFamily="18" charset="0"/>
+                          </a:rPr>
+                          <m:t>𝑥</m:t>
+                        </m:r>
+                        <m:r>
+                          <a:rPr lang="en-US" b="0" i="1" smtClean="0">
+                            <a:latin typeface="Cambria Math" panose="02040503050406030204" pitchFamily="18" charset="0"/>
+                          </a:rPr>
+                          <m:t>,</m:t>
+                        </m:r>
+                        <m:r>
+                          <a:rPr lang="en-US" b="0" i="1" smtClean="0">
+                            <a:latin typeface="Cambria Math" panose="02040503050406030204" pitchFamily="18" charset="0"/>
+                          </a:rPr>
+                          <m:t>𝑦</m:t>
+                        </m:r>
+                      </m:e>
+                    </m:d>
+                  </m:oMath>
+                </a14:m>
+                <a:r>
+                  <a:rPr lang="en-US" dirty="0"/>
+                  <a:t> measures co-occurrence frequency of two terms in an external corpus like Wiki.</a:t>
+                </a:r>
+              </a:p>
+              <a:p>
+                <a:pPr marL="457200" lvl="1" indent="0">
+                  <a:buNone/>
+                </a:pPr>
+                <a14:m>
+                  <m:oMathPara xmlns:m="http://schemas.openxmlformats.org/officeDocument/2006/math">
+                    <m:oMathParaPr>
+                      <m:jc m:val="centerGroup"/>
+                    </m:oMathParaPr>
+                    <m:oMath xmlns:m="http://schemas.openxmlformats.org/officeDocument/2006/math">
+                      <m:nary>
+                        <m:naryPr>
+                          <m:chr m:val="∑"/>
+                          <m:supHide m:val="on"/>
+                          <m:ctrlPr>
+                            <a:rPr lang="en-US" b="0" i="1" smtClean="0">
+                              <a:latin typeface="Cambria Math" panose="02040503050406030204" pitchFamily="18" charset="0"/>
+                            </a:rPr>
+                          </m:ctrlPr>
+                        </m:naryPr>
+                        <m:sub>
+                          <m:sSub>
+                            <m:sSubPr>
+                              <m:ctrlPr>
+                                <a:rPr lang="en-US" b="0" i="1" smtClean="0">
+                                  <a:latin typeface="Cambria Math" panose="02040503050406030204" pitchFamily="18" charset="0"/>
+                                </a:rPr>
+                              </m:ctrlPr>
+                            </m:sSubPr>
+                            <m:e>
+                              <m:r>
+                                <a:rPr lang="en-US" b="0" i="1" smtClean="0">
+                                  <a:latin typeface="Cambria Math" panose="02040503050406030204" pitchFamily="18" charset="0"/>
+                                </a:rPr>
+                                <m:t>𝑣</m:t>
+                              </m:r>
+                            </m:e>
+                            <m:sub>
+                              <m:r>
+                                <a:rPr lang="en-US" b="0" i="1" smtClean="0">
+                                  <a:latin typeface="Cambria Math" panose="02040503050406030204" pitchFamily="18" charset="0"/>
+                                </a:rPr>
+                                <m:t>𝑖</m:t>
+                              </m:r>
+                            </m:sub>
+                          </m:sSub>
+                          <m:r>
+                            <a:rPr lang="en-US" b="0" i="1" smtClean="0">
+                              <a:latin typeface="Cambria Math" panose="02040503050406030204" pitchFamily="18" charset="0"/>
+                            </a:rPr>
+                            <m:t>,</m:t>
+                          </m:r>
+                          <m:sSub>
+                            <m:sSubPr>
+                              <m:ctrlPr>
+                                <a:rPr lang="en-US" b="0" i="1" smtClean="0">
+                                  <a:latin typeface="Cambria Math" panose="02040503050406030204" pitchFamily="18" charset="0"/>
+                                </a:rPr>
+                              </m:ctrlPr>
+                            </m:sSubPr>
+                            <m:e>
+                              <m:r>
+                                <a:rPr lang="en-US" b="0" i="1" smtClean="0">
+                                  <a:latin typeface="Cambria Math" panose="02040503050406030204" pitchFamily="18" charset="0"/>
+                                </a:rPr>
+                                <m:t>𝑣</m:t>
+                              </m:r>
+                            </m:e>
+                            <m:sub>
+                              <m:r>
+                                <a:rPr lang="en-US" b="0" i="1" smtClean="0">
+                                  <a:latin typeface="Cambria Math" panose="02040503050406030204" pitchFamily="18" charset="0"/>
+                                </a:rPr>
+                                <m:t>𝑗</m:t>
+                              </m:r>
+                            </m:sub>
+                          </m:sSub>
+                          <m:r>
+                            <a:rPr lang="en-US" b="0" i="1" smtClean="0">
+                              <a:latin typeface="Cambria Math" panose="02040503050406030204" pitchFamily="18" charset="0"/>
+                            </a:rPr>
+                            <m:t>∈</m:t>
+                          </m:r>
+                          <m:sSub>
+                            <m:sSubPr>
+                              <m:ctrlPr>
+                                <a:rPr lang="en-US" b="0" i="1" smtClean="0">
+                                  <a:latin typeface="Cambria Math" panose="02040503050406030204" pitchFamily="18" charset="0"/>
+                                </a:rPr>
+                              </m:ctrlPr>
+                            </m:sSubPr>
+                            <m:e>
+                              <m:r>
+                                <a:rPr lang="en-US" b="0" i="1" smtClean="0">
+                                  <a:latin typeface="Cambria Math" panose="02040503050406030204" pitchFamily="18" charset="0"/>
+                                </a:rPr>
+                                <m:t>𝑉</m:t>
+                              </m:r>
+                            </m:e>
+                            <m:sub>
+                              <m:r>
+                                <a:rPr lang="en-US" b="0" i="1" smtClean="0">
+                                  <a:latin typeface="Cambria Math" panose="02040503050406030204" pitchFamily="18" charset="0"/>
+                                </a:rPr>
+                                <m:t>𝑡</m:t>
+                              </m:r>
+                            </m:sub>
+                          </m:sSub>
+                        </m:sub>
+                        <m:sup/>
+                        <m:e>
+                          <m:func>
+                            <m:funcPr>
+                              <m:ctrlPr>
+                                <a:rPr lang="en-US" b="0" i="1" smtClean="0">
+                                  <a:latin typeface="Cambria Math" panose="02040503050406030204" pitchFamily="18" charset="0"/>
+                                </a:rPr>
+                              </m:ctrlPr>
+                            </m:funcPr>
+                            <m:fName>
+                              <m:r>
+                                <m:rPr>
+                                  <m:sty m:val="p"/>
+                                </m:rPr>
+                                <a:rPr lang="en-US" b="0" i="0" smtClean="0">
+                                  <a:latin typeface="Cambria Math" panose="02040503050406030204" pitchFamily="18" charset="0"/>
+                                </a:rPr>
+                                <m:t>log</m:t>
+                              </m:r>
+                            </m:fName>
+                            <m:e>
+                              <m:f>
+                                <m:fPr>
+                                  <m:ctrlPr>
+                                    <a:rPr lang="en-US" b="0" i="1" smtClean="0">
+                                      <a:latin typeface="Cambria Math" panose="02040503050406030204" pitchFamily="18" charset="0"/>
+                                    </a:rPr>
+                                  </m:ctrlPr>
+                                </m:fPr>
+                                <m:num>
+                                  <m:r>
+                                    <a:rPr lang="en-US" b="0" i="1" smtClean="0">
+                                      <a:latin typeface="Cambria Math" panose="02040503050406030204" pitchFamily="18" charset="0"/>
+                                    </a:rPr>
+                                    <m:t>𝑝</m:t>
+                                  </m:r>
+                                  <m:r>
+                                    <a:rPr lang="en-US" b="0" i="1" smtClean="0">
+                                      <a:latin typeface="Cambria Math" panose="02040503050406030204" pitchFamily="18" charset="0"/>
+                                    </a:rPr>
+                                    <m:t>(</m:t>
+                                  </m:r>
+                                  <m:sSub>
+                                    <m:sSubPr>
+                                      <m:ctrlPr>
+                                        <a:rPr lang="en-US" b="0" i="1" smtClean="0">
+                                          <a:latin typeface="Cambria Math" panose="02040503050406030204" pitchFamily="18" charset="0"/>
+                                        </a:rPr>
+                                      </m:ctrlPr>
+                                    </m:sSubPr>
+                                    <m:e>
+                                      <m:r>
+                                        <a:rPr lang="en-US" b="0" i="1" smtClean="0">
+                                          <a:latin typeface="Cambria Math" panose="02040503050406030204" pitchFamily="18" charset="0"/>
+                                        </a:rPr>
+                                        <m:t>𝑣</m:t>
+                                      </m:r>
+                                    </m:e>
+                                    <m:sub>
+                                      <m:r>
+                                        <a:rPr lang="en-US" b="0" i="1" smtClean="0">
+                                          <a:latin typeface="Cambria Math" panose="02040503050406030204" pitchFamily="18" charset="0"/>
+                                        </a:rPr>
+                                        <m:t>𝑖</m:t>
+                                      </m:r>
+                                    </m:sub>
+                                  </m:sSub>
+                                  <m:r>
+                                    <a:rPr lang="en-US" b="0" i="1" smtClean="0">
+                                      <a:latin typeface="Cambria Math" panose="02040503050406030204" pitchFamily="18" charset="0"/>
+                                    </a:rPr>
+                                    <m:t>,</m:t>
+                                  </m:r>
+                                  <m:sSub>
+                                    <m:sSubPr>
+                                      <m:ctrlPr>
+                                        <a:rPr lang="en-US" b="0" i="1" smtClean="0">
+                                          <a:latin typeface="Cambria Math" panose="02040503050406030204" pitchFamily="18" charset="0"/>
+                                        </a:rPr>
+                                      </m:ctrlPr>
+                                    </m:sSubPr>
+                                    <m:e>
+                                      <m:r>
+                                        <a:rPr lang="en-US" b="0" i="1" smtClean="0">
+                                          <a:latin typeface="Cambria Math" panose="02040503050406030204" pitchFamily="18" charset="0"/>
+                                        </a:rPr>
+                                        <m:t>𝑣</m:t>
+                                      </m:r>
+                                    </m:e>
+                                    <m:sub>
+                                      <m:r>
+                                        <a:rPr lang="en-US" b="0" i="1" smtClean="0">
+                                          <a:latin typeface="Cambria Math" panose="02040503050406030204" pitchFamily="18" charset="0"/>
+                                        </a:rPr>
+                                        <m:t>𝑗</m:t>
+                                      </m:r>
+                                    </m:sub>
+                                  </m:sSub>
+                                  <m:r>
+                                    <a:rPr lang="en-US" b="0" i="1" smtClean="0">
+                                      <a:latin typeface="Cambria Math" panose="02040503050406030204" pitchFamily="18" charset="0"/>
+                                    </a:rPr>
+                                    <m:t>)</m:t>
+                                  </m:r>
+                                  <m:r>
+                                    <a:rPr lang="en-US" b="0" i="1" smtClean="0">
+                                      <a:latin typeface="Cambria Math" panose="02040503050406030204" pitchFamily="18" charset="0"/>
+                                    </a:rPr>
+                                    <m:t>+</m:t>
+                                  </m:r>
+                                  <m:r>
+                                    <a:rPr lang="en-US" b="0" i="1" smtClean="0">
+                                      <a:latin typeface="Cambria Math" panose="02040503050406030204" pitchFamily="18" charset="0"/>
+                                    </a:rPr>
+                                    <m:t>𝜖</m:t>
+                                  </m:r>
+                                </m:num>
+                                <m:den>
+                                  <m:r>
+                                    <a:rPr lang="en-US" b="0" i="1" smtClean="0">
+                                      <a:latin typeface="Cambria Math" panose="02040503050406030204" pitchFamily="18" charset="0"/>
+                                    </a:rPr>
+                                    <m:t>𝑝</m:t>
+                                  </m:r>
+                                  <m:d>
+                                    <m:dPr>
+                                      <m:ctrlPr>
+                                        <a:rPr lang="en-US" b="0" i="1" smtClean="0">
+                                          <a:latin typeface="Cambria Math" panose="02040503050406030204" pitchFamily="18" charset="0"/>
+                                        </a:rPr>
+                                      </m:ctrlPr>
+                                    </m:dPr>
+                                    <m:e>
+                                      <m:sSub>
+                                        <m:sSubPr>
+                                          <m:ctrlPr>
+                                            <a:rPr lang="en-US" b="0" i="1" smtClean="0">
+                                              <a:latin typeface="Cambria Math" panose="02040503050406030204" pitchFamily="18" charset="0"/>
+                                            </a:rPr>
+                                          </m:ctrlPr>
+                                        </m:sSubPr>
+                                        <m:e>
+                                          <m:r>
+                                            <a:rPr lang="en-US" b="0" i="1" smtClean="0">
+                                              <a:latin typeface="Cambria Math" panose="02040503050406030204" pitchFamily="18" charset="0"/>
+                                            </a:rPr>
+                                            <m:t>𝑣</m:t>
+                                          </m:r>
+                                        </m:e>
+                                        <m:sub>
+                                          <m:r>
+                                            <a:rPr lang="en-US" b="0" i="1" smtClean="0">
+                                              <a:latin typeface="Cambria Math" panose="02040503050406030204" pitchFamily="18" charset="0"/>
+                                            </a:rPr>
+                                            <m:t>𝑖</m:t>
+                                          </m:r>
+                                        </m:sub>
+                                      </m:sSub>
+                                    </m:e>
+                                  </m:d>
+                                  <m:r>
+                                    <a:rPr lang="en-US" b="0" i="1" smtClean="0">
+                                      <a:latin typeface="Cambria Math" panose="02040503050406030204" pitchFamily="18" charset="0"/>
+                                    </a:rPr>
+                                    <m:t>𝑝</m:t>
+                                  </m:r>
+                                  <m:r>
+                                    <a:rPr lang="en-US" b="0" i="1" smtClean="0">
+                                      <a:latin typeface="Cambria Math" panose="02040503050406030204" pitchFamily="18" charset="0"/>
+                                    </a:rPr>
+                                    <m:t>(</m:t>
+                                  </m:r>
+                                  <m:sSub>
+                                    <m:sSubPr>
+                                      <m:ctrlPr>
+                                        <a:rPr lang="en-US" b="0" i="1" smtClean="0">
+                                          <a:latin typeface="Cambria Math" panose="02040503050406030204" pitchFamily="18" charset="0"/>
+                                        </a:rPr>
+                                      </m:ctrlPr>
+                                    </m:sSubPr>
+                                    <m:e>
+                                      <m:r>
+                                        <a:rPr lang="en-US" b="0" i="1" smtClean="0">
+                                          <a:latin typeface="Cambria Math" panose="02040503050406030204" pitchFamily="18" charset="0"/>
+                                        </a:rPr>
+                                        <m:t>𝑣</m:t>
+                                      </m:r>
+                                    </m:e>
+                                    <m:sub>
+                                      <m:r>
+                                        <a:rPr lang="en-US" b="0" i="1" smtClean="0">
+                                          <a:latin typeface="Cambria Math" panose="02040503050406030204" pitchFamily="18" charset="0"/>
+                                        </a:rPr>
+                                        <m:t>𝑗</m:t>
+                                      </m:r>
+                                    </m:sub>
+                                  </m:sSub>
+                                  <m:r>
+                                    <a:rPr lang="en-US" b="0" i="1" smtClean="0">
+                                      <a:latin typeface="Cambria Math" panose="02040503050406030204" pitchFamily="18" charset="0"/>
+                                    </a:rPr>
+                                    <m:t>)</m:t>
+                                  </m:r>
+                                </m:den>
+                              </m:f>
+                            </m:e>
+                          </m:func>
+                        </m:e>
+                      </m:nary>
+                    </m:oMath>
+                  </m:oMathPara>
+                </a14:m>
+                <a:endParaRPr lang="en-US" dirty="0"/>
+              </a:p>
+            </p:txBody>
+          </p:sp>
+        </mc:Choice>
+        <mc:Fallback>
+          <p:sp>
+            <p:nvSpPr>
+              <p:cNvPr id="3" name="Content Placeholder 2">
+                <a:extLst>
+                  <a:ext uri="{FF2B5EF4-FFF2-40B4-BE49-F238E27FC236}">
+                    <a16:creationId xmlns:a16="http://schemas.microsoft.com/office/drawing/2014/main" id="{48805F60-9019-44A7-A07A-7148A65E9C7B}"/>
+                  </a:ext>
+                </a:extLst>
+              </p:cNvPr>
+              <p:cNvSpPr>
+                <a:spLocks noGrp="1" noRot="1" noChangeAspect="1" noMove="1" noResize="1" noEditPoints="1" noAdjustHandles="1" noChangeArrowheads="1" noChangeShapeType="1" noTextEdit="1"/>
+              </p:cNvSpPr>
+              <p:nvPr>
+                <p:ph idx="1"/>
+              </p:nvPr>
+            </p:nvSpPr>
+            <p:spPr>
+              <a:xfrm>
+                <a:off x="386255" y="1857156"/>
+                <a:ext cx="11419490" cy="4351338"/>
+              </a:xfrm>
+              <a:blipFill>
+                <a:blip r:embed="rId2"/>
+                <a:stretch>
+                  <a:fillRect l="-800" t="-3647"/>
+                </a:stretch>
+              </a:blipFill>
+            </p:spPr>
+            <p:txBody>
+              <a:bodyPr/>
+              <a:lstStyle/>
+              <a:p>
+                <a:r>
+                  <a:rPr lang="en-US">
+                    <a:noFill/>
+                  </a:rPr>
+                  <a:t> </a:t>
+                </a:r>
+              </a:p>
+            </p:txBody>
+          </p:sp>
+        </mc:Fallback>
+      </mc:AlternateContent>
+    </p:spTree>
+    <p:extLst>
+      <p:ext uri="{BB962C8B-B14F-4D97-AF65-F5344CB8AC3E}">
+        <p14:creationId xmlns:p14="http://schemas.microsoft.com/office/powerpoint/2010/main" val="3450439545"/>
       </p:ext>
     </p:extLst>
   </p:cSld>
@@ -7002,7 +10274,7 @@
           <p:cNvPr id="2" name="标题 1">
             <a:extLst>
               <a:ext uri="{FF2B5EF4-FFF2-40B4-BE49-F238E27FC236}">
-                <a16:creationId xmlns:a16="http://schemas.microsoft.com/office/drawing/2014/main" id="{C3A252C7-D104-4266-A982-62C49D387434}"/>
+                <a16:creationId xmlns:a16="http://schemas.microsoft.com/office/drawing/2014/main" id="{2BA0A17D-7890-40A0-9AEA-8F3295DF17BE}"/>
               </a:ext>
             </a:extLst>
           </p:cNvPr>
@@ -7018,41 +10290,560 @@
           <a:bodyPr/>
           <a:lstStyle/>
           <a:p>
-            <a:endParaRPr lang="zh-CN" altLang="en-US"/>
+            <a:r>
+              <a:rPr lang="en-US" altLang="zh-CN" dirty="0"/>
+              <a:t>LSA</a:t>
+            </a:r>
+            <a:endParaRPr lang="zh-CN" altLang="en-US" dirty="0"/>
           </a:p>
         </p:txBody>
       </p:sp>
-      <p:sp>
-        <p:nvSpPr>
-          <p:cNvPr id="3" name="内容占位符 2">
-            <a:extLst>
-              <a:ext uri="{FF2B5EF4-FFF2-40B4-BE49-F238E27FC236}">
-                <a16:creationId xmlns:a16="http://schemas.microsoft.com/office/drawing/2014/main" id="{F26C4496-1919-4B35-B54D-41D5A1B5DB87}"/>
-              </a:ext>
-            </a:extLst>
-          </p:cNvPr>
-          <p:cNvSpPr>
-            <a:spLocks noGrp="1"/>
-          </p:cNvSpPr>
-          <p:nvPr>
-            <p:ph idx="1"/>
-          </p:nvPr>
-        </p:nvSpPr>
-        <p:spPr/>
-        <p:txBody>
-          <a:bodyPr/>
-          <a:lstStyle/>
-          <a:p>
-            <a:endParaRPr lang="zh-CN" altLang="en-US"/>
-          </a:p>
-        </p:txBody>
-      </p:sp>
+      <mc:AlternateContent xmlns:mc="http://schemas.openxmlformats.org/markup-compatibility/2006" xmlns:a14="http://schemas.microsoft.com/office/drawing/2010/main">
+        <mc:Choice Requires="a14">
+          <p:sp>
+            <p:nvSpPr>
+              <p:cNvPr id="3" name="内容占位符 2">
+                <a:extLst>
+                  <a:ext uri="{FF2B5EF4-FFF2-40B4-BE49-F238E27FC236}">
+                    <a16:creationId xmlns:a16="http://schemas.microsoft.com/office/drawing/2014/main" id="{939FA902-E592-45EF-AE41-E8A54F1A93B4}"/>
+                  </a:ext>
+                </a:extLst>
+              </p:cNvPr>
+              <p:cNvSpPr>
+                <a:spLocks noGrp="1"/>
+              </p:cNvSpPr>
+              <p:nvPr>
+                <p:ph idx="1"/>
+              </p:nvPr>
+            </p:nvSpPr>
+            <p:spPr/>
+            <p:txBody>
+              <a:bodyPr>
+                <a:normAutofit lnSpcReduction="10000"/>
+              </a:bodyPr>
+              <a:lstStyle/>
+              <a:p>
+                <a:r>
+                  <a:rPr lang="en-US" altLang="zh-CN" dirty="0"/>
+                  <a:t>Use SVD to decompose the sparse co-occurrence matrix </a:t>
+                </a:r>
+                <a14:m>
+                  <m:oMath xmlns:m="http://schemas.openxmlformats.org/officeDocument/2006/math">
+                    <m:r>
+                      <a:rPr lang="en-US" altLang="zh-CN" b="0" i="1" smtClean="0">
+                        <a:latin typeface="Cambria Math" panose="02040503050406030204" pitchFamily="18" charset="0"/>
+                      </a:rPr>
+                      <m:t>𝑀</m:t>
+                    </m:r>
+                  </m:oMath>
+                </a14:m>
+                <a:r>
+                  <a:rPr lang="en-US" altLang="zh-CN" dirty="0"/>
+                  <a:t>, where entry </a:t>
+                </a:r>
+                <a14:m>
+                  <m:oMath xmlns:m="http://schemas.openxmlformats.org/officeDocument/2006/math">
+                    <m:sSub>
+                      <m:sSubPr>
+                        <m:ctrlPr>
+                          <a:rPr lang="en-US" altLang="zh-CN" b="0" i="1" smtClean="0">
+                            <a:latin typeface="Cambria Math" panose="02040503050406030204" pitchFamily="18" charset="0"/>
+                          </a:rPr>
+                        </m:ctrlPr>
+                      </m:sSubPr>
+                      <m:e>
+                        <m:r>
+                          <a:rPr lang="en-US" altLang="zh-CN" b="0" i="1" smtClean="0">
+                            <a:latin typeface="Cambria Math" panose="02040503050406030204" pitchFamily="18" charset="0"/>
+                          </a:rPr>
+                          <m:t>𝑚</m:t>
+                        </m:r>
+                      </m:e>
+                      <m:sub>
+                        <m:r>
+                          <a:rPr lang="en-US" altLang="zh-CN" b="0" i="1" smtClean="0">
+                            <a:latin typeface="Cambria Math" panose="02040503050406030204" pitchFamily="18" charset="0"/>
+                          </a:rPr>
+                          <m:t>𝑖</m:t>
+                        </m:r>
+                        <m:r>
+                          <a:rPr lang="en-US" altLang="zh-CN" b="0" i="1" smtClean="0">
+                            <a:latin typeface="Cambria Math" panose="02040503050406030204" pitchFamily="18" charset="0"/>
+                          </a:rPr>
+                          <m:t>,</m:t>
+                        </m:r>
+                        <m:r>
+                          <a:rPr lang="en-US" altLang="zh-CN" b="0" i="1" smtClean="0">
+                            <a:latin typeface="Cambria Math" panose="02040503050406030204" pitchFamily="18" charset="0"/>
+                          </a:rPr>
+                          <m:t>𝑗</m:t>
+                        </m:r>
+                      </m:sub>
+                    </m:sSub>
+                  </m:oMath>
+                </a14:m>
+                <a:r>
+                  <a:rPr lang="en-US" altLang="zh-CN" dirty="0"/>
+                  <a:t> represents the row count/</a:t>
+                </a:r>
+                <a:r>
+                  <a:rPr lang="en-US" altLang="zh-CN" dirty="0" err="1"/>
+                  <a:t>tf-idf</a:t>
+                </a:r>
+                <a:r>
+                  <a:rPr lang="en-US" altLang="zh-CN" dirty="0"/>
+                  <a:t> of word </a:t>
+                </a:r>
+                <a14:m>
+                  <m:oMath xmlns:m="http://schemas.openxmlformats.org/officeDocument/2006/math">
+                    <m:sSub>
+                      <m:sSubPr>
+                        <m:ctrlPr>
+                          <a:rPr lang="en-US" altLang="zh-CN" b="0" i="1" smtClean="0">
+                            <a:latin typeface="Cambria Math" panose="02040503050406030204" pitchFamily="18" charset="0"/>
+                          </a:rPr>
+                        </m:ctrlPr>
+                      </m:sSubPr>
+                      <m:e>
+                        <m:r>
+                          <a:rPr lang="en-US" altLang="zh-CN" b="0" i="1" smtClean="0">
+                            <a:latin typeface="Cambria Math" panose="02040503050406030204" pitchFamily="18" charset="0"/>
+                          </a:rPr>
+                          <m:t>𝑤</m:t>
+                        </m:r>
+                      </m:e>
+                      <m:sub>
+                        <m:r>
+                          <a:rPr lang="en-US" altLang="zh-CN" b="0" i="1" smtClean="0">
+                            <a:latin typeface="Cambria Math" panose="02040503050406030204" pitchFamily="18" charset="0"/>
+                          </a:rPr>
+                          <m:t>𝑗</m:t>
+                        </m:r>
+                      </m:sub>
+                    </m:sSub>
+                  </m:oMath>
+                </a14:m>
+                <a:r>
+                  <a:rPr lang="zh-CN" altLang="en-US" dirty="0"/>
+                  <a:t> </a:t>
+                </a:r>
+                <a:r>
+                  <a:rPr lang="en-US" altLang="zh-CN" dirty="0"/>
+                  <a:t>in </a:t>
+                </a:r>
+                <a14:m>
+                  <m:oMath xmlns:m="http://schemas.openxmlformats.org/officeDocument/2006/math">
+                    <m:sSub>
+                      <m:sSubPr>
+                        <m:ctrlPr>
+                          <a:rPr lang="en-US" altLang="zh-CN" b="0" i="1" smtClean="0">
+                            <a:latin typeface="Cambria Math" panose="02040503050406030204" pitchFamily="18" charset="0"/>
+                          </a:rPr>
+                        </m:ctrlPr>
+                      </m:sSubPr>
+                      <m:e>
+                        <m:r>
+                          <a:rPr lang="en-US" altLang="zh-CN" b="0" i="1" smtClean="0">
+                            <a:latin typeface="Cambria Math" panose="02040503050406030204" pitchFamily="18" charset="0"/>
+                          </a:rPr>
+                          <m:t>𝑑</m:t>
+                        </m:r>
+                      </m:e>
+                      <m:sub>
+                        <m:r>
+                          <a:rPr lang="en-US" altLang="zh-CN" b="0" i="1" smtClean="0">
+                            <a:latin typeface="Cambria Math" panose="02040503050406030204" pitchFamily="18" charset="0"/>
+                          </a:rPr>
+                          <m:t>𝑖</m:t>
+                        </m:r>
+                      </m:sub>
+                    </m:sSub>
+                  </m:oMath>
+                </a14:m>
+                <a:r>
+                  <a:rPr lang="en-US" altLang="zh-CN" dirty="0"/>
+                  <a:t>.</a:t>
+                </a:r>
+              </a:p>
+              <a:p>
+                <a14:m>
+                  <m:oMath xmlns:m="http://schemas.openxmlformats.org/officeDocument/2006/math">
+                    <m:acc>
+                      <m:accPr>
+                        <m:chr m:val="̂"/>
+                        <m:ctrlPr>
+                          <a:rPr lang="en-US" altLang="zh-CN" b="0" i="1" smtClean="0">
+                            <a:latin typeface="Cambria Math" panose="02040503050406030204" pitchFamily="18" charset="0"/>
+                          </a:rPr>
+                        </m:ctrlPr>
+                      </m:accPr>
+                      <m:e>
+                        <m:r>
+                          <a:rPr lang="en-US" altLang="zh-CN" b="0" i="1" smtClean="0">
+                            <a:latin typeface="Cambria Math" panose="02040503050406030204" pitchFamily="18" charset="0"/>
+                          </a:rPr>
+                          <m:t>𝑀</m:t>
+                        </m:r>
+                      </m:e>
+                    </m:acc>
+                    <m:r>
+                      <a:rPr lang="en-US" altLang="zh-CN" b="0" i="1" dirty="0" smtClean="0">
+                        <a:latin typeface="Cambria Math" panose="02040503050406030204" pitchFamily="18" charset="0"/>
+                      </a:rPr>
+                      <m:t>=</m:t>
+                    </m:r>
+                    <m:r>
+                      <a:rPr lang="en-US" altLang="zh-CN" b="0" i="1" dirty="0" smtClean="0">
+                        <a:latin typeface="Cambria Math" panose="02040503050406030204" pitchFamily="18" charset="0"/>
+                      </a:rPr>
+                      <m:t>𝑈</m:t>
+                    </m:r>
+                    <m:r>
+                      <m:rPr>
+                        <m:sty m:val="p"/>
+                      </m:rPr>
+                      <a:rPr lang="en-US" altLang="zh-CN" b="0" i="0" dirty="0" smtClean="0">
+                        <a:latin typeface="Cambria Math" panose="02040503050406030204" pitchFamily="18" charset="0"/>
+                      </a:rPr>
+                      <m:t>Σ</m:t>
+                    </m:r>
+                    <m:sSup>
+                      <m:sSupPr>
+                        <m:ctrlPr>
+                          <a:rPr lang="en-US" altLang="zh-CN" b="0" i="1" dirty="0" smtClean="0">
+                            <a:latin typeface="Cambria Math" panose="02040503050406030204" pitchFamily="18" charset="0"/>
+                          </a:rPr>
+                        </m:ctrlPr>
+                      </m:sSupPr>
+                      <m:e>
+                        <m:r>
+                          <a:rPr lang="en-US" altLang="zh-CN" b="0" i="1" dirty="0" smtClean="0">
+                            <a:latin typeface="Cambria Math" panose="02040503050406030204" pitchFamily="18" charset="0"/>
+                          </a:rPr>
+                          <m:t>𝑉</m:t>
+                        </m:r>
+                      </m:e>
+                      <m:sup>
+                        <m:r>
+                          <a:rPr lang="en-US" altLang="zh-CN" b="0" i="1" dirty="0" smtClean="0">
+                            <a:latin typeface="Cambria Math" panose="02040503050406030204" pitchFamily="18" charset="0"/>
+                          </a:rPr>
+                          <m:t>𝑇</m:t>
+                        </m:r>
+                      </m:sup>
+                    </m:sSup>
+                    <m:r>
+                      <a:rPr lang="en-US" altLang="zh-CN" b="0" i="1" dirty="0" smtClean="0">
+                        <a:latin typeface="Cambria Math" panose="02040503050406030204" pitchFamily="18" charset="0"/>
+                      </a:rPr>
+                      <m:t>≈</m:t>
+                    </m:r>
+                    <m:r>
+                      <a:rPr lang="en-US" altLang="zh-CN" b="0" i="1" dirty="0" smtClean="0">
+                        <a:latin typeface="Cambria Math" panose="02040503050406030204" pitchFamily="18" charset="0"/>
+                      </a:rPr>
+                      <m:t>𝑀</m:t>
+                    </m:r>
+                  </m:oMath>
+                </a14:m>
+                <a:r>
+                  <a:rPr lang="zh-CN" altLang="en-US" dirty="0"/>
+                  <a:t> </a:t>
+                </a:r>
+                <a:r>
+                  <a:rPr lang="en-US" altLang="zh-CN" dirty="0"/>
+                  <a:t>where </a:t>
+                </a:r>
+                <a14:m>
+                  <m:oMath xmlns:m="http://schemas.openxmlformats.org/officeDocument/2006/math">
+                    <m:r>
+                      <a:rPr lang="en-US" altLang="zh-CN" b="0" i="1" smtClean="0">
+                        <a:latin typeface="Cambria Math" panose="02040503050406030204" pitchFamily="18" charset="0"/>
+                      </a:rPr>
+                      <m:t>𝑈</m:t>
+                    </m:r>
+                    <m:r>
+                      <a:rPr lang="en-US" altLang="zh-CN" b="0" i="1" smtClean="0">
+                        <a:latin typeface="Cambria Math" panose="02040503050406030204" pitchFamily="18" charset="0"/>
+                      </a:rPr>
+                      <m:t>∈</m:t>
+                    </m:r>
+                    <m:sSup>
+                      <m:sSupPr>
+                        <m:ctrlPr>
+                          <a:rPr lang="en-US" altLang="zh-CN" b="0" i="1" smtClean="0">
+                            <a:latin typeface="Cambria Math" panose="02040503050406030204" pitchFamily="18" charset="0"/>
+                          </a:rPr>
+                        </m:ctrlPr>
+                      </m:sSupPr>
+                      <m:e>
+                        <m:r>
+                          <a:rPr lang="en-US" altLang="zh-CN" b="0" i="1" smtClean="0">
+                            <a:latin typeface="Cambria Math" panose="02040503050406030204" pitchFamily="18" charset="0"/>
+                          </a:rPr>
+                          <m:t>ℛ</m:t>
+                        </m:r>
+                      </m:e>
+                      <m:sup>
+                        <m:r>
+                          <a:rPr lang="en-US" altLang="zh-CN" b="0" i="1" smtClean="0">
+                            <a:latin typeface="Cambria Math" panose="02040503050406030204" pitchFamily="18" charset="0"/>
+                          </a:rPr>
+                          <m:t>𝑀</m:t>
+                        </m:r>
+                        <m:r>
+                          <a:rPr lang="en-US" altLang="zh-CN" b="0" i="1" smtClean="0">
+                            <a:latin typeface="Cambria Math" panose="02040503050406030204" pitchFamily="18" charset="0"/>
+                          </a:rPr>
+                          <m:t>×</m:t>
+                        </m:r>
+                        <m:r>
+                          <a:rPr lang="en-US" altLang="zh-CN" b="0" i="1" smtClean="0">
+                            <a:latin typeface="Cambria Math" panose="02040503050406030204" pitchFamily="18" charset="0"/>
+                          </a:rPr>
+                          <m:t>𝐾</m:t>
+                        </m:r>
+                      </m:sup>
+                    </m:sSup>
+                  </m:oMath>
+                </a14:m>
+                <a:r>
+                  <a:rPr lang="en-US" altLang="zh-CN" dirty="0"/>
+                  <a:t> represents the document-topic distribution, </a:t>
+                </a:r>
+                <a14:m>
+                  <m:oMath xmlns:m="http://schemas.openxmlformats.org/officeDocument/2006/math">
+                    <m:r>
+                      <m:rPr>
+                        <m:sty m:val="p"/>
+                      </m:rPr>
+                      <a:rPr lang="en-US" altLang="zh-CN" b="0" i="0" smtClean="0">
+                        <a:latin typeface="Cambria Math" panose="02040503050406030204" pitchFamily="18" charset="0"/>
+                      </a:rPr>
+                      <m:t>Σ</m:t>
+                    </m:r>
+                    <m:r>
+                      <a:rPr lang="en-US" altLang="zh-CN" b="0" i="1" smtClean="0">
+                        <a:latin typeface="Cambria Math" panose="02040503050406030204" pitchFamily="18" charset="0"/>
+                      </a:rPr>
+                      <m:t>∈</m:t>
+                    </m:r>
+                    <m:sSup>
+                      <m:sSupPr>
+                        <m:ctrlPr>
+                          <a:rPr lang="en-US" altLang="zh-CN" b="0" i="1" smtClean="0">
+                            <a:latin typeface="Cambria Math" panose="02040503050406030204" pitchFamily="18" charset="0"/>
+                          </a:rPr>
+                        </m:ctrlPr>
+                      </m:sSupPr>
+                      <m:e>
+                        <m:r>
+                          <a:rPr lang="en-US" altLang="zh-CN" b="0" i="1" smtClean="0">
+                            <a:latin typeface="Cambria Math" panose="02040503050406030204" pitchFamily="18" charset="0"/>
+                          </a:rPr>
+                          <m:t>ℛ</m:t>
+                        </m:r>
+                      </m:e>
+                      <m:sup>
+                        <m:r>
+                          <a:rPr lang="en-US" altLang="zh-CN" b="0" i="1" smtClean="0">
+                            <a:latin typeface="Cambria Math" panose="02040503050406030204" pitchFamily="18" charset="0"/>
+                          </a:rPr>
+                          <m:t>𝐾</m:t>
+                        </m:r>
+                        <m:r>
+                          <a:rPr lang="en-US" altLang="zh-CN" b="0" i="1" smtClean="0">
+                            <a:latin typeface="Cambria Math" panose="02040503050406030204" pitchFamily="18" charset="0"/>
+                          </a:rPr>
+                          <m:t>×</m:t>
+                        </m:r>
+                        <m:r>
+                          <a:rPr lang="en-US" altLang="zh-CN" b="0" i="1" smtClean="0">
+                            <a:latin typeface="Cambria Math" panose="02040503050406030204" pitchFamily="18" charset="0"/>
+                          </a:rPr>
+                          <m:t>𝐾</m:t>
+                        </m:r>
+                      </m:sup>
+                    </m:sSup>
+                  </m:oMath>
+                </a14:m>
+                <a:r>
+                  <a:rPr lang="zh-CN" altLang="en-US" dirty="0"/>
+                  <a:t> </a:t>
+                </a:r>
+                <a:r>
+                  <a:rPr lang="en-US" altLang="zh-CN" dirty="0"/>
+                  <a:t>is a diagonal matrix of descending eigenvalues and represents the topic importance, </a:t>
+                </a:r>
+                <a14:m>
+                  <m:oMath xmlns:m="http://schemas.openxmlformats.org/officeDocument/2006/math">
+                    <m:sSup>
+                      <m:sSupPr>
+                        <m:ctrlPr>
+                          <a:rPr lang="en-US" altLang="zh-CN" b="0" i="1" smtClean="0">
+                            <a:latin typeface="Cambria Math" panose="02040503050406030204" pitchFamily="18" charset="0"/>
+                          </a:rPr>
+                        </m:ctrlPr>
+                      </m:sSupPr>
+                      <m:e>
+                        <m:r>
+                          <a:rPr lang="en-US" altLang="zh-CN" b="0" i="1" smtClean="0">
+                            <a:latin typeface="Cambria Math" panose="02040503050406030204" pitchFamily="18" charset="0"/>
+                          </a:rPr>
+                          <m:t>𝑉</m:t>
+                        </m:r>
+                      </m:e>
+                      <m:sup>
+                        <m:r>
+                          <a:rPr lang="en-US" altLang="zh-CN" b="0" i="1" smtClean="0">
+                            <a:latin typeface="Cambria Math" panose="02040503050406030204" pitchFamily="18" charset="0"/>
+                          </a:rPr>
+                          <m:t>𝑇</m:t>
+                        </m:r>
+                      </m:sup>
+                    </m:sSup>
+                    <m:r>
+                      <a:rPr lang="en-US" altLang="zh-CN" b="0" i="1" smtClean="0">
+                        <a:latin typeface="Cambria Math" panose="02040503050406030204" pitchFamily="18" charset="0"/>
+                      </a:rPr>
+                      <m:t>∈</m:t>
+                    </m:r>
+                    <m:sSup>
+                      <m:sSupPr>
+                        <m:ctrlPr>
+                          <a:rPr lang="en-US" altLang="zh-CN" b="0" i="1" smtClean="0">
+                            <a:latin typeface="Cambria Math" panose="02040503050406030204" pitchFamily="18" charset="0"/>
+                          </a:rPr>
+                        </m:ctrlPr>
+                      </m:sSupPr>
+                      <m:e>
+                        <m:r>
+                          <a:rPr lang="en-US" altLang="zh-CN" b="0" i="1" smtClean="0">
+                            <a:latin typeface="Cambria Math" panose="02040503050406030204" pitchFamily="18" charset="0"/>
+                          </a:rPr>
+                          <m:t>ℛ</m:t>
+                        </m:r>
+                      </m:e>
+                      <m:sup>
+                        <m:r>
+                          <a:rPr lang="en-US" altLang="zh-CN" b="0" i="1" smtClean="0">
+                            <a:latin typeface="Cambria Math" panose="02040503050406030204" pitchFamily="18" charset="0"/>
+                          </a:rPr>
+                          <m:t>𝐾</m:t>
+                        </m:r>
+                        <m:r>
+                          <a:rPr lang="en-US" altLang="zh-CN" b="0" i="1" smtClean="0">
+                            <a:latin typeface="Cambria Math" panose="02040503050406030204" pitchFamily="18" charset="0"/>
+                          </a:rPr>
+                          <m:t>×</m:t>
+                        </m:r>
+                        <m:r>
+                          <a:rPr lang="en-US" altLang="zh-CN" b="0" i="1" smtClean="0">
+                            <a:latin typeface="Cambria Math" panose="02040503050406030204" pitchFamily="18" charset="0"/>
+                          </a:rPr>
+                          <m:t>𝑁</m:t>
+                        </m:r>
+                      </m:sup>
+                    </m:sSup>
+                  </m:oMath>
+                </a14:m>
+                <a:r>
+                  <a:rPr lang="zh-CN" altLang="en-US" dirty="0"/>
+                  <a:t> </a:t>
+                </a:r>
+                <a:r>
+                  <a:rPr lang="en-US" altLang="zh-CN" dirty="0"/>
+                  <a:t>represents the topic-word distribution</a:t>
+                </a:r>
+              </a:p>
+              <a:p>
+                <a:r>
+                  <a:rPr lang="en-US" altLang="zh-CN" dirty="0"/>
+                  <a:t>Limitations</a:t>
+                </a:r>
+              </a:p>
+              <a:p>
+                <a:pPr lvl="1"/>
+                <a:r>
+                  <a:rPr lang="en-US" altLang="zh-CN" dirty="0"/>
+                  <a:t>Bag-of-words</a:t>
+                </a:r>
+              </a:p>
+              <a:p>
+                <a:pPr lvl="1"/>
+                <a:r>
+                  <a:rPr lang="en-US" altLang="zh-CN" dirty="0"/>
+                  <a:t>It is a linear model</a:t>
+                </a:r>
+              </a:p>
+              <a:p>
+                <a:pPr lvl="1"/>
+                <a:r>
+                  <a:rPr lang="en-US" altLang="zh-CN" dirty="0"/>
+                  <a:t>From the statistical point of view, it assumes a Gaussian distribution of the terms in the documents, which is </a:t>
+                </a:r>
+                <a:r>
+                  <a:rPr lang="en-US" altLang="zh-CN" dirty="0" err="1"/>
+                  <a:t>problemestic</a:t>
+                </a:r>
+                <a:r>
+                  <a:rPr lang="en-US" altLang="zh-CN" dirty="0"/>
+                  <a:t>.</a:t>
+                </a:r>
+              </a:p>
+              <a:p>
+                <a:pPr lvl="1"/>
+                <a:endParaRPr lang="en-US" altLang="zh-CN" dirty="0"/>
+              </a:p>
+            </p:txBody>
+          </p:sp>
+        </mc:Choice>
+        <mc:Fallback xmlns="">
+          <p:sp>
+            <p:nvSpPr>
+              <p:cNvPr id="3" name="内容占位符 2">
+                <a:extLst>
+                  <a:ext uri="{FF2B5EF4-FFF2-40B4-BE49-F238E27FC236}">
+                    <a16:creationId xmlns:a16="http://schemas.microsoft.com/office/drawing/2014/main" id="{939FA902-E592-45EF-AE41-E8A54F1A93B4}"/>
+                  </a:ext>
+                </a:extLst>
+              </p:cNvPr>
+              <p:cNvSpPr>
+                <a:spLocks noGrp="1" noRot="1" noChangeAspect="1" noMove="1" noResize="1" noEditPoints="1" noAdjustHandles="1" noChangeArrowheads="1" noChangeShapeType="1" noTextEdit="1"/>
+              </p:cNvSpPr>
+              <p:nvPr>
+                <p:ph idx="1"/>
+              </p:nvPr>
+            </p:nvSpPr>
+            <p:spPr>
+              <a:blipFill>
+                <a:blip r:embed="rId2"/>
+                <a:stretch>
+                  <a:fillRect l="-1043" t="-3221" r="-812"/>
+                </a:stretch>
+              </a:blipFill>
+            </p:spPr>
+            <p:txBody>
+              <a:bodyPr/>
+              <a:lstStyle/>
+              <a:p>
+                <a:r>
+                  <a:rPr lang="en-US">
+                    <a:noFill/>
+                  </a:rPr>
+                  <a:t> </a:t>
+                </a:r>
+              </a:p>
+            </p:txBody>
+          </p:sp>
+        </mc:Fallback>
+      </mc:AlternateContent>
       <p:pic>
         <p:nvPicPr>
           <p:cNvPr id="5" name="图片 4">
             <a:extLst>
               <a:ext uri="{FF2B5EF4-FFF2-40B4-BE49-F238E27FC236}">
-                <a16:creationId xmlns:a16="http://schemas.microsoft.com/office/drawing/2014/main" id="{CF1B37B2-D9BA-438C-9FCE-B11CBB737CCC}"/>
+                <a16:creationId xmlns:a16="http://schemas.microsoft.com/office/drawing/2014/main" id="{282638CD-5587-41D4-A1BF-CEE4A95704E6}"/>
               </a:ext>
             </a:extLst>
           </p:cNvPr>
@@ -7062,15 +10853,15 @@
           <p:nvPr/>
         </p:nvPicPr>
         <p:blipFill>
-          <a:blip r:embed="rId2"/>
+          <a:blip r:embed="rId3"/>
           <a:stretch>
             <a:fillRect/>
           </a:stretch>
         </p:blipFill>
         <p:spPr>
           <a:xfrm>
-            <a:off x="2187926" y="1768885"/>
-            <a:ext cx="7816147" cy="3320230"/>
+            <a:off x="3363614" y="7663"/>
+            <a:ext cx="5464772" cy="1817962"/>
           </a:xfrm>
           <a:prstGeom prst="rect">
             <a:avLst/>
@@ -7080,7 +10871,7 @@
     </p:spTree>
     <p:extLst>
       <p:ext uri="{BB962C8B-B14F-4D97-AF65-F5344CB8AC3E}">
-        <p14:creationId xmlns:p14="http://schemas.microsoft.com/office/powerpoint/2010/main" val="3283832212"/>
+        <p14:creationId xmlns:p14="http://schemas.microsoft.com/office/powerpoint/2010/main" val="1745394301"/>
       </p:ext>
     </p:extLst>
   </p:cSld>
